--- a/设计/云颜文字iOS2数据结构设计.pptx
+++ b/设计/云颜文字iOS2数据结构设计.pptx
@@ -288,7 +288,7 @@
           <a:p>
             <a:fld id="{16227CF1-EB98-6141-A160-F48BACBCDEB3}" type="datetimeFigureOut">
               <a:rPr kumimoji="1" lang="zh-CN" altLang="en-US" smtClean="0"/>
-              <a:t>14/8/7</a:t>
+              <a:t>14/8/8</a:t>
             </a:fld>
             <a:endParaRPr kumimoji="1" lang="zh-CN" altLang="en-US"/>
           </a:p>
@@ -458,7 +458,7 @@
           <a:p>
             <a:fld id="{16227CF1-EB98-6141-A160-F48BACBCDEB3}" type="datetimeFigureOut">
               <a:rPr kumimoji="1" lang="zh-CN" altLang="en-US" smtClean="0"/>
-              <a:t>14/8/7</a:t>
+              <a:t>14/8/8</a:t>
             </a:fld>
             <a:endParaRPr kumimoji="1" lang="zh-CN" altLang="en-US"/>
           </a:p>
@@ -638,7 +638,7 @@
           <a:p>
             <a:fld id="{16227CF1-EB98-6141-A160-F48BACBCDEB3}" type="datetimeFigureOut">
               <a:rPr kumimoji="1" lang="zh-CN" altLang="en-US" smtClean="0"/>
-              <a:t>14/8/7</a:t>
+              <a:t>14/8/8</a:t>
             </a:fld>
             <a:endParaRPr kumimoji="1" lang="zh-CN" altLang="en-US"/>
           </a:p>
@@ -808,7 +808,7 @@
           <a:p>
             <a:fld id="{16227CF1-EB98-6141-A160-F48BACBCDEB3}" type="datetimeFigureOut">
               <a:rPr kumimoji="1" lang="zh-CN" altLang="en-US" smtClean="0"/>
-              <a:t>14/8/7</a:t>
+              <a:t>14/8/8</a:t>
             </a:fld>
             <a:endParaRPr kumimoji="1" lang="zh-CN" altLang="en-US"/>
           </a:p>
@@ -1054,7 +1054,7 @@
           <a:p>
             <a:fld id="{16227CF1-EB98-6141-A160-F48BACBCDEB3}" type="datetimeFigureOut">
               <a:rPr kumimoji="1" lang="zh-CN" altLang="en-US" smtClean="0"/>
-              <a:t>14/8/7</a:t>
+              <a:t>14/8/8</a:t>
             </a:fld>
             <a:endParaRPr kumimoji="1" lang="zh-CN" altLang="en-US"/>
           </a:p>
@@ -1342,7 +1342,7 @@
           <a:p>
             <a:fld id="{16227CF1-EB98-6141-A160-F48BACBCDEB3}" type="datetimeFigureOut">
               <a:rPr kumimoji="1" lang="zh-CN" altLang="en-US" smtClean="0"/>
-              <a:t>14/8/7</a:t>
+              <a:t>14/8/8</a:t>
             </a:fld>
             <a:endParaRPr kumimoji="1" lang="zh-CN" altLang="en-US"/>
           </a:p>
@@ -1764,7 +1764,7 @@
           <a:p>
             <a:fld id="{16227CF1-EB98-6141-A160-F48BACBCDEB3}" type="datetimeFigureOut">
               <a:rPr kumimoji="1" lang="zh-CN" altLang="en-US" smtClean="0"/>
-              <a:t>14/8/7</a:t>
+              <a:t>14/8/8</a:t>
             </a:fld>
             <a:endParaRPr kumimoji="1" lang="zh-CN" altLang="en-US"/>
           </a:p>
@@ -1882,7 +1882,7 @@
           <a:p>
             <a:fld id="{16227CF1-EB98-6141-A160-F48BACBCDEB3}" type="datetimeFigureOut">
               <a:rPr kumimoji="1" lang="zh-CN" altLang="en-US" smtClean="0"/>
-              <a:t>14/8/7</a:t>
+              <a:t>14/8/8</a:t>
             </a:fld>
             <a:endParaRPr kumimoji="1" lang="zh-CN" altLang="en-US"/>
           </a:p>
@@ -1977,7 +1977,7 @@
           <a:p>
             <a:fld id="{16227CF1-EB98-6141-A160-F48BACBCDEB3}" type="datetimeFigureOut">
               <a:rPr kumimoji="1" lang="zh-CN" altLang="en-US" smtClean="0"/>
-              <a:t>14/8/7</a:t>
+              <a:t>14/8/8</a:t>
             </a:fld>
             <a:endParaRPr kumimoji="1" lang="zh-CN" altLang="en-US"/>
           </a:p>
@@ -2254,7 +2254,7 @@
           <a:p>
             <a:fld id="{16227CF1-EB98-6141-A160-F48BACBCDEB3}" type="datetimeFigureOut">
               <a:rPr kumimoji="1" lang="zh-CN" altLang="en-US" smtClean="0"/>
-              <a:t>14/8/7</a:t>
+              <a:t>14/8/8</a:t>
             </a:fld>
             <a:endParaRPr kumimoji="1" lang="zh-CN" altLang="en-US"/>
           </a:p>
@@ -2507,7 +2507,7 @@
           <a:p>
             <a:fld id="{16227CF1-EB98-6141-A160-F48BACBCDEB3}" type="datetimeFigureOut">
               <a:rPr kumimoji="1" lang="zh-CN" altLang="en-US" smtClean="0"/>
-              <a:t>14/8/7</a:t>
+              <a:t>14/8/8</a:t>
             </a:fld>
             <a:endParaRPr kumimoji="1" lang="zh-CN" altLang="en-US"/>
           </a:p>
@@ -2720,7 +2720,7 @@
           <a:p>
             <a:fld id="{16227CF1-EB98-6141-A160-F48BACBCDEB3}" type="datetimeFigureOut">
               <a:rPr kumimoji="1" lang="zh-CN" altLang="en-US" smtClean="0"/>
-              <a:t>14/8/7</a:t>
+              <a:t>14/8/8</a:t>
             </a:fld>
             <a:endParaRPr kumimoji="1" lang="zh-CN" altLang="en-US"/>
           </a:p>
@@ -3568,9 +3568,9 @@
           </p:nvGrpSpPr>
           <p:grpSpPr>
             <a:xfrm>
-              <a:off x="3878351" y="2635006"/>
+              <a:off x="4523323" y="2645079"/>
               <a:ext cx="1861846" cy="1868756"/>
-              <a:chOff x="3878351" y="2635006"/>
+              <a:chOff x="4523323" y="2645079"/>
               <a:chExt cx="1861846" cy="1868756"/>
             </a:xfrm>
           </p:grpSpPr>
@@ -3582,7 +3582,7 @@
             </p:nvSpPr>
             <p:spPr>
               <a:xfrm>
-                <a:off x="3878351" y="2635006"/>
+                <a:off x="4523323" y="2645079"/>
                 <a:ext cx="1861846" cy="1868756"/>
               </a:xfrm>
               <a:prstGeom prst="rect">
@@ -3620,7 +3620,7 @@
             </p:nvSpPr>
             <p:spPr>
               <a:xfrm>
-                <a:off x="4081549" y="2635006"/>
+                <a:off x="4726521" y="2645079"/>
                 <a:ext cx="1414269" cy="646331"/>
               </a:xfrm>
               <a:prstGeom prst="rect">
@@ -3702,7 +3702,7 @@
             </p:nvSpPr>
             <p:spPr>
               <a:xfrm>
-                <a:off x="3980316" y="3281337"/>
+                <a:off x="4625288" y="3291410"/>
                 <a:ext cx="799004" cy="1147222"/>
               </a:xfrm>
               <a:prstGeom prst="rect">
@@ -3815,7 +3815,7 @@
             </p:nvSpPr>
             <p:spPr>
               <a:xfrm>
-                <a:off x="4857527" y="3281337"/>
+                <a:off x="5502499" y="3291410"/>
                 <a:ext cx="799004" cy="1147222"/>
               </a:xfrm>
               <a:prstGeom prst="rect">
@@ -3969,9 +3969,9 @@
           </p:nvGrpSpPr>
           <p:grpSpPr>
             <a:xfrm>
-              <a:off x="5808931" y="2635006"/>
+              <a:off x="6453903" y="2645079"/>
               <a:ext cx="1861846" cy="1868756"/>
-              <a:chOff x="3878351" y="2635006"/>
+              <a:chOff x="4523323" y="2645079"/>
               <a:chExt cx="1861846" cy="1868756"/>
             </a:xfrm>
           </p:grpSpPr>
@@ -3983,7 +3983,7 @@
             </p:nvSpPr>
             <p:spPr>
               <a:xfrm>
-                <a:off x="3878351" y="2635006"/>
+                <a:off x="4523323" y="2645079"/>
                 <a:ext cx="1861846" cy="1868756"/>
               </a:xfrm>
               <a:prstGeom prst="rect">
@@ -4021,7 +4021,7 @@
             </p:nvSpPr>
             <p:spPr>
               <a:xfrm>
-                <a:off x="4081548" y="2635006"/>
+                <a:off x="4726520" y="2645079"/>
                 <a:ext cx="1414269" cy="646331"/>
               </a:xfrm>
               <a:prstGeom prst="rect">
@@ -4103,7 +4103,7 @@
             </p:nvSpPr>
             <p:spPr>
               <a:xfrm>
-                <a:off x="3980316" y="3281337"/>
+                <a:off x="4625288" y="3291410"/>
                 <a:ext cx="799004" cy="1147222"/>
               </a:xfrm>
               <a:prstGeom prst="rect">
@@ -4216,7 +4216,7 @@
             </p:nvSpPr>
             <p:spPr>
               <a:xfrm>
-                <a:off x="4857527" y="3281337"/>
+                <a:off x="5502499" y="3291410"/>
                 <a:ext cx="799004" cy="1147222"/>
               </a:xfrm>
               <a:prstGeom prst="rect">
@@ -4370,8 +4370,8 @@
           </p:nvSpPr>
           <p:spPr>
             <a:xfrm>
-              <a:off x="7895908" y="3281337"/>
-              <a:ext cx="728535" cy="523220"/>
+              <a:off x="8341692" y="3273457"/>
+              <a:ext cx="456600" cy="523220"/>
             </a:xfrm>
             <a:prstGeom prst="rect">
               <a:avLst/>
@@ -4386,7 +4386,11 @@
             <a:p>
               <a:r>
                 <a:rPr kumimoji="1" lang="en-US" altLang="zh-CN" sz="2800" dirty="0" smtClean="0"/>
-                <a:t>......</a:t>
+                <a:t>.</a:t>
+              </a:r>
+              <a:r>
+                <a:rPr kumimoji="1" lang="en-US" altLang="zh-CN" sz="2800" dirty="0" smtClean="0"/>
+                <a:t>..</a:t>
               </a:r>
               <a:endParaRPr kumimoji="1" lang="zh-CN" altLang="en-US" sz="2800" dirty="0"/>
             </a:p>
@@ -6160,6 +6164,86 @@
           <a:p>
             <a:pPr algn="ctr"/>
             <a:endParaRPr kumimoji="1" lang="zh-CN" altLang="en-US"/>
+          </a:p>
+        </p:txBody>
+      </p:sp>
+      <p:sp>
+        <p:nvSpPr>
+          <p:cNvPr id="45" name="矩形 44"/>
+          <p:cNvSpPr/>
+          <p:nvPr/>
+        </p:nvSpPr>
+        <p:spPr>
+          <a:xfrm>
+            <a:off x="3726682" y="1329028"/>
+            <a:ext cx="568227" cy="1868756"/>
+          </a:xfrm>
+          <a:prstGeom prst="rect">
+            <a:avLst/>
+          </a:prstGeom>
+        </p:spPr>
+        <p:style>
+          <a:lnRef idx="1">
+            <a:schemeClr val="accent4"/>
+          </a:lnRef>
+          <a:fillRef idx="3">
+            <a:schemeClr val="accent4"/>
+          </a:fillRef>
+          <a:effectRef idx="2">
+            <a:schemeClr val="accent4"/>
+          </a:effectRef>
+          <a:fontRef idx="minor">
+            <a:schemeClr val="lt1"/>
+          </a:fontRef>
+        </p:style>
+        <p:txBody>
+          <a:bodyPr rtlCol="0" anchor="ctr"/>
+          <a:lstStyle/>
+          <a:p>
+            <a:pPr algn="ctr"/>
+            <a:r>
+              <a:rPr kumimoji="1" lang="en-US" altLang="zh-CN" sz="1200" dirty="0" smtClean="0">
+                <a:solidFill>
+                  <a:schemeClr val="bg1"/>
+                </a:solidFill>
+              </a:rPr>
+              <a:t>0</a:t>
+            </a:r>
+          </a:p>
+          <a:p>
+            <a:pPr algn="ctr"/>
+            <a:r>
+              <a:rPr kumimoji="1" lang="en-US" altLang="zh-CN" sz="1200" dirty="0" err="1" smtClean="0">
+                <a:solidFill>
+                  <a:schemeClr val="bg1"/>
+                </a:solidFill>
+              </a:rPr>
+              <a:t>g_groupname</a:t>
+            </a:r>
+            <a:r>
+              <a:rPr kumimoji="1" lang="en-US" altLang="zh-CN" sz="1200" dirty="0" smtClean="0">
+                <a:solidFill>
+                  <a:schemeClr val="bg1"/>
+                </a:solidFill>
+              </a:rPr>
+              <a:t>!</a:t>
+            </a:r>
+          </a:p>
+          <a:p>
+            <a:pPr algn="ctr"/>
+            <a:r>
+              <a:rPr kumimoji="1" lang="zh-CN" altLang="en-US" sz="1200" dirty="0" smtClean="0">
+                <a:solidFill>
+                  <a:schemeClr val="bg1"/>
+                </a:solidFill>
+              </a:rPr>
+              <a:t>分组名称</a:t>
+            </a:r>
+            <a:endParaRPr kumimoji="1" lang="en-US" altLang="zh-CN" sz="1200" dirty="0" smtClean="0">
+              <a:solidFill>
+                <a:schemeClr val="bg1"/>
+              </a:solidFill>
+            </a:endParaRPr>
           </a:p>
         </p:txBody>
       </p:sp>

--- a/设计/云颜文字iOS2数据结构设计.pptx
+++ b/设计/云颜文字iOS2数据结构设计.pptx
@@ -3286,6 +3286,10 @@
             <a:pPr algn="ctr"/>
             <a:r>
               <a:rPr lang="en-US" altLang="zh-CN" sz="1200" dirty="0" err="1" smtClean="0"/>
+              <a:t>zfile:</a:t>
+            </a:r>
+            <a:r>
+              <a:rPr lang="en-US" altLang="zh-CN" sz="1200" dirty="0" err="1" smtClean="0"/>
               <a:t>NSArray</a:t>
             </a:r>
             <a:endParaRPr kumimoji="1" lang="zh-CN" altLang="en-US" sz="1200" dirty="0"/>
@@ -3518,7 +3522,7 @@
             <a:p>
               <a:pPr algn="ctr"/>
               <a:r>
-                <a:rPr kumimoji="1" lang="en-US" altLang="zh-CN" sz="1200" dirty="0" err="1">
+                <a:rPr kumimoji="1" lang="en-US" altLang="zh-CN" sz="1200" dirty="0" err="1" smtClean="0">
                   <a:solidFill>
                     <a:schemeClr val="accent6">
                       <a:lumMod val="50000"/>

--- a/设计/云颜文字iOS2数据结构设计.pptx
+++ b/设计/云颜文字iOS2数据结构设计.pptx
@@ -288,7 +288,7 @@
           <a:p>
             <a:fld id="{16227CF1-EB98-6141-A160-F48BACBCDEB3}" type="datetimeFigureOut">
               <a:rPr kumimoji="1" lang="zh-CN" altLang="en-US" smtClean="0"/>
-              <a:t>14/8/8</a:t>
+              <a:t>14/8/13</a:t>
             </a:fld>
             <a:endParaRPr kumimoji="1" lang="zh-CN" altLang="en-US"/>
           </a:p>
@@ -458,7 +458,7 @@
           <a:p>
             <a:fld id="{16227CF1-EB98-6141-A160-F48BACBCDEB3}" type="datetimeFigureOut">
               <a:rPr kumimoji="1" lang="zh-CN" altLang="en-US" smtClean="0"/>
-              <a:t>14/8/8</a:t>
+              <a:t>14/8/13</a:t>
             </a:fld>
             <a:endParaRPr kumimoji="1" lang="zh-CN" altLang="en-US"/>
           </a:p>
@@ -638,7 +638,7 @@
           <a:p>
             <a:fld id="{16227CF1-EB98-6141-A160-F48BACBCDEB3}" type="datetimeFigureOut">
               <a:rPr kumimoji="1" lang="zh-CN" altLang="en-US" smtClean="0"/>
-              <a:t>14/8/8</a:t>
+              <a:t>14/8/13</a:t>
             </a:fld>
             <a:endParaRPr kumimoji="1" lang="zh-CN" altLang="en-US"/>
           </a:p>
@@ -808,7 +808,7 @@
           <a:p>
             <a:fld id="{16227CF1-EB98-6141-A160-F48BACBCDEB3}" type="datetimeFigureOut">
               <a:rPr kumimoji="1" lang="zh-CN" altLang="en-US" smtClean="0"/>
-              <a:t>14/8/8</a:t>
+              <a:t>14/8/13</a:t>
             </a:fld>
             <a:endParaRPr kumimoji="1" lang="zh-CN" altLang="en-US"/>
           </a:p>
@@ -1054,7 +1054,7 @@
           <a:p>
             <a:fld id="{16227CF1-EB98-6141-A160-F48BACBCDEB3}" type="datetimeFigureOut">
               <a:rPr kumimoji="1" lang="zh-CN" altLang="en-US" smtClean="0"/>
-              <a:t>14/8/8</a:t>
+              <a:t>14/8/13</a:t>
             </a:fld>
             <a:endParaRPr kumimoji="1" lang="zh-CN" altLang="en-US"/>
           </a:p>
@@ -1342,7 +1342,7 @@
           <a:p>
             <a:fld id="{16227CF1-EB98-6141-A160-F48BACBCDEB3}" type="datetimeFigureOut">
               <a:rPr kumimoji="1" lang="zh-CN" altLang="en-US" smtClean="0"/>
-              <a:t>14/8/8</a:t>
+              <a:t>14/8/13</a:t>
             </a:fld>
             <a:endParaRPr kumimoji="1" lang="zh-CN" altLang="en-US"/>
           </a:p>
@@ -1764,7 +1764,7 @@
           <a:p>
             <a:fld id="{16227CF1-EB98-6141-A160-F48BACBCDEB3}" type="datetimeFigureOut">
               <a:rPr kumimoji="1" lang="zh-CN" altLang="en-US" smtClean="0"/>
-              <a:t>14/8/8</a:t>
+              <a:t>14/8/13</a:t>
             </a:fld>
             <a:endParaRPr kumimoji="1" lang="zh-CN" altLang="en-US"/>
           </a:p>
@@ -1882,7 +1882,7 @@
           <a:p>
             <a:fld id="{16227CF1-EB98-6141-A160-F48BACBCDEB3}" type="datetimeFigureOut">
               <a:rPr kumimoji="1" lang="zh-CN" altLang="en-US" smtClean="0"/>
-              <a:t>14/8/8</a:t>
+              <a:t>14/8/13</a:t>
             </a:fld>
             <a:endParaRPr kumimoji="1" lang="zh-CN" altLang="en-US"/>
           </a:p>
@@ -1977,7 +1977,7 @@
           <a:p>
             <a:fld id="{16227CF1-EB98-6141-A160-F48BACBCDEB3}" type="datetimeFigureOut">
               <a:rPr kumimoji="1" lang="zh-CN" altLang="en-US" smtClean="0"/>
-              <a:t>14/8/8</a:t>
+              <a:t>14/8/13</a:t>
             </a:fld>
             <a:endParaRPr kumimoji="1" lang="zh-CN" altLang="en-US"/>
           </a:p>
@@ -2254,7 +2254,7 @@
           <a:p>
             <a:fld id="{16227CF1-EB98-6141-A160-F48BACBCDEB3}" type="datetimeFigureOut">
               <a:rPr kumimoji="1" lang="zh-CN" altLang="en-US" smtClean="0"/>
-              <a:t>14/8/8</a:t>
+              <a:t>14/8/13</a:t>
             </a:fld>
             <a:endParaRPr kumimoji="1" lang="zh-CN" altLang="en-US"/>
           </a:p>
@@ -2507,7 +2507,7 @@
           <a:p>
             <a:fld id="{16227CF1-EB98-6141-A160-F48BACBCDEB3}" type="datetimeFigureOut">
               <a:rPr kumimoji="1" lang="zh-CN" altLang="en-US" smtClean="0"/>
-              <a:t>14/8/8</a:t>
+              <a:t>14/8/13</a:t>
             </a:fld>
             <a:endParaRPr kumimoji="1" lang="zh-CN" altLang="en-US"/>
           </a:p>
@@ -2720,7 +2720,7 @@
           <a:p>
             <a:fld id="{16227CF1-EB98-6141-A160-F48BACBCDEB3}" type="datetimeFigureOut">
               <a:rPr kumimoji="1" lang="zh-CN" altLang="en-US" smtClean="0"/>
-              <a:t>14/8/8</a:t>
+              <a:t>14/8/13</a:t>
             </a:fld>
             <a:endParaRPr kumimoji="1" lang="zh-CN" altLang="en-US"/>
           </a:p>
@@ -3286,11 +3286,7 @@
             <a:pPr algn="ctr"/>
             <a:r>
               <a:rPr lang="en-US" altLang="zh-CN" sz="1200" dirty="0" err="1" smtClean="0"/>
-              <a:t>zfile:</a:t>
-            </a:r>
-            <a:r>
-              <a:rPr lang="en-US" altLang="zh-CN" sz="1200" dirty="0" err="1" smtClean="0"/>
-              <a:t>NSArray</a:t>
+              <a:t>zfile:NSArray</a:t>
             </a:r>
             <a:endParaRPr kumimoji="1" lang="zh-CN" altLang="en-US" sz="1200" dirty="0"/>
           </a:p>
@@ -3433,30 +3429,147 @@
           </a:p>
         </p:txBody>
       </p:sp>
+      <p:sp>
+        <p:nvSpPr>
+          <p:cNvPr id="8" name="矩形 7"/>
+          <p:cNvSpPr/>
+          <p:nvPr/>
+        </p:nvSpPr>
+        <p:spPr>
+          <a:xfrm>
+            <a:off x="3628088" y="664267"/>
+            <a:ext cx="5012503" cy="2598645"/>
+          </a:xfrm>
+          <a:prstGeom prst="rect">
+            <a:avLst/>
+          </a:prstGeom>
+        </p:spPr>
+        <p:style>
+          <a:lnRef idx="1">
+            <a:schemeClr val="accent6"/>
+          </a:lnRef>
+          <a:fillRef idx="3">
+            <a:schemeClr val="accent6"/>
+          </a:fillRef>
+          <a:effectRef idx="2">
+            <a:schemeClr val="accent6"/>
+          </a:effectRef>
+          <a:fontRef idx="minor">
+            <a:schemeClr val="lt1"/>
+          </a:fontRef>
+        </p:style>
+        <p:txBody>
+          <a:bodyPr rtlCol="0" anchor="ctr"/>
+          <a:lstStyle/>
+          <a:p>
+            <a:pPr algn="ctr"/>
+            <a:endParaRPr kumimoji="1" lang="en-US" altLang="zh-CN" dirty="0" smtClean="0"/>
+          </a:p>
+        </p:txBody>
+      </p:sp>
+      <p:sp>
+        <p:nvSpPr>
+          <p:cNvPr id="9" name="文本框 8"/>
+          <p:cNvSpPr txBox="1"/>
+          <p:nvPr/>
+        </p:nvSpPr>
+        <p:spPr>
+          <a:xfrm>
+            <a:off x="4547426" y="672623"/>
+            <a:ext cx="3366242" cy="646331"/>
+          </a:xfrm>
+          <a:prstGeom prst="rect">
+            <a:avLst/>
+          </a:prstGeom>
+          <a:noFill/>
+        </p:spPr>
+        <p:txBody>
+          <a:bodyPr wrap="square" rtlCol="0">
+            <a:spAutoFit/>
+          </a:bodyPr>
+          <a:lstStyle/>
+          <a:p>
+            <a:pPr algn="ctr"/>
+            <a:r>
+              <a:rPr kumimoji="1" lang="en-US" altLang="zh-CN" sz="1200" dirty="0" smtClean="0">
+                <a:solidFill>
+                  <a:schemeClr val="accent6">
+                    <a:lumMod val="50000"/>
+                  </a:schemeClr>
+                </a:solidFill>
+              </a:rPr>
+              <a:t>3</a:t>
+            </a:r>
+          </a:p>
+          <a:p>
+            <a:pPr algn="ctr"/>
+            <a:r>
+              <a:rPr kumimoji="1" lang="en-US" altLang="zh-CN" sz="1200" dirty="0" err="1" smtClean="0">
+                <a:solidFill>
+                  <a:schemeClr val="accent6">
+                    <a:lumMod val="50000"/>
+                  </a:schemeClr>
+                </a:solidFill>
+              </a:rPr>
+              <a:t>y_emoarr:NSMutableArray</a:t>
+            </a:r>
+            <a:r>
+              <a:rPr kumimoji="1" lang="en-US" altLang="zh-CN" sz="1200" dirty="0" smtClean="0">
+                <a:solidFill>
+                  <a:schemeClr val="accent6">
+                    <a:lumMod val="50000"/>
+                  </a:schemeClr>
+                </a:solidFill>
+              </a:rPr>
+              <a:t>!</a:t>
+            </a:r>
+          </a:p>
+          <a:p>
+            <a:pPr algn="ctr"/>
+            <a:r>
+              <a:rPr kumimoji="1" lang="zh-CN" altLang="en-US" sz="1200" dirty="0" smtClean="0">
+                <a:solidFill>
+                  <a:schemeClr val="accent6">
+                    <a:lumMod val="50000"/>
+                  </a:schemeClr>
+                </a:solidFill>
+              </a:rPr>
+              <a:t>颜文字存储数组</a:t>
+            </a:r>
+            <a:endParaRPr kumimoji="1" lang="en-US" altLang="zh-CN" sz="1200" dirty="0" smtClean="0">
+              <a:solidFill>
+                <a:schemeClr val="accent6">
+                  <a:lumMod val="50000"/>
+                </a:schemeClr>
+              </a:solidFill>
+            </a:endParaRPr>
+          </a:p>
+        </p:txBody>
+      </p:sp>
       <p:grpSp>
         <p:nvGrpSpPr>
-          <p:cNvPr id="2" name="组 1"/>
+          <p:cNvPr id="3" name="组 2"/>
           <p:cNvGrpSpPr/>
           <p:nvPr/>
         </p:nvGrpSpPr>
         <p:grpSpPr>
           <a:xfrm>
-            <a:off x="3628088" y="664267"/>
-            <a:ext cx="5012503" cy="2598645"/>
-            <a:chOff x="3785789" y="1980318"/>
-            <a:chExt cx="5012503" cy="2598645"/>
+            <a:off x="4365622" y="1546650"/>
+            <a:ext cx="3153693" cy="1651133"/>
+            <a:chOff x="4365622" y="1546650"/>
+            <a:chExt cx="3153693" cy="1651133"/>
           </a:xfrm>
         </p:grpSpPr>
         <p:sp>
           <p:nvSpPr>
-            <p:cNvPr id="8" name="矩形 7"/>
+            <p:cNvPr id="10" name="矩形 9"/>
             <p:cNvSpPr/>
             <p:nvPr/>
           </p:nvSpPr>
           <p:spPr>
             <a:xfrm>
-              <a:off x="3785789" y="1980318"/>
-              <a:ext cx="5012503" cy="2598645"/>
+              <a:off x="4365622" y="1609238"/>
+              <a:ext cx="1861846" cy="1588545"/>
             </a:xfrm>
             <a:prstGeom prst="rect">
               <a:avLst/>
@@ -3464,13 +3577,13 @@
           </p:spPr>
           <p:style>
             <a:lnRef idx="1">
-              <a:schemeClr val="accent6"/>
+              <a:schemeClr val="accent4"/>
             </a:lnRef>
             <a:fillRef idx="3">
-              <a:schemeClr val="accent6"/>
+              <a:schemeClr val="accent4"/>
             </a:fillRef>
             <a:effectRef idx="2">
-              <a:schemeClr val="accent6"/>
+              <a:schemeClr val="accent4"/>
             </a:effectRef>
             <a:fontRef idx="minor">
               <a:schemeClr val="lt1"/>
@@ -3481,20 +3594,20 @@
             <a:lstStyle/>
             <a:p>
               <a:pPr algn="ctr"/>
-              <a:endParaRPr kumimoji="1" lang="en-US" altLang="zh-CN" dirty="0" smtClean="0"/>
+              <a:endParaRPr kumimoji="1" lang="en-US" altLang="zh-CN" sz="1200" dirty="0" smtClean="0"/>
             </a:p>
           </p:txBody>
         </p:sp>
         <p:sp>
           <p:nvSpPr>
-            <p:cNvPr id="9" name="文本框 8"/>
+            <p:cNvPr id="11" name="文本框 10"/>
             <p:cNvSpPr txBox="1"/>
             <p:nvPr/>
           </p:nvSpPr>
           <p:spPr>
             <a:xfrm>
-              <a:off x="4705127" y="1988674"/>
-              <a:ext cx="3366242" cy="646331"/>
+              <a:off x="4568820" y="1546650"/>
+              <a:ext cx="1414269" cy="646331"/>
             </a:xfrm>
             <a:prstGeom prst="rect">
               <a:avLst/>
@@ -3502,21 +3615,114 @@
             <a:noFill/>
           </p:spPr>
           <p:txBody>
-            <a:bodyPr wrap="square" rtlCol="0">
+            <a:bodyPr wrap="none" rtlCol="0">
               <a:spAutoFit/>
             </a:bodyPr>
+            <a:lstStyle/>
+            <a:p>
+              <a:pPr lvl="0" algn="ctr"/>
+              <a:r>
+                <a:rPr kumimoji="1" lang="en-US" altLang="zh-CN" sz="1200" dirty="0">
+                  <a:solidFill>
+                    <a:prstClr val="white"/>
+                  </a:solidFill>
+                </a:rPr>
+                <a:t>1</a:t>
+              </a:r>
+            </a:p>
+            <a:p>
+              <a:pPr lvl="0" algn="ctr"/>
+              <a:r>
+                <a:rPr lang="en-US" altLang="zh-CN" sz="1200" dirty="0" err="1" smtClean="0">
+                  <a:solidFill>
+                    <a:prstClr val="white"/>
+                  </a:solidFill>
+                </a:rPr>
+                <a:t>g_emoobj:NSArray</a:t>
+              </a:r>
+              <a:r>
+                <a:rPr lang="en-US" altLang="zh-CN" sz="1200" dirty="0" smtClean="0">
+                  <a:solidFill>
+                    <a:prstClr val="white"/>
+                  </a:solidFill>
+                </a:rPr>
+                <a:t>!</a:t>
+              </a:r>
+              <a:endParaRPr lang="en-US" altLang="zh-CN" sz="1200" dirty="0">
+                <a:solidFill>
+                  <a:prstClr val="white"/>
+                </a:solidFill>
+              </a:endParaRPr>
+            </a:p>
+            <a:p>
+              <a:pPr lvl="0" algn="ctr"/>
+              <a:r>
+                <a:rPr kumimoji="1" lang="zh-CN" altLang="en-US" sz="1200" dirty="0">
+                  <a:solidFill>
+                    <a:prstClr val="white"/>
+                  </a:solidFill>
+                </a:rPr>
+                <a:t>颜</a:t>
+              </a:r>
+              <a:r>
+                <a:rPr kumimoji="1" lang="zh-CN" altLang="en-US" sz="1200" dirty="0" smtClean="0">
+                  <a:solidFill>
+                    <a:prstClr val="white"/>
+                  </a:solidFill>
+                </a:rPr>
+                <a:t>文字</a:t>
+              </a:r>
+              <a:endParaRPr kumimoji="1" lang="en-US" altLang="zh-CN" sz="1200" dirty="0">
+                <a:solidFill>
+                  <a:prstClr val="white"/>
+                </a:solidFill>
+              </a:endParaRPr>
+            </a:p>
+          </p:txBody>
+        </p:sp>
+        <p:sp>
+          <p:nvSpPr>
+            <p:cNvPr id="12" name="矩形 11"/>
+            <p:cNvSpPr/>
+            <p:nvPr/>
+          </p:nvSpPr>
+          <p:spPr>
+            <a:xfrm>
+              <a:off x="4467587" y="2169317"/>
+              <a:ext cx="799004" cy="953264"/>
+            </a:xfrm>
+            <a:prstGeom prst="rect">
+              <a:avLst/>
+            </a:prstGeom>
+          </p:spPr>
+          <p:style>
+            <a:lnRef idx="1">
+              <a:schemeClr val="accent3"/>
+            </a:lnRef>
+            <a:fillRef idx="3">
+              <a:schemeClr val="accent3"/>
+            </a:fillRef>
+            <a:effectRef idx="2">
+              <a:schemeClr val="accent3"/>
+            </a:effectRef>
+            <a:fontRef idx="minor">
+              <a:schemeClr val="lt1"/>
+            </a:fontRef>
+          </p:style>
+          <p:txBody>
+            <a:bodyPr rtlCol="0" anchor="ctr"/>
             <a:lstStyle/>
             <a:p>
               <a:pPr algn="ctr"/>
               <a:r>
                 <a:rPr kumimoji="1" lang="en-US" altLang="zh-CN" sz="1200" dirty="0" smtClean="0">
                   <a:solidFill>
-                    <a:schemeClr val="accent6">
+                    <a:schemeClr val="accent1">
                       <a:lumMod val="50000"/>
                     </a:schemeClr>
                   </a:solidFill>
                 </a:rPr>
-                <a:t>3</a:t>
+                <a:t>1</a:t>
               </a:r>
             </a:p>
             <a:p>
@@ -3524,17 +3730,40 @@
               <a:r>
                 <a:rPr kumimoji="1" lang="en-US" altLang="zh-CN" sz="1200" dirty="0" err="1" smtClean="0">
                   <a:solidFill>
-                    <a:schemeClr val="accent6">
+                    <a:schemeClr val="accent1">
                       <a:lumMod val="50000"/>
                     </a:schemeClr>
                   </a:solidFill>
                 </a:rPr>
-                <a:t>y_emoarr:NSMutableArray</a:t>
+                <a:t>e_emo</a:t>
               </a:r>
               <a:r>
                 <a:rPr kumimoji="1" lang="en-US" altLang="zh-CN" sz="1200" dirty="0" smtClean="0">
                   <a:solidFill>
-                    <a:schemeClr val="accent6">
+                    <a:schemeClr val="accent1">
+                      <a:lumMod val="50000"/>
+                    </a:schemeClr>
+                  </a:solidFill>
+                </a:rPr>
+                <a:t>:</a:t>
+              </a:r>
+            </a:p>
+            <a:p>
+              <a:pPr algn="ctr"/>
+              <a:r>
+                <a:rPr kumimoji="1" lang="en-US" altLang="zh-CN" sz="1200" dirty="0" err="1" smtClean="0">
+                  <a:solidFill>
+                    <a:schemeClr val="accent1">
+                      <a:lumMod val="50000"/>
+                    </a:schemeClr>
+                  </a:solidFill>
+                </a:rPr>
+                <a:t>NSString</a:t>
+              </a:r>
+              <a:r>
+                <a:rPr kumimoji="1" lang="en-US" altLang="zh-CN" sz="1200" dirty="0" smtClean="0">
+                  <a:solidFill>
+                    <a:schemeClr val="accent1">
                       <a:lumMod val="50000"/>
                     </a:schemeClr>
                   </a:solidFill>
@@ -3547,16 +3776,16 @@
               <a:r>
                 <a:rPr kumimoji="1" lang="zh-CN" altLang="en-US" sz="1200" dirty="0" smtClean="0">
                   <a:solidFill>
-                    <a:schemeClr val="accent6">
+                    <a:schemeClr val="accent1">
                       <a:lumMod val="50000"/>
                     </a:schemeClr>
                   </a:solidFill>
                 </a:rPr>
-                <a:t>颜文字存储数组</a:t>
+                <a:t>颜文字</a:t>
               </a:r>
               <a:endParaRPr kumimoji="1" lang="en-US" altLang="zh-CN" sz="1200" dirty="0" smtClean="0">
                 <a:solidFill>
-                  <a:schemeClr val="accent6">
+                  <a:schemeClr val="accent1">
                     <a:lumMod val="50000"/>
                   </a:schemeClr>
                 </a:solidFill>
@@ -3564,818 +3793,207 @@
             </a:p>
           </p:txBody>
         </p:sp>
-        <p:grpSp>
-          <p:nvGrpSpPr>
-            <p:cNvPr id="14" name="组 13"/>
-            <p:cNvGrpSpPr/>
+        <p:sp>
+          <p:nvSpPr>
+            <p:cNvPr id="13" name="矩形 12"/>
+            <p:cNvSpPr/>
             <p:nvPr/>
-          </p:nvGrpSpPr>
-          <p:grpSpPr>
+          </p:nvSpPr>
+          <p:spPr>
             <a:xfrm>
-              <a:off x="4523323" y="2645079"/>
-              <a:ext cx="1861846" cy="1868756"/>
-              <a:chOff x="4523323" y="2645079"/>
-              <a:chExt cx="1861846" cy="1868756"/>
+              <a:off x="5344798" y="2169317"/>
+              <a:ext cx="799004" cy="953264"/>
             </a:xfrm>
-          </p:grpSpPr>
-          <p:sp>
-            <p:nvSpPr>
-              <p:cNvPr id="10" name="矩形 9"/>
-              <p:cNvSpPr/>
-              <p:nvPr/>
-            </p:nvSpPr>
-            <p:spPr>
-              <a:xfrm>
-                <a:off x="4523323" y="2645079"/>
-                <a:ext cx="1861846" cy="1868756"/>
-              </a:xfrm>
-              <a:prstGeom prst="rect">
-                <a:avLst/>
-              </a:prstGeom>
-            </p:spPr>
-            <p:style>
-              <a:lnRef idx="1">
-                <a:schemeClr val="accent4"/>
-              </a:lnRef>
-              <a:fillRef idx="3">
-                <a:schemeClr val="accent4"/>
-              </a:fillRef>
-              <a:effectRef idx="2">
-                <a:schemeClr val="accent4"/>
-              </a:effectRef>
-              <a:fontRef idx="minor">
-                <a:schemeClr val="lt1"/>
-              </a:fontRef>
-            </p:style>
-            <p:txBody>
-              <a:bodyPr rtlCol="0" anchor="ctr"/>
-              <a:lstStyle/>
-              <a:p>
-                <a:pPr algn="ctr"/>
-                <a:endParaRPr kumimoji="1" lang="en-US" altLang="zh-CN" sz="1200" dirty="0" smtClean="0"/>
-              </a:p>
-            </p:txBody>
-          </p:sp>
-          <p:sp>
-            <p:nvSpPr>
-              <p:cNvPr id="11" name="文本框 10"/>
-              <p:cNvSpPr txBox="1"/>
-              <p:nvPr/>
-            </p:nvSpPr>
-            <p:spPr>
-              <a:xfrm>
-                <a:off x="4726521" y="2645079"/>
-                <a:ext cx="1414269" cy="646331"/>
-              </a:xfrm>
-              <a:prstGeom prst="rect">
-                <a:avLst/>
-              </a:prstGeom>
-              <a:noFill/>
-            </p:spPr>
-            <p:txBody>
-              <a:bodyPr wrap="none" rtlCol="0">
-                <a:spAutoFit/>
-              </a:bodyPr>
-              <a:lstStyle/>
-              <a:p>
-                <a:pPr lvl="0" algn="ctr"/>
-                <a:r>
-                  <a:rPr kumimoji="1" lang="en-US" altLang="zh-CN" sz="1200" dirty="0">
-                    <a:solidFill>
-                      <a:prstClr val="white"/>
-                    </a:solidFill>
-                  </a:rPr>
-                  <a:t>1</a:t>
-                </a:r>
-              </a:p>
-              <a:p>
-                <a:pPr lvl="0" algn="ctr"/>
-                <a:r>
-                  <a:rPr lang="en-US" altLang="zh-CN" sz="1200" dirty="0" err="1" smtClean="0">
-                    <a:solidFill>
-                      <a:prstClr val="white"/>
-                    </a:solidFill>
-                  </a:rPr>
-                  <a:t>g_emoobj:NSArray</a:t>
-                </a:r>
-                <a:r>
-                  <a:rPr lang="en-US" altLang="zh-CN" sz="1200" dirty="0" smtClean="0">
-                    <a:solidFill>
-                      <a:prstClr val="white"/>
-                    </a:solidFill>
-                  </a:rPr>
-                  <a:t>!</a:t>
-                </a:r>
-                <a:endParaRPr lang="en-US" altLang="zh-CN" sz="1200" dirty="0">
-                  <a:solidFill>
-                    <a:prstClr val="white"/>
-                  </a:solidFill>
-                </a:endParaRPr>
-              </a:p>
-              <a:p>
-                <a:pPr lvl="0" algn="ctr"/>
-                <a:r>
-                  <a:rPr kumimoji="1" lang="zh-CN" altLang="en-US" sz="1200" dirty="0">
-                    <a:solidFill>
-                      <a:prstClr val="white"/>
-                    </a:solidFill>
-                  </a:rPr>
-                  <a:t>颜</a:t>
-                </a:r>
-                <a:r>
-                  <a:rPr kumimoji="1" lang="zh-CN" altLang="en-US" sz="1200" dirty="0" smtClean="0">
-                    <a:solidFill>
-                      <a:prstClr val="white"/>
-                    </a:solidFill>
-                  </a:rPr>
-                  <a:t>文字</a:t>
-                </a:r>
-                <a:endParaRPr kumimoji="1" lang="en-US" altLang="zh-CN" sz="1200" dirty="0">
-                  <a:solidFill>
-                    <a:prstClr val="white"/>
-                  </a:solidFill>
-                </a:endParaRPr>
-              </a:p>
-            </p:txBody>
-          </p:sp>
-          <p:sp>
-            <p:nvSpPr>
-              <p:cNvPr id="12" name="矩形 11"/>
-              <p:cNvSpPr/>
-              <p:nvPr/>
-            </p:nvSpPr>
-            <p:spPr>
-              <a:xfrm>
-                <a:off x="4625288" y="3291410"/>
-                <a:ext cx="799004" cy="1147222"/>
-              </a:xfrm>
-              <a:prstGeom prst="rect">
-                <a:avLst/>
-              </a:prstGeom>
-            </p:spPr>
-            <p:style>
-              <a:lnRef idx="1">
-                <a:schemeClr val="accent3"/>
-              </a:lnRef>
-              <a:fillRef idx="3">
-                <a:schemeClr val="accent3"/>
-              </a:fillRef>
-              <a:effectRef idx="2">
-                <a:schemeClr val="accent3"/>
-              </a:effectRef>
-              <a:fontRef idx="minor">
-                <a:schemeClr val="lt1"/>
-              </a:fontRef>
-            </p:style>
-            <p:txBody>
-              <a:bodyPr rtlCol="0" anchor="ctr"/>
-              <a:lstStyle/>
-              <a:p>
-                <a:pPr algn="ctr"/>
-                <a:r>
-                  <a:rPr kumimoji="1" lang="en-US" altLang="zh-CN" sz="1200" dirty="0" smtClean="0">
-                    <a:solidFill>
-                      <a:schemeClr val="accent1">
-                        <a:lumMod val="50000"/>
-                      </a:schemeClr>
-                    </a:solidFill>
-                  </a:rPr>
-                  <a:t>1</a:t>
-                </a:r>
-              </a:p>
-              <a:p>
-                <a:pPr algn="ctr"/>
-                <a:r>
-                  <a:rPr kumimoji="1" lang="en-US" altLang="zh-CN" sz="1200" dirty="0" err="1" smtClean="0">
-                    <a:solidFill>
-                      <a:schemeClr val="accent1">
-                        <a:lumMod val="50000"/>
-                      </a:schemeClr>
-                    </a:solidFill>
-                  </a:rPr>
-                  <a:t>e_emo</a:t>
-                </a:r>
-                <a:r>
-                  <a:rPr kumimoji="1" lang="en-US" altLang="zh-CN" sz="1200" dirty="0" smtClean="0">
-                    <a:solidFill>
-                      <a:schemeClr val="accent1">
-                        <a:lumMod val="50000"/>
-                      </a:schemeClr>
-                    </a:solidFill>
-                  </a:rPr>
-                  <a:t>:</a:t>
-                </a:r>
-              </a:p>
-              <a:p>
-                <a:pPr algn="ctr"/>
-                <a:r>
-                  <a:rPr kumimoji="1" lang="en-US" altLang="zh-CN" sz="1200" dirty="0" err="1" smtClean="0">
-                    <a:solidFill>
-                      <a:schemeClr val="accent1">
-                        <a:lumMod val="50000"/>
-                      </a:schemeClr>
-                    </a:solidFill>
-                  </a:rPr>
-                  <a:t>NSString</a:t>
-                </a:r>
-                <a:r>
-                  <a:rPr kumimoji="1" lang="en-US" altLang="zh-CN" sz="1200" dirty="0" smtClean="0">
-                    <a:solidFill>
-                      <a:schemeClr val="accent1">
-                        <a:lumMod val="50000"/>
-                      </a:schemeClr>
-                    </a:solidFill>
-                  </a:rPr>
-                  <a:t>!</a:t>
-                </a:r>
-              </a:p>
-              <a:p>
-                <a:pPr algn="ctr"/>
-                <a:r>
-                  <a:rPr kumimoji="1" lang="zh-CN" altLang="en-US" sz="1200" dirty="0" smtClean="0">
-                    <a:solidFill>
-                      <a:schemeClr val="accent1">
-                        <a:lumMod val="50000"/>
-                      </a:schemeClr>
-                    </a:solidFill>
-                  </a:rPr>
-                  <a:t>颜文字</a:t>
-                </a:r>
-                <a:endParaRPr kumimoji="1" lang="en-US" altLang="zh-CN" sz="1200" dirty="0" smtClean="0">
+            <a:prstGeom prst="rect">
+              <a:avLst/>
+            </a:prstGeom>
+          </p:spPr>
+          <p:style>
+            <a:lnRef idx="1">
+              <a:schemeClr val="accent3"/>
+            </a:lnRef>
+            <a:fillRef idx="3">
+              <a:schemeClr val="accent3"/>
+            </a:fillRef>
+            <a:effectRef idx="2">
+              <a:schemeClr val="accent3"/>
+            </a:effectRef>
+            <a:fontRef idx="minor">
+              <a:schemeClr val="lt1"/>
+            </a:fontRef>
+          </p:style>
+          <p:txBody>
+            <a:bodyPr rtlCol="0" anchor="ctr"/>
+            <a:lstStyle/>
+            <a:p>
+              <a:pPr algn="ctr"/>
+              <a:r>
+                <a:rPr kumimoji="1" lang="en-US" altLang="zh-CN" sz="1200" dirty="0" smtClean="0">
                   <a:solidFill>
                     <a:schemeClr val="accent1">
                       <a:lumMod val="50000"/>
                     </a:schemeClr>
                   </a:solidFill>
-                </a:endParaRPr>
-              </a:p>
-            </p:txBody>
-          </p:sp>
-          <p:sp>
-            <p:nvSpPr>
-              <p:cNvPr id="13" name="矩形 12"/>
-              <p:cNvSpPr/>
-              <p:nvPr/>
-            </p:nvSpPr>
-            <p:spPr>
-              <a:xfrm>
-                <a:off x="5502499" y="3291410"/>
-                <a:ext cx="799004" cy="1147222"/>
-              </a:xfrm>
-              <a:prstGeom prst="rect">
-                <a:avLst/>
-              </a:prstGeom>
-            </p:spPr>
-            <p:style>
-              <a:lnRef idx="1">
-                <a:schemeClr val="accent3"/>
-              </a:lnRef>
-              <a:fillRef idx="3">
-                <a:schemeClr val="accent3"/>
-              </a:fillRef>
-              <a:effectRef idx="2">
-                <a:schemeClr val="accent3"/>
-              </a:effectRef>
-              <a:fontRef idx="minor">
-                <a:schemeClr val="lt1"/>
-              </a:fontRef>
-            </p:style>
-            <p:txBody>
-              <a:bodyPr rtlCol="0" anchor="ctr"/>
-              <a:lstStyle/>
-              <a:p>
-                <a:pPr algn="ctr"/>
-                <a:r>
-                  <a:rPr kumimoji="1" lang="en-US" altLang="zh-CN" sz="1200" dirty="0" smtClean="0">
-                    <a:solidFill>
-                      <a:schemeClr val="accent1">
-                        <a:lumMod val="50000"/>
-                      </a:schemeClr>
-                    </a:solidFill>
-                  </a:rPr>
-                  <a:t>2</a:t>
-                </a:r>
-              </a:p>
-              <a:p>
-                <a:pPr algn="ctr"/>
-                <a:r>
-                  <a:rPr kumimoji="1" lang="en-US" altLang="zh-CN" sz="1200" dirty="0" err="1" smtClean="0">
-                    <a:solidFill>
-                      <a:schemeClr val="accent1">
-                        <a:lumMod val="50000"/>
-                      </a:schemeClr>
-                    </a:solidFill>
-                  </a:rPr>
-                  <a:t>e_name</a:t>
-                </a:r>
-                <a:r>
-                  <a:rPr kumimoji="1" lang="en-US" altLang="zh-CN" sz="1200" dirty="0" smtClean="0">
-                    <a:solidFill>
-                      <a:schemeClr val="accent1">
-                        <a:lumMod val="50000"/>
-                      </a:schemeClr>
-                    </a:solidFill>
-                  </a:rPr>
-                  <a:t>:</a:t>
-                </a:r>
-                <a:endParaRPr kumimoji="1" lang="en-US" altLang="zh-CN" sz="1200" dirty="0">
+                </a:rPr>
+                <a:t>2</a:t>
+              </a:r>
+            </a:p>
+            <a:p>
+              <a:pPr algn="ctr"/>
+              <a:r>
+                <a:rPr kumimoji="1" lang="en-US" altLang="zh-CN" sz="1200" dirty="0" err="1" smtClean="0">
                   <a:solidFill>
                     <a:schemeClr val="accent1">
                       <a:lumMod val="50000"/>
                     </a:schemeClr>
                   </a:solidFill>
-                </a:endParaRPr>
-              </a:p>
-              <a:p>
-                <a:pPr algn="ctr"/>
-                <a:r>
-                  <a:rPr kumimoji="1" lang="en-US" altLang="zh-CN" sz="1200" dirty="0" err="1" smtClean="0">
-                    <a:solidFill>
-                      <a:schemeClr val="accent1">
-                        <a:lumMod val="50000"/>
-                      </a:schemeClr>
-                    </a:solidFill>
-                  </a:rPr>
-                  <a:t>NSString</a:t>
-                </a:r>
-                <a:r>
-                  <a:rPr kumimoji="1" lang="en-US" altLang="zh-CN" sz="1200" dirty="0" smtClean="0">
-                    <a:solidFill>
-                      <a:schemeClr val="accent1">
-                        <a:lumMod val="50000"/>
-                      </a:schemeClr>
-                    </a:solidFill>
-                  </a:rPr>
-                  <a:t>?</a:t>
-                </a:r>
-              </a:p>
-              <a:p>
-                <a:pPr algn="ctr"/>
-                <a:r>
-                  <a:rPr kumimoji="1" lang="zh-CN" altLang="en-US" sz="1200" dirty="0" smtClean="0">
-                    <a:solidFill>
-                      <a:schemeClr val="accent1">
-                        <a:lumMod val="50000"/>
-                      </a:schemeClr>
-                    </a:solidFill>
-                  </a:rPr>
-                  <a:t>颜文字名</a:t>
-                </a:r>
-                <a:endParaRPr kumimoji="1" lang="en-US" altLang="zh-CN" sz="1200" dirty="0" smtClean="0">
+                </a:rPr>
+                <a:t>e_name</a:t>
+              </a:r>
+              <a:r>
+                <a:rPr kumimoji="1" lang="en-US" altLang="zh-CN" sz="1200" dirty="0" smtClean="0">
                   <a:solidFill>
                     <a:schemeClr val="accent1">
                       <a:lumMod val="50000"/>
                     </a:schemeClr>
                   </a:solidFill>
-                </a:endParaRPr>
-              </a:p>
-              <a:p>
-                <a:pPr algn="ctr"/>
-                <a:r>
-                  <a:rPr kumimoji="1" lang="en-US" altLang="zh-CN" sz="1200" dirty="0" smtClean="0">
-                    <a:solidFill>
-                      <a:schemeClr val="accent1">
-                        <a:lumMod val="50000"/>
-                      </a:schemeClr>
-                    </a:solidFill>
-                  </a:rPr>
-                  <a:t>(</a:t>
-                </a:r>
-                <a:r>
-                  <a:rPr kumimoji="1" lang="zh-CN" altLang="en-US" sz="1200" dirty="0" smtClean="0">
-                    <a:solidFill>
-                      <a:schemeClr val="accent1">
-                        <a:lumMod val="50000"/>
-                      </a:schemeClr>
-                    </a:solidFill>
-                  </a:rPr>
-                  <a:t>可选</a:t>
-                </a:r>
-                <a:r>
-                  <a:rPr kumimoji="1" lang="en-US" altLang="zh-CN" sz="1200" dirty="0" smtClean="0">
-                    <a:solidFill>
-                      <a:schemeClr val="accent1">
-                        <a:lumMod val="50000"/>
-                      </a:schemeClr>
-                    </a:solidFill>
-                  </a:rPr>
-                  <a:t>)</a:t>
-                </a:r>
-              </a:p>
-            </p:txBody>
-          </p:sp>
-        </p:grpSp>
-        <p:grpSp>
-          <p:nvGrpSpPr>
-            <p:cNvPr id="15" name="组 14"/>
-            <p:cNvGrpSpPr/>
-            <p:nvPr/>
-          </p:nvGrpSpPr>
-          <p:grpSpPr>
-            <a:xfrm>
-              <a:off x="6453903" y="2645079"/>
-              <a:ext cx="1861846" cy="1868756"/>
-              <a:chOff x="4523323" y="2645079"/>
-              <a:chExt cx="1861846" cy="1868756"/>
-            </a:xfrm>
-          </p:grpSpPr>
-          <p:sp>
-            <p:nvSpPr>
-              <p:cNvPr id="16" name="矩形 15"/>
-              <p:cNvSpPr/>
-              <p:nvPr/>
-            </p:nvSpPr>
-            <p:spPr>
-              <a:xfrm>
-                <a:off x="4523323" y="2645079"/>
-                <a:ext cx="1861846" cy="1868756"/>
-              </a:xfrm>
-              <a:prstGeom prst="rect">
-                <a:avLst/>
-              </a:prstGeom>
-            </p:spPr>
-            <p:style>
-              <a:lnRef idx="1">
-                <a:schemeClr val="accent4"/>
-              </a:lnRef>
-              <a:fillRef idx="3">
-                <a:schemeClr val="accent4"/>
-              </a:fillRef>
-              <a:effectRef idx="2">
-                <a:schemeClr val="accent4"/>
-              </a:effectRef>
-              <a:fontRef idx="minor">
-                <a:schemeClr val="lt1"/>
-              </a:fontRef>
-            </p:style>
-            <p:txBody>
-              <a:bodyPr rtlCol="0" anchor="ctr"/>
-              <a:lstStyle/>
-              <a:p>
-                <a:pPr algn="ctr"/>
-                <a:endParaRPr kumimoji="1" lang="en-US" altLang="zh-CN" sz="1200" dirty="0" smtClean="0"/>
-              </a:p>
-            </p:txBody>
-          </p:sp>
-          <p:sp>
-            <p:nvSpPr>
-              <p:cNvPr id="17" name="文本框 16"/>
-              <p:cNvSpPr txBox="1"/>
-              <p:nvPr/>
-            </p:nvSpPr>
-            <p:spPr>
-              <a:xfrm>
-                <a:off x="4726520" y="2645079"/>
-                <a:ext cx="1414269" cy="646331"/>
-              </a:xfrm>
-              <a:prstGeom prst="rect">
-                <a:avLst/>
-              </a:prstGeom>
-              <a:noFill/>
-            </p:spPr>
-            <p:txBody>
-              <a:bodyPr wrap="none" rtlCol="0">
-                <a:spAutoFit/>
-              </a:bodyPr>
-              <a:lstStyle/>
-              <a:p>
-                <a:pPr lvl="0" algn="ctr"/>
-                <a:r>
-                  <a:rPr lang="en-US" altLang="zh-CN" sz="1200" dirty="0" smtClean="0">
-                    <a:solidFill>
-                      <a:prstClr val="white"/>
-                    </a:solidFill>
-                  </a:rPr>
-                  <a:t>2</a:t>
-                </a:r>
-              </a:p>
-              <a:p>
-                <a:pPr lvl="0" algn="ctr"/>
-                <a:r>
-                  <a:rPr lang="en-US" altLang="zh-CN" sz="1200" dirty="0" err="1" smtClean="0">
-                    <a:solidFill>
-                      <a:prstClr val="white"/>
-                    </a:solidFill>
-                  </a:rPr>
-                  <a:t>g_emoobj:NSArray</a:t>
-                </a:r>
-                <a:r>
-                  <a:rPr lang="en-US" altLang="zh-CN" sz="1200" dirty="0" smtClean="0">
-                    <a:solidFill>
-                      <a:prstClr val="white"/>
-                    </a:solidFill>
-                  </a:rPr>
-                  <a:t>!</a:t>
-                </a:r>
-                <a:endParaRPr lang="en-US" altLang="zh-CN" sz="1200" dirty="0">
-                  <a:solidFill>
-                    <a:prstClr val="white"/>
-                  </a:solidFill>
-                </a:endParaRPr>
-              </a:p>
-              <a:p>
-                <a:pPr lvl="0" algn="ctr"/>
-                <a:r>
-                  <a:rPr kumimoji="1" lang="zh-CN" altLang="en-US" sz="1200" dirty="0">
-                    <a:solidFill>
-                      <a:prstClr val="white"/>
-                    </a:solidFill>
-                  </a:rPr>
-                  <a:t>颜</a:t>
-                </a:r>
-                <a:r>
-                  <a:rPr kumimoji="1" lang="zh-CN" altLang="en-US" sz="1200" dirty="0" smtClean="0">
-                    <a:solidFill>
-                      <a:prstClr val="white"/>
-                    </a:solidFill>
-                  </a:rPr>
-                  <a:t>文字</a:t>
-                </a:r>
-                <a:endParaRPr kumimoji="1" lang="en-US" altLang="zh-CN" sz="1200" dirty="0">
-                  <a:solidFill>
-                    <a:prstClr val="white"/>
-                  </a:solidFill>
-                </a:endParaRPr>
-              </a:p>
-            </p:txBody>
-          </p:sp>
-          <p:sp>
-            <p:nvSpPr>
-              <p:cNvPr id="18" name="矩形 17"/>
-              <p:cNvSpPr/>
-              <p:nvPr/>
-            </p:nvSpPr>
-            <p:spPr>
-              <a:xfrm>
-                <a:off x="4625288" y="3291410"/>
-                <a:ext cx="799004" cy="1147222"/>
-              </a:xfrm>
-              <a:prstGeom prst="rect">
-                <a:avLst/>
-              </a:prstGeom>
-            </p:spPr>
-            <p:style>
-              <a:lnRef idx="1">
-                <a:schemeClr val="accent3"/>
-              </a:lnRef>
-              <a:fillRef idx="3">
-                <a:schemeClr val="accent3"/>
-              </a:fillRef>
-              <a:effectRef idx="2">
-                <a:schemeClr val="accent3"/>
-              </a:effectRef>
-              <a:fontRef idx="minor">
-                <a:schemeClr val="lt1"/>
-              </a:fontRef>
-            </p:style>
-            <p:txBody>
-              <a:bodyPr rtlCol="0" anchor="ctr"/>
-              <a:lstStyle/>
-              <a:p>
-                <a:pPr algn="ctr"/>
-                <a:r>
-                  <a:rPr kumimoji="1" lang="en-US" altLang="zh-CN" sz="1200" dirty="0" smtClean="0">
-                    <a:solidFill>
-                      <a:schemeClr val="accent1">
-                        <a:lumMod val="50000"/>
-                      </a:schemeClr>
-                    </a:solidFill>
-                  </a:rPr>
-                  <a:t>1</a:t>
-                </a:r>
-              </a:p>
-              <a:p>
-                <a:pPr algn="ctr"/>
-                <a:r>
-                  <a:rPr kumimoji="1" lang="en-US" altLang="zh-CN" sz="1200" dirty="0" err="1">
-                    <a:solidFill>
-                      <a:schemeClr val="accent1">
-                        <a:lumMod val="50000"/>
-                      </a:schemeClr>
-                    </a:solidFill>
-                  </a:rPr>
-                  <a:t>e_emo</a:t>
-                </a:r>
-                <a:r>
-                  <a:rPr kumimoji="1" lang="en-US" altLang="zh-CN" sz="1200" dirty="0">
-                    <a:solidFill>
-                      <a:schemeClr val="accent1">
-                        <a:lumMod val="50000"/>
-                      </a:schemeClr>
-                    </a:solidFill>
-                  </a:rPr>
-                  <a:t>:</a:t>
-                </a:r>
-              </a:p>
-              <a:p>
-                <a:pPr algn="ctr"/>
-                <a:r>
-                  <a:rPr kumimoji="1" lang="en-US" altLang="zh-CN" sz="1200" dirty="0" err="1" smtClean="0">
-                    <a:solidFill>
-                      <a:schemeClr val="accent1">
-                        <a:lumMod val="50000"/>
-                      </a:schemeClr>
-                    </a:solidFill>
-                  </a:rPr>
-                  <a:t>NSString</a:t>
-                </a:r>
-                <a:r>
-                  <a:rPr kumimoji="1" lang="en-US" altLang="zh-CN" sz="1200" dirty="0" smtClean="0">
-                    <a:solidFill>
-                      <a:schemeClr val="accent1">
-                        <a:lumMod val="50000"/>
-                      </a:schemeClr>
-                    </a:solidFill>
-                  </a:rPr>
-                  <a:t>!</a:t>
-                </a:r>
-              </a:p>
-              <a:p>
-                <a:pPr algn="ctr"/>
-                <a:r>
-                  <a:rPr kumimoji="1" lang="zh-CN" altLang="en-US" sz="1200" dirty="0" smtClean="0">
-                    <a:solidFill>
-                      <a:schemeClr val="accent1">
-                        <a:lumMod val="50000"/>
-                      </a:schemeClr>
-                    </a:solidFill>
-                  </a:rPr>
-                  <a:t>颜文字</a:t>
-                </a:r>
-                <a:endParaRPr kumimoji="1" lang="en-US" altLang="zh-CN" sz="1200" dirty="0" smtClean="0">
+                </a:rPr>
+                <a:t>:</a:t>
+              </a:r>
+              <a:endParaRPr kumimoji="1" lang="en-US" altLang="zh-CN" sz="1200" dirty="0">
+                <a:solidFill>
+                  <a:schemeClr val="accent1">
+                    <a:lumMod val="50000"/>
+                  </a:schemeClr>
+                </a:solidFill>
+              </a:endParaRPr>
+            </a:p>
+            <a:p>
+              <a:pPr algn="ctr"/>
+              <a:r>
+                <a:rPr kumimoji="1" lang="en-US" altLang="zh-CN" sz="1200" dirty="0" err="1" smtClean="0">
                   <a:solidFill>
                     <a:schemeClr val="accent1">
                       <a:lumMod val="50000"/>
                     </a:schemeClr>
                   </a:solidFill>
-                </a:endParaRPr>
-              </a:p>
-            </p:txBody>
-          </p:sp>
-          <p:sp>
-            <p:nvSpPr>
-              <p:cNvPr id="19" name="矩形 18"/>
-              <p:cNvSpPr/>
-              <p:nvPr/>
-            </p:nvSpPr>
-            <p:spPr>
-              <a:xfrm>
-                <a:off x="5502499" y="3291410"/>
-                <a:ext cx="799004" cy="1147222"/>
-              </a:xfrm>
-              <a:prstGeom prst="rect">
-                <a:avLst/>
-              </a:prstGeom>
-            </p:spPr>
-            <p:style>
-              <a:lnRef idx="1">
-                <a:schemeClr val="accent3"/>
-              </a:lnRef>
-              <a:fillRef idx="3">
-                <a:schemeClr val="accent3"/>
-              </a:fillRef>
-              <a:effectRef idx="2">
-                <a:schemeClr val="accent3"/>
-              </a:effectRef>
-              <a:fontRef idx="minor">
-                <a:schemeClr val="lt1"/>
-              </a:fontRef>
-            </p:style>
-            <p:txBody>
-              <a:bodyPr rtlCol="0" anchor="ctr"/>
-              <a:lstStyle/>
-              <a:p>
-                <a:pPr algn="ctr"/>
-                <a:r>
-                  <a:rPr kumimoji="1" lang="en-US" altLang="zh-CN" sz="1200" dirty="0" smtClean="0">
-                    <a:solidFill>
-                      <a:schemeClr val="accent1">
-                        <a:lumMod val="50000"/>
-                      </a:schemeClr>
-                    </a:solidFill>
-                  </a:rPr>
-                  <a:t>2</a:t>
-                </a:r>
-              </a:p>
-              <a:p>
-                <a:pPr algn="ctr"/>
-                <a:r>
-                  <a:rPr kumimoji="1" lang="en-US" altLang="zh-CN" sz="1200" dirty="0" err="1" smtClean="0">
-                    <a:solidFill>
-                      <a:schemeClr val="accent1">
-                        <a:lumMod val="50000"/>
-                      </a:schemeClr>
-                    </a:solidFill>
-                  </a:rPr>
-                  <a:t>e_name</a:t>
-                </a:r>
-                <a:r>
-                  <a:rPr kumimoji="1" lang="en-US" altLang="zh-CN" sz="1200" dirty="0" smtClean="0">
-                    <a:solidFill>
-                      <a:schemeClr val="accent1">
-                        <a:lumMod val="50000"/>
-                      </a:schemeClr>
-                    </a:solidFill>
-                  </a:rPr>
-                  <a:t>:</a:t>
-                </a:r>
-                <a:endParaRPr kumimoji="1" lang="en-US" altLang="zh-CN" sz="1200" dirty="0">
+                </a:rPr>
+                <a:t>NSString</a:t>
+              </a:r>
+              <a:r>
+                <a:rPr kumimoji="1" lang="en-US" altLang="zh-CN" sz="1200" dirty="0" smtClean="0">
                   <a:solidFill>
                     <a:schemeClr val="accent1">
                       <a:lumMod val="50000"/>
                     </a:schemeClr>
                   </a:solidFill>
-                </a:endParaRPr>
-              </a:p>
-              <a:p>
-                <a:pPr algn="ctr"/>
-                <a:r>
-                  <a:rPr kumimoji="1" lang="en-US" altLang="zh-CN" sz="1200" dirty="0" err="1" smtClean="0">
-                    <a:solidFill>
-                      <a:schemeClr val="accent1">
-                        <a:lumMod val="50000"/>
-                      </a:schemeClr>
-                    </a:solidFill>
-                  </a:rPr>
-                  <a:t>NSString</a:t>
-                </a:r>
-                <a:r>
-                  <a:rPr kumimoji="1" lang="en-US" altLang="zh-CN" sz="1200" dirty="0" smtClean="0">
-                    <a:solidFill>
-                      <a:schemeClr val="accent1">
-                        <a:lumMod val="50000"/>
-                      </a:schemeClr>
-                    </a:solidFill>
-                  </a:rPr>
-                  <a:t>?</a:t>
-                </a:r>
-              </a:p>
-              <a:p>
-                <a:pPr algn="ctr"/>
-                <a:r>
-                  <a:rPr kumimoji="1" lang="zh-CN" altLang="en-US" sz="1200" dirty="0" smtClean="0">
-                    <a:solidFill>
-                      <a:schemeClr val="accent1">
-                        <a:lumMod val="50000"/>
-                      </a:schemeClr>
-                    </a:solidFill>
-                  </a:rPr>
-                  <a:t>颜文字名</a:t>
-                </a:r>
-                <a:endParaRPr kumimoji="1" lang="en-US" altLang="zh-CN" sz="1200" dirty="0" smtClean="0">
+                </a:rPr>
+                <a:t>?</a:t>
+              </a:r>
+            </a:p>
+            <a:p>
+              <a:pPr algn="ctr"/>
+              <a:r>
+                <a:rPr kumimoji="1" lang="zh-CN" altLang="en-US" sz="1200" dirty="0" smtClean="0">
                   <a:solidFill>
                     <a:schemeClr val="accent1">
                       <a:lumMod val="50000"/>
                     </a:schemeClr>
                   </a:solidFill>
-                </a:endParaRPr>
-              </a:p>
-              <a:p>
-                <a:pPr algn="ctr"/>
-                <a:r>
-                  <a:rPr kumimoji="1" lang="en-US" altLang="zh-CN" sz="1200" dirty="0" smtClean="0">
-                    <a:solidFill>
-                      <a:schemeClr val="accent1">
-                        <a:lumMod val="50000"/>
-                      </a:schemeClr>
-                    </a:solidFill>
-                  </a:rPr>
-                  <a:t>(</a:t>
-                </a:r>
-                <a:r>
-                  <a:rPr kumimoji="1" lang="zh-CN" altLang="en-US" sz="1200" dirty="0" smtClean="0">
-                    <a:solidFill>
-                      <a:schemeClr val="accent1">
-                        <a:lumMod val="50000"/>
-                      </a:schemeClr>
-                    </a:solidFill>
-                  </a:rPr>
-                  <a:t>可选</a:t>
-                </a:r>
-                <a:r>
-                  <a:rPr kumimoji="1" lang="en-US" altLang="zh-CN" sz="1200" dirty="0" smtClean="0">
-                    <a:solidFill>
-                      <a:schemeClr val="accent1">
-                        <a:lumMod val="50000"/>
-                      </a:schemeClr>
-                    </a:solidFill>
-                  </a:rPr>
-                  <a:t>)</a:t>
-                </a:r>
-              </a:p>
-            </p:txBody>
-          </p:sp>
-        </p:grpSp>
+                </a:rPr>
+                <a:t>颜文字名</a:t>
+              </a:r>
+              <a:endParaRPr kumimoji="1" lang="en-US" altLang="zh-CN" sz="1200" dirty="0" smtClean="0">
+                <a:solidFill>
+                  <a:schemeClr val="accent1">
+                    <a:lumMod val="50000"/>
+                  </a:schemeClr>
+                </a:solidFill>
+              </a:endParaRPr>
+            </a:p>
+            <a:p>
+              <a:pPr algn="ctr"/>
+              <a:r>
+                <a:rPr kumimoji="1" lang="en-US" altLang="zh-CN" sz="1200" dirty="0" smtClean="0">
+                  <a:solidFill>
+                    <a:schemeClr val="accent1">
+                      <a:lumMod val="50000"/>
+                    </a:schemeClr>
+                  </a:solidFill>
+                </a:rPr>
+                <a:t>(</a:t>
+              </a:r>
+              <a:r>
+                <a:rPr kumimoji="1" lang="zh-CN" altLang="en-US" sz="1200" dirty="0" smtClean="0">
+                  <a:solidFill>
+                    <a:schemeClr val="accent1">
+                      <a:lumMod val="50000"/>
+                    </a:schemeClr>
+                  </a:solidFill>
+                </a:rPr>
+                <a:t>可选</a:t>
+              </a:r>
+              <a:r>
+                <a:rPr kumimoji="1" lang="en-US" altLang="zh-CN" sz="1200" dirty="0" smtClean="0">
+                  <a:solidFill>
+                    <a:schemeClr val="accent1">
+                      <a:lumMod val="50000"/>
+                    </a:schemeClr>
+                  </a:solidFill>
+                </a:rPr>
+                <a:t>)</a:t>
+              </a:r>
+            </a:p>
+          </p:txBody>
+        </p:sp>
         <p:sp>
           <p:nvSpPr>
-            <p:cNvPr id="25" name="文本框 24"/>
+            <p:cNvPr id="16" name="矩形 15"/>
+            <p:cNvSpPr/>
+            <p:nvPr/>
+          </p:nvSpPr>
+          <p:spPr>
+            <a:xfrm>
+              <a:off x="6296202" y="1609238"/>
+              <a:ext cx="878251" cy="1588545"/>
+            </a:xfrm>
+            <a:prstGeom prst="rect">
+              <a:avLst/>
+            </a:prstGeom>
+          </p:spPr>
+          <p:style>
+            <a:lnRef idx="1">
+              <a:schemeClr val="accent4"/>
+            </a:lnRef>
+            <a:fillRef idx="3">
+              <a:schemeClr val="accent4"/>
+            </a:fillRef>
+            <a:effectRef idx="2">
+              <a:schemeClr val="accent4"/>
+            </a:effectRef>
+            <a:fontRef idx="minor">
+              <a:schemeClr val="lt1"/>
+            </a:fontRef>
+          </p:style>
+          <p:txBody>
+            <a:bodyPr rtlCol="0" anchor="ctr"/>
+            <a:lstStyle/>
+            <a:p>
+              <a:pPr algn="ctr"/>
+              <a:endParaRPr kumimoji="1" lang="en-US" altLang="zh-CN" sz="1200" dirty="0" smtClean="0"/>
+            </a:p>
+          </p:txBody>
+        </p:sp>
+        <p:sp>
+          <p:nvSpPr>
+            <p:cNvPr id="17" name="文本框 16"/>
             <p:cNvSpPr txBox="1"/>
             <p:nvPr/>
           </p:nvSpPr>
           <p:spPr>
             <a:xfrm>
-              <a:off x="8341692" y="3273457"/>
-              <a:ext cx="456600" cy="523220"/>
+              <a:off x="6105046" y="1562945"/>
+              <a:ext cx="1414269" cy="646331"/>
             </a:xfrm>
             <a:prstGeom prst="rect">
               <a:avLst/>
@@ -4388,19 +4006,205 @@
             </a:bodyPr>
             <a:lstStyle/>
             <a:p>
+              <a:pPr lvl="0" algn="ctr"/>
               <a:r>
-                <a:rPr kumimoji="1" lang="en-US" altLang="zh-CN" sz="2800" dirty="0" smtClean="0"/>
-                <a:t>.</a:t>
+                <a:rPr lang="en-US" altLang="zh-CN" sz="1200" dirty="0" smtClean="0">
+                  <a:solidFill>
+                    <a:prstClr val="white"/>
+                  </a:solidFill>
+                </a:rPr>
+                <a:t>2</a:t>
+              </a:r>
+            </a:p>
+            <a:p>
+              <a:pPr lvl="0" algn="ctr"/>
+              <a:r>
+                <a:rPr lang="en-US" altLang="zh-CN" sz="1200" dirty="0" err="1" smtClean="0">
+                  <a:solidFill>
+                    <a:prstClr val="white"/>
+                  </a:solidFill>
+                </a:rPr>
+                <a:t>g_emoobj:NSArray</a:t>
               </a:r>
               <a:r>
-                <a:rPr kumimoji="1" lang="en-US" altLang="zh-CN" sz="2800" dirty="0" smtClean="0"/>
-                <a:t>..</a:t>
+                <a:rPr lang="en-US" altLang="zh-CN" sz="1200" dirty="0" smtClean="0">
+                  <a:solidFill>
+                    <a:prstClr val="white"/>
+                  </a:solidFill>
+                </a:rPr>
+                <a:t>!</a:t>
               </a:r>
-              <a:endParaRPr kumimoji="1" lang="zh-CN" altLang="en-US" sz="2800" dirty="0"/>
+              <a:endParaRPr lang="en-US" altLang="zh-CN" sz="1200" dirty="0">
+                <a:solidFill>
+                  <a:prstClr val="white"/>
+                </a:solidFill>
+              </a:endParaRPr>
+            </a:p>
+            <a:p>
+              <a:pPr lvl="0" algn="ctr"/>
+              <a:r>
+                <a:rPr kumimoji="1" lang="zh-CN" altLang="en-US" sz="1200" dirty="0">
+                  <a:solidFill>
+                    <a:prstClr val="white"/>
+                  </a:solidFill>
+                </a:rPr>
+                <a:t>颜</a:t>
+              </a:r>
+              <a:r>
+                <a:rPr kumimoji="1" lang="zh-CN" altLang="en-US" sz="1200" dirty="0" smtClean="0">
+                  <a:solidFill>
+                    <a:prstClr val="white"/>
+                  </a:solidFill>
+                </a:rPr>
+                <a:t>文字</a:t>
+              </a:r>
+              <a:endParaRPr kumimoji="1" lang="en-US" altLang="zh-CN" sz="1200" dirty="0">
+                <a:solidFill>
+                  <a:prstClr val="white"/>
+                </a:solidFill>
+              </a:endParaRPr>
+            </a:p>
+          </p:txBody>
+        </p:sp>
+        <p:sp>
+          <p:nvSpPr>
+            <p:cNvPr id="18" name="矩形 17"/>
+            <p:cNvSpPr/>
+            <p:nvPr/>
+          </p:nvSpPr>
+          <p:spPr>
+            <a:xfrm>
+              <a:off x="6398167" y="2169317"/>
+              <a:ext cx="306513" cy="953264"/>
+            </a:xfrm>
+            <a:prstGeom prst="rect">
+              <a:avLst/>
+            </a:prstGeom>
+          </p:spPr>
+          <p:style>
+            <a:lnRef idx="1">
+              <a:schemeClr val="accent3"/>
+            </a:lnRef>
+            <a:fillRef idx="3">
+              <a:schemeClr val="accent3"/>
+            </a:fillRef>
+            <a:effectRef idx="2">
+              <a:schemeClr val="accent3"/>
+            </a:effectRef>
+            <a:fontRef idx="minor">
+              <a:schemeClr val="lt1"/>
+            </a:fontRef>
+          </p:style>
+          <p:txBody>
+            <a:bodyPr rtlCol="0" anchor="ctr"/>
+            <a:lstStyle/>
+            <a:p>
+              <a:pPr algn="ctr"/>
+              <a:r>
+                <a:rPr kumimoji="1" lang="en-US" altLang="zh-CN" sz="1200" dirty="0" smtClean="0">
+                  <a:solidFill>
+                    <a:schemeClr val="accent1">
+                      <a:lumMod val="50000"/>
+                    </a:schemeClr>
+                  </a:solidFill>
+                </a:rPr>
+                <a:t>1</a:t>
+              </a:r>
+              <a:endParaRPr kumimoji="1" lang="en-US" altLang="zh-CN" sz="1200" dirty="0" smtClean="0">
+                <a:solidFill>
+                  <a:schemeClr val="accent1">
+                    <a:lumMod val="50000"/>
+                  </a:schemeClr>
+                </a:solidFill>
+              </a:endParaRPr>
+            </a:p>
+          </p:txBody>
+        </p:sp>
+        <p:sp>
+          <p:nvSpPr>
+            <p:cNvPr id="19" name="矩形 18"/>
+            <p:cNvSpPr/>
+            <p:nvPr/>
+          </p:nvSpPr>
+          <p:spPr>
+            <a:xfrm>
+              <a:off x="6774951" y="2169317"/>
+              <a:ext cx="315595" cy="953264"/>
+            </a:xfrm>
+            <a:prstGeom prst="rect">
+              <a:avLst/>
+            </a:prstGeom>
+          </p:spPr>
+          <p:style>
+            <a:lnRef idx="1">
+              <a:schemeClr val="accent3"/>
+            </a:lnRef>
+            <a:fillRef idx="3">
+              <a:schemeClr val="accent3"/>
+            </a:fillRef>
+            <a:effectRef idx="2">
+              <a:schemeClr val="accent3"/>
+            </a:effectRef>
+            <a:fontRef idx="minor">
+              <a:schemeClr val="lt1"/>
+            </a:fontRef>
+          </p:style>
+          <p:txBody>
+            <a:bodyPr rtlCol="0" anchor="ctr"/>
+            <a:lstStyle/>
+            <a:p>
+              <a:pPr algn="ctr"/>
+              <a:r>
+                <a:rPr kumimoji="1" lang="en-US" altLang="zh-CN" sz="1200" dirty="0" smtClean="0">
+                  <a:solidFill>
+                    <a:schemeClr val="accent1">
+                      <a:lumMod val="50000"/>
+                    </a:schemeClr>
+                  </a:solidFill>
+                </a:rPr>
+                <a:t>2</a:t>
+              </a:r>
+              <a:endParaRPr kumimoji="1" lang="en-US" altLang="zh-CN" sz="1200" dirty="0" smtClean="0">
+                <a:solidFill>
+                  <a:schemeClr val="accent1">
+                    <a:lumMod val="50000"/>
+                  </a:schemeClr>
+                </a:solidFill>
+              </a:endParaRPr>
             </a:p>
           </p:txBody>
         </p:sp>
       </p:grpSp>
+      <p:sp>
+        <p:nvSpPr>
+          <p:cNvPr id="25" name="文本框 24"/>
+          <p:cNvSpPr txBox="1"/>
+          <p:nvPr/>
+        </p:nvSpPr>
+        <p:spPr>
+          <a:xfrm>
+            <a:off x="8183991" y="1957406"/>
+            <a:ext cx="456600" cy="523220"/>
+          </a:xfrm>
+          <a:prstGeom prst="rect">
+            <a:avLst/>
+          </a:prstGeom>
+          <a:noFill/>
+        </p:spPr>
+        <p:txBody>
+          <a:bodyPr wrap="none" rtlCol="0">
+            <a:spAutoFit/>
+          </a:bodyPr>
+          <a:lstStyle/>
+          <a:p>
+            <a:r>
+              <a:rPr kumimoji="1" lang="en-US" altLang="zh-CN" sz="2800" dirty="0" smtClean="0"/>
+              <a:t>...</a:t>
+            </a:r>
+            <a:endParaRPr kumimoji="1" lang="zh-CN" altLang="en-US" sz="2800" dirty="0"/>
+          </a:p>
+        </p:txBody>
+      </p:sp>
       <p:sp>
         <p:nvSpPr>
           <p:cNvPr id="26" name="矩形 25"/>
@@ -6179,8 +5983,8 @@
         </p:nvSpPr>
         <p:spPr>
           <a:xfrm>
-            <a:off x="3726682" y="1329028"/>
-            <a:ext cx="568227" cy="1868756"/>
+            <a:off x="3726682" y="1609238"/>
+            <a:ext cx="568227" cy="1588545"/>
           </a:xfrm>
           <a:prstGeom prst="rect">
             <a:avLst/>

--- a/设计/云颜文字iOS2数据结构设计.pptx
+++ b/设计/云颜文字iOS2数据结构设计.pptx
@@ -3465,6 +3465,18 @@
             <a:pPr algn="ctr"/>
             <a:endParaRPr kumimoji="1" lang="en-US" altLang="zh-CN" dirty="0" smtClean="0"/>
           </a:p>
+          <a:p>
+            <a:pPr algn="ctr"/>
+            <a:endParaRPr kumimoji="1" lang="en-US" altLang="zh-CN" dirty="0" smtClean="0"/>
+          </a:p>
+          <a:p>
+            <a:pPr algn="ctr"/>
+            <a:r>
+              <a:rPr kumimoji="1" lang="en-US" altLang="zh-CN" dirty="0"/>
+              <a:t/>
+            </a:r>
+            <a:endParaRPr kumimoji="1" lang="en-US" altLang="zh-CN" dirty="0" smtClean="0"/>
+          </a:p>
         </p:txBody>
       </p:sp>
       <p:sp>
@@ -3475,7 +3487,7 @@
         </p:nvSpPr>
         <p:spPr>
           <a:xfrm>
-            <a:off x="4547426" y="672623"/>
+            <a:off x="4547426" y="593743"/>
             <a:ext cx="3366242" cy="646331"/>
           </a:xfrm>
           <a:prstGeom prst="rect">
@@ -3543,6 +3555,1876 @@
                 </a:schemeClr>
               </a:solidFill>
             </a:endParaRPr>
+          </a:p>
+        </p:txBody>
+      </p:sp>
+      <p:sp>
+        <p:nvSpPr>
+          <p:cNvPr id="25" name="文本框 24"/>
+          <p:cNvSpPr txBox="1"/>
+          <p:nvPr/>
+        </p:nvSpPr>
+        <p:spPr>
+          <a:xfrm>
+            <a:off x="8183991" y="1957406"/>
+            <a:ext cx="456600" cy="523220"/>
+          </a:xfrm>
+          <a:prstGeom prst="rect">
+            <a:avLst/>
+          </a:prstGeom>
+          <a:noFill/>
+        </p:spPr>
+        <p:txBody>
+          <a:bodyPr wrap="none" rtlCol="0">
+            <a:spAutoFit/>
+          </a:bodyPr>
+          <a:lstStyle/>
+          <a:p>
+            <a:r>
+              <a:rPr kumimoji="1" lang="en-US" altLang="zh-CN" sz="2800" dirty="0" smtClean="0"/>
+              <a:t>...</a:t>
+            </a:r>
+            <a:endParaRPr kumimoji="1" lang="zh-CN" altLang="en-US" sz="2800" dirty="0"/>
+          </a:p>
+        </p:txBody>
+      </p:sp>
+      <p:sp>
+        <p:nvSpPr>
+          <p:cNvPr id="26" name="矩形 25"/>
+          <p:cNvSpPr/>
+          <p:nvPr/>
+        </p:nvSpPr>
+        <p:spPr>
+          <a:xfrm>
+            <a:off x="2072030" y="2032600"/>
+            <a:ext cx="1449622" cy="1222424"/>
+          </a:xfrm>
+          <a:prstGeom prst="rect">
+            <a:avLst/>
+          </a:prstGeom>
+          <a:ln>
+            <a:noFill/>
+          </a:ln>
+        </p:spPr>
+        <p:style>
+          <a:lnRef idx="1">
+            <a:schemeClr val="dk1"/>
+          </a:lnRef>
+          <a:fillRef idx="2">
+            <a:schemeClr val="dk1"/>
+          </a:fillRef>
+          <a:effectRef idx="1">
+            <a:schemeClr val="dk1"/>
+          </a:effectRef>
+          <a:fontRef idx="minor">
+            <a:schemeClr val="dk1"/>
+          </a:fontRef>
+        </p:style>
+        <p:txBody>
+          <a:bodyPr rtlCol="0" anchor="ctr"/>
+          <a:lstStyle/>
+          <a:p>
+            <a:pPr algn="ctr"/>
+            <a:r>
+              <a:rPr kumimoji="1" lang="en-US" altLang="zh-CN" sz="1200" dirty="0" smtClean="0">
+                <a:solidFill>
+                  <a:schemeClr val="bg1">
+                    <a:lumMod val="50000"/>
+                  </a:schemeClr>
+                </a:solidFill>
+              </a:rPr>
+              <a:t>4</a:t>
+            </a:r>
+          </a:p>
+          <a:p>
+            <a:pPr algn="ctr"/>
+            <a:r>
+              <a:rPr kumimoji="1" lang="en-US" altLang="zh-CN" sz="1200" dirty="0" err="1" smtClean="0">
+                <a:solidFill>
+                  <a:schemeClr val="bg1">
+                    <a:lumMod val="50000"/>
+                  </a:schemeClr>
+                </a:solidFill>
+              </a:rPr>
+              <a:t>y_user:NSString</a:t>
+            </a:r>
+            <a:r>
+              <a:rPr kumimoji="1" lang="en-US" altLang="zh-CN" sz="1200" dirty="0" smtClean="0">
+                <a:solidFill>
+                  <a:schemeClr val="bg1">
+                    <a:lumMod val="50000"/>
+                  </a:schemeClr>
+                </a:solidFill>
+              </a:rPr>
+              <a:t>!</a:t>
+            </a:r>
+          </a:p>
+          <a:p>
+            <a:pPr algn="ctr"/>
+            <a:r>
+              <a:rPr kumimoji="1" lang="zh-CN" altLang="en-US" sz="1200" dirty="0" smtClean="0">
+                <a:solidFill>
+                  <a:schemeClr val="bg1">
+                    <a:lumMod val="50000"/>
+                  </a:schemeClr>
+                </a:solidFill>
+              </a:rPr>
+              <a:t>权限：</a:t>
+            </a:r>
+            <a:r>
+              <a:rPr kumimoji="1" lang="en-US" altLang="zh-CN" sz="1200" dirty="0" smtClean="0">
+                <a:solidFill>
+                  <a:schemeClr val="bg1">
+                    <a:lumMod val="50000"/>
+                  </a:schemeClr>
+                </a:solidFill>
+              </a:rPr>
+              <a:t>[s]</a:t>
+            </a:r>
+            <a:r>
+              <a:rPr kumimoji="1" lang="zh-CN" altLang="en-US" sz="1200" dirty="0" smtClean="0">
+                <a:solidFill>
+                  <a:schemeClr val="bg1">
+                    <a:lumMod val="50000"/>
+                  </a:schemeClr>
+                </a:solidFill>
+              </a:rPr>
+              <a:t>系统</a:t>
+            </a:r>
+            <a:r>
+              <a:rPr kumimoji="1" lang="en-US" altLang="zh-CN" sz="1200" dirty="0" smtClean="0">
+                <a:solidFill>
+                  <a:schemeClr val="bg1">
+                    <a:lumMod val="50000"/>
+                  </a:schemeClr>
+                </a:solidFill>
+              </a:rPr>
+              <a:t> / [u]</a:t>
+            </a:r>
+            <a:r>
+              <a:rPr kumimoji="1" lang="zh-CN" altLang="en-US" sz="1200" dirty="0" smtClean="0">
+                <a:solidFill>
+                  <a:schemeClr val="bg1">
+                    <a:lumMod val="50000"/>
+                  </a:schemeClr>
+                </a:solidFill>
+              </a:rPr>
+              <a:t>用户</a:t>
+            </a:r>
+            <a:r>
+              <a:rPr kumimoji="1" lang="en-US" altLang="zh-CN" sz="1200" dirty="0" smtClean="0">
+                <a:solidFill>
+                  <a:schemeClr val="bg1">
+                    <a:lumMod val="50000"/>
+                  </a:schemeClr>
+                </a:solidFill>
+              </a:rPr>
+              <a:t> / [h]</a:t>
+            </a:r>
+            <a:r>
+              <a:rPr kumimoji="1" lang="zh-CN" altLang="en-US" sz="1200" dirty="0" smtClean="0">
+                <a:solidFill>
+                  <a:schemeClr val="bg1">
+                    <a:lumMod val="50000"/>
+                  </a:schemeClr>
+                </a:solidFill>
+              </a:rPr>
+              <a:t>历史</a:t>
+            </a:r>
+            <a:r>
+              <a:rPr kumimoji="1" lang="en-US" altLang="zh-CN" sz="1200" dirty="0" smtClean="0">
+                <a:solidFill>
+                  <a:schemeClr val="bg1">
+                    <a:lumMod val="50000"/>
+                  </a:schemeClr>
+                </a:solidFill>
+              </a:rPr>
+              <a:t> </a:t>
+            </a:r>
+            <a:r>
+              <a:rPr kumimoji="1" lang="en-US" altLang="zh-CN" sz="1200" dirty="0">
+                <a:solidFill>
+                  <a:schemeClr val="bg1">
+                    <a:lumMod val="50000"/>
+                  </a:schemeClr>
+                </a:solidFill>
+              </a:rPr>
+              <a:t>/ </a:t>
+            </a:r>
+            <a:r>
+              <a:rPr kumimoji="1" lang="en-US" altLang="zh-CN" sz="1200" dirty="0" smtClean="0">
+                <a:solidFill>
+                  <a:schemeClr val="bg1">
+                    <a:lumMod val="50000"/>
+                  </a:schemeClr>
+                </a:solidFill>
+              </a:rPr>
+              <a:t>[c]</a:t>
+            </a:r>
+            <a:r>
+              <a:rPr kumimoji="1" lang="zh-CN" altLang="en-US" sz="1200" dirty="0" smtClean="0">
+                <a:solidFill>
+                  <a:schemeClr val="bg1">
+                    <a:lumMod val="50000"/>
+                  </a:schemeClr>
+                </a:solidFill>
+              </a:rPr>
+              <a:t>自定</a:t>
+            </a:r>
+            <a:r>
+              <a:rPr kumimoji="1" lang="en-US" altLang="zh-CN" sz="1200" dirty="0" smtClean="0">
+                <a:solidFill>
+                  <a:schemeClr val="bg1">
+                    <a:lumMod val="50000"/>
+                  </a:schemeClr>
+                </a:solidFill>
+              </a:rPr>
+              <a:t> </a:t>
+            </a:r>
+            <a:r>
+              <a:rPr kumimoji="1" lang="en-US" altLang="zh-CN" sz="1200" dirty="0">
+                <a:solidFill>
+                  <a:schemeClr val="bg1">
+                    <a:lumMod val="50000"/>
+                  </a:schemeClr>
+                </a:solidFill>
+              </a:rPr>
+              <a:t>/ </a:t>
+            </a:r>
+            <a:r>
+              <a:rPr kumimoji="1" lang="en-US" altLang="zh-CN" sz="1200" dirty="0" smtClean="0">
+                <a:solidFill>
+                  <a:schemeClr val="bg1">
+                    <a:lumMod val="50000"/>
+                  </a:schemeClr>
+                </a:solidFill>
+              </a:rPr>
+              <a:t>[</a:t>
+            </a:r>
+            <a:r>
+              <a:rPr kumimoji="1" lang="zh-CN" altLang="en-US" sz="1200" dirty="0" smtClean="0">
+                <a:solidFill>
+                  <a:schemeClr val="bg1">
+                    <a:lumMod val="50000"/>
+                  </a:schemeClr>
+                </a:solidFill>
+              </a:rPr>
+              <a:t>用户名</a:t>
+            </a:r>
+            <a:r>
+              <a:rPr kumimoji="1" lang="en-US" altLang="zh-CN" sz="1200" dirty="0" smtClean="0">
+                <a:solidFill>
+                  <a:schemeClr val="bg1">
+                    <a:lumMod val="50000"/>
+                  </a:schemeClr>
+                </a:solidFill>
+              </a:rPr>
+              <a:t>MD5]</a:t>
+            </a:r>
+            <a:endParaRPr kumimoji="1" lang="en-US" altLang="zh-CN" sz="1200" dirty="0">
+              <a:solidFill>
+                <a:schemeClr val="bg1">
+                  <a:lumMod val="50000"/>
+                </a:schemeClr>
+              </a:solidFill>
+            </a:endParaRPr>
+          </a:p>
+        </p:txBody>
+      </p:sp>
+      <p:sp>
+        <p:nvSpPr>
+          <p:cNvPr id="23" name="文本框 22"/>
+          <p:cNvSpPr txBox="1"/>
+          <p:nvPr/>
+        </p:nvSpPr>
+        <p:spPr>
+          <a:xfrm>
+            <a:off x="371868" y="39630"/>
+            <a:ext cx="8430652" cy="276999"/>
+          </a:xfrm>
+          <a:prstGeom prst="rect">
+            <a:avLst/>
+          </a:prstGeom>
+          <a:noFill/>
+        </p:spPr>
+        <p:txBody>
+          <a:bodyPr wrap="square" rtlCol="0">
+            <a:spAutoFit/>
+          </a:bodyPr>
+          <a:lstStyle/>
+          <a:p>
+            <a:pPr algn="ctr"/>
+            <a:r>
+              <a:rPr kumimoji="1" lang="zh-CN" altLang="en-US" sz="1200" dirty="0" smtClean="0"/>
+              <a:t>数据文件：</a:t>
+            </a:r>
+            <a:r>
+              <a:rPr kumimoji="1" lang="en-US" altLang="zh-CN" sz="1200" dirty="0" smtClean="0"/>
+              <a:t>[</a:t>
+            </a:r>
+            <a:r>
+              <a:rPr kumimoji="1" lang="zh-CN" altLang="en-US" sz="1200" dirty="0" smtClean="0"/>
+              <a:t>网址</a:t>
+            </a:r>
+            <a:r>
+              <a:rPr kumimoji="1" lang="en-US" altLang="zh-CN" sz="1200" dirty="0" smtClean="0"/>
+              <a:t>MD5</a:t>
+            </a:r>
+            <a:r>
+              <a:rPr kumimoji="1" lang="zh-CN" altLang="en-US" sz="1200" dirty="0" smtClean="0"/>
+              <a:t>特征码</a:t>
+            </a:r>
+            <a:r>
+              <a:rPr kumimoji="1" lang="en-US" altLang="zh-CN" sz="1200" dirty="0" smtClean="0"/>
+              <a:t>].</a:t>
+            </a:r>
+            <a:r>
+              <a:rPr kumimoji="1" lang="en-US" altLang="zh-CN" sz="1200" dirty="0" smtClean="0"/>
+              <a:t>emoticon</a:t>
+            </a:r>
+            <a:r>
+              <a:rPr kumimoji="1" lang="zh-CN" altLang="en-US" sz="1200" dirty="0" smtClean="0"/>
+              <a:t>（无字典对象设计）</a:t>
+            </a:r>
+            <a:endParaRPr kumimoji="1" lang="zh-CN" altLang="en-US" sz="1200" dirty="0"/>
+          </a:p>
+        </p:txBody>
+      </p:sp>
+      <p:sp>
+        <p:nvSpPr>
+          <p:cNvPr id="24" name="矩形 23"/>
+          <p:cNvSpPr/>
+          <p:nvPr/>
+        </p:nvSpPr>
+        <p:spPr>
+          <a:xfrm>
+            <a:off x="495073" y="672624"/>
+            <a:ext cx="1449622" cy="1222425"/>
+          </a:xfrm>
+          <a:prstGeom prst="rect">
+            <a:avLst/>
+          </a:prstGeom>
+        </p:spPr>
+        <p:style>
+          <a:lnRef idx="1">
+            <a:schemeClr val="accent6"/>
+          </a:lnRef>
+          <a:fillRef idx="3">
+            <a:schemeClr val="accent6"/>
+          </a:fillRef>
+          <a:effectRef idx="2">
+            <a:schemeClr val="accent6"/>
+          </a:effectRef>
+          <a:fontRef idx="minor">
+            <a:schemeClr val="lt1"/>
+          </a:fontRef>
+        </p:style>
+        <p:txBody>
+          <a:bodyPr rtlCol="0" anchor="ctr"/>
+          <a:lstStyle/>
+          <a:p>
+            <a:pPr algn="ctr"/>
+            <a:r>
+              <a:rPr kumimoji="1" lang="en-US" altLang="zh-CN" sz="1200" dirty="0" smtClean="0">
+                <a:solidFill>
+                  <a:schemeClr val="accent6">
+                    <a:lumMod val="50000"/>
+                  </a:schemeClr>
+                </a:solidFill>
+              </a:rPr>
+              <a:t>0</a:t>
+            </a:r>
+          </a:p>
+          <a:p>
+            <a:pPr algn="ctr"/>
+            <a:r>
+              <a:rPr kumimoji="1" lang="en-US" altLang="zh-CN" sz="1200" dirty="0" err="1" smtClean="0">
+                <a:solidFill>
+                  <a:schemeClr val="accent6">
+                    <a:lumMod val="50000"/>
+                  </a:schemeClr>
+                </a:solidFill>
+              </a:rPr>
+              <a:t>y_ver:NSString</a:t>
+            </a:r>
+            <a:r>
+              <a:rPr kumimoji="1" lang="en-US" altLang="zh-CN" sz="1200" dirty="0" smtClean="0">
+                <a:solidFill>
+                  <a:schemeClr val="accent6">
+                    <a:lumMod val="50000"/>
+                  </a:schemeClr>
+                </a:solidFill>
+              </a:rPr>
+              <a:t>!</a:t>
+            </a:r>
+          </a:p>
+          <a:p>
+            <a:pPr algn="ctr"/>
+            <a:r>
+              <a:rPr kumimoji="1" lang="zh-CN" altLang="en-US" sz="1200" dirty="0" smtClean="0">
+                <a:solidFill>
+                  <a:schemeClr val="accent6">
+                    <a:lumMod val="50000"/>
+                  </a:schemeClr>
+                </a:solidFill>
+              </a:rPr>
+              <a:t>文件数据结构版本</a:t>
+            </a:r>
+            <a:endParaRPr kumimoji="1" lang="en-US" altLang="zh-CN" sz="1200" dirty="0" smtClean="0">
+              <a:solidFill>
+                <a:schemeClr val="accent6">
+                  <a:lumMod val="50000"/>
+                </a:schemeClr>
+              </a:solidFill>
+            </a:endParaRPr>
+          </a:p>
+          <a:p>
+            <a:pPr algn="ctr"/>
+            <a:r>
+              <a:rPr kumimoji="1" lang="en-US" altLang="zh-CN" sz="1200" dirty="0" smtClean="0">
+                <a:solidFill>
+                  <a:schemeClr val="accent6">
+                    <a:lumMod val="50000"/>
+                  </a:schemeClr>
+                </a:solidFill>
+              </a:rPr>
+              <a:t>[iOS</a:t>
+            </a:r>
+            <a:r>
+              <a:rPr kumimoji="1" lang="en-US" altLang="zh-CN" sz="1200" dirty="0">
+                <a:solidFill>
+                  <a:schemeClr val="accent6">
+                    <a:lumMod val="50000"/>
+                  </a:schemeClr>
+                </a:solidFill>
+              </a:rPr>
+              <a:t>v</a:t>
+            </a:r>
+            <a:r>
+              <a:rPr kumimoji="1" lang="en-US" altLang="zh-CN" sz="1200" dirty="0" smtClean="0">
+                <a:solidFill>
+                  <a:schemeClr val="accent6">
+                    <a:lumMod val="50000"/>
+                  </a:schemeClr>
+                </a:solidFill>
+              </a:rPr>
+              <a:t>2]</a:t>
+            </a:r>
+          </a:p>
+        </p:txBody>
+      </p:sp>
+      <p:sp>
+        <p:nvSpPr>
+          <p:cNvPr id="27" name="矩形 26"/>
+          <p:cNvSpPr/>
+          <p:nvPr/>
+        </p:nvSpPr>
+        <p:spPr>
+          <a:xfrm>
+            <a:off x="235858" y="3515144"/>
+            <a:ext cx="8695509" cy="3307012"/>
+          </a:xfrm>
+          <a:prstGeom prst="rect">
+            <a:avLst/>
+          </a:prstGeom>
+        </p:spPr>
+        <p:style>
+          <a:lnRef idx="1">
+            <a:schemeClr val="accent5"/>
+          </a:lnRef>
+          <a:fillRef idx="2">
+            <a:schemeClr val="accent5"/>
+          </a:fillRef>
+          <a:effectRef idx="1">
+            <a:schemeClr val="accent5"/>
+          </a:effectRef>
+          <a:fontRef idx="minor">
+            <a:schemeClr val="dk1"/>
+          </a:fontRef>
+        </p:style>
+        <p:txBody>
+          <a:bodyPr rtlCol="0" anchor="ctr"/>
+          <a:lstStyle/>
+          <a:p>
+            <a:pPr algn="ctr"/>
+            <a:endParaRPr kumimoji="1" lang="zh-CN" altLang="en-US" dirty="0"/>
+          </a:p>
+        </p:txBody>
+      </p:sp>
+      <p:sp>
+        <p:nvSpPr>
+          <p:cNvPr id="28" name="文本框 27"/>
+          <p:cNvSpPr txBox="1"/>
+          <p:nvPr/>
+        </p:nvSpPr>
+        <p:spPr>
+          <a:xfrm>
+            <a:off x="358018" y="3524441"/>
+            <a:ext cx="8430651" cy="276999"/>
+          </a:xfrm>
+          <a:prstGeom prst="rect">
+            <a:avLst/>
+          </a:prstGeom>
+          <a:noFill/>
+        </p:spPr>
+        <p:txBody>
+          <a:bodyPr wrap="square" rtlCol="0">
+            <a:spAutoFit/>
+          </a:bodyPr>
+          <a:lstStyle/>
+          <a:p>
+            <a:pPr algn="ctr"/>
+            <a:r>
+              <a:rPr kumimoji="1" lang="zh-CN" altLang="en-US" sz="1200" dirty="0" smtClean="0"/>
+              <a:t>源列表文件：</a:t>
+            </a:r>
+            <a:r>
+              <a:rPr kumimoji="1" lang="en-US" altLang="zh-CN" sz="1200" dirty="0" err="1" smtClean="0"/>
+              <a:t>urlbook.emosetting</a:t>
+            </a:r>
+            <a:r>
+              <a:rPr kumimoji="1" lang="zh-CN" altLang="en-US" sz="1200" dirty="0"/>
+              <a:t>（无字典对象设计</a:t>
+            </a:r>
+            <a:r>
+              <a:rPr kumimoji="1" lang="zh-CN" altLang="en-US" sz="1200" dirty="0" smtClean="0"/>
+              <a:t>）</a:t>
+            </a:r>
+            <a:endParaRPr kumimoji="1" lang="zh-CN" altLang="en-US" sz="1200" dirty="0"/>
+          </a:p>
+        </p:txBody>
+      </p:sp>
+      <p:sp>
+        <p:nvSpPr>
+          <p:cNvPr id="29" name="矩形 28"/>
+          <p:cNvSpPr/>
+          <p:nvPr/>
+        </p:nvSpPr>
+        <p:spPr>
+          <a:xfrm>
+            <a:off x="378439" y="3878031"/>
+            <a:ext cx="8430652" cy="2799230"/>
+          </a:xfrm>
+          <a:prstGeom prst="rect">
+            <a:avLst/>
+          </a:prstGeom>
+        </p:spPr>
+        <p:style>
+          <a:lnRef idx="1">
+            <a:schemeClr val="accent1"/>
+          </a:lnRef>
+          <a:fillRef idx="3">
+            <a:schemeClr val="accent1"/>
+          </a:fillRef>
+          <a:effectRef idx="2">
+            <a:schemeClr val="accent1"/>
+          </a:effectRef>
+          <a:fontRef idx="minor">
+            <a:schemeClr val="lt1"/>
+          </a:fontRef>
+        </p:style>
+        <p:txBody>
+          <a:bodyPr rtlCol="0" anchor="ctr"/>
+          <a:lstStyle/>
+          <a:p>
+            <a:pPr algn="ctr"/>
+            <a:endParaRPr kumimoji="1" lang="zh-CN" altLang="en-US" dirty="0"/>
+          </a:p>
+        </p:txBody>
+      </p:sp>
+      <p:sp>
+        <p:nvSpPr>
+          <p:cNvPr id="30" name="文本框 29"/>
+          <p:cNvSpPr txBox="1"/>
+          <p:nvPr/>
+        </p:nvSpPr>
+        <p:spPr>
+          <a:xfrm>
+            <a:off x="365482" y="3861653"/>
+            <a:ext cx="8430651" cy="276999"/>
+          </a:xfrm>
+          <a:prstGeom prst="rect">
+            <a:avLst/>
+          </a:prstGeom>
+          <a:noFill/>
+        </p:spPr>
+        <p:txBody>
+          <a:bodyPr wrap="square" rtlCol="0">
+            <a:spAutoFit/>
+          </a:bodyPr>
+          <a:lstStyle/>
+          <a:p>
+            <a:pPr algn="ctr"/>
+            <a:r>
+              <a:rPr lang="en-US" altLang="zh-CN" sz="1200" dirty="0" err="1"/>
+              <a:t>s</a:t>
+            </a:r>
+            <a:r>
+              <a:rPr lang="en-US" altLang="zh-CN" sz="1200" dirty="0" err="1" smtClean="0"/>
+              <a:t>file:NSArray</a:t>
+            </a:r>
+            <a:endParaRPr kumimoji="1" lang="zh-CN" altLang="en-US" sz="1200" dirty="0"/>
+          </a:p>
+        </p:txBody>
+      </p:sp>
+      <p:sp>
+        <p:nvSpPr>
+          <p:cNvPr id="31" name="矩形 30"/>
+          <p:cNvSpPr/>
+          <p:nvPr/>
+        </p:nvSpPr>
+        <p:spPr>
+          <a:xfrm>
+            <a:off x="501107" y="4164439"/>
+            <a:ext cx="1222663" cy="2390518"/>
+          </a:xfrm>
+          <a:prstGeom prst="rect">
+            <a:avLst/>
+          </a:prstGeom>
+        </p:spPr>
+        <p:style>
+          <a:lnRef idx="1">
+            <a:schemeClr val="accent6"/>
+          </a:lnRef>
+          <a:fillRef idx="3">
+            <a:schemeClr val="accent6"/>
+          </a:fillRef>
+          <a:effectRef idx="2">
+            <a:schemeClr val="accent6"/>
+          </a:effectRef>
+          <a:fontRef idx="minor">
+            <a:schemeClr val="lt1"/>
+          </a:fontRef>
+        </p:style>
+        <p:txBody>
+          <a:bodyPr rtlCol="0" anchor="ctr"/>
+          <a:lstStyle/>
+          <a:p>
+            <a:pPr algn="ctr"/>
+            <a:r>
+              <a:rPr kumimoji="1" lang="en-US" altLang="zh-CN" sz="1200" dirty="0" smtClean="0">
+                <a:solidFill>
+                  <a:schemeClr val="accent6">
+                    <a:lumMod val="50000"/>
+                  </a:schemeClr>
+                </a:solidFill>
+              </a:rPr>
+              <a:t>0</a:t>
+            </a:r>
+          </a:p>
+          <a:p>
+            <a:pPr algn="ctr"/>
+            <a:r>
+              <a:rPr kumimoji="1" lang="en-US" altLang="zh-CN" sz="1200" dirty="0" err="1" smtClean="0">
+                <a:solidFill>
+                  <a:schemeClr val="accent6">
+                    <a:lumMod val="50000"/>
+                  </a:schemeClr>
+                </a:solidFill>
+              </a:rPr>
+              <a:t>s_ver:NSString</a:t>
+            </a:r>
+            <a:r>
+              <a:rPr kumimoji="1" lang="en-US" altLang="zh-CN" sz="1200" dirty="0" smtClean="0">
+                <a:solidFill>
+                  <a:schemeClr val="accent6">
+                    <a:lumMod val="50000"/>
+                  </a:schemeClr>
+                </a:solidFill>
+              </a:rPr>
+              <a:t>!</a:t>
+            </a:r>
+          </a:p>
+          <a:p>
+            <a:pPr algn="ctr"/>
+            <a:r>
+              <a:rPr kumimoji="1" lang="zh-CN" altLang="en-US" sz="1200" dirty="0" smtClean="0">
+                <a:solidFill>
+                  <a:schemeClr val="accent6">
+                    <a:lumMod val="50000"/>
+                  </a:schemeClr>
+                </a:solidFill>
+              </a:rPr>
+              <a:t>文件数据结构版本</a:t>
+            </a:r>
+            <a:endParaRPr kumimoji="1" lang="en-US" altLang="zh-CN" sz="1200" dirty="0" smtClean="0">
+              <a:solidFill>
+                <a:schemeClr val="accent6">
+                  <a:lumMod val="50000"/>
+                </a:schemeClr>
+              </a:solidFill>
+            </a:endParaRPr>
+          </a:p>
+          <a:p>
+            <a:pPr algn="ctr"/>
+            <a:r>
+              <a:rPr kumimoji="1" lang="en-US" altLang="zh-CN" sz="1200" dirty="0" smtClean="0">
+                <a:solidFill>
+                  <a:schemeClr val="accent6">
+                    <a:lumMod val="50000"/>
+                  </a:schemeClr>
+                </a:solidFill>
+              </a:rPr>
+              <a:t>[iOS</a:t>
+            </a:r>
+            <a:r>
+              <a:rPr kumimoji="1" lang="en-US" altLang="zh-CN" sz="1200" dirty="0">
+                <a:solidFill>
+                  <a:schemeClr val="accent6">
+                    <a:lumMod val="50000"/>
+                  </a:schemeClr>
+                </a:solidFill>
+              </a:rPr>
+              <a:t>v</a:t>
+            </a:r>
+            <a:r>
+              <a:rPr kumimoji="1" lang="en-US" altLang="zh-CN" sz="1200" dirty="0" smtClean="0">
+                <a:solidFill>
+                  <a:schemeClr val="accent6">
+                    <a:lumMod val="50000"/>
+                  </a:schemeClr>
+                </a:solidFill>
+              </a:rPr>
+              <a:t>2]</a:t>
+            </a:r>
+          </a:p>
+        </p:txBody>
+      </p:sp>
+      <p:sp>
+        <p:nvSpPr>
+          <p:cNvPr id="32" name="矩形 31"/>
+          <p:cNvSpPr/>
+          <p:nvPr/>
+        </p:nvSpPr>
+        <p:spPr>
+          <a:xfrm>
+            <a:off x="1838362" y="4164439"/>
+            <a:ext cx="5962938" cy="2390518"/>
+          </a:xfrm>
+          <a:prstGeom prst="rect">
+            <a:avLst/>
+          </a:prstGeom>
+        </p:spPr>
+        <p:style>
+          <a:lnRef idx="1">
+            <a:schemeClr val="accent6"/>
+          </a:lnRef>
+          <a:fillRef idx="3">
+            <a:schemeClr val="accent6"/>
+          </a:fillRef>
+          <a:effectRef idx="2">
+            <a:schemeClr val="accent6"/>
+          </a:effectRef>
+          <a:fontRef idx="minor">
+            <a:schemeClr val="lt1"/>
+          </a:fontRef>
+        </p:style>
+        <p:txBody>
+          <a:bodyPr rtlCol="0" anchor="ctr"/>
+          <a:lstStyle/>
+          <a:p>
+            <a:pPr algn="ctr"/>
+            <a:endParaRPr kumimoji="1" lang="en-US" altLang="zh-CN" sz="1200" dirty="0" smtClean="0">
+              <a:solidFill>
+                <a:schemeClr val="accent6">
+                  <a:lumMod val="50000"/>
+                </a:schemeClr>
+              </a:solidFill>
+            </a:endParaRPr>
+          </a:p>
+        </p:txBody>
+      </p:sp>
+      <p:sp>
+        <p:nvSpPr>
+          <p:cNvPr id="33" name="文本框 32"/>
+          <p:cNvSpPr txBox="1"/>
+          <p:nvPr/>
+        </p:nvSpPr>
+        <p:spPr>
+          <a:xfrm>
+            <a:off x="1844564" y="4164441"/>
+            <a:ext cx="5956737" cy="646331"/>
+          </a:xfrm>
+          <a:prstGeom prst="rect">
+            <a:avLst/>
+          </a:prstGeom>
+          <a:noFill/>
+        </p:spPr>
+        <p:txBody>
+          <a:bodyPr wrap="square" rtlCol="0">
+            <a:spAutoFit/>
+          </a:bodyPr>
+          <a:lstStyle/>
+          <a:p>
+            <a:pPr algn="ctr"/>
+            <a:r>
+              <a:rPr kumimoji="1" lang="en-US" altLang="zh-CN" sz="1200" dirty="0" smtClean="0">
+                <a:solidFill>
+                  <a:schemeClr val="accent6">
+                    <a:lumMod val="50000"/>
+                  </a:schemeClr>
+                </a:solidFill>
+              </a:rPr>
+              <a:t>1</a:t>
+            </a:r>
+          </a:p>
+          <a:p>
+            <a:pPr algn="ctr"/>
+            <a:r>
+              <a:rPr kumimoji="1" lang="en-US" altLang="zh-CN" sz="1200" dirty="0" err="1" smtClean="0">
+                <a:solidFill>
+                  <a:schemeClr val="accent6">
+                    <a:lumMod val="50000"/>
+                  </a:schemeClr>
+                </a:solidFill>
+              </a:rPr>
+              <a:t>s_emoset:NSMutableArray</a:t>
+            </a:r>
+            <a:r>
+              <a:rPr kumimoji="1" lang="en-US" altLang="zh-CN" sz="1200" dirty="0" smtClean="0">
+                <a:solidFill>
+                  <a:schemeClr val="accent6">
+                    <a:lumMod val="50000"/>
+                  </a:schemeClr>
+                </a:solidFill>
+              </a:rPr>
+              <a:t>!</a:t>
+            </a:r>
+          </a:p>
+          <a:p>
+            <a:pPr algn="ctr"/>
+            <a:r>
+              <a:rPr kumimoji="1" lang="zh-CN" altLang="en-US" sz="1200" dirty="0" smtClean="0">
+                <a:solidFill>
+                  <a:schemeClr val="accent6">
+                    <a:lumMod val="50000"/>
+                  </a:schemeClr>
+                </a:solidFill>
+              </a:rPr>
+              <a:t>颜文字配置项</a:t>
+            </a:r>
+            <a:endParaRPr kumimoji="1" lang="en-US" altLang="zh-CN" sz="1200" dirty="0" smtClean="0">
+              <a:solidFill>
+                <a:schemeClr val="accent6">
+                  <a:lumMod val="50000"/>
+                </a:schemeClr>
+              </a:solidFill>
+            </a:endParaRPr>
+          </a:p>
+        </p:txBody>
+      </p:sp>
+      <p:sp>
+        <p:nvSpPr>
+          <p:cNvPr id="34" name="矩形 33"/>
+          <p:cNvSpPr/>
+          <p:nvPr/>
+        </p:nvSpPr>
+        <p:spPr>
+          <a:xfrm>
+            <a:off x="1950727" y="4810770"/>
+            <a:ext cx="799004" cy="1611013"/>
+          </a:xfrm>
+          <a:prstGeom prst="rect">
+            <a:avLst/>
+          </a:prstGeom>
+        </p:spPr>
+        <p:style>
+          <a:lnRef idx="1">
+            <a:schemeClr val="accent4"/>
+          </a:lnRef>
+          <a:fillRef idx="3">
+            <a:schemeClr val="accent4"/>
+          </a:fillRef>
+          <a:effectRef idx="2">
+            <a:schemeClr val="accent4"/>
+          </a:effectRef>
+          <a:fontRef idx="minor">
+            <a:schemeClr val="lt1"/>
+          </a:fontRef>
+        </p:style>
+        <p:txBody>
+          <a:bodyPr rtlCol="0" anchor="ctr"/>
+          <a:lstStyle/>
+          <a:p>
+            <a:pPr algn="ctr"/>
+            <a:r>
+              <a:rPr kumimoji="1" lang="en-US" altLang="zh-CN" sz="1200" dirty="0" smtClean="0">
+                <a:solidFill>
+                  <a:schemeClr val="bg1"/>
+                </a:solidFill>
+              </a:rPr>
+              <a:t>1</a:t>
+            </a:r>
+          </a:p>
+          <a:p>
+            <a:pPr algn="ctr"/>
+            <a:r>
+              <a:rPr kumimoji="1" lang="en-US" altLang="zh-CN" sz="1200" dirty="0" err="1" smtClean="0">
+                <a:solidFill>
+                  <a:schemeClr val="bg1"/>
+                </a:solidFill>
+              </a:rPr>
+              <a:t>o_note</a:t>
+            </a:r>
+            <a:r>
+              <a:rPr kumimoji="1" lang="en-US" altLang="zh-CN" sz="1200" dirty="0" smtClean="0">
+                <a:solidFill>
+                  <a:schemeClr val="bg1"/>
+                </a:solidFill>
+              </a:rPr>
+              <a:t>:</a:t>
+            </a:r>
+          </a:p>
+          <a:p>
+            <a:pPr algn="ctr"/>
+            <a:r>
+              <a:rPr kumimoji="1" lang="en-US" altLang="zh-CN" sz="1200" dirty="0" err="1" smtClean="0">
+                <a:solidFill>
+                  <a:schemeClr val="bg1"/>
+                </a:solidFill>
+              </a:rPr>
+              <a:t>NSString</a:t>
+            </a:r>
+            <a:r>
+              <a:rPr kumimoji="1" lang="en-US" altLang="zh-CN" sz="1200" dirty="0" smtClean="0">
+                <a:solidFill>
+                  <a:schemeClr val="bg1"/>
+                </a:solidFill>
+              </a:rPr>
+              <a:t>!</a:t>
+            </a:r>
+          </a:p>
+          <a:p>
+            <a:pPr algn="ctr"/>
+            <a:r>
+              <a:rPr kumimoji="1" lang="zh-CN" altLang="en-US" sz="1200" dirty="0" smtClean="0">
+                <a:solidFill>
+                  <a:schemeClr val="bg1"/>
+                </a:solidFill>
+              </a:rPr>
+              <a:t>记录名称</a:t>
+            </a:r>
+            <a:endParaRPr kumimoji="1" lang="en-US" altLang="zh-CN" sz="1200" dirty="0" smtClean="0">
+              <a:solidFill>
+                <a:schemeClr val="bg1"/>
+              </a:solidFill>
+            </a:endParaRPr>
+          </a:p>
+          <a:p>
+            <a:pPr algn="ctr"/>
+            <a:r>
+              <a:rPr kumimoji="1" lang="en-US" altLang="zh-TW" sz="1200" dirty="0">
+                <a:solidFill>
+                  <a:schemeClr val="bg1"/>
+                </a:solidFill>
+              </a:rPr>
+              <a:t>(</a:t>
+            </a:r>
+            <a:r>
+              <a:rPr kumimoji="1" lang="zh-TW" altLang="en-US" sz="1200" dirty="0">
+                <a:solidFill>
+                  <a:schemeClr val="bg1"/>
+                </a:solidFill>
+              </a:rPr>
+              <a:t>可为空</a:t>
+            </a:r>
+            <a:r>
+              <a:rPr kumimoji="1" lang="en-US" altLang="zh-TW" sz="1200" dirty="0" smtClean="0">
+                <a:solidFill>
+                  <a:schemeClr val="bg1"/>
+                </a:solidFill>
+              </a:rPr>
+              <a:t>)</a:t>
+            </a:r>
+            <a:endParaRPr kumimoji="1" lang="en-US" altLang="zh-TW" sz="1200" dirty="0">
+              <a:solidFill>
+                <a:schemeClr val="bg1"/>
+              </a:solidFill>
+            </a:endParaRPr>
+          </a:p>
+        </p:txBody>
+      </p:sp>
+      <p:sp>
+        <p:nvSpPr>
+          <p:cNvPr id="35" name="矩形 34"/>
+          <p:cNvSpPr/>
+          <p:nvPr/>
+        </p:nvSpPr>
+        <p:spPr>
+          <a:xfrm>
+            <a:off x="2835116" y="4810770"/>
+            <a:ext cx="799004" cy="1611013"/>
+          </a:xfrm>
+          <a:prstGeom prst="rect">
+            <a:avLst/>
+          </a:prstGeom>
+        </p:spPr>
+        <p:style>
+          <a:lnRef idx="1">
+            <a:schemeClr val="accent4"/>
+          </a:lnRef>
+          <a:fillRef idx="3">
+            <a:schemeClr val="accent4"/>
+          </a:fillRef>
+          <a:effectRef idx="2">
+            <a:schemeClr val="accent4"/>
+          </a:effectRef>
+          <a:fontRef idx="minor">
+            <a:schemeClr val="lt1"/>
+          </a:fontRef>
+        </p:style>
+        <p:txBody>
+          <a:bodyPr rtlCol="0" anchor="ctr"/>
+          <a:lstStyle/>
+          <a:p>
+            <a:pPr algn="ctr"/>
+            <a:r>
+              <a:rPr kumimoji="1" lang="en-US" altLang="zh-CN" sz="1200" dirty="0" smtClean="0">
+                <a:solidFill>
+                  <a:schemeClr val="bg1"/>
+                </a:solidFill>
+              </a:rPr>
+              <a:t>2</a:t>
+            </a:r>
+          </a:p>
+          <a:p>
+            <a:pPr algn="ctr"/>
+            <a:r>
+              <a:rPr kumimoji="1" lang="en-US" altLang="zh-CN" sz="1200" dirty="0" err="1" smtClean="0">
+                <a:solidFill>
+                  <a:schemeClr val="bg1"/>
+                </a:solidFill>
+              </a:rPr>
+              <a:t>o_name</a:t>
+            </a:r>
+            <a:r>
+              <a:rPr kumimoji="1" lang="en-US" altLang="zh-CN" sz="1200" dirty="0" smtClean="0">
+                <a:solidFill>
+                  <a:schemeClr val="bg1"/>
+                </a:solidFill>
+              </a:rPr>
+              <a:t>:</a:t>
+            </a:r>
+          </a:p>
+          <a:p>
+            <a:pPr algn="ctr"/>
+            <a:r>
+              <a:rPr kumimoji="1" lang="en-US" altLang="zh-CN" sz="1200" dirty="0" err="1" smtClean="0">
+                <a:solidFill>
+                  <a:schemeClr val="bg1"/>
+                </a:solidFill>
+              </a:rPr>
+              <a:t>NSString</a:t>
+            </a:r>
+            <a:r>
+              <a:rPr kumimoji="1" lang="en-US" altLang="zh-CN" sz="1200" dirty="0" smtClean="0">
+                <a:solidFill>
+                  <a:schemeClr val="bg1"/>
+                </a:solidFill>
+              </a:rPr>
+              <a:t>!</a:t>
+            </a:r>
+          </a:p>
+          <a:p>
+            <a:pPr algn="ctr"/>
+            <a:r>
+              <a:rPr kumimoji="1" lang="zh-CN" altLang="en-US" sz="1200" dirty="0" smtClean="0">
+                <a:solidFill>
+                  <a:schemeClr val="bg1"/>
+                </a:solidFill>
+              </a:rPr>
+              <a:t>颜文字库名称</a:t>
+            </a:r>
+            <a:endParaRPr kumimoji="1" lang="en-US" altLang="zh-CN" sz="1200" dirty="0" smtClean="0">
+              <a:solidFill>
+                <a:schemeClr val="bg1"/>
+              </a:solidFill>
+            </a:endParaRPr>
+          </a:p>
+        </p:txBody>
+      </p:sp>
+      <p:sp>
+        <p:nvSpPr>
+          <p:cNvPr id="36" name="矩形 35"/>
+          <p:cNvSpPr/>
+          <p:nvPr/>
+        </p:nvSpPr>
+        <p:spPr>
+          <a:xfrm>
+            <a:off x="3726682" y="4810770"/>
+            <a:ext cx="799004" cy="1611013"/>
+          </a:xfrm>
+          <a:prstGeom prst="rect">
+            <a:avLst/>
+          </a:prstGeom>
+        </p:spPr>
+        <p:style>
+          <a:lnRef idx="1">
+            <a:schemeClr val="accent4"/>
+          </a:lnRef>
+          <a:fillRef idx="3">
+            <a:schemeClr val="accent4"/>
+          </a:fillRef>
+          <a:effectRef idx="2">
+            <a:schemeClr val="accent4"/>
+          </a:effectRef>
+          <a:fontRef idx="minor">
+            <a:schemeClr val="lt1"/>
+          </a:fontRef>
+        </p:style>
+        <p:txBody>
+          <a:bodyPr rtlCol="0" anchor="ctr"/>
+          <a:lstStyle/>
+          <a:p>
+            <a:pPr algn="ctr"/>
+            <a:r>
+              <a:rPr kumimoji="1" lang="en-US" altLang="zh-CN" sz="1200" dirty="0" smtClean="0">
+                <a:solidFill>
+                  <a:schemeClr val="bg1"/>
+                </a:solidFill>
+              </a:rPr>
+              <a:t>3</a:t>
+            </a:r>
+          </a:p>
+          <a:p>
+            <a:pPr algn="ctr"/>
+            <a:r>
+              <a:rPr kumimoji="1" lang="en-US" altLang="zh-CN" sz="1200" dirty="0" err="1" smtClean="0">
+                <a:solidFill>
+                  <a:schemeClr val="bg1"/>
+                </a:solidFill>
+              </a:rPr>
+              <a:t>o_url</a:t>
+            </a:r>
+            <a:r>
+              <a:rPr kumimoji="1" lang="en-US" altLang="zh-CN" sz="1200" dirty="0" smtClean="0">
+                <a:solidFill>
+                  <a:schemeClr val="bg1"/>
+                </a:solidFill>
+              </a:rPr>
+              <a:t>:</a:t>
+            </a:r>
+          </a:p>
+          <a:p>
+            <a:pPr algn="ctr"/>
+            <a:r>
+              <a:rPr kumimoji="1" lang="en-US" altLang="zh-CN" sz="1200" dirty="0" err="1" smtClean="0">
+                <a:solidFill>
+                  <a:schemeClr val="bg1"/>
+                </a:solidFill>
+              </a:rPr>
+              <a:t>NSString</a:t>
+            </a:r>
+            <a:r>
+              <a:rPr kumimoji="1" lang="en-US" altLang="zh-CN" sz="1200" dirty="0" smtClean="0">
+                <a:solidFill>
+                  <a:schemeClr val="bg1"/>
+                </a:solidFill>
+              </a:rPr>
+              <a:t>!</a:t>
+            </a:r>
+          </a:p>
+          <a:p>
+            <a:pPr algn="ctr"/>
+            <a:r>
+              <a:rPr kumimoji="1" lang="zh-CN" altLang="en-US" sz="1200" dirty="0" smtClean="0">
+                <a:solidFill>
+                  <a:schemeClr val="bg1"/>
+                </a:solidFill>
+              </a:rPr>
+              <a:t>来源网址</a:t>
+            </a:r>
+            <a:endParaRPr kumimoji="1" lang="en-US" altLang="zh-CN" sz="1200" dirty="0" smtClean="0">
+              <a:solidFill>
+                <a:schemeClr val="bg1"/>
+              </a:solidFill>
+            </a:endParaRPr>
+          </a:p>
+        </p:txBody>
+      </p:sp>
+      <p:sp>
+        <p:nvSpPr>
+          <p:cNvPr id="37" name="矩形 36"/>
+          <p:cNvSpPr/>
+          <p:nvPr/>
+        </p:nvSpPr>
+        <p:spPr>
+          <a:xfrm>
+            <a:off x="4627653" y="4810771"/>
+            <a:ext cx="1477395" cy="1611012"/>
+          </a:xfrm>
+          <a:prstGeom prst="rect">
+            <a:avLst/>
+          </a:prstGeom>
+        </p:spPr>
+        <p:style>
+          <a:lnRef idx="1">
+            <a:schemeClr val="accent4"/>
+          </a:lnRef>
+          <a:fillRef idx="3">
+            <a:schemeClr val="accent4"/>
+          </a:fillRef>
+          <a:effectRef idx="2">
+            <a:schemeClr val="accent4"/>
+          </a:effectRef>
+          <a:fontRef idx="minor">
+            <a:schemeClr val="lt1"/>
+          </a:fontRef>
+        </p:style>
+        <p:txBody>
+          <a:bodyPr rtlCol="0" anchor="ctr"/>
+          <a:lstStyle/>
+          <a:p>
+            <a:pPr algn="ctr"/>
+            <a:endParaRPr kumimoji="1" lang="en-US" altLang="zh-CN" sz="1200" dirty="0" smtClean="0">
+              <a:solidFill>
+                <a:schemeClr val="bg1"/>
+              </a:solidFill>
+            </a:endParaRPr>
+          </a:p>
+        </p:txBody>
+      </p:sp>
+      <p:sp>
+        <p:nvSpPr>
+          <p:cNvPr id="21" name="文本框 20"/>
+          <p:cNvSpPr txBox="1"/>
+          <p:nvPr/>
+        </p:nvSpPr>
+        <p:spPr>
+          <a:xfrm>
+            <a:off x="4627652" y="4810771"/>
+            <a:ext cx="1477394" cy="646331"/>
+          </a:xfrm>
+          <a:prstGeom prst="rect">
+            <a:avLst/>
+          </a:prstGeom>
+          <a:noFill/>
+        </p:spPr>
+        <p:txBody>
+          <a:bodyPr wrap="square" rtlCol="0">
+            <a:spAutoFit/>
+          </a:bodyPr>
+          <a:lstStyle/>
+          <a:p>
+            <a:pPr lvl="0" algn="ctr"/>
+            <a:r>
+              <a:rPr kumimoji="1" lang="en-US" altLang="zh-CN" sz="1200" dirty="0">
+                <a:solidFill>
+                  <a:prstClr val="white"/>
+                </a:solidFill>
+              </a:rPr>
+              <a:t>4</a:t>
+            </a:r>
+          </a:p>
+          <a:p>
+            <a:pPr lvl="0" algn="ctr"/>
+            <a:r>
+              <a:rPr kumimoji="1" lang="en-US" altLang="zh-CN" sz="1200" dirty="0" err="1" smtClean="0">
+                <a:solidFill>
+                  <a:prstClr val="white"/>
+                </a:solidFill>
+              </a:rPr>
+              <a:t>o_delete:NSArray</a:t>
+            </a:r>
+            <a:r>
+              <a:rPr kumimoji="1" lang="en-US" altLang="zh-CN" sz="1200" dirty="0">
+                <a:solidFill>
+                  <a:prstClr val="white"/>
+                </a:solidFill>
+              </a:rPr>
+              <a:t>!</a:t>
+            </a:r>
+          </a:p>
+          <a:p>
+            <a:pPr lvl="0" algn="ctr"/>
+            <a:r>
+              <a:rPr kumimoji="1" lang="zh-CN" altLang="en-US" sz="1200" dirty="0" smtClean="0">
+                <a:solidFill>
+                  <a:prstClr val="white"/>
+                </a:solidFill>
+              </a:rPr>
+              <a:t>删除权限</a:t>
+            </a:r>
+            <a:endParaRPr kumimoji="1" lang="en-US" altLang="zh-CN" sz="1200" dirty="0">
+              <a:solidFill>
+                <a:prstClr val="white"/>
+              </a:solidFill>
+            </a:endParaRPr>
+          </a:p>
+        </p:txBody>
+      </p:sp>
+      <p:sp>
+        <p:nvSpPr>
+          <p:cNvPr id="38" name="矩形 37"/>
+          <p:cNvSpPr/>
+          <p:nvPr/>
+        </p:nvSpPr>
+        <p:spPr>
+          <a:xfrm>
+            <a:off x="4705617" y="5457101"/>
+            <a:ext cx="799004" cy="845356"/>
+          </a:xfrm>
+          <a:prstGeom prst="rect">
+            <a:avLst/>
+          </a:prstGeom>
+        </p:spPr>
+        <p:style>
+          <a:lnRef idx="1">
+            <a:schemeClr val="accent3"/>
+          </a:lnRef>
+          <a:fillRef idx="3">
+            <a:schemeClr val="accent3"/>
+          </a:fillRef>
+          <a:effectRef idx="2">
+            <a:schemeClr val="accent3"/>
+          </a:effectRef>
+          <a:fontRef idx="minor">
+            <a:schemeClr val="lt1"/>
+          </a:fontRef>
+        </p:style>
+        <p:txBody>
+          <a:bodyPr rtlCol="0" anchor="ctr"/>
+          <a:lstStyle/>
+          <a:p>
+            <a:pPr algn="ctr"/>
+            <a:r>
+              <a:rPr kumimoji="1" lang="en-US" altLang="zh-CN" sz="1200" dirty="0" smtClean="0">
+                <a:solidFill>
+                  <a:schemeClr val="accent1">
+                    <a:lumMod val="50000"/>
+                  </a:schemeClr>
+                </a:solidFill>
+              </a:rPr>
+              <a:t>1</a:t>
+            </a:r>
+          </a:p>
+          <a:p>
+            <a:pPr algn="ctr"/>
+            <a:r>
+              <a:rPr kumimoji="1" lang="en-US" altLang="zh-CN" sz="1200" dirty="0" err="1" smtClean="0">
+                <a:solidFill>
+                  <a:schemeClr val="accent1">
+                    <a:lumMod val="50000"/>
+                  </a:schemeClr>
+                </a:solidFill>
+              </a:rPr>
+              <a:t>d_delete</a:t>
+            </a:r>
+            <a:r>
+              <a:rPr kumimoji="1" lang="en-US" altLang="zh-CN" sz="1200" dirty="0" smtClean="0">
+                <a:solidFill>
+                  <a:schemeClr val="accent1">
+                    <a:lumMod val="50000"/>
+                  </a:schemeClr>
+                </a:solidFill>
+              </a:rPr>
+              <a:t>:</a:t>
+            </a:r>
+          </a:p>
+          <a:p>
+            <a:pPr algn="ctr"/>
+            <a:r>
+              <a:rPr kumimoji="1" lang="en-US" altLang="zh-CN" sz="1200" dirty="0" err="1" smtClean="0">
+                <a:solidFill>
+                  <a:schemeClr val="accent1">
+                    <a:lumMod val="50000"/>
+                  </a:schemeClr>
+                </a:solidFill>
+              </a:rPr>
+              <a:t>NSString</a:t>
+            </a:r>
+            <a:r>
+              <a:rPr kumimoji="1" lang="en-US" altLang="zh-CN" sz="1200" dirty="0" smtClean="0">
+                <a:solidFill>
+                  <a:schemeClr val="accent1">
+                    <a:lumMod val="50000"/>
+                  </a:schemeClr>
+                </a:solidFill>
+              </a:rPr>
+              <a:t>!</a:t>
+            </a:r>
+          </a:p>
+          <a:p>
+            <a:pPr algn="ctr"/>
+            <a:r>
+              <a:rPr kumimoji="1" lang="zh-CN" altLang="en-US" sz="1200" dirty="0" smtClean="0">
+                <a:solidFill>
+                  <a:schemeClr val="accent1">
+                    <a:lumMod val="50000"/>
+                  </a:schemeClr>
+                </a:solidFill>
+              </a:rPr>
+              <a:t>所有者</a:t>
+            </a:r>
+            <a:endParaRPr kumimoji="1" lang="en-US" altLang="zh-CN" sz="1200" dirty="0" smtClean="0">
+              <a:solidFill>
+                <a:schemeClr val="accent1">
+                  <a:lumMod val="50000"/>
+                </a:schemeClr>
+              </a:solidFill>
+            </a:endParaRPr>
+          </a:p>
+        </p:txBody>
+      </p:sp>
+      <p:sp>
+        <p:nvSpPr>
+          <p:cNvPr id="39" name="文本框 38"/>
+          <p:cNvSpPr txBox="1"/>
+          <p:nvPr/>
+        </p:nvSpPr>
+        <p:spPr>
+          <a:xfrm>
+            <a:off x="5588528" y="5539813"/>
+            <a:ext cx="432580" cy="523220"/>
+          </a:xfrm>
+          <a:prstGeom prst="rect">
+            <a:avLst/>
+          </a:prstGeom>
+          <a:noFill/>
+        </p:spPr>
+        <p:txBody>
+          <a:bodyPr wrap="none" rtlCol="0">
+            <a:spAutoFit/>
+          </a:bodyPr>
+          <a:lstStyle/>
+          <a:p>
+            <a:r>
+              <a:rPr kumimoji="1" lang="en-US" altLang="zh-CN" sz="2800" dirty="0" smtClean="0"/>
+              <a:t>…</a:t>
+            </a:r>
+            <a:endParaRPr kumimoji="1" lang="zh-CN" altLang="en-US" sz="2800" dirty="0"/>
+          </a:p>
+        </p:txBody>
+      </p:sp>
+      <p:sp>
+        <p:nvSpPr>
+          <p:cNvPr id="41" name="矩形 40"/>
+          <p:cNvSpPr/>
+          <p:nvPr/>
+        </p:nvSpPr>
+        <p:spPr>
+          <a:xfrm>
+            <a:off x="6213578" y="4810771"/>
+            <a:ext cx="1477395" cy="1611012"/>
+          </a:xfrm>
+          <a:prstGeom prst="rect">
+            <a:avLst/>
+          </a:prstGeom>
+          <a:ln>
+            <a:noFill/>
+          </a:ln>
+        </p:spPr>
+        <p:style>
+          <a:lnRef idx="1">
+            <a:schemeClr val="dk1"/>
+          </a:lnRef>
+          <a:fillRef idx="2">
+            <a:schemeClr val="dk1"/>
+          </a:fillRef>
+          <a:effectRef idx="1">
+            <a:schemeClr val="dk1"/>
+          </a:effectRef>
+          <a:fontRef idx="minor">
+            <a:schemeClr val="dk1"/>
+          </a:fontRef>
+        </p:style>
+        <p:txBody>
+          <a:bodyPr rtlCol="0" anchor="ctr"/>
+          <a:lstStyle/>
+          <a:p>
+            <a:pPr algn="ctr"/>
+            <a:endParaRPr kumimoji="1" lang="en-US" altLang="zh-CN" sz="1200" dirty="0" smtClean="0">
+              <a:solidFill>
+                <a:schemeClr val="bg1"/>
+              </a:solidFill>
+            </a:endParaRPr>
+          </a:p>
+        </p:txBody>
+      </p:sp>
+      <p:sp>
+        <p:nvSpPr>
+          <p:cNvPr id="42" name="文本框 41"/>
+          <p:cNvSpPr txBox="1"/>
+          <p:nvPr/>
+        </p:nvSpPr>
+        <p:spPr>
+          <a:xfrm>
+            <a:off x="6213577" y="4810771"/>
+            <a:ext cx="1477394" cy="646331"/>
+          </a:xfrm>
+          <a:prstGeom prst="rect">
+            <a:avLst/>
+          </a:prstGeom>
+          <a:noFill/>
+          <a:ln>
+            <a:noFill/>
+          </a:ln>
+        </p:spPr>
+        <p:txBody>
+          <a:bodyPr wrap="square" rtlCol="0">
+            <a:spAutoFit/>
+          </a:bodyPr>
+          <a:lstStyle/>
+          <a:p>
+            <a:pPr lvl="0" algn="ctr"/>
+            <a:r>
+              <a:rPr kumimoji="1" lang="en-US" altLang="zh-CN" sz="1200" dirty="0" smtClean="0">
+                <a:solidFill>
+                  <a:schemeClr val="bg1">
+                    <a:lumMod val="50000"/>
+                  </a:schemeClr>
+                </a:solidFill>
+              </a:rPr>
+              <a:t>5</a:t>
+            </a:r>
+          </a:p>
+          <a:p>
+            <a:pPr lvl="0" algn="ctr"/>
+            <a:r>
+              <a:rPr kumimoji="1" lang="en-US" altLang="zh-CN" sz="1200" dirty="0" err="1" smtClean="0">
+                <a:solidFill>
+                  <a:schemeClr val="bg1">
+                    <a:lumMod val="50000"/>
+                  </a:schemeClr>
+                </a:solidFill>
+              </a:rPr>
+              <a:t>o_delete:NSArray</a:t>
+            </a:r>
+            <a:r>
+              <a:rPr kumimoji="1" lang="en-US" altLang="zh-CN" sz="1200" dirty="0">
+                <a:solidFill>
+                  <a:schemeClr val="bg1">
+                    <a:lumMod val="50000"/>
+                  </a:schemeClr>
+                </a:solidFill>
+              </a:rPr>
+              <a:t>!</a:t>
+            </a:r>
+          </a:p>
+          <a:p>
+            <a:pPr lvl="0" algn="ctr"/>
+            <a:r>
+              <a:rPr kumimoji="1" lang="zh-CN" altLang="en-US" sz="1200" dirty="0" smtClean="0">
+                <a:solidFill>
+                  <a:schemeClr val="bg1">
+                    <a:lumMod val="50000"/>
+                  </a:schemeClr>
+                </a:solidFill>
+              </a:rPr>
+              <a:t>使用权限</a:t>
+            </a:r>
+            <a:endParaRPr kumimoji="1" lang="en-US" altLang="zh-CN" sz="1200" dirty="0">
+              <a:solidFill>
+                <a:schemeClr val="bg1">
+                  <a:lumMod val="50000"/>
+                </a:schemeClr>
+              </a:solidFill>
+            </a:endParaRPr>
+          </a:p>
+        </p:txBody>
+      </p:sp>
+      <p:sp>
+        <p:nvSpPr>
+          <p:cNvPr id="43" name="矩形 42"/>
+          <p:cNvSpPr/>
+          <p:nvPr/>
+        </p:nvSpPr>
+        <p:spPr>
+          <a:xfrm>
+            <a:off x="6291542" y="5457101"/>
+            <a:ext cx="799004" cy="845356"/>
+          </a:xfrm>
+          <a:prstGeom prst="rect">
+            <a:avLst/>
+          </a:prstGeom>
+          <a:ln>
+            <a:noFill/>
+          </a:ln>
+        </p:spPr>
+        <p:style>
+          <a:lnRef idx="1">
+            <a:schemeClr val="dk1"/>
+          </a:lnRef>
+          <a:fillRef idx="2">
+            <a:schemeClr val="dk1"/>
+          </a:fillRef>
+          <a:effectRef idx="1">
+            <a:schemeClr val="dk1"/>
+          </a:effectRef>
+          <a:fontRef idx="minor">
+            <a:schemeClr val="dk1"/>
+          </a:fontRef>
+        </p:style>
+        <p:txBody>
+          <a:bodyPr rtlCol="0" anchor="ctr"/>
+          <a:lstStyle/>
+          <a:p>
+            <a:pPr algn="ctr"/>
+            <a:r>
+              <a:rPr kumimoji="1" lang="en-US" altLang="zh-CN" sz="1200" dirty="0" smtClean="0">
+                <a:solidFill>
+                  <a:schemeClr val="accent1">
+                    <a:lumMod val="50000"/>
+                  </a:schemeClr>
+                </a:solidFill>
+              </a:rPr>
+              <a:t>1</a:t>
+            </a:r>
+          </a:p>
+          <a:p>
+            <a:pPr algn="ctr"/>
+            <a:r>
+              <a:rPr kumimoji="1" lang="en-US" altLang="zh-CN" sz="1200" dirty="0" err="1" smtClean="0">
+                <a:solidFill>
+                  <a:schemeClr val="accent1">
+                    <a:lumMod val="50000"/>
+                  </a:schemeClr>
+                </a:solidFill>
+              </a:rPr>
+              <a:t>d_delete</a:t>
+            </a:r>
+            <a:r>
+              <a:rPr kumimoji="1" lang="en-US" altLang="zh-CN" sz="1200" dirty="0" smtClean="0">
+                <a:solidFill>
+                  <a:schemeClr val="accent1">
+                    <a:lumMod val="50000"/>
+                  </a:schemeClr>
+                </a:solidFill>
+              </a:rPr>
+              <a:t>:</a:t>
+            </a:r>
+          </a:p>
+          <a:p>
+            <a:pPr algn="ctr"/>
+            <a:r>
+              <a:rPr kumimoji="1" lang="en-US" altLang="zh-CN" sz="1200" dirty="0" err="1" smtClean="0">
+                <a:solidFill>
+                  <a:schemeClr val="accent1">
+                    <a:lumMod val="50000"/>
+                  </a:schemeClr>
+                </a:solidFill>
+              </a:rPr>
+              <a:t>NSString</a:t>
+            </a:r>
+            <a:r>
+              <a:rPr kumimoji="1" lang="en-US" altLang="zh-CN" sz="1200" dirty="0" smtClean="0">
+                <a:solidFill>
+                  <a:schemeClr val="accent1">
+                    <a:lumMod val="50000"/>
+                  </a:schemeClr>
+                </a:solidFill>
+              </a:rPr>
+              <a:t>!</a:t>
+            </a:r>
+          </a:p>
+          <a:p>
+            <a:pPr algn="ctr"/>
+            <a:r>
+              <a:rPr kumimoji="1" lang="zh-CN" altLang="en-US" sz="1200" dirty="0" smtClean="0">
+                <a:solidFill>
+                  <a:schemeClr val="accent1">
+                    <a:lumMod val="50000"/>
+                  </a:schemeClr>
+                </a:solidFill>
+              </a:rPr>
+              <a:t>所有者</a:t>
+            </a:r>
+            <a:endParaRPr kumimoji="1" lang="en-US" altLang="zh-CN" sz="1200" dirty="0" smtClean="0">
+              <a:solidFill>
+                <a:schemeClr val="accent1">
+                  <a:lumMod val="50000"/>
+                </a:schemeClr>
+              </a:solidFill>
+            </a:endParaRPr>
+          </a:p>
+        </p:txBody>
+      </p:sp>
+      <p:sp>
+        <p:nvSpPr>
+          <p:cNvPr id="44" name="文本框 43"/>
+          <p:cNvSpPr txBox="1"/>
+          <p:nvPr/>
+        </p:nvSpPr>
+        <p:spPr>
+          <a:xfrm>
+            <a:off x="7174453" y="5539813"/>
+            <a:ext cx="432580" cy="523220"/>
+          </a:xfrm>
+          <a:prstGeom prst="rect">
+            <a:avLst/>
+          </a:prstGeom>
+          <a:noFill/>
+          <a:ln>
+            <a:noFill/>
+          </a:ln>
+        </p:spPr>
+        <p:txBody>
+          <a:bodyPr wrap="none" rtlCol="0">
+            <a:spAutoFit/>
+          </a:bodyPr>
+          <a:lstStyle/>
+          <a:p>
+            <a:r>
+              <a:rPr kumimoji="1" lang="en-US" altLang="zh-CN" sz="2800" dirty="0" smtClean="0"/>
+              <a:t>…</a:t>
+            </a:r>
+            <a:endParaRPr kumimoji="1" lang="zh-CN" altLang="en-US" sz="2800" dirty="0"/>
+          </a:p>
+        </p:txBody>
+      </p:sp>
+      <p:sp>
+        <p:nvSpPr>
+          <p:cNvPr id="46" name="文本框 45"/>
+          <p:cNvSpPr txBox="1"/>
+          <p:nvPr/>
+        </p:nvSpPr>
+        <p:spPr>
+          <a:xfrm>
+            <a:off x="7945274" y="5008854"/>
+            <a:ext cx="728535" cy="523220"/>
+          </a:xfrm>
+          <a:prstGeom prst="rect">
+            <a:avLst/>
+          </a:prstGeom>
+          <a:noFill/>
+        </p:spPr>
+        <p:txBody>
+          <a:bodyPr wrap="none" rtlCol="0">
+            <a:spAutoFit/>
+          </a:bodyPr>
+          <a:lstStyle/>
+          <a:p>
+            <a:r>
+              <a:rPr kumimoji="1" lang="en-US" altLang="zh-CN" sz="2800" dirty="0" smtClean="0"/>
+              <a:t>......</a:t>
+            </a:r>
+            <a:endParaRPr kumimoji="1" lang="zh-CN" altLang="en-US" sz="2800" dirty="0"/>
+          </a:p>
+        </p:txBody>
+      </p:sp>
+      <p:sp>
+        <p:nvSpPr>
+          <p:cNvPr id="47" name="乘 46"/>
+          <p:cNvSpPr/>
+          <p:nvPr/>
+        </p:nvSpPr>
+        <p:spPr>
+          <a:xfrm>
+            <a:off x="3096513" y="1965286"/>
+            <a:ext cx="531577" cy="497387"/>
+          </a:xfrm>
+          <a:prstGeom prst="mathMultiply">
+            <a:avLst/>
+          </a:prstGeom>
+        </p:spPr>
+        <p:style>
+          <a:lnRef idx="1">
+            <a:schemeClr val="accent2"/>
+          </a:lnRef>
+          <a:fillRef idx="3">
+            <a:schemeClr val="accent2"/>
+          </a:fillRef>
+          <a:effectRef idx="2">
+            <a:schemeClr val="accent2"/>
+          </a:effectRef>
+          <a:fontRef idx="minor">
+            <a:schemeClr val="lt1"/>
+          </a:fontRef>
+        </p:style>
+        <p:txBody>
+          <a:bodyPr rtlCol="0" anchor="ctr"/>
+          <a:lstStyle/>
+          <a:p>
+            <a:pPr algn="ctr"/>
+            <a:endParaRPr kumimoji="1" lang="zh-CN" altLang="en-US"/>
+          </a:p>
+        </p:txBody>
+      </p:sp>
+      <p:sp>
+        <p:nvSpPr>
+          <p:cNvPr id="48" name="乘 47"/>
+          <p:cNvSpPr/>
+          <p:nvPr/>
+        </p:nvSpPr>
+        <p:spPr>
+          <a:xfrm>
+            <a:off x="7252135" y="4760160"/>
+            <a:ext cx="531577" cy="497387"/>
+          </a:xfrm>
+          <a:prstGeom prst="mathMultiply">
+            <a:avLst/>
+          </a:prstGeom>
+        </p:spPr>
+        <p:style>
+          <a:lnRef idx="1">
+            <a:schemeClr val="accent2"/>
+          </a:lnRef>
+          <a:fillRef idx="3">
+            <a:schemeClr val="accent2"/>
+          </a:fillRef>
+          <a:effectRef idx="2">
+            <a:schemeClr val="accent2"/>
+          </a:effectRef>
+          <a:fontRef idx="minor">
+            <a:schemeClr val="lt1"/>
+          </a:fontRef>
+        </p:style>
+        <p:txBody>
+          <a:bodyPr rtlCol="0" anchor="ctr"/>
+          <a:lstStyle/>
+          <a:p>
+            <a:pPr algn="ctr"/>
+            <a:endParaRPr kumimoji="1" lang="zh-CN" altLang="en-US"/>
+          </a:p>
+        </p:txBody>
+      </p:sp>
+      <p:sp>
+        <p:nvSpPr>
+          <p:cNvPr id="49" name="矩形 48"/>
+          <p:cNvSpPr/>
+          <p:nvPr/>
+        </p:nvSpPr>
+        <p:spPr>
+          <a:xfrm>
+            <a:off x="3718794" y="1183265"/>
+            <a:ext cx="3972179" cy="1994534"/>
+          </a:xfrm>
+          <a:prstGeom prst="rect">
+            <a:avLst/>
+          </a:prstGeom>
+        </p:spPr>
+        <p:style>
+          <a:lnRef idx="1">
+            <a:schemeClr val="accent5"/>
+          </a:lnRef>
+          <a:fillRef idx="2">
+            <a:schemeClr val="accent5"/>
+          </a:fillRef>
+          <a:effectRef idx="1">
+            <a:schemeClr val="accent5"/>
+          </a:effectRef>
+          <a:fontRef idx="minor">
+            <a:schemeClr val="dk1"/>
+          </a:fontRef>
+        </p:style>
+        <p:txBody>
+          <a:bodyPr rtlCol="0" anchor="ctr"/>
+          <a:lstStyle/>
+          <a:p>
+            <a:pPr algn="ctr"/>
+            <a:endParaRPr kumimoji="1" lang="en-US" altLang="zh-CN" dirty="0" smtClean="0"/>
+          </a:p>
+          <a:p>
+            <a:pPr algn="ctr"/>
+            <a:endParaRPr kumimoji="1" lang="en-US" altLang="zh-CN" dirty="0" smtClean="0"/>
+          </a:p>
+          <a:p>
+            <a:pPr algn="ctr"/>
+            <a:r>
+              <a:rPr kumimoji="1" lang="en-US" altLang="zh-CN" dirty="0"/>
+              <a:t/>
+            </a:r>
+            <a:endParaRPr kumimoji="1" lang="en-US" altLang="zh-CN" dirty="0" smtClean="0"/>
           </a:p>
         </p:txBody>
       </p:sp>
@@ -3554,7 +5436,7 @@
         </p:nvGrpSpPr>
         <p:grpSpPr>
           <a:xfrm>
-            <a:off x="4365622" y="1546650"/>
+            <a:off x="4446866" y="1459839"/>
             <a:ext cx="3153693" cy="1651133"/>
             <a:chOff x="4365622" y="1546650"/>
             <a:chExt cx="3153693" cy="1651133"/>
@@ -4177,1813 +6059,13 @@
       </p:grpSp>
       <p:sp>
         <p:nvSpPr>
-          <p:cNvPr id="25" name="文本框 24"/>
-          <p:cNvSpPr txBox="1"/>
-          <p:nvPr/>
-        </p:nvSpPr>
-        <p:spPr>
-          <a:xfrm>
-            <a:off x="8183991" y="1957406"/>
-            <a:ext cx="456600" cy="523220"/>
-          </a:xfrm>
-          <a:prstGeom prst="rect">
-            <a:avLst/>
-          </a:prstGeom>
-          <a:noFill/>
-        </p:spPr>
-        <p:txBody>
-          <a:bodyPr wrap="none" rtlCol="0">
-            <a:spAutoFit/>
-          </a:bodyPr>
-          <a:lstStyle/>
-          <a:p>
-            <a:r>
-              <a:rPr kumimoji="1" lang="en-US" altLang="zh-CN" sz="2800" dirty="0" smtClean="0"/>
-              <a:t>...</a:t>
-            </a:r>
-            <a:endParaRPr kumimoji="1" lang="zh-CN" altLang="en-US" sz="2800" dirty="0"/>
-          </a:p>
-        </p:txBody>
-      </p:sp>
-      <p:sp>
-        <p:nvSpPr>
-          <p:cNvPr id="26" name="矩形 25"/>
-          <p:cNvSpPr/>
-          <p:nvPr/>
-        </p:nvSpPr>
-        <p:spPr>
-          <a:xfrm>
-            <a:off x="2072030" y="2032600"/>
-            <a:ext cx="1449622" cy="1222424"/>
-          </a:xfrm>
-          <a:prstGeom prst="rect">
-            <a:avLst/>
-          </a:prstGeom>
-          <a:ln>
-            <a:noFill/>
-          </a:ln>
-        </p:spPr>
-        <p:style>
-          <a:lnRef idx="1">
-            <a:schemeClr val="dk1"/>
-          </a:lnRef>
-          <a:fillRef idx="2">
-            <a:schemeClr val="dk1"/>
-          </a:fillRef>
-          <a:effectRef idx="1">
-            <a:schemeClr val="dk1"/>
-          </a:effectRef>
-          <a:fontRef idx="minor">
-            <a:schemeClr val="dk1"/>
-          </a:fontRef>
-        </p:style>
-        <p:txBody>
-          <a:bodyPr rtlCol="0" anchor="ctr"/>
-          <a:lstStyle/>
-          <a:p>
-            <a:pPr algn="ctr"/>
-            <a:r>
-              <a:rPr kumimoji="1" lang="en-US" altLang="zh-CN" sz="1200" dirty="0" smtClean="0">
-                <a:solidFill>
-                  <a:schemeClr val="bg1">
-                    <a:lumMod val="50000"/>
-                  </a:schemeClr>
-                </a:solidFill>
-              </a:rPr>
-              <a:t>4</a:t>
-            </a:r>
-          </a:p>
-          <a:p>
-            <a:pPr algn="ctr"/>
-            <a:r>
-              <a:rPr kumimoji="1" lang="en-US" altLang="zh-CN" sz="1200" dirty="0" err="1" smtClean="0">
-                <a:solidFill>
-                  <a:schemeClr val="bg1">
-                    <a:lumMod val="50000"/>
-                  </a:schemeClr>
-                </a:solidFill>
-              </a:rPr>
-              <a:t>y_user:NSString</a:t>
-            </a:r>
-            <a:r>
-              <a:rPr kumimoji="1" lang="en-US" altLang="zh-CN" sz="1200" dirty="0" smtClean="0">
-                <a:solidFill>
-                  <a:schemeClr val="bg1">
-                    <a:lumMod val="50000"/>
-                  </a:schemeClr>
-                </a:solidFill>
-              </a:rPr>
-              <a:t>!</a:t>
-            </a:r>
-          </a:p>
-          <a:p>
-            <a:pPr algn="ctr"/>
-            <a:r>
-              <a:rPr kumimoji="1" lang="zh-CN" altLang="en-US" sz="1200" dirty="0" smtClean="0">
-                <a:solidFill>
-                  <a:schemeClr val="bg1">
-                    <a:lumMod val="50000"/>
-                  </a:schemeClr>
-                </a:solidFill>
-              </a:rPr>
-              <a:t>权限：</a:t>
-            </a:r>
-            <a:r>
-              <a:rPr kumimoji="1" lang="en-US" altLang="zh-CN" sz="1200" dirty="0" smtClean="0">
-                <a:solidFill>
-                  <a:schemeClr val="bg1">
-                    <a:lumMod val="50000"/>
-                  </a:schemeClr>
-                </a:solidFill>
-              </a:rPr>
-              <a:t>[s]</a:t>
-            </a:r>
-            <a:r>
-              <a:rPr kumimoji="1" lang="zh-CN" altLang="en-US" sz="1200" dirty="0" smtClean="0">
-                <a:solidFill>
-                  <a:schemeClr val="bg1">
-                    <a:lumMod val="50000"/>
-                  </a:schemeClr>
-                </a:solidFill>
-              </a:rPr>
-              <a:t>系统</a:t>
-            </a:r>
-            <a:r>
-              <a:rPr kumimoji="1" lang="en-US" altLang="zh-CN" sz="1200" dirty="0" smtClean="0">
-                <a:solidFill>
-                  <a:schemeClr val="bg1">
-                    <a:lumMod val="50000"/>
-                  </a:schemeClr>
-                </a:solidFill>
-              </a:rPr>
-              <a:t> / [u]</a:t>
-            </a:r>
-            <a:r>
-              <a:rPr kumimoji="1" lang="zh-CN" altLang="en-US" sz="1200" dirty="0" smtClean="0">
-                <a:solidFill>
-                  <a:schemeClr val="bg1">
-                    <a:lumMod val="50000"/>
-                  </a:schemeClr>
-                </a:solidFill>
-              </a:rPr>
-              <a:t>用户</a:t>
-            </a:r>
-            <a:r>
-              <a:rPr kumimoji="1" lang="en-US" altLang="zh-CN" sz="1200" dirty="0" smtClean="0">
-                <a:solidFill>
-                  <a:schemeClr val="bg1">
-                    <a:lumMod val="50000"/>
-                  </a:schemeClr>
-                </a:solidFill>
-              </a:rPr>
-              <a:t> / [h]</a:t>
-            </a:r>
-            <a:r>
-              <a:rPr kumimoji="1" lang="zh-CN" altLang="en-US" sz="1200" dirty="0" smtClean="0">
-                <a:solidFill>
-                  <a:schemeClr val="bg1">
-                    <a:lumMod val="50000"/>
-                  </a:schemeClr>
-                </a:solidFill>
-              </a:rPr>
-              <a:t>历史</a:t>
-            </a:r>
-            <a:r>
-              <a:rPr kumimoji="1" lang="en-US" altLang="zh-CN" sz="1200" dirty="0" smtClean="0">
-                <a:solidFill>
-                  <a:schemeClr val="bg1">
-                    <a:lumMod val="50000"/>
-                  </a:schemeClr>
-                </a:solidFill>
-              </a:rPr>
-              <a:t> </a:t>
-            </a:r>
-            <a:r>
-              <a:rPr kumimoji="1" lang="en-US" altLang="zh-CN" sz="1200" dirty="0">
-                <a:solidFill>
-                  <a:schemeClr val="bg1">
-                    <a:lumMod val="50000"/>
-                  </a:schemeClr>
-                </a:solidFill>
-              </a:rPr>
-              <a:t>/ </a:t>
-            </a:r>
-            <a:r>
-              <a:rPr kumimoji="1" lang="en-US" altLang="zh-CN" sz="1200" dirty="0" smtClean="0">
-                <a:solidFill>
-                  <a:schemeClr val="bg1">
-                    <a:lumMod val="50000"/>
-                  </a:schemeClr>
-                </a:solidFill>
-              </a:rPr>
-              <a:t>[c]</a:t>
-            </a:r>
-            <a:r>
-              <a:rPr kumimoji="1" lang="zh-CN" altLang="en-US" sz="1200" dirty="0" smtClean="0">
-                <a:solidFill>
-                  <a:schemeClr val="bg1">
-                    <a:lumMod val="50000"/>
-                  </a:schemeClr>
-                </a:solidFill>
-              </a:rPr>
-              <a:t>自定</a:t>
-            </a:r>
-            <a:r>
-              <a:rPr kumimoji="1" lang="en-US" altLang="zh-CN" sz="1200" dirty="0" smtClean="0">
-                <a:solidFill>
-                  <a:schemeClr val="bg1">
-                    <a:lumMod val="50000"/>
-                  </a:schemeClr>
-                </a:solidFill>
-              </a:rPr>
-              <a:t> </a:t>
-            </a:r>
-            <a:r>
-              <a:rPr kumimoji="1" lang="en-US" altLang="zh-CN" sz="1200" dirty="0">
-                <a:solidFill>
-                  <a:schemeClr val="bg1">
-                    <a:lumMod val="50000"/>
-                  </a:schemeClr>
-                </a:solidFill>
-              </a:rPr>
-              <a:t>/ </a:t>
-            </a:r>
-            <a:r>
-              <a:rPr kumimoji="1" lang="en-US" altLang="zh-CN" sz="1200" dirty="0" smtClean="0">
-                <a:solidFill>
-                  <a:schemeClr val="bg1">
-                    <a:lumMod val="50000"/>
-                  </a:schemeClr>
-                </a:solidFill>
-              </a:rPr>
-              <a:t>[</a:t>
-            </a:r>
-            <a:r>
-              <a:rPr kumimoji="1" lang="zh-CN" altLang="en-US" sz="1200" dirty="0" smtClean="0">
-                <a:solidFill>
-                  <a:schemeClr val="bg1">
-                    <a:lumMod val="50000"/>
-                  </a:schemeClr>
-                </a:solidFill>
-              </a:rPr>
-              <a:t>用户名</a:t>
-            </a:r>
-            <a:r>
-              <a:rPr kumimoji="1" lang="en-US" altLang="zh-CN" sz="1200" dirty="0" smtClean="0">
-                <a:solidFill>
-                  <a:schemeClr val="bg1">
-                    <a:lumMod val="50000"/>
-                  </a:schemeClr>
-                </a:solidFill>
-              </a:rPr>
-              <a:t>MD5]</a:t>
-            </a:r>
-            <a:endParaRPr kumimoji="1" lang="en-US" altLang="zh-CN" sz="1200" dirty="0">
-              <a:solidFill>
-                <a:schemeClr val="bg1">
-                  <a:lumMod val="50000"/>
-                </a:schemeClr>
-              </a:solidFill>
-            </a:endParaRPr>
-          </a:p>
-        </p:txBody>
-      </p:sp>
-      <p:sp>
-        <p:nvSpPr>
-          <p:cNvPr id="23" name="文本框 22"/>
-          <p:cNvSpPr txBox="1"/>
-          <p:nvPr/>
-        </p:nvSpPr>
-        <p:spPr>
-          <a:xfrm>
-            <a:off x="371868" y="39630"/>
-            <a:ext cx="8430652" cy="276999"/>
-          </a:xfrm>
-          <a:prstGeom prst="rect">
-            <a:avLst/>
-          </a:prstGeom>
-          <a:noFill/>
-        </p:spPr>
-        <p:txBody>
-          <a:bodyPr wrap="square" rtlCol="0">
-            <a:spAutoFit/>
-          </a:bodyPr>
-          <a:lstStyle/>
-          <a:p>
-            <a:pPr algn="ctr"/>
-            <a:r>
-              <a:rPr kumimoji="1" lang="zh-CN" altLang="en-US" sz="1200" dirty="0" smtClean="0"/>
-              <a:t>数据文件：</a:t>
-            </a:r>
-            <a:r>
-              <a:rPr kumimoji="1" lang="en-US" altLang="zh-CN" sz="1200" dirty="0" smtClean="0"/>
-              <a:t>[</a:t>
-            </a:r>
-            <a:r>
-              <a:rPr kumimoji="1" lang="zh-CN" altLang="en-US" sz="1200" dirty="0" smtClean="0"/>
-              <a:t>网址</a:t>
-            </a:r>
-            <a:r>
-              <a:rPr kumimoji="1" lang="en-US" altLang="zh-CN" sz="1200" dirty="0" smtClean="0"/>
-              <a:t>MD5</a:t>
-            </a:r>
-            <a:r>
-              <a:rPr kumimoji="1" lang="zh-CN" altLang="en-US" sz="1200" dirty="0" smtClean="0"/>
-              <a:t>特征码</a:t>
-            </a:r>
-            <a:r>
-              <a:rPr kumimoji="1" lang="en-US" altLang="zh-CN" sz="1200" dirty="0" smtClean="0"/>
-              <a:t>].emoticon</a:t>
-            </a:r>
-            <a:endParaRPr kumimoji="1" lang="zh-CN" altLang="en-US" sz="1200" dirty="0"/>
-          </a:p>
-        </p:txBody>
-      </p:sp>
-      <p:sp>
-        <p:nvSpPr>
-          <p:cNvPr id="24" name="矩形 23"/>
-          <p:cNvSpPr/>
-          <p:nvPr/>
-        </p:nvSpPr>
-        <p:spPr>
-          <a:xfrm>
-            <a:off x="495073" y="672624"/>
-            <a:ext cx="1449622" cy="1222425"/>
-          </a:xfrm>
-          <a:prstGeom prst="rect">
-            <a:avLst/>
-          </a:prstGeom>
-        </p:spPr>
-        <p:style>
-          <a:lnRef idx="1">
-            <a:schemeClr val="accent6"/>
-          </a:lnRef>
-          <a:fillRef idx="3">
-            <a:schemeClr val="accent6"/>
-          </a:fillRef>
-          <a:effectRef idx="2">
-            <a:schemeClr val="accent6"/>
-          </a:effectRef>
-          <a:fontRef idx="minor">
-            <a:schemeClr val="lt1"/>
-          </a:fontRef>
-        </p:style>
-        <p:txBody>
-          <a:bodyPr rtlCol="0" anchor="ctr"/>
-          <a:lstStyle/>
-          <a:p>
-            <a:pPr algn="ctr"/>
-            <a:r>
-              <a:rPr kumimoji="1" lang="en-US" altLang="zh-CN" sz="1200" dirty="0" smtClean="0">
-                <a:solidFill>
-                  <a:schemeClr val="accent6">
-                    <a:lumMod val="50000"/>
-                  </a:schemeClr>
-                </a:solidFill>
-              </a:rPr>
-              <a:t>0</a:t>
-            </a:r>
-          </a:p>
-          <a:p>
-            <a:pPr algn="ctr"/>
-            <a:r>
-              <a:rPr kumimoji="1" lang="en-US" altLang="zh-CN" sz="1200" dirty="0" err="1" smtClean="0">
-                <a:solidFill>
-                  <a:schemeClr val="accent6">
-                    <a:lumMod val="50000"/>
-                  </a:schemeClr>
-                </a:solidFill>
-              </a:rPr>
-              <a:t>y_ver:NSString</a:t>
-            </a:r>
-            <a:r>
-              <a:rPr kumimoji="1" lang="en-US" altLang="zh-CN" sz="1200" dirty="0" smtClean="0">
-                <a:solidFill>
-                  <a:schemeClr val="accent6">
-                    <a:lumMod val="50000"/>
-                  </a:schemeClr>
-                </a:solidFill>
-              </a:rPr>
-              <a:t>!</a:t>
-            </a:r>
-          </a:p>
-          <a:p>
-            <a:pPr algn="ctr"/>
-            <a:r>
-              <a:rPr kumimoji="1" lang="zh-CN" altLang="en-US" sz="1200" dirty="0" smtClean="0">
-                <a:solidFill>
-                  <a:schemeClr val="accent6">
-                    <a:lumMod val="50000"/>
-                  </a:schemeClr>
-                </a:solidFill>
-              </a:rPr>
-              <a:t>文件数据结构版本</a:t>
-            </a:r>
-            <a:endParaRPr kumimoji="1" lang="en-US" altLang="zh-CN" sz="1200" dirty="0" smtClean="0">
-              <a:solidFill>
-                <a:schemeClr val="accent6">
-                  <a:lumMod val="50000"/>
-                </a:schemeClr>
-              </a:solidFill>
-            </a:endParaRPr>
-          </a:p>
-          <a:p>
-            <a:pPr algn="ctr"/>
-            <a:r>
-              <a:rPr kumimoji="1" lang="en-US" altLang="zh-CN" sz="1200" dirty="0" smtClean="0">
-                <a:solidFill>
-                  <a:schemeClr val="accent6">
-                    <a:lumMod val="50000"/>
-                  </a:schemeClr>
-                </a:solidFill>
-              </a:rPr>
-              <a:t>[iOS</a:t>
-            </a:r>
-            <a:r>
-              <a:rPr kumimoji="1" lang="en-US" altLang="zh-CN" sz="1200" dirty="0">
-                <a:solidFill>
-                  <a:schemeClr val="accent6">
-                    <a:lumMod val="50000"/>
-                  </a:schemeClr>
-                </a:solidFill>
-              </a:rPr>
-              <a:t>v</a:t>
-            </a:r>
-            <a:r>
-              <a:rPr kumimoji="1" lang="en-US" altLang="zh-CN" sz="1200" dirty="0" smtClean="0">
-                <a:solidFill>
-                  <a:schemeClr val="accent6">
-                    <a:lumMod val="50000"/>
-                  </a:schemeClr>
-                </a:solidFill>
-              </a:rPr>
-              <a:t>2]</a:t>
-            </a:r>
-          </a:p>
-        </p:txBody>
-      </p:sp>
-      <p:sp>
-        <p:nvSpPr>
-          <p:cNvPr id="27" name="矩形 26"/>
-          <p:cNvSpPr/>
-          <p:nvPr/>
-        </p:nvSpPr>
-        <p:spPr>
-          <a:xfrm>
-            <a:off x="235858" y="3515144"/>
-            <a:ext cx="8695509" cy="3307012"/>
-          </a:xfrm>
-          <a:prstGeom prst="rect">
-            <a:avLst/>
-          </a:prstGeom>
-        </p:spPr>
-        <p:style>
-          <a:lnRef idx="1">
-            <a:schemeClr val="accent5"/>
-          </a:lnRef>
-          <a:fillRef idx="2">
-            <a:schemeClr val="accent5"/>
-          </a:fillRef>
-          <a:effectRef idx="1">
-            <a:schemeClr val="accent5"/>
-          </a:effectRef>
-          <a:fontRef idx="minor">
-            <a:schemeClr val="dk1"/>
-          </a:fontRef>
-        </p:style>
-        <p:txBody>
-          <a:bodyPr rtlCol="0" anchor="ctr"/>
-          <a:lstStyle/>
-          <a:p>
-            <a:pPr algn="ctr"/>
-            <a:endParaRPr kumimoji="1" lang="zh-CN" altLang="en-US" dirty="0"/>
-          </a:p>
-        </p:txBody>
-      </p:sp>
-      <p:sp>
-        <p:nvSpPr>
-          <p:cNvPr id="28" name="文本框 27"/>
-          <p:cNvSpPr txBox="1"/>
-          <p:nvPr/>
-        </p:nvSpPr>
-        <p:spPr>
-          <a:xfrm>
-            <a:off x="358018" y="3524441"/>
-            <a:ext cx="8430651" cy="276999"/>
-          </a:xfrm>
-          <a:prstGeom prst="rect">
-            <a:avLst/>
-          </a:prstGeom>
-          <a:noFill/>
-        </p:spPr>
-        <p:txBody>
-          <a:bodyPr wrap="square" rtlCol="0">
-            <a:spAutoFit/>
-          </a:bodyPr>
-          <a:lstStyle/>
-          <a:p>
-            <a:pPr algn="ctr"/>
-            <a:r>
-              <a:rPr kumimoji="1" lang="zh-CN" altLang="en-US" sz="1200" dirty="0" smtClean="0"/>
-              <a:t>源列表文件：</a:t>
-            </a:r>
-            <a:r>
-              <a:rPr kumimoji="1" lang="en-US" altLang="zh-CN" sz="1200" dirty="0" err="1" smtClean="0"/>
-              <a:t>urlbook.emosetting</a:t>
-            </a:r>
-            <a:endParaRPr kumimoji="1" lang="zh-CN" altLang="en-US" sz="1200" dirty="0"/>
-          </a:p>
-        </p:txBody>
-      </p:sp>
-      <p:sp>
-        <p:nvSpPr>
-          <p:cNvPr id="29" name="矩形 28"/>
-          <p:cNvSpPr/>
-          <p:nvPr/>
-        </p:nvSpPr>
-        <p:spPr>
-          <a:xfrm>
-            <a:off x="378439" y="3878031"/>
-            <a:ext cx="8430652" cy="2799230"/>
-          </a:xfrm>
-          <a:prstGeom prst="rect">
-            <a:avLst/>
-          </a:prstGeom>
-        </p:spPr>
-        <p:style>
-          <a:lnRef idx="1">
-            <a:schemeClr val="accent1"/>
-          </a:lnRef>
-          <a:fillRef idx="3">
-            <a:schemeClr val="accent1"/>
-          </a:fillRef>
-          <a:effectRef idx="2">
-            <a:schemeClr val="accent1"/>
-          </a:effectRef>
-          <a:fontRef idx="minor">
-            <a:schemeClr val="lt1"/>
-          </a:fontRef>
-        </p:style>
-        <p:txBody>
-          <a:bodyPr rtlCol="0" anchor="ctr"/>
-          <a:lstStyle/>
-          <a:p>
-            <a:pPr algn="ctr"/>
-            <a:endParaRPr kumimoji="1" lang="zh-CN" altLang="en-US" dirty="0"/>
-          </a:p>
-        </p:txBody>
-      </p:sp>
-      <p:sp>
-        <p:nvSpPr>
-          <p:cNvPr id="30" name="文本框 29"/>
-          <p:cNvSpPr txBox="1"/>
-          <p:nvPr/>
-        </p:nvSpPr>
-        <p:spPr>
-          <a:xfrm>
-            <a:off x="365482" y="3861653"/>
-            <a:ext cx="8430651" cy="276999"/>
-          </a:xfrm>
-          <a:prstGeom prst="rect">
-            <a:avLst/>
-          </a:prstGeom>
-          <a:noFill/>
-        </p:spPr>
-        <p:txBody>
-          <a:bodyPr wrap="square" rtlCol="0">
-            <a:spAutoFit/>
-          </a:bodyPr>
-          <a:lstStyle/>
-          <a:p>
-            <a:pPr algn="ctr"/>
-            <a:r>
-              <a:rPr lang="en-US" altLang="zh-CN" sz="1200" dirty="0" err="1" smtClean="0"/>
-              <a:t>NSArray</a:t>
-            </a:r>
-            <a:endParaRPr kumimoji="1" lang="zh-CN" altLang="en-US" sz="1200" dirty="0"/>
-          </a:p>
-        </p:txBody>
-      </p:sp>
-      <p:sp>
-        <p:nvSpPr>
-          <p:cNvPr id="31" name="矩形 30"/>
-          <p:cNvSpPr/>
-          <p:nvPr/>
-        </p:nvSpPr>
-        <p:spPr>
-          <a:xfrm>
-            <a:off x="501107" y="4164439"/>
-            <a:ext cx="1222663" cy="2390518"/>
-          </a:xfrm>
-          <a:prstGeom prst="rect">
-            <a:avLst/>
-          </a:prstGeom>
-        </p:spPr>
-        <p:style>
-          <a:lnRef idx="1">
-            <a:schemeClr val="accent6"/>
-          </a:lnRef>
-          <a:fillRef idx="3">
-            <a:schemeClr val="accent6"/>
-          </a:fillRef>
-          <a:effectRef idx="2">
-            <a:schemeClr val="accent6"/>
-          </a:effectRef>
-          <a:fontRef idx="minor">
-            <a:schemeClr val="lt1"/>
-          </a:fontRef>
-        </p:style>
-        <p:txBody>
-          <a:bodyPr rtlCol="0" anchor="ctr"/>
-          <a:lstStyle/>
-          <a:p>
-            <a:pPr algn="ctr"/>
-            <a:r>
-              <a:rPr kumimoji="1" lang="en-US" altLang="zh-CN" sz="1200" dirty="0" smtClean="0">
-                <a:solidFill>
-                  <a:schemeClr val="accent6">
-                    <a:lumMod val="50000"/>
-                  </a:schemeClr>
-                </a:solidFill>
-              </a:rPr>
-              <a:t>0</a:t>
-            </a:r>
-          </a:p>
-          <a:p>
-            <a:pPr algn="ctr"/>
-            <a:r>
-              <a:rPr kumimoji="1" lang="en-US" altLang="zh-CN" sz="1200" dirty="0" err="1" smtClean="0">
-                <a:solidFill>
-                  <a:schemeClr val="accent6">
-                    <a:lumMod val="50000"/>
-                  </a:schemeClr>
-                </a:solidFill>
-              </a:rPr>
-              <a:t>s_ver:NSString</a:t>
-            </a:r>
-            <a:r>
-              <a:rPr kumimoji="1" lang="en-US" altLang="zh-CN" sz="1200" dirty="0" smtClean="0">
-                <a:solidFill>
-                  <a:schemeClr val="accent6">
-                    <a:lumMod val="50000"/>
-                  </a:schemeClr>
-                </a:solidFill>
-              </a:rPr>
-              <a:t>!</a:t>
-            </a:r>
-          </a:p>
-          <a:p>
-            <a:pPr algn="ctr"/>
-            <a:r>
-              <a:rPr kumimoji="1" lang="zh-CN" altLang="en-US" sz="1200" dirty="0" smtClean="0">
-                <a:solidFill>
-                  <a:schemeClr val="accent6">
-                    <a:lumMod val="50000"/>
-                  </a:schemeClr>
-                </a:solidFill>
-              </a:rPr>
-              <a:t>文件数据结构版本</a:t>
-            </a:r>
-            <a:endParaRPr kumimoji="1" lang="en-US" altLang="zh-CN" sz="1200" dirty="0" smtClean="0">
-              <a:solidFill>
-                <a:schemeClr val="accent6">
-                  <a:lumMod val="50000"/>
-                </a:schemeClr>
-              </a:solidFill>
-            </a:endParaRPr>
-          </a:p>
-          <a:p>
-            <a:pPr algn="ctr"/>
-            <a:r>
-              <a:rPr kumimoji="1" lang="en-US" altLang="zh-CN" sz="1200" dirty="0" smtClean="0">
-                <a:solidFill>
-                  <a:schemeClr val="accent6">
-                    <a:lumMod val="50000"/>
-                  </a:schemeClr>
-                </a:solidFill>
-              </a:rPr>
-              <a:t>[iOS</a:t>
-            </a:r>
-            <a:r>
-              <a:rPr kumimoji="1" lang="en-US" altLang="zh-CN" sz="1200" dirty="0">
-                <a:solidFill>
-                  <a:schemeClr val="accent6">
-                    <a:lumMod val="50000"/>
-                  </a:schemeClr>
-                </a:solidFill>
-              </a:rPr>
-              <a:t>v</a:t>
-            </a:r>
-            <a:r>
-              <a:rPr kumimoji="1" lang="en-US" altLang="zh-CN" sz="1200" dirty="0" smtClean="0">
-                <a:solidFill>
-                  <a:schemeClr val="accent6">
-                    <a:lumMod val="50000"/>
-                  </a:schemeClr>
-                </a:solidFill>
-              </a:rPr>
-              <a:t>2]</a:t>
-            </a:r>
-          </a:p>
-        </p:txBody>
-      </p:sp>
-      <p:sp>
-        <p:nvSpPr>
-          <p:cNvPr id="32" name="矩形 31"/>
-          <p:cNvSpPr/>
-          <p:nvPr/>
-        </p:nvSpPr>
-        <p:spPr>
-          <a:xfrm>
-            <a:off x="1838362" y="4164439"/>
-            <a:ext cx="5962938" cy="2390518"/>
-          </a:xfrm>
-          <a:prstGeom prst="rect">
-            <a:avLst/>
-          </a:prstGeom>
-        </p:spPr>
-        <p:style>
-          <a:lnRef idx="1">
-            <a:schemeClr val="accent6"/>
-          </a:lnRef>
-          <a:fillRef idx="3">
-            <a:schemeClr val="accent6"/>
-          </a:fillRef>
-          <a:effectRef idx="2">
-            <a:schemeClr val="accent6"/>
-          </a:effectRef>
-          <a:fontRef idx="minor">
-            <a:schemeClr val="lt1"/>
-          </a:fontRef>
-        </p:style>
-        <p:txBody>
-          <a:bodyPr rtlCol="0" anchor="ctr"/>
-          <a:lstStyle/>
-          <a:p>
-            <a:pPr algn="ctr"/>
-            <a:endParaRPr kumimoji="1" lang="en-US" altLang="zh-CN" sz="1200" dirty="0" smtClean="0">
-              <a:solidFill>
-                <a:schemeClr val="accent6">
-                  <a:lumMod val="50000"/>
-                </a:schemeClr>
-              </a:solidFill>
-            </a:endParaRPr>
-          </a:p>
-        </p:txBody>
-      </p:sp>
-      <p:sp>
-        <p:nvSpPr>
-          <p:cNvPr id="33" name="文本框 32"/>
-          <p:cNvSpPr txBox="1"/>
-          <p:nvPr/>
-        </p:nvSpPr>
-        <p:spPr>
-          <a:xfrm>
-            <a:off x="1844564" y="4164441"/>
-            <a:ext cx="5956737" cy="646331"/>
-          </a:xfrm>
-          <a:prstGeom prst="rect">
-            <a:avLst/>
-          </a:prstGeom>
-          <a:noFill/>
-        </p:spPr>
-        <p:txBody>
-          <a:bodyPr wrap="square" rtlCol="0">
-            <a:spAutoFit/>
-          </a:bodyPr>
-          <a:lstStyle/>
-          <a:p>
-            <a:pPr algn="ctr"/>
-            <a:r>
-              <a:rPr kumimoji="1" lang="en-US" altLang="zh-CN" sz="1200" dirty="0" smtClean="0">
-                <a:solidFill>
-                  <a:schemeClr val="accent6">
-                    <a:lumMod val="50000"/>
-                  </a:schemeClr>
-                </a:solidFill>
-              </a:rPr>
-              <a:t>1</a:t>
-            </a:r>
-          </a:p>
-          <a:p>
-            <a:pPr algn="ctr"/>
-            <a:r>
-              <a:rPr kumimoji="1" lang="en-US" altLang="zh-CN" sz="1200" dirty="0" err="1" smtClean="0">
-                <a:solidFill>
-                  <a:schemeClr val="accent6">
-                    <a:lumMod val="50000"/>
-                  </a:schemeClr>
-                </a:solidFill>
-              </a:rPr>
-              <a:t>s_emoset:NSMutableArray</a:t>
-            </a:r>
-            <a:r>
-              <a:rPr kumimoji="1" lang="en-US" altLang="zh-CN" sz="1200" dirty="0" smtClean="0">
-                <a:solidFill>
-                  <a:schemeClr val="accent6">
-                    <a:lumMod val="50000"/>
-                  </a:schemeClr>
-                </a:solidFill>
-              </a:rPr>
-              <a:t>!</a:t>
-            </a:r>
-          </a:p>
-          <a:p>
-            <a:pPr algn="ctr"/>
-            <a:r>
-              <a:rPr kumimoji="1" lang="zh-CN" altLang="en-US" sz="1200" dirty="0" smtClean="0">
-                <a:solidFill>
-                  <a:schemeClr val="accent6">
-                    <a:lumMod val="50000"/>
-                  </a:schemeClr>
-                </a:solidFill>
-              </a:rPr>
-              <a:t>颜文字配置项</a:t>
-            </a:r>
-            <a:endParaRPr kumimoji="1" lang="en-US" altLang="zh-CN" sz="1200" dirty="0" smtClean="0">
-              <a:solidFill>
-                <a:schemeClr val="accent6">
-                  <a:lumMod val="50000"/>
-                </a:schemeClr>
-              </a:solidFill>
-            </a:endParaRPr>
-          </a:p>
-        </p:txBody>
-      </p:sp>
-      <p:sp>
-        <p:nvSpPr>
-          <p:cNvPr id="34" name="矩形 33"/>
-          <p:cNvSpPr/>
-          <p:nvPr/>
-        </p:nvSpPr>
-        <p:spPr>
-          <a:xfrm>
-            <a:off x="1950727" y="4810770"/>
-            <a:ext cx="799004" cy="1611013"/>
-          </a:xfrm>
-          <a:prstGeom prst="rect">
-            <a:avLst/>
-          </a:prstGeom>
-        </p:spPr>
-        <p:style>
-          <a:lnRef idx="1">
-            <a:schemeClr val="accent4"/>
-          </a:lnRef>
-          <a:fillRef idx="3">
-            <a:schemeClr val="accent4"/>
-          </a:fillRef>
-          <a:effectRef idx="2">
-            <a:schemeClr val="accent4"/>
-          </a:effectRef>
-          <a:fontRef idx="minor">
-            <a:schemeClr val="lt1"/>
-          </a:fontRef>
-        </p:style>
-        <p:txBody>
-          <a:bodyPr rtlCol="0" anchor="ctr"/>
-          <a:lstStyle/>
-          <a:p>
-            <a:pPr algn="ctr"/>
-            <a:r>
-              <a:rPr kumimoji="1" lang="en-US" altLang="zh-CN" sz="1200" dirty="0" smtClean="0">
-                <a:solidFill>
-                  <a:schemeClr val="bg1"/>
-                </a:solidFill>
-              </a:rPr>
-              <a:t>1</a:t>
-            </a:r>
-          </a:p>
-          <a:p>
-            <a:pPr algn="ctr"/>
-            <a:r>
-              <a:rPr kumimoji="1" lang="en-US" altLang="zh-CN" sz="1200" dirty="0" err="1" smtClean="0">
-                <a:solidFill>
-                  <a:schemeClr val="bg1"/>
-                </a:solidFill>
-              </a:rPr>
-              <a:t>o_note</a:t>
-            </a:r>
-            <a:r>
-              <a:rPr kumimoji="1" lang="en-US" altLang="zh-CN" sz="1200" dirty="0" smtClean="0">
-                <a:solidFill>
-                  <a:schemeClr val="bg1"/>
-                </a:solidFill>
-              </a:rPr>
-              <a:t>:</a:t>
-            </a:r>
-          </a:p>
-          <a:p>
-            <a:pPr algn="ctr"/>
-            <a:r>
-              <a:rPr kumimoji="1" lang="en-US" altLang="zh-CN" sz="1200" dirty="0" err="1" smtClean="0">
-                <a:solidFill>
-                  <a:schemeClr val="bg1"/>
-                </a:solidFill>
-              </a:rPr>
-              <a:t>NSString</a:t>
-            </a:r>
-            <a:r>
-              <a:rPr kumimoji="1" lang="en-US" altLang="zh-CN" sz="1200" dirty="0" smtClean="0">
-                <a:solidFill>
-                  <a:schemeClr val="bg1"/>
-                </a:solidFill>
-              </a:rPr>
-              <a:t>!</a:t>
-            </a:r>
-          </a:p>
-          <a:p>
-            <a:pPr algn="ctr"/>
-            <a:r>
-              <a:rPr kumimoji="1" lang="zh-CN" altLang="en-US" sz="1200" dirty="0" smtClean="0">
-                <a:solidFill>
-                  <a:schemeClr val="bg1"/>
-                </a:solidFill>
-              </a:rPr>
-              <a:t>记录名称</a:t>
-            </a:r>
-            <a:endParaRPr kumimoji="1" lang="en-US" altLang="zh-CN" sz="1200" dirty="0" smtClean="0">
-              <a:solidFill>
-                <a:schemeClr val="bg1"/>
-              </a:solidFill>
-            </a:endParaRPr>
-          </a:p>
-          <a:p>
-            <a:pPr algn="ctr"/>
-            <a:r>
-              <a:rPr kumimoji="1" lang="en-US" altLang="zh-TW" sz="1200" dirty="0">
-                <a:solidFill>
-                  <a:schemeClr val="bg1"/>
-                </a:solidFill>
-              </a:rPr>
-              <a:t>(</a:t>
-            </a:r>
-            <a:r>
-              <a:rPr kumimoji="1" lang="zh-TW" altLang="en-US" sz="1200" dirty="0">
-                <a:solidFill>
-                  <a:schemeClr val="bg1"/>
-                </a:solidFill>
-              </a:rPr>
-              <a:t>可为空</a:t>
-            </a:r>
-            <a:r>
-              <a:rPr kumimoji="1" lang="en-US" altLang="zh-TW" sz="1200" dirty="0" smtClean="0">
-                <a:solidFill>
-                  <a:schemeClr val="bg1"/>
-                </a:solidFill>
-              </a:rPr>
-              <a:t>)</a:t>
-            </a:r>
-            <a:endParaRPr kumimoji="1" lang="en-US" altLang="zh-TW" sz="1200" dirty="0">
-              <a:solidFill>
-                <a:schemeClr val="bg1"/>
-              </a:solidFill>
-            </a:endParaRPr>
-          </a:p>
-        </p:txBody>
-      </p:sp>
-      <p:sp>
-        <p:nvSpPr>
-          <p:cNvPr id="35" name="矩形 34"/>
-          <p:cNvSpPr/>
-          <p:nvPr/>
-        </p:nvSpPr>
-        <p:spPr>
-          <a:xfrm>
-            <a:off x="2835116" y="4810770"/>
-            <a:ext cx="799004" cy="1611013"/>
-          </a:xfrm>
-          <a:prstGeom prst="rect">
-            <a:avLst/>
-          </a:prstGeom>
-        </p:spPr>
-        <p:style>
-          <a:lnRef idx="1">
-            <a:schemeClr val="accent4"/>
-          </a:lnRef>
-          <a:fillRef idx="3">
-            <a:schemeClr val="accent4"/>
-          </a:fillRef>
-          <a:effectRef idx="2">
-            <a:schemeClr val="accent4"/>
-          </a:effectRef>
-          <a:fontRef idx="minor">
-            <a:schemeClr val="lt1"/>
-          </a:fontRef>
-        </p:style>
-        <p:txBody>
-          <a:bodyPr rtlCol="0" anchor="ctr"/>
-          <a:lstStyle/>
-          <a:p>
-            <a:pPr algn="ctr"/>
-            <a:r>
-              <a:rPr kumimoji="1" lang="en-US" altLang="zh-CN" sz="1200" dirty="0" smtClean="0">
-                <a:solidFill>
-                  <a:schemeClr val="bg1"/>
-                </a:solidFill>
-              </a:rPr>
-              <a:t>2</a:t>
-            </a:r>
-          </a:p>
-          <a:p>
-            <a:pPr algn="ctr"/>
-            <a:r>
-              <a:rPr kumimoji="1" lang="en-US" altLang="zh-CN" sz="1200" dirty="0" err="1" smtClean="0">
-                <a:solidFill>
-                  <a:schemeClr val="bg1"/>
-                </a:solidFill>
-              </a:rPr>
-              <a:t>o_name</a:t>
-            </a:r>
-            <a:r>
-              <a:rPr kumimoji="1" lang="en-US" altLang="zh-CN" sz="1200" dirty="0" smtClean="0">
-                <a:solidFill>
-                  <a:schemeClr val="bg1"/>
-                </a:solidFill>
-              </a:rPr>
-              <a:t>:</a:t>
-            </a:r>
-          </a:p>
-          <a:p>
-            <a:pPr algn="ctr"/>
-            <a:r>
-              <a:rPr kumimoji="1" lang="en-US" altLang="zh-CN" sz="1200" dirty="0" err="1" smtClean="0">
-                <a:solidFill>
-                  <a:schemeClr val="bg1"/>
-                </a:solidFill>
-              </a:rPr>
-              <a:t>NSString</a:t>
-            </a:r>
-            <a:r>
-              <a:rPr kumimoji="1" lang="en-US" altLang="zh-CN" sz="1200" dirty="0" smtClean="0">
-                <a:solidFill>
-                  <a:schemeClr val="bg1"/>
-                </a:solidFill>
-              </a:rPr>
-              <a:t>!</a:t>
-            </a:r>
-          </a:p>
-          <a:p>
-            <a:pPr algn="ctr"/>
-            <a:r>
-              <a:rPr kumimoji="1" lang="zh-CN" altLang="en-US" sz="1200" dirty="0" smtClean="0">
-                <a:solidFill>
-                  <a:schemeClr val="bg1"/>
-                </a:solidFill>
-              </a:rPr>
-              <a:t>颜文字库名称</a:t>
-            </a:r>
-            <a:endParaRPr kumimoji="1" lang="en-US" altLang="zh-CN" sz="1200" dirty="0" smtClean="0">
-              <a:solidFill>
-                <a:schemeClr val="bg1"/>
-              </a:solidFill>
-            </a:endParaRPr>
-          </a:p>
-        </p:txBody>
-      </p:sp>
-      <p:sp>
-        <p:nvSpPr>
-          <p:cNvPr id="36" name="矩形 35"/>
-          <p:cNvSpPr/>
-          <p:nvPr/>
-        </p:nvSpPr>
-        <p:spPr>
-          <a:xfrm>
-            <a:off x="3726682" y="4810770"/>
-            <a:ext cx="799004" cy="1611013"/>
-          </a:xfrm>
-          <a:prstGeom prst="rect">
-            <a:avLst/>
-          </a:prstGeom>
-        </p:spPr>
-        <p:style>
-          <a:lnRef idx="1">
-            <a:schemeClr val="accent4"/>
-          </a:lnRef>
-          <a:fillRef idx="3">
-            <a:schemeClr val="accent4"/>
-          </a:fillRef>
-          <a:effectRef idx="2">
-            <a:schemeClr val="accent4"/>
-          </a:effectRef>
-          <a:fontRef idx="minor">
-            <a:schemeClr val="lt1"/>
-          </a:fontRef>
-        </p:style>
-        <p:txBody>
-          <a:bodyPr rtlCol="0" anchor="ctr"/>
-          <a:lstStyle/>
-          <a:p>
-            <a:pPr algn="ctr"/>
-            <a:r>
-              <a:rPr kumimoji="1" lang="en-US" altLang="zh-CN" sz="1200" dirty="0" smtClean="0">
-                <a:solidFill>
-                  <a:schemeClr val="bg1"/>
-                </a:solidFill>
-              </a:rPr>
-              <a:t>3</a:t>
-            </a:r>
-          </a:p>
-          <a:p>
-            <a:pPr algn="ctr"/>
-            <a:r>
-              <a:rPr kumimoji="1" lang="en-US" altLang="zh-CN" sz="1200" dirty="0" err="1" smtClean="0">
-                <a:solidFill>
-                  <a:schemeClr val="bg1"/>
-                </a:solidFill>
-              </a:rPr>
-              <a:t>o_url</a:t>
-            </a:r>
-            <a:r>
-              <a:rPr kumimoji="1" lang="en-US" altLang="zh-CN" sz="1200" dirty="0" smtClean="0">
-                <a:solidFill>
-                  <a:schemeClr val="bg1"/>
-                </a:solidFill>
-              </a:rPr>
-              <a:t>:</a:t>
-            </a:r>
-          </a:p>
-          <a:p>
-            <a:pPr algn="ctr"/>
-            <a:r>
-              <a:rPr kumimoji="1" lang="en-US" altLang="zh-CN" sz="1200" dirty="0" err="1" smtClean="0">
-                <a:solidFill>
-                  <a:schemeClr val="bg1"/>
-                </a:solidFill>
-              </a:rPr>
-              <a:t>NSString</a:t>
-            </a:r>
-            <a:r>
-              <a:rPr kumimoji="1" lang="en-US" altLang="zh-CN" sz="1200" dirty="0" smtClean="0">
-                <a:solidFill>
-                  <a:schemeClr val="bg1"/>
-                </a:solidFill>
-              </a:rPr>
-              <a:t>!</a:t>
-            </a:r>
-          </a:p>
-          <a:p>
-            <a:pPr algn="ctr"/>
-            <a:r>
-              <a:rPr kumimoji="1" lang="zh-CN" altLang="en-US" sz="1200" dirty="0" smtClean="0">
-                <a:solidFill>
-                  <a:schemeClr val="bg1"/>
-                </a:solidFill>
-              </a:rPr>
-              <a:t>来源网址</a:t>
-            </a:r>
-            <a:endParaRPr kumimoji="1" lang="en-US" altLang="zh-CN" sz="1200" dirty="0" smtClean="0">
-              <a:solidFill>
-                <a:schemeClr val="bg1"/>
-              </a:solidFill>
-            </a:endParaRPr>
-          </a:p>
-        </p:txBody>
-      </p:sp>
-      <p:sp>
-        <p:nvSpPr>
-          <p:cNvPr id="37" name="矩形 36"/>
-          <p:cNvSpPr/>
-          <p:nvPr/>
-        </p:nvSpPr>
-        <p:spPr>
-          <a:xfrm>
-            <a:off x="4627653" y="4810771"/>
-            <a:ext cx="1477395" cy="1611012"/>
-          </a:xfrm>
-          <a:prstGeom prst="rect">
-            <a:avLst/>
-          </a:prstGeom>
-        </p:spPr>
-        <p:style>
-          <a:lnRef idx="1">
-            <a:schemeClr val="accent4"/>
-          </a:lnRef>
-          <a:fillRef idx="3">
-            <a:schemeClr val="accent4"/>
-          </a:fillRef>
-          <a:effectRef idx="2">
-            <a:schemeClr val="accent4"/>
-          </a:effectRef>
-          <a:fontRef idx="minor">
-            <a:schemeClr val="lt1"/>
-          </a:fontRef>
-        </p:style>
-        <p:txBody>
-          <a:bodyPr rtlCol="0" anchor="ctr"/>
-          <a:lstStyle/>
-          <a:p>
-            <a:pPr algn="ctr"/>
-            <a:endParaRPr kumimoji="1" lang="en-US" altLang="zh-CN" sz="1200" dirty="0" smtClean="0">
-              <a:solidFill>
-                <a:schemeClr val="bg1"/>
-              </a:solidFill>
-            </a:endParaRPr>
-          </a:p>
-        </p:txBody>
-      </p:sp>
-      <p:sp>
-        <p:nvSpPr>
-          <p:cNvPr id="21" name="文本框 20"/>
-          <p:cNvSpPr txBox="1"/>
-          <p:nvPr/>
-        </p:nvSpPr>
-        <p:spPr>
-          <a:xfrm>
-            <a:off x="4627652" y="4810771"/>
-            <a:ext cx="1477394" cy="646331"/>
-          </a:xfrm>
-          <a:prstGeom prst="rect">
-            <a:avLst/>
-          </a:prstGeom>
-          <a:noFill/>
-        </p:spPr>
-        <p:txBody>
-          <a:bodyPr wrap="square" rtlCol="0">
-            <a:spAutoFit/>
-          </a:bodyPr>
-          <a:lstStyle/>
-          <a:p>
-            <a:pPr lvl="0" algn="ctr"/>
-            <a:r>
-              <a:rPr kumimoji="1" lang="en-US" altLang="zh-CN" sz="1200" dirty="0">
-                <a:solidFill>
-                  <a:prstClr val="white"/>
-                </a:solidFill>
-              </a:rPr>
-              <a:t>4</a:t>
-            </a:r>
-          </a:p>
-          <a:p>
-            <a:pPr lvl="0" algn="ctr"/>
-            <a:r>
-              <a:rPr kumimoji="1" lang="en-US" altLang="zh-CN" sz="1200" dirty="0" err="1" smtClean="0">
-                <a:solidFill>
-                  <a:prstClr val="white"/>
-                </a:solidFill>
-              </a:rPr>
-              <a:t>o_delete:NSArray</a:t>
-            </a:r>
-            <a:r>
-              <a:rPr kumimoji="1" lang="en-US" altLang="zh-CN" sz="1200" dirty="0">
-                <a:solidFill>
-                  <a:prstClr val="white"/>
-                </a:solidFill>
-              </a:rPr>
-              <a:t>!</a:t>
-            </a:r>
-          </a:p>
-          <a:p>
-            <a:pPr lvl="0" algn="ctr"/>
-            <a:r>
-              <a:rPr kumimoji="1" lang="zh-CN" altLang="en-US" sz="1200" dirty="0" smtClean="0">
-                <a:solidFill>
-                  <a:prstClr val="white"/>
-                </a:solidFill>
-              </a:rPr>
-              <a:t>删除权限</a:t>
-            </a:r>
-            <a:endParaRPr kumimoji="1" lang="en-US" altLang="zh-CN" sz="1200" dirty="0">
-              <a:solidFill>
-                <a:prstClr val="white"/>
-              </a:solidFill>
-            </a:endParaRPr>
-          </a:p>
-        </p:txBody>
-      </p:sp>
-      <p:sp>
-        <p:nvSpPr>
-          <p:cNvPr id="38" name="矩形 37"/>
-          <p:cNvSpPr/>
-          <p:nvPr/>
-        </p:nvSpPr>
-        <p:spPr>
-          <a:xfrm>
-            <a:off x="4705617" y="5457101"/>
-            <a:ext cx="799004" cy="845356"/>
-          </a:xfrm>
-          <a:prstGeom prst="rect">
-            <a:avLst/>
-          </a:prstGeom>
-        </p:spPr>
-        <p:style>
-          <a:lnRef idx="1">
-            <a:schemeClr val="accent3"/>
-          </a:lnRef>
-          <a:fillRef idx="3">
-            <a:schemeClr val="accent3"/>
-          </a:fillRef>
-          <a:effectRef idx="2">
-            <a:schemeClr val="accent3"/>
-          </a:effectRef>
-          <a:fontRef idx="minor">
-            <a:schemeClr val="lt1"/>
-          </a:fontRef>
-        </p:style>
-        <p:txBody>
-          <a:bodyPr rtlCol="0" anchor="ctr"/>
-          <a:lstStyle/>
-          <a:p>
-            <a:pPr algn="ctr"/>
-            <a:r>
-              <a:rPr kumimoji="1" lang="en-US" altLang="zh-CN" sz="1200" dirty="0" smtClean="0">
-                <a:solidFill>
-                  <a:schemeClr val="accent1">
-                    <a:lumMod val="50000"/>
-                  </a:schemeClr>
-                </a:solidFill>
-              </a:rPr>
-              <a:t>1</a:t>
-            </a:r>
-          </a:p>
-          <a:p>
-            <a:pPr algn="ctr"/>
-            <a:r>
-              <a:rPr kumimoji="1" lang="en-US" altLang="zh-CN" sz="1200" dirty="0" err="1" smtClean="0">
-                <a:solidFill>
-                  <a:schemeClr val="accent1">
-                    <a:lumMod val="50000"/>
-                  </a:schemeClr>
-                </a:solidFill>
-              </a:rPr>
-              <a:t>d_delete</a:t>
-            </a:r>
-            <a:r>
-              <a:rPr kumimoji="1" lang="en-US" altLang="zh-CN" sz="1200" dirty="0" smtClean="0">
-                <a:solidFill>
-                  <a:schemeClr val="accent1">
-                    <a:lumMod val="50000"/>
-                  </a:schemeClr>
-                </a:solidFill>
-              </a:rPr>
-              <a:t>:</a:t>
-            </a:r>
-          </a:p>
-          <a:p>
-            <a:pPr algn="ctr"/>
-            <a:r>
-              <a:rPr kumimoji="1" lang="en-US" altLang="zh-CN" sz="1200" dirty="0" err="1" smtClean="0">
-                <a:solidFill>
-                  <a:schemeClr val="accent1">
-                    <a:lumMod val="50000"/>
-                  </a:schemeClr>
-                </a:solidFill>
-              </a:rPr>
-              <a:t>NSString</a:t>
-            </a:r>
-            <a:r>
-              <a:rPr kumimoji="1" lang="en-US" altLang="zh-CN" sz="1200" dirty="0" smtClean="0">
-                <a:solidFill>
-                  <a:schemeClr val="accent1">
-                    <a:lumMod val="50000"/>
-                  </a:schemeClr>
-                </a:solidFill>
-              </a:rPr>
-              <a:t>!</a:t>
-            </a:r>
-          </a:p>
-          <a:p>
-            <a:pPr algn="ctr"/>
-            <a:r>
-              <a:rPr kumimoji="1" lang="zh-CN" altLang="en-US" sz="1200" dirty="0" smtClean="0">
-                <a:solidFill>
-                  <a:schemeClr val="accent1">
-                    <a:lumMod val="50000"/>
-                  </a:schemeClr>
-                </a:solidFill>
-              </a:rPr>
-              <a:t>所有者</a:t>
-            </a:r>
-            <a:endParaRPr kumimoji="1" lang="en-US" altLang="zh-CN" sz="1200" dirty="0" smtClean="0">
-              <a:solidFill>
-                <a:schemeClr val="accent1">
-                  <a:lumMod val="50000"/>
-                </a:schemeClr>
-              </a:solidFill>
-            </a:endParaRPr>
-          </a:p>
-        </p:txBody>
-      </p:sp>
-      <p:sp>
-        <p:nvSpPr>
-          <p:cNvPr id="39" name="文本框 38"/>
-          <p:cNvSpPr txBox="1"/>
-          <p:nvPr/>
-        </p:nvSpPr>
-        <p:spPr>
-          <a:xfrm>
-            <a:off x="5588528" y="5539813"/>
-            <a:ext cx="432580" cy="523220"/>
-          </a:xfrm>
-          <a:prstGeom prst="rect">
-            <a:avLst/>
-          </a:prstGeom>
-          <a:noFill/>
-        </p:spPr>
-        <p:txBody>
-          <a:bodyPr wrap="none" rtlCol="0">
-            <a:spAutoFit/>
-          </a:bodyPr>
-          <a:lstStyle/>
-          <a:p>
-            <a:r>
-              <a:rPr kumimoji="1" lang="en-US" altLang="zh-CN" sz="2800" dirty="0" smtClean="0"/>
-              <a:t>…</a:t>
-            </a:r>
-            <a:endParaRPr kumimoji="1" lang="zh-CN" altLang="en-US" sz="2800" dirty="0"/>
-          </a:p>
-        </p:txBody>
-      </p:sp>
-      <p:sp>
-        <p:nvSpPr>
-          <p:cNvPr id="41" name="矩形 40"/>
-          <p:cNvSpPr/>
-          <p:nvPr/>
-        </p:nvSpPr>
-        <p:spPr>
-          <a:xfrm>
-            <a:off x="6213578" y="4810771"/>
-            <a:ext cx="1477395" cy="1611012"/>
-          </a:xfrm>
-          <a:prstGeom prst="rect">
-            <a:avLst/>
-          </a:prstGeom>
-          <a:ln>
-            <a:noFill/>
-          </a:ln>
-        </p:spPr>
-        <p:style>
-          <a:lnRef idx="1">
-            <a:schemeClr val="dk1"/>
-          </a:lnRef>
-          <a:fillRef idx="2">
-            <a:schemeClr val="dk1"/>
-          </a:fillRef>
-          <a:effectRef idx="1">
-            <a:schemeClr val="dk1"/>
-          </a:effectRef>
-          <a:fontRef idx="minor">
-            <a:schemeClr val="dk1"/>
-          </a:fontRef>
-        </p:style>
-        <p:txBody>
-          <a:bodyPr rtlCol="0" anchor="ctr"/>
-          <a:lstStyle/>
-          <a:p>
-            <a:pPr algn="ctr"/>
-            <a:endParaRPr kumimoji="1" lang="en-US" altLang="zh-CN" sz="1200" dirty="0" smtClean="0">
-              <a:solidFill>
-                <a:schemeClr val="bg1"/>
-              </a:solidFill>
-            </a:endParaRPr>
-          </a:p>
-        </p:txBody>
-      </p:sp>
-      <p:sp>
-        <p:nvSpPr>
-          <p:cNvPr id="42" name="文本框 41"/>
-          <p:cNvSpPr txBox="1"/>
-          <p:nvPr/>
-        </p:nvSpPr>
-        <p:spPr>
-          <a:xfrm>
-            <a:off x="6213577" y="4810771"/>
-            <a:ext cx="1477394" cy="646331"/>
-          </a:xfrm>
-          <a:prstGeom prst="rect">
-            <a:avLst/>
-          </a:prstGeom>
-          <a:noFill/>
-          <a:ln>
-            <a:noFill/>
-          </a:ln>
-        </p:spPr>
-        <p:txBody>
-          <a:bodyPr wrap="square" rtlCol="0">
-            <a:spAutoFit/>
-          </a:bodyPr>
-          <a:lstStyle/>
-          <a:p>
-            <a:pPr lvl="0" algn="ctr"/>
-            <a:r>
-              <a:rPr kumimoji="1" lang="en-US" altLang="zh-CN" sz="1200" dirty="0" smtClean="0">
-                <a:solidFill>
-                  <a:schemeClr val="bg1">
-                    <a:lumMod val="50000"/>
-                  </a:schemeClr>
-                </a:solidFill>
-              </a:rPr>
-              <a:t>5</a:t>
-            </a:r>
-          </a:p>
-          <a:p>
-            <a:pPr lvl="0" algn="ctr"/>
-            <a:r>
-              <a:rPr kumimoji="1" lang="en-US" altLang="zh-CN" sz="1200" dirty="0" err="1" smtClean="0">
-                <a:solidFill>
-                  <a:schemeClr val="bg1">
-                    <a:lumMod val="50000"/>
-                  </a:schemeClr>
-                </a:solidFill>
-              </a:rPr>
-              <a:t>o_delete:NSArray</a:t>
-            </a:r>
-            <a:r>
-              <a:rPr kumimoji="1" lang="en-US" altLang="zh-CN" sz="1200" dirty="0">
-                <a:solidFill>
-                  <a:schemeClr val="bg1">
-                    <a:lumMod val="50000"/>
-                  </a:schemeClr>
-                </a:solidFill>
-              </a:rPr>
-              <a:t>!</a:t>
-            </a:r>
-          </a:p>
-          <a:p>
-            <a:pPr lvl="0" algn="ctr"/>
-            <a:r>
-              <a:rPr kumimoji="1" lang="zh-CN" altLang="en-US" sz="1200" dirty="0" smtClean="0">
-                <a:solidFill>
-                  <a:schemeClr val="bg1">
-                    <a:lumMod val="50000"/>
-                  </a:schemeClr>
-                </a:solidFill>
-              </a:rPr>
-              <a:t>使用权限</a:t>
-            </a:r>
-            <a:endParaRPr kumimoji="1" lang="en-US" altLang="zh-CN" sz="1200" dirty="0">
-              <a:solidFill>
-                <a:schemeClr val="bg1">
-                  <a:lumMod val="50000"/>
-                </a:schemeClr>
-              </a:solidFill>
-            </a:endParaRPr>
-          </a:p>
-        </p:txBody>
-      </p:sp>
-      <p:sp>
-        <p:nvSpPr>
-          <p:cNvPr id="43" name="矩形 42"/>
-          <p:cNvSpPr/>
-          <p:nvPr/>
-        </p:nvSpPr>
-        <p:spPr>
-          <a:xfrm>
-            <a:off x="6291542" y="5457101"/>
-            <a:ext cx="799004" cy="845356"/>
-          </a:xfrm>
-          <a:prstGeom prst="rect">
-            <a:avLst/>
-          </a:prstGeom>
-          <a:ln>
-            <a:noFill/>
-          </a:ln>
-        </p:spPr>
-        <p:style>
-          <a:lnRef idx="1">
-            <a:schemeClr val="dk1"/>
-          </a:lnRef>
-          <a:fillRef idx="2">
-            <a:schemeClr val="dk1"/>
-          </a:fillRef>
-          <a:effectRef idx="1">
-            <a:schemeClr val="dk1"/>
-          </a:effectRef>
-          <a:fontRef idx="minor">
-            <a:schemeClr val="dk1"/>
-          </a:fontRef>
-        </p:style>
-        <p:txBody>
-          <a:bodyPr rtlCol="0" anchor="ctr"/>
-          <a:lstStyle/>
-          <a:p>
-            <a:pPr algn="ctr"/>
-            <a:r>
-              <a:rPr kumimoji="1" lang="en-US" altLang="zh-CN" sz="1200" dirty="0" smtClean="0">
-                <a:solidFill>
-                  <a:schemeClr val="accent1">
-                    <a:lumMod val="50000"/>
-                  </a:schemeClr>
-                </a:solidFill>
-              </a:rPr>
-              <a:t>1</a:t>
-            </a:r>
-          </a:p>
-          <a:p>
-            <a:pPr algn="ctr"/>
-            <a:r>
-              <a:rPr kumimoji="1" lang="en-US" altLang="zh-CN" sz="1200" dirty="0" err="1" smtClean="0">
-                <a:solidFill>
-                  <a:schemeClr val="accent1">
-                    <a:lumMod val="50000"/>
-                  </a:schemeClr>
-                </a:solidFill>
-              </a:rPr>
-              <a:t>d_delete</a:t>
-            </a:r>
-            <a:r>
-              <a:rPr kumimoji="1" lang="en-US" altLang="zh-CN" sz="1200" dirty="0" smtClean="0">
-                <a:solidFill>
-                  <a:schemeClr val="accent1">
-                    <a:lumMod val="50000"/>
-                  </a:schemeClr>
-                </a:solidFill>
-              </a:rPr>
-              <a:t>:</a:t>
-            </a:r>
-          </a:p>
-          <a:p>
-            <a:pPr algn="ctr"/>
-            <a:r>
-              <a:rPr kumimoji="1" lang="en-US" altLang="zh-CN" sz="1200" dirty="0" err="1" smtClean="0">
-                <a:solidFill>
-                  <a:schemeClr val="accent1">
-                    <a:lumMod val="50000"/>
-                  </a:schemeClr>
-                </a:solidFill>
-              </a:rPr>
-              <a:t>NSString</a:t>
-            </a:r>
-            <a:r>
-              <a:rPr kumimoji="1" lang="en-US" altLang="zh-CN" sz="1200" dirty="0" smtClean="0">
-                <a:solidFill>
-                  <a:schemeClr val="accent1">
-                    <a:lumMod val="50000"/>
-                  </a:schemeClr>
-                </a:solidFill>
-              </a:rPr>
-              <a:t>!</a:t>
-            </a:r>
-          </a:p>
-          <a:p>
-            <a:pPr algn="ctr"/>
-            <a:r>
-              <a:rPr kumimoji="1" lang="zh-CN" altLang="en-US" sz="1200" dirty="0" smtClean="0">
-                <a:solidFill>
-                  <a:schemeClr val="accent1">
-                    <a:lumMod val="50000"/>
-                  </a:schemeClr>
-                </a:solidFill>
-              </a:rPr>
-              <a:t>所有者</a:t>
-            </a:r>
-            <a:endParaRPr kumimoji="1" lang="en-US" altLang="zh-CN" sz="1200" dirty="0" smtClean="0">
-              <a:solidFill>
-                <a:schemeClr val="accent1">
-                  <a:lumMod val="50000"/>
-                </a:schemeClr>
-              </a:solidFill>
-            </a:endParaRPr>
-          </a:p>
-        </p:txBody>
-      </p:sp>
-      <p:sp>
-        <p:nvSpPr>
-          <p:cNvPr id="44" name="文本框 43"/>
-          <p:cNvSpPr txBox="1"/>
-          <p:nvPr/>
-        </p:nvSpPr>
-        <p:spPr>
-          <a:xfrm>
-            <a:off x="7174453" y="5539813"/>
-            <a:ext cx="432580" cy="523220"/>
-          </a:xfrm>
-          <a:prstGeom prst="rect">
-            <a:avLst/>
-          </a:prstGeom>
-          <a:noFill/>
-          <a:ln>
-            <a:noFill/>
-          </a:ln>
-        </p:spPr>
-        <p:txBody>
-          <a:bodyPr wrap="none" rtlCol="0">
-            <a:spAutoFit/>
-          </a:bodyPr>
-          <a:lstStyle/>
-          <a:p>
-            <a:r>
-              <a:rPr kumimoji="1" lang="en-US" altLang="zh-CN" sz="2800" dirty="0" smtClean="0"/>
-              <a:t>…</a:t>
-            </a:r>
-            <a:endParaRPr kumimoji="1" lang="zh-CN" altLang="en-US" sz="2800" dirty="0"/>
-          </a:p>
-        </p:txBody>
-      </p:sp>
-      <p:sp>
-        <p:nvSpPr>
-          <p:cNvPr id="46" name="文本框 45"/>
-          <p:cNvSpPr txBox="1"/>
-          <p:nvPr/>
-        </p:nvSpPr>
-        <p:spPr>
-          <a:xfrm>
-            <a:off x="7945274" y="5008854"/>
-            <a:ext cx="728535" cy="523220"/>
-          </a:xfrm>
-          <a:prstGeom prst="rect">
-            <a:avLst/>
-          </a:prstGeom>
-          <a:noFill/>
-        </p:spPr>
-        <p:txBody>
-          <a:bodyPr wrap="none" rtlCol="0">
-            <a:spAutoFit/>
-          </a:bodyPr>
-          <a:lstStyle/>
-          <a:p>
-            <a:r>
-              <a:rPr kumimoji="1" lang="en-US" altLang="zh-CN" sz="2800" dirty="0" smtClean="0"/>
-              <a:t>......</a:t>
-            </a:r>
-            <a:endParaRPr kumimoji="1" lang="zh-CN" altLang="en-US" sz="2800" dirty="0"/>
-          </a:p>
-        </p:txBody>
-      </p:sp>
-      <p:sp>
-        <p:nvSpPr>
-          <p:cNvPr id="47" name="乘 46"/>
-          <p:cNvSpPr/>
-          <p:nvPr/>
-        </p:nvSpPr>
-        <p:spPr>
-          <a:xfrm>
-            <a:off x="3096513" y="1965286"/>
-            <a:ext cx="531577" cy="497387"/>
-          </a:xfrm>
-          <a:prstGeom prst="mathMultiply">
-            <a:avLst/>
-          </a:prstGeom>
-        </p:spPr>
-        <p:style>
-          <a:lnRef idx="1">
-            <a:schemeClr val="accent2"/>
-          </a:lnRef>
-          <a:fillRef idx="3">
-            <a:schemeClr val="accent2"/>
-          </a:fillRef>
-          <a:effectRef idx="2">
-            <a:schemeClr val="accent2"/>
-          </a:effectRef>
-          <a:fontRef idx="minor">
-            <a:schemeClr val="lt1"/>
-          </a:fontRef>
-        </p:style>
-        <p:txBody>
-          <a:bodyPr rtlCol="0" anchor="ctr"/>
-          <a:lstStyle/>
-          <a:p>
-            <a:pPr algn="ctr"/>
-            <a:endParaRPr kumimoji="1" lang="zh-CN" altLang="en-US"/>
-          </a:p>
-        </p:txBody>
-      </p:sp>
-      <p:sp>
-        <p:nvSpPr>
-          <p:cNvPr id="48" name="乘 47"/>
-          <p:cNvSpPr/>
-          <p:nvPr/>
-        </p:nvSpPr>
-        <p:spPr>
-          <a:xfrm>
-            <a:off x="7252135" y="4760160"/>
-            <a:ext cx="531577" cy="497387"/>
-          </a:xfrm>
-          <a:prstGeom prst="mathMultiply">
-            <a:avLst/>
-          </a:prstGeom>
-        </p:spPr>
-        <p:style>
-          <a:lnRef idx="1">
-            <a:schemeClr val="accent2"/>
-          </a:lnRef>
-          <a:fillRef idx="3">
-            <a:schemeClr val="accent2"/>
-          </a:fillRef>
-          <a:effectRef idx="2">
-            <a:schemeClr val="accent2"/>
-          </a:effectRef>
-          <a:fontRef idx="minor">
-            <a:schemeClr val="lt1"/>
-          </a:fontRef>
-        </p:style>
-        <p:txBody>
-          <a:bodyPr rtlCol="0" anchor="ctr"/>
-          <a:lstStyle/>
-          <a:p>
-            <a:pPr algn="ctr"/>
-            <a:endParaRPr kumimoji="1" lang="zh-CN" altLang="en-US"/>
-          </a:p>
-        </p:txBody>
-      </p:sp>
-      <p:sp>
-        <p:nvSpPr>
           <p:cNvPr id="45" name="矩形 44"/>
           <p:cNvSpPr/>
           <p:nvPr/>
         </p:nvSpPr>
         <p:spPr>
           <a:xfrm>
-            <a:off x="3726682" y="1609238"/>
+            <a:off x="3807926" y="1522427"/>
             <a:ext cx="568227" cy="1588545"/>
           </a:xfrm>
           <a:prstGeom prst="rect">
@@ -6052,6 +6134,168 @@
                 <a:schemeClr val="bg1"/>
               </a:solidFill>
             </a:endParaRPr>
+          </a:p>
+        </p:txBody>
+      </p:sp>
+      <p:sp>
+        <p:nvSpPr>
+          <p:cNvPr id="50" name="文本框 49"/>
+          <p:cNvSpPr txBox="1"/>
+          <p:nvPr/>
+        </p:nvSpPr>
+        <p:spPr>
+          <a:xfrm>
+            <a:off x="7247809" y="2033468"/>
+            <a:ext cx="456600" cy="523220"/>
+          </a:xfrm>
+          <a:prstGeom prst="rect">
+            <a:avLst/>
+          </a:prstGeom>
+          <a:noFill/>
+        </p:spPr>
+        <p:txBody>
+          <a:bodyPr wrap="none" rtlCol="0">
+            <a:spAutoFit/>
+          </a:bodyPr>
+          <a:lstStyle/>
+          <a:p>
+            <a:r>
+              <a:rPr kumimoji="1" lang="en-US" altLang="zh-CN" sz="2800" dirty="0" smtClean="0"/>
+              <a:t>...</a:t>
+            </a:r>
+            <a:endParaRPr kumimoji="1" lang="zh-CN" altLang="en-US" sz="2800" dirty="0"/>
+          </a:p>
+        </p:txBody>
+      </p:sp>
+      <p:sp>
+        <p:nvSpPr>
+          <p:cNvPr id="51" name="矩形 50"/>
+          <p:cNvSpPr/>
+          <p:nvPr/>
+        </p:nvSpPr>
+        <p:spPr>
+          <a:xfrm>
+            <a:off x="7783712" y="1186452"/>
+            <a:ext cx="427423" cy="1991346"/>
+          </a:xfrm>
+          <a:prstGeom prst="rect">
+            <a:avLst/>
+          </a:prstGeom>
+        </p:spPr>
+        <p:style>
+          <a:lnRef idx="1">
+            <a:schemeClr val="accent5"/>
+          </a:lnRef>
+          <a:fillRef idx="2">
+            <a:schemeClr val="accent5"/>
+          </a:fillRef>
+          <a:effectRef idx="1">
+            <a:schemeClr val="accent5"/>
+          </a:effectRef>
+          <a:fontRef idx="minor">
+            <a:schemeClr val="dk1"/>
+          </a:fontRef>
+        </p:style>
+        <p:txBody>
+          <a:bodyPr rtlCol="0" anchor="ctr"/>
+          <a:lstStyle/>
+          <a:p>
+            <a:pPr algn="ctr"/>
+            <a:endParaRPr kumimoji="1" lang="en-US" altLang="zh-CN" dirty="0" smtClean="0"/>
+          </a:p>
+          <a:p>
+            <a:pPr algn="ctr"/>
+            <a:endParaRPr kumimoji="1" lang="en-US" altLang="zh-CN" dirty="0" smtClean="0"/>
+          </a:p>
+          <a:p>
+            <a:pPr algn="ctr"/>
+            <a:r>
+              <a:rPr kumimoji="1" lang="en-US" altLang="zh-CN" dirty="0"/>
+              <a:t/>
+            </a:r>
+            <a:endParaRPr kumimoji="1" lang="en-US" altLang="zh-CN" dirty="0" smtClean="0"/>
+          </a:p>
+        </p:txBody>
+      </p:sp>
+      <p:sp>
+        <p:nvSpPr>
+          <p:cNvPr id="52" name="文本框 51"/>
+          <p:cNvSpPr txBox="1"/>
+          <p:nvPr/>
+        </p:nvSpPr>
+        <p:spPr>
+          <a:xfrm>
+            <a:off x="3718793" y="1186452"/>
+            <a:ext cx="3972177" cy="276999"/>
+          </a:xfrm>
+          <a:prstGeom prst="rect">
+            <a:avLst/>
+          </a:prstGeom>
+          <a:noFill/>
+        </p:spPr>
+        <p:txBody>
+          <a:bodyPr wrap="square" rtlCol="0">
+            <a:spAutoFit/>
+          </a:bodyPr>
+          <a:lstStyle/>
+          <a:p>
+            <a:pPr algn="ctr"/>
+            <a:r>
+              <a:rPr kumimoji="1" lang="en-US" altLang="zh-CN" sz="1200" dirty="0" err="1" smtClean="0"/>
+              <a:t>g_emoobj:NSArray</a:t>
+            </a:r>
+            <a:r>
+              <a:rPr kumimoji="1" lang="en-US" altLang="zh-CN" sz="1200" dirty="0" smtClean="0"/>
+              <a:t>   </a:t>
+            </a:r>
+            <a:r>
+              <a:rPr kumimoji="1" lang="zh-CN" altLang="en-US" sz="1200" dirty="0" smtClean="0"/>
+              <a:t>分组</a:t>
+            </a:r>
+            <a:endParaRPr kumimoji="1" lang="zh-CN" altLang="en-US" sz="1200" dirty="0"/>
+          </a:p>
+        </p:txBody>
+      </p:sp>
+      <p:sp>
+        <p:nvSpPr>
+          <p:cNvPr id="53" name="文本框 52"/>
+          <p:cNvSpPr txBox="1"/>
+          <p:nvPr/>
+        </p:nvSpPr>
+        <p:spPr>
+          <a:xfrm>
+            <a:off x="7801301" y="1199135"/>
+            <a:ext cx="409834" cy="1754327"/>
+          </a:xfrm>
+          <a:prstGeom prst="rect">
+            <a:avLst/>
+          </a:prstGeom>
+          <a:noFill/>
+        </p:spPr>
+        <p:txBody>
+          <a:bodyPr wrap="square" rtlCol="0">
+            <a:spAutoFit/>
+          </a:bodyPr>
+          <a:lstStyle/>
+          <a:p>
+            <a:pPr algn="ctr"/>
+            <a:r>
+              <a:rPr kumimoji="1" lang="en-US" altLang="zh-CN" sz="1200" dirty="0" err="1" smtClean="0"/>
+              <a:t>g_emoobj:NSArray</a:t>
+            </a:r>
+            <a:endParaRPr kumimoji="1" lang="en-US" altLang="zh-CN" sz="1200" dirty="0" smtClean="0"/>
+          </a:p>
+          <a:p>
+            <a:pPr algn="ctr"/>
+            <a:endParaRPr kumimoji="1" lang="en-US" altLang="zh-CN" sz="1200" dirty="0" smtClean="0"/>
+          </a:p>
+          <a:p>
+            <a:pPr algn="ctr"/>
+            <a:r>
+              <a:rPr kumimoji="1" lang="zh-CN" altLang="en-US" sz="1200" dirty="0" smtClean="0"/>
+              <a:t>分组</a:t>
+            </a:r>
+            <a:endParaRPr kumimoji="1" lang="zh-CN" altLang="en-US" sz="1200" dirty="0"/>
           </a:p>
         </p:txBody>
       </p:sp>

--- a/设计/云颜文字iOS2数据结构设计.pptx
+++ b/设计/云颜文字iOS2数据结构设计.pptx
@@ -4,8 +4,12 @@
   <p:sldMasterIdLst>
     <p:sldMasterId id="2147483648" r:id="rId1"/>
   </p:sldMasterIdLst>
+  <p:notesMasterIdLst>
+    <p:notesMasterId r:id="rId4"/>
+  </p:notesMasterIdLst>
   <p:sldIdLst>
     <p:sldId id="256" r:id="rId2"/>
+    <p:sldId id="257" r:id="rId3"/>
   </p:sldIdLst>
   <p:sldSz cx="9144000" cy="6858000" type="screen4x3"/>
   <p:notesSz cx="6858000" cy="9144000"/>
@@ -107,6 +111,3524 @@
 </p:presentation>
 </file>
 
+<file path=ppt/notesMasters/notesMaster1.xml><?xml version="1.0" encoding="utf-8"?>
+<p:notesMaster xmlns:a="http://schemas.openxmlformats.org/drawingml/2006/main" xmlns:r="http://schemas.openxmlformats.org/officeDocument/2006/relationships" xmlns:p="http://schemas.openxmlformats.org/presentationml/2006/main">
+  <p:cSld>
+    <p:bg>
+      <p:bgRef idx="1001">
+        <a:schemeClr val="bg1"/>
+      </p:bgRef>
+    </p:bg>
+    <p:spTree>
+      <p:nvGrpSpPr>
+        <p:cNvPr id="1" name=""/>
+        <p:cNvGrpSpPr/>
+        <p:nvPr/>
+      </p:nvGrpSpPr>
+      <p:grpSpPr>
+        <a:xfrm>
+          <a:off x="0" y="0"/>
+          <a:ext cx="0" cy="0"/>
+          <a:chOff x="0" y="0"/>
+          <a:chExt cx="0" cy="0"/>
+        </a:xfrm>
+      </p:grpSpPr>
+      <p:sp>
+        <p:nvSpPr>
+          <p:cNvPr id="2" name="页眉占位符 1"/>
+          <p:cNvSpPr>
+            <a:spLocks noGrp="1"/>
+          </p:cNvSpPr>
+          <p:nvPr>
+            <p:ph type="hdr" sz="quarter"/>
+          </p:nvPr>
+        </p:nvSpPr>
+        <p:spPr>
+          <a:xfrm>
+            <a:off x="0" y="0"/>
+            <a:ext cx="2971800" cy="457200"/>
+          </a:xfrm>
+          <a:prstGeom prst="rect">
+            <a:avLst/>
+          </a:prstGeom>
+        </p:spPr>
+        <p:txBody>
+          <a:bodyPr vert="horz" lIns="91440" tIns="45720" rIns="91440" bIns="45720" rtlCol="0"/>
+          <a:lstStyle>
+            <a:lvl1pPr algn="l">
+              <a:defRPr sz="1200"/>
+            </a:lvl1pPr>
+          </a:lstStyle>
+          <a:p>
+            <a:endParaRPr kumimoji="1" lang="zh-CN" altLang="en-US"/>
+          </a:p>
+        </p:txBody>
+      </p:sp>
+      <p:sp>
+        <p:nvSpPr>
+          <p:cNvPr id="3" name="日期占位符 2"/>
+          <p:cNvSpPr>
+            <a:spLocks noGrp="1"/>
+          </p:cNvSpPr>
+          <p:nvPr>
+            <p:ph type="dt" idx="1"/>
+          </p:nvPr>
+        </p:nvSpPr>
+        <p:spPr>
+          <a:xfrm>
+            <a:off x="3884613" y="0"/>
+            <a:ext cx="2971800" cy="457200"/>
+          </a:xfrm>
+          <a:prstGeom prst="rect">
+            <a:avLst/>
+          </a:prstGeom>
+        </p:spPr>
+        <p:txBody>
+          <a:bodyPr vert="horz" lIns="91440" tIns="45720" rIns="91440" bIns="45720" rtlCol="0"/>
+          <a:lstStyle>
+            <a:lvl1pPr algn="r">
+              <a:defRPr sz="1200"/>
+            </a:lvl1pPr>
+          </a:lstStyle>
+          <a:p>
+            <a:fld id="{BC3570B9-F0B5-104B-96A0-E2F100586D79}" type="datetimeFigureOut">
+              <a:rPr kumimoji="1" lang="zh-CN" altLang="en-US" smtClean="0"/>
+              <a:t>15/3/16</a:t>
+            </a:fld>
+            <a:endParaRPr kumimoji="1" lang="zh-CN" altLang="en-US"/>
+          </a:p>
+        </p:txBody>
+      </p:sp>
+      <p:sp>
+        <p:nvSpPr>
+          <p:cNvPr id="4" name="幻灯片图像占位符 3"/>
+          <p:cNvSpPr>
+            <a:spLocks noGrp="1" noRot="1" noChangeAspect="1"/>
+          </p:cNvSpPr>
+          <p:nvPr>
+            <p:ph type="sldImg" idx="2"/>
+          </p:nvPr>
+        </p:nvSpPr>
+        <p:spPr>
+          <a:xfrm>
+            <a:off x="1143000" y="685800"/>
+            <a:ext cx="4572000" cy="3429000"/>
+          </a:xfrm>
+          <a:prstGeom prst="rect">
+            <a:avLst/>
+          </a:prstGeom>
+          <a:noFill/>
+          <a:ln w="12700">
+            <a:solidFill>
+              <a:prstClr val="black"/>
+            </a:solidFill>
+          </a:ln>
+        </p:spPr>
+        <p:txBody>
+          <a:bodyPr vert="horz" lIns="91440" tIns="45720" rIns="91440" bIns="45720" rtlCol="0" anchor="ctr"/>
+          <a:lstStyle/>
+          <a:p>
+            <a:endParaRPr lang="zh-CN" altLang="en-US"/>
+          </a:p>
+        </p:txBody>
+      </p:sp>
+      <p:sp>
+        <p:nvSpPr>
+          <p:cNvPr id="5" name="备注占位符 4"/>
+          <p:cNvSpPr>
+            <a:spLocks noGrp="1"/>
+          </p:cNvSpPr>
+          <p:nvPr>
+            <p:ph type="body" sz="quarter" idx="3"/>
+          </p:nvPr>
+        </p:nvSpPr>
+        <p:spPr>
+          <a:xfrm>
+            <a:off x="685800" y="4343400"/>
+            <a:ext cx="5486400" cy="4114800"/>
+          </a:xfrm>
+          <a:prstGeom prst="rect">
+            <a:avLst/>
+          </a:prstGeom>
+        </p:spPr>
+        <p:txBody>
+          <a:bodyPr vert="horz" lIns="91440" tIns="45720" rIns="91440" bIns="45720" rtlCol="0"/>
+          <a:lstStyle/>
+          <a:p>
+            <a:pPr lvl="0"/>
+            <a:r>
+              <a:rPr kumimoji="1" lang="zh-CN" altLang="en-US" smtClean="0"/>
+              <a:t>单击此处编辑母版文本样式</a:t>
+            </a:r>
+          </a:p>
+          <a:p>
+            <a:pPr lvl="1"/>
+            <a:r>
+              <a:rPr kumimoji="1" lang="zh-CN" altLang="en-US" smtClean="0"/>
+              <a:t>二级</a:t>
+            </a:r>
+          </a:p>
+          <a:p>
+            <a:pPr lvl="2"/>
+            <a:r>
+              <a:rPr kumimoji="1" lang="zh-CN" altLang="en-US" smtClean="0"/>
+              <a:t>三级</a:t>
+            </a:r>
+          </a:p>
+          <a:p>
+            <a:pPr lvl="3"/>
+            <a:r>
+              <a:rPr kumimoji="1" lang="zh-CN" altLang="en-US" smtClean="0"/>
+              <a:t>四级</a:t>
+            </a:r>
+          </a:p>
+          <a:p>
+            <a:pPr lvl="4"/>
+            <a:r>
+              <a:rPr kumimoji="1" lang="zh-CN" altLang="en-US" smtClean="0"/>
+              <a:t>五级</a:t>
+            </a:r>
+            <a:endParaRPr kumimoji="1" lang="zh-CN" altLang="en-US"/>
+          </a:p>
+        </p:txBody>
+      </p:sp>
+      <p:sp>
+        <p:nvSpPr>
+          <p:cNvPr id="6" name="页脚占位符 5"/>
+          <p:cNvSpPr>
+            <a:spLocks noGrp="1"/>
+          </p:cNvSpPr>
+          <p:nvPr>
+            <p:ph type="ftr" sz="quarter" idx="4"/>
+          </p:nvPr>
+        </p:nvSpPr>
+        <p:spPr>
+          <a:xfrm>
+            <a:off x="0" y="8685213"/>
+            <a:ext cx="2971800" cy="457200"/>
+          </a:xfrm>
+          <a:prstGeom prst="rect">
+            <a:avLst/>
+          </a:prstGeom>
+        </p:spPr>
+        <p:txBody>
+          <a:bodyPr vert="horz" lIns="91440" tIns="45720" rIns="91440" bIns="45720" rtlCol="0" anchor="b"/>
+          <a:lstStyle>
+            <a:lvl1pPr algn="l">
+              <a:defRPr sz="1200"/>
+            </a:lvl1pPr>
+          </a:lstStyle>
+          <a:p>
+            <a:endParaRPr kumimoji="1" lang="zh-CN" altLang="en-US"/>
+          </a:p>
+        </p:txBody>
+      </p:sp>
+      <p:sp>
+        <p:nvSpPr>
+          <p:cNvPr id="7" name="幻灯片编号占位符 6"/>
+          <p:cNvSpPr>
+            <a:spLocks noGrp="1"/>
+          </p:cNvSpPr>
+          <p:nvPr>
+            <p:ph type="sldNum" sz="quarter" idx="5"/>
+          </p:nvPr>
+        </p:nvSpPr>
+        <p:spPr>
+          <a:xfrm>
+            <a:off x="3884613" y="8685213"/>
+            <a:ext cx="2971800" cy="457200"/>
+          </a:xfrm>
+          <a:prstGeom prst="rect">
+            <a:avLst/>
+          </a:prstGeom>
+        </p:spPr>
+        <p:txBody>
+          <a:bodyPr vert="horz" lIns="91440" tIns="45720" rIns="91440" bIns="45720" rtlCol="0" anchor="b"/>
+          <a:lstStyle>
+            <a:lvl1pPr algn="r">
+              <a:defRPr sz="1200"/>
+            </a:lvl1pPr>
+          </a:lstStyle>
+          <a:p>
+            <a:fld id="{EDADD7A9-47AE-D446-BE9D-72BC0FBDA941}" type="slidenum">
+              <a:rPr kumimoji="1" lang="zh-CN" altLang="en-US" smtClean="0"/>
+              <a:t>‹#›</a:t>
+            </a:fld>
+            <a:endParaRPr kumimoji="1" lang="zh-CN" altLang="en-US"/>
+          </a:p>
+        </p:txBody>
+      </p:sp>
+    </p:spTree>
+    <p:extLst>
+      <p:ext uri="{BB962C8B-B14F-4D97-AF65-F5344CB8AC3E}">
+        <p14:creationId xmlns:p14="http://schemas.microsoft.com/office/powerpoint/2010/main" val="3255639223"/>
+      </p:ext>
+    </p:extLst>
+  </p:cSld>
+  <p:clrMap bg1="lt1" tx1="dk1" bg2="lt2" tx2="dk2" accent1="accent1" accent2="accent2" accent3="accent3" accent4="accent4" accent5="accent5" accent6="accent6" hlink="hlink" folHlink="folHlink"/>
+  <p:notesStyle>
+    <a:lvl1pPr marL="0" algn="l" defTabSz="457200" rtl="0" eaLnBrk="1" latinLnBrk="0" hangingPunct="1">
+      <a:defRPr sz="1200" kern="1200">
+        <a:solidFill>
+          <a:schemeClr val="tx1"/>
+        </a:solidFill>
+        <a:latin typeface="+mn-lt"/>
+        <a:ea typeface="+mn-ea"/>
+        <a:cs typeface="+mn-cs"/>
+      </a:defRPr>
+    </a:lvl1pPr>
+    <a:lvl2pPr marL="457200" algn="l" defTabSz="457200" rtl="0" eaLnBrk="1" latinLnBrk="0" hangingPunct="1">
+      <a:defRPr sz="1200" kern="1200">
+        <a:solidFill>
+          <a:schemeClr val="tx1"/>
+        </a:solidFill>
+        <a:latin typeface="+mn-lt"/>
+        <a:ea typeface="+mn-ea"/>
+        <a:cs typeface="+mn-cs"/>
+      </a:defRPr>
+    </a:lvl2pPr>
+    <a:lvl3pPr marL="914400" algn="l" defTabSz="457200" rtl="0" eaLnBrk="1" latinLnBrk="0" hangingPunct="1">
+      <a:defRPr sz="1200" kern="1200">
+        <a:solidFill>
+          <a:schemeClr val="tx1"/>
+        </a:solidFill>
+        <a:latin typeface="+mn-lt"/>
+        <a:ea typeface="+mn-ea"/>
+        <a:cs typeface="+mn-cs"/>
+      </a:defRPr>
+    </a:lvl3pPr>
+    <a:lvl4pPr marL="1371600" algn="l" defTabSz="457200" rtl="0" eaLnBrk="1" latinLnBrk="0" hangingPunct="1">
+      <a:defRPr sz="1200" kern="1200">
+        <a:solidFill>
+          <a:schemeClr val="tx1"/>
+        </a:solidFill>
+        <a:latin typeface="+mn-lt"/>
+        <a:ea typeface="+mn-ea"/>
+        <a:cs typeface="+mn-cs"/>
+      </a:defRPr>
+    </a:lvl4pPr>
+    <a:lvl5pPr marL="1828800" algn="l" defTabSz="457200" rtl="0" eaLnBrk="1" latinLnBrk="0" hangingPunct="1">
+      <a:defRPr sz="1200" kern="1200">
+        <a:solidFill>
+          <a:schemeClr val="tx1"/>
+        </a:solidFill>
+        <a:latin typeface="+mn-lt"/>
+        <a:ea typeface="+mn-ea"/>
+        <a:cs typeface="+mn-cs"/>
+      </a:defRPr>
+    </a:lvl5pPr>
+    <a:lvl6pPr marL="2286000" algn="l" defTabSz="457200" rtl="0" eaLnBrk="1" latinLnBrk="0" hangingPunct="1">
+      <a:defRPr sz="1200" kern="1200">
+        <a:solidFill>
+          <a:schemeClr val="tx1"/>
+        </a:solidFill>
+        <a:latin typeface="+mn-lt"/>
+        <a:ea typeface="+mn-ea"/>
+        <a:cs typeface="+mn-cs"/>
+      </a:defRPr>
+    </a:lvl6pPr>
+    <a:lvl7pPr marL="2743200" algn="l" defTabSz="457200" rtl="0" eaLnBrk="1" latinLnBrk="0" hangingPunct="1">
+      <a:defRPr sz="1200" kern="1200">
+        <a:solidFill>
+          <a:schemeClr val="tx1"/>
+        </a:solidFill>
+        <a:latin typeface="+mn-lt"/>
+        <a:ea typeface="+mn-ea"/>
+        <a:cs typeface="+mn-cs"/>
+      </a:defRPr>
+    </a:lvl7pPr>
+    <a:lvl8pPr marL="3200400" algn="l" defTabSz="457200" rtl="0" eaLnBrk="1" latinLnBrk="0" hangingPunct="1">
+      <a:defRPr sz="1200" kern="1200">
+        <a:solidFill>
+          <a:schemeClr val="tx1"/>
+        </a:solidFill>
+        <a:latin typeface="+mn-lt"/>
+        <a:ea typeface="+mn-ea"/>
+        <a:cs typeface="+mn-cs"/>
+      </a:defRPr>
+    </a:lvl8pPr>
+    <a:lvl9pPr marL="3657600" algn="l" defTabSz="457200" rtl="0" eaLnBrk="1" latinLnBrk="0" hangingPunct="1">
+      <a:defRPr sz="1200" kern="1200">
+        <a:solidFill>
+          <a:schemeClr val="tx1"/>
+        </a:solidFill>
+        <a:latin typeface="+mn-lt"/>
+        <a:ea typeface="+mn-ea"/>
+        <a:cs typeface="+mn-cs"/>
+      </a:defRPr>
+    </a:lvl9pPr>
+  </p:notesStyle>
+</p:notesMaster>
+</file>
+
+<file path=ppt/notesSlides/notesSlide1.xml><?xml version="1.0" encoding="utf-8"?>
+<p:notes xmlns:a="http://schemas.openxmlformats.org/drawingml/2006/main" xmlns:r="http://schemas.openxmlformats.org/officeDocument/2006/relationships" xmlns:p="http://schemas.openxmlformats.org/presentationml/2006/main">
+  <p:cSld>
+    <p:spTree>
+      <p:nvGrpSpPr>
+        <p:cNvPr id="1" name=""/>
+        <p:cNvGrpSpPr/>
+        <p:nvPr/>
+      </p:nvGrpSpPr>
+      <p:grpSpPr>
+        <a:xfrm>
+          <a:off x="0" y="0"/>
+          <a:ext cx="0" cy="0"/>
+          <a:chOff x="0" y="0"/>
+          <a:chExt cx="0" cy="0"/>
+        </a:xfrm>
+      </p:grpSpPr>
+      <p:sp>
+        <p:nvSpPr>
+          <p:cNvPr id="2" name="幻灯片图像占位符 1"/>
+          <p:cNvSpPr>
+            <a:spLocks noGrp="1" noRot="1" noChangeAspect="1"/>
+          </p:cNvSpPr>
+          <p:nvPr>
+            <p:ph type="sldImg"/>
+          </p:nvPr>
+        </p:nvSpPr>
+        <p:spPr/>
+      </p:sp>
+      <p:sp>
+        <p:nvSpPr>
+          <p:cNvPr id="3" name="备注占位符 2"/>
+          <p:cNvSpPr>
+            <a:spLocks noGrp="1"/>
+          </p:cNvSpPr>
+          <p:nvPr>
+            <p:ph type="body" idx="1"/>
+          </p:nvPr>
+        </p:nvSpPr>
+        <p:spPr/>
+        <p:txBody>
+          <a:bodyPr/>
+          <a:lstStyle/>
+          <a:p>
+            <a:r>
+              <a:rPr lang="en-US" altLang="zh-CN" sz="1200" kern="1200" dirty="0" smtClean="0">
+                <a:solidFill>
+                  <a:schemeClr val="tx1"/>
+                </a:solidFill>
+                <a:latin typeface="+mn-lt"/>
+                <a:ea typeface="+mn-ea"/>
+                <a:cs typeface="+mn-cs"/>
+              </a:rPr>
+              <a:t>【</a:t>
+            </a:r>
+            <a:r>
+              <a:rPr lang="en-US" altLang="zh-CN" sz="1200" dirty="0" smtClean="0"/>
+              <a:t>group.CE2Keyboard</a:t>
+            </a:r>
+            <a:r>
+              <a:rPr lang="en-US" altLang="zh-CN" sz="1200" kern="1200" dirty="0" smtClean="0">
+                <a:solidFill>
+                  <a:schemeClr val="tx1"/>
+                </a:solidFill>
+                <a:latin typeface="+mn-lt"/>
+                <a:ea typeface="+mn-ea"/>
+                <a:cs typeface="+mn-cs"/>
+              </a:rPr>
+              <a:t>】</a:t>
+            </a:r>
+          </a:p>
+          <a:p>
+            <a:r>
+              <a:rPr lang="en-US" altLang="zh-CN" sz="1200" kern="1200" dirty="0" smtClean="0">
+                <a:solidFill>
+                  <a:schemeClr val="tx1"/>
+                </a:solidFill>
+                <a:latin typeface="+mn-lt"/>
+                <a:ea typeface="+mn-ea"/>
+                <a:cs typeface="+mn-cs"/>
+              </a:rPr>
+              <a:t>@</a:t>
+            </a:r>
+            <a:r>
+              <a:rPr lang="en-US" altLang="zh-CN" sz="1200" kern="1200" dirty="0" err="1" smtClean="0">
+                <a:solidFill>
+                  <a:schemeClr val="tx1"/>
+                </a:solidFill>
+                <a:latin typeface="+mn-lt"/>
+                <a:ea typeface="+mn-ea"/>
+                <a:cs typeface="+mn-cs"/>
+              </a:rPr>
+              <a:t>IBAction</a:t>
+            </a:r>
+            <a:r>
+              <a:rPr lang="en-US" altLang="zh-CN" sz="1200" kern="1200" dirty="0" smtClean="0">
+                <a:solidFill>
+                  <a:schemeClr val="tx1"/>
+                </a:solidFill>
+                <a:latin typeface="+mn-lt"/>
+                <a:ea typeface="+mn-ea"/>
+                <a:cs typeface="+mn-cs"/>
+              </a:rPr>
+              <a:t> </a:t>
+            </a:r>
+            <a:r>
+              <a:rPr lang="en-US" altLang="zh-CN" sz="1200" kern="1200" dirty="0" err="1" smtClean="0">
+                <a:solidFill>
+                  <a:schemeClr val="tx1"/>
+                </a:solidFill>
+                <a:latin typeface="+mn-lt"/>
+                <a:ea typeface="+mn-ea"/>
+                <a:cs typeface="+mn-cs"/>
+              </a:rPr>
+              <a:t>func</a:t>
+            </a:r>
+            <a:r>
+              <a:rPr lang="en-US" altLang="zh-CN" sz="1200" kern="1200" dirty="0" smtClean="0">
+                <a:solidFill>
+                  <a:schemeClr val="tx1"/>
+                </a:solidFill>
+                <a:latin typeface="+mn-lt"/>
+                <a:ea typeface="+mn-ea"/>
+                <a:cs typeface="+mn-cs"/>
+              </a:rPr>
+              <a:t> </a:t>
+            </a:r>
+            <a:r>
+              <a:rPr lang="en-US" altLang="zh-CN" sz="1200" kern="1200" dirty="0" err="1" smtClean="0">
+                <a:solidFill>
+                  <a:schemeClr val="tx1"/>
+                </a:solidFill>
+                <a:latin typeface="+mn-lt"/>
+                <a:ea typeface="+mn-ea"/>
+                <a:cs typeface="+mn-cs"/>
+              </a:rPr>
+              <a:t>AddtoCustom</a:t>
+            </a:r>
+            <a:r>
+              <a:rPr lang="en-US" altLang="zh-CN" sz="1200" kern="1200" dirty="0" smtClean="0">
+                <a:solidFill>
+                  <a:schemeClr val="tx1"/>
+                </a:solidFill>
+                <a:latin typeface="+mn-lt"/>
+                <a:ea typeface="+mn-ea"/>
+                <a:cs typeface="+mn-cs"/>
+              </a:rPr>
+              <a:t>(sender: </a:t>
+            </a:r>
+            <a:r>
+              <a:rPr lang="en-US" altLang="zh-CN" sz="1200" kern="1200" dirty="0" err="1" smtClean="0">
+                <a:solidFill>
+                  <a:schemeClr val="tx1"/>
+                </a:solidFill>
+                <a:latin typeface="+mn-lt"/>
+                <a:ea typeface="+mn-ea"/>
+                <a:cs typeface="+mn-cs"/>
+              </a:rPr>
+              <a:t>AnyObject</a:t>
+            </a:r>
+            <a:r>
+              <a:rPr lang="en-US" altLang="zh-CN" sz="1200" kern="1200" dirty="0" smtClean="0">
+                <a:solidFill>
+                  <a:schemeClr val="tx1"/>
+                </a:solidFill>
+                <a:latin typeface="+mn-lt"/>
+                <a:ea typeface="+mn-ea"/>
+                <a:cs typeface="+mn-cs"/>
+              </a:rPr>
+              <a:t>) {</a:t>
+            </a:r>
+          </a:p>
+          <a:p>
+            <a:r>
+              <a:rPr lang="en-US" altLang="zh-CN" sz="1200" kern="1200" dirty="0" smtClean="0">
+                <a:solidFill>
+                  <a:schemeClr val="tx1"/>
+                </a:solidFill>
+                <a:latin typeface="+mn-lt"/>
+                <a:ea typeface="+mn-ea"/>
+                <a:cs typeface="+mn-cs"/>
+              </a:rPr>
+              <a:t>        </a:t>
+            </a:r>
+            <a:r>
+              <a:rPr lang="en-US" altLang="zh-CN" sz="1200" kern="1200" dirty="0" err="1" smtClean="0">
+                <a:solidFill>
+                  <a:schemeClr val="tx1"/>
+                </a:solidFill>
+                <a:latin typeface="+mn-lt"/>
+                <a:ea typeface="+mn-ea"/>
+                <a:cs typeface="+mn-cs"/>
+              </a:rPr>
+              <a:t>var</a:t>
+            </a:r>
+            <a:r>
+              <a:rPr lang="en-US" altLang="zh-CN" sz="1200" kern="1200" dirty="0" smtClean="0">
+                <a:solidFill>
+                  <a:schemeClr val="tx1"/>
+                </a:solidFill>
+                <a:latin typeface="+mn-lt"/>
+                <a:ea typeface="+mn-ea"/>
+                <a:cs typeface="+mn-cs"/>
+              </a:rPr>
+              <a:t> </a:t>
+            </a:r>
+            <a:r>
+              <a:rPr lang="en-US" altLang="zh-CN" sz="1200" kern="1200" dirty="0" err="1" smtClean="0">
+                <a:solidFill>
+                  <a:schemeClr val="tx1"/>
+                </a:solidFill>
+                <a:latin typeface="+mn-lt"/>
+                <a:ea typeface="+mn-ea"/>
+                <a:cs typeface="+mn-cs"/>
+              </a:rPr>
+              <a:t>containerURL:NSURL</a:t>
+            </a:r>
+            <a:r>
+              <a:rPr lang="en-US" altLang="zh-CN" sz="1200" kern="1200" dirty="0" smtClean="0">
+                <a:solidFill>
+                  <a:schemeClr val="tx1"/>
+                </a:solidFill>
+                <a:latin typeface="+mn-lt"/>
+                <a:ea typeface="+mn-ea"/>
+                <a:cs typeface="+mn-cs"/>
+              </a:rPr>
+              <a:t> = </a:t>
+            </a:r>
+            <a:r>
+              <a:rPr lang="en-US" altLang="zh-CN" sz="1200" kern="1200" dirty="0" err="1" smtClean="0">
+                <a:solidFill>
+                  <a:schemeClr val="tx1"/>
+                </a:solidFill>
+                <a:latin typeface="+mn-lt"/>
+                <a:ea typeface="+mn-ea"/>
+                <a:cs typeface="+mn-cs"/>
+              </a:rPr>
+              <a:t>NSFileManager.defaultManager</a:t>
+            </a:r>
+            <a:r>
+              <a:rPr lang="en-US" altLang="zh-CN" sz="1200" kern="1200" dirty="0" smtClean="0">
+                <a:solidFill>
+                  <a:schemeClr val="tx1"/>
+                </a:solidFill>
+                <a:latin typeface="+mn-lt"/>
+                <a:ea typeface="+mn-ea"/>
+                <a:cs typeface="+mn-cs"/>
+              </a:rPr>
+              <a:t>().</a:t>
+            </a:r>
+            <a:r>
+              <a:rPr lang="en-US" altLang="zh-CN" sz="1200" kern="1200" dirty="0" err="1" smtClean="0">
+                <a:solidFill>
+                  <a:schemeClr val="tx1"/>
+                </a:solidFill>
+                <a:latin typeface="+mn-lt"/>
+                <a:ea typeface="+mn-ea"/>
+                <a:cs typeface="+mn-cs"/>
+              </a:rPr>
+              <a:t>containerURLForSecurityApplicationGroupIdentifier</a:t>
+            </a:r>
+            <a:r>
+              <a:rPr lang="en-US" altLang="zh-CN" sz="1200" kern="1200" dirty="0" smtClean="0">
+                <a:solidFill>
+                  <a:schemeClr val="tx1"/>
+                </a:solidFill>
+                <a:latin typeface="+mn-lt"/>
+                <a:ea typeface="+mn-ea"/>
+                <a:cs typeface="+mn-cs"/>
+              </a:rPr>
+              <a:t>("group.CE2Keyboard")!</a:t>
+            </a:r>
+          </a:p>
+          <a:p>
+            <a:r>
+              <a:rPr lang="en-US" altLang="zh-CN" sz="1200" kern="1200" dirty="0" smtClean="0">
+                <a:solidFill>
+                  <a:schemeClr val="tx1"/>
+                </a:solidFill>
+                <a:latin typeface="+mn-lt"/>
+                <a:ea typeface="+mn-ea"/>
+                <a:cs typeface="+mn-cs"/>
+              </a:rPr>
+              <a:t>        </a:t>
+            </a:r>
+            <a:r>
+              <a:rPr lang="en-US" altLang="zh-CN" sz="1200" kern="1200" dirty="0" err="1" smtClean="0">
+                <a:solidFill>
+                  <a:schemeClr val="tx1"/>
+                </a:solidFill>
+                <a:latin typeface="+mn-lt"/>
+                <a:ea typeface="+mn-ea"/>
+                <a:cs typeface="+mn-cs"/>
+              </a:rPr>
+              <a:t>var</a:t>
+            </a:r>
+            <a:r>
+              <a:rPr lang="en-US" altLang="zh-CN" sz="1200" kern="1200" dirty="0" smtClean="0">
+                <a:solidFill>
+                  <a:schemeClr val="tx1"/>
+                </a:solidFill>
+                <a:latin typeface="+mn-lt"/>
+                <a:ea typeface="+mn-ea"/>
+                <a:cs typeface="+mn-cs"/>
+              </a:rPr>
+              <a:t> </a:t>
+            </a:r>
+            <a:r>
+              <a:rPr lang="en-US" altLang="zh-CN" sz="1200" kern="1200" dirty="0" err="1" smtClean="0">
+                <a:solidFill>
+                  <a:schemeClr val="tx1"/>
+                </a:solidFill>
+                <a:latin typeface="+mn-lt"/>
+                <a:ea typeface="+mn-ea"/>
+                <a:cs typeface="+mn-cs"/>
+              </a:rPr>
+              <a:t>value:NSString</a:t>
+            </a:r>
+            <a:endParaRPr lang="en-US" altLang="zh-CN" sz="1200" kern="1200" dirty="0" smtClean="0">
+              <a:solidFill>
+                <a:schemeClr val="tx1"/>
+              </a:solidFill>
+              <a:latin typeface="+mn-lt"/>
+              <a:ea typeface="+mn-ea"/>
+              <a:cs typeface="+mn-cs"/>
+            </a:endParaRPr>
+          </a:p>
+          <a:p>
+            <a:r>
+              <a:rPr lang="en-US" altLang="zh-CN" sz="1200" kern="1200" dirty="0" smtClean="0">
+                <a:solidFill>
+                  <a:schemeClr val="tx1"/>
+                </a:solidFill>
+                <a:latin typeface="+mn-lt"/>
+                <a:ea typeface="+mn-ea"/>
+                <a:cs typeface="+mn-cs"/>
+              </a:rPr>
+              <a:t>        </a:t>
+            </a:r>
+            <a:r>
+              <a:rPr lang="en-US" altLang="zh-CN" sz="1200" kern="1200" dirty="0" err="1" smtClean="0">
+                <a:solidFill>
+                  <a:schemeClr val="tx1"/>
+                </a:solidFill>
+                <a:latin typeface="+mn-lt"/>
+                <a:ea typeface="+mn-ea"/>
+                <a:cs typeface="+mn-cs"/>
+              </a:rPr>
+              <a:t>containerURL</a:t>
+            </a:r>
+            <a:r>
+              <a:rPr lang="en-US" altLang="zh-CN" sz="1200" kern="1200" dirty="0" smtClean="0">
+                <a:solidFill>
+                  <a:schemeClr val="tx1"/>
+                </a:solidFill>
+                <a:latin typeface="+mn-lt"/>
+                <a:ea typeface="+mn-ea"/>
+                <a:cs typeface="+mn-cs"/>
+              </a:rPr>
+              <a:t> = </a:t>
+            </a:r>
+            <a:r>
+              <a:rPr lang="en-US" altLang="zh-CN" sz="1200" kern="1200" dirty="0" err="1" smtClean="0">
+                <a:solidFill>
+                  <a:schemeClr val="tx1"/>
+                </a:solidFill>
+                <a:latin typeface="+mn-lt"/>
+                <a:ea typeface="+mn-ea"/>
+                <a:cs typeface="+mn-cs"/>
+              </a:rPr>
+              <a:t>containerURL.URLByAppendingPathComponent</a:t>
+            </a:r>
+            <a:r>
+              <a:rPr lang="en-US" altLang="zh-CN" sz="1200" kern="1200" dirty="0" smtClean="0">
+                <a:solidFill>
+                  <a:schemeClr val="tx1"/>
+                </a:solidFill>
+                <a:latin typeface="+mn-lt"/>
+                <a:ea typeface="+mn-ea"/>
+                <a:cs typeface="+mn-cs"/>
+              </a:rPr>
+              <a:t>("Library/caches/CE2")</a:t>
+            </a:r>
+          </a:p>
+          <a:p>
+            <a:r>
+              <a:rPr lang="en-US" altLang="zh-CN" sz="1200" kern="1200" dirty="0" smtClean="0">
+                <a:solidFill>
+                  <a:schemeClr val="tx1"/>
+                </a:solidFill>
+                <a:latin typeface="+mn-lt"/>
+                <a:ea typeface="+mn-ea"/>
+                <a:cs typeface="+mn-cs"/>
+              </a:rPr>
+              <a:t>        </a:t>
+            </a:r>
+            <a:r>
+              <a:rPr lang="en-US" altLang="zh-CN" sz="1200" kern="1200" dirty="0" err="1" smtClean="0">
+                <a:solidFill>
+                  <a:schemeClr val="tx1"/>
+                </a:solidFill>
+                <a:latin typeface="+mn-lt"/>
+                <a:ea typeface="+mn-ea"/>
+                <a:cs typeface="+mn-cs"/>
+              </a:rPr>
+              <a:t>var</a:t>
+            </a:r>
+            <a:r>
+              <a:rPr lang="en-US" altLang="zh-CN" sz="1200" kern="1200" dirty="0" smtClean="0">
+                <a:solidFill>
+                  <a:schemeClr val="tx1"/>
+                </a:solidFill>
+                <a:latin typeface="+mn-lt"/>
+                <a:ea typeface="+mn-ea"/>
+                <a:cs typeface="+mn-cs"/>
+              </a:rPr>
+              <a:t> </a:t>
+            </a:r>
+            <a:r>
+              <a:rPr lang="en-US" altLang="zh-CN" sz="1200" kern="1200" dirty="0" err="1" smtClean="0">
+                <a:solidFill>
+                  <a:schemeClr val="tx1"/>
+                </a:solidFill>
+                <a:latin typeface="+mn-lt"/>
+                <a:ea typeface="+mn-ea"/>
+                <a:cs typeface="+mn-cs"/>
+              </a:rPr>
+              <a:t>emolist:NSString</a:t>
+            </a:r>
+            <a:r>
+              <a:rPr lang="en-US" altLang="zh-CN" sz="1200" kern="1200" dirty="0" smtClean="0">
+                <a:solidFill>
+                  <a:schemeClr val="tx1"/>
+                </a:solidFill>
+                <a:latin typeface="+mn-lt"/>
+                <a:ea typeface="+mn-ea"/>
+                <a:cs typeface="+mn-cs"/>
+              </a:rPr>
+              <a:t>? = </a:t>
+            </a:r>
+            <a:r>
+              <a:rPr lang="en-US" altLang="zh-CN" sz="1200" kern="1200" dirty="0" err="1" smtClean="0">
+                <a:solidFill>
+                  <a:schemeClr val="tx1"/>
+                </a:solidFill>
+                <a:latin typeface="+mn-lt"/>
+                <a:ea typeface="+mn-ea"/>
+                <a:cs typeface="+mn-cs"/>
+              </a:rPr>
+              <a:t>NSString</a:t>
+            </a:r>
+            <a:r>
+              <a:rPr lang="en-US" altLang="zh-CN" sz="1200" kern="1200" dirty="0" smtClean="0">
+                <a:solidFill>
+                  <a:schemeClr val="tx1"/>
+                </a:solidFill>
+                <a:latin typeface="+mn-lt"/>
+                <a:ea typeface="+mn-ea"/>
+                <a:cs typeface="+mn-cs"/>
+              </a:rPr>
+              <a:t>(</a:t>
+            </a:r>
+            <a:r>
+              <a:rPr lang="en-US" altLang="zh-CN" sz="1200" kern="1200" dirty="0" err="1" smtClean="0">
+                <a:solidFill>
+                  <a:schemeClr val="tx1"/>
+                </a:solidFill>
+                <a:latin typeface="+mn-lt"/>
+                <a:ea typeface="+mn-ea"/>
+                <a:cs typeface="+mn-cs"/>
+              </a:rPr>
+              <a:t>contentsOfURL</a:t>
+            </a:r>
+            <a:r>
+              <a:rPr lang="en-US" altLang="zh-CN" sz="1200" kern="1200" dirty="0" smtClean="0">
+                <a:solidFill>
+                  <a:schemeClr val="tx1"/>
+                </a:solidFill>
+                <a:latin typeface="+mn-lt"/>
+                <a:ea typeface="+mn-ea"/>
+                <a:cs typeface="+mn-cs"/>
+              </a:rPr>
+              <a:t>: </a:t>
+            </a:r>
+            <a:r>
+              <a:rPr lang="en-US" altLang="zh-CN" sz="1200" kern="1200" dirty="0" err="1" smtClean="0">
+                <a:solidFill>
+                  <a:schemeClr val="tx1"/>
+                </a:solidFill>
+                <a:latin typeface="+mn-lt"/>
+                <a:ea typeface="+mn-ea"/>
+                <a:cs typeface="+mn-cs"/>
+              </a:rPr>
+              <a:t>containerURL</a:t>
+            </a:r>
+            <a:r>
+              <a:rPr lang="en-US" altLang="zh-CN" sz="1200" kern="1200" dirty="0" smtClean="0">
+                <a:solidFill>
+                  <a:schemeClr val="tx1"/>
+                </a:solidFill>
+                <a:latin typeface="+mn-lt"/>
+                <a:ea typeface="+mn-ea"/>
+                <a:cs typeface="+mn-cs"/>
+              </a:rPr>
+              <a:t>, encoding: NSUTF8StringEncoding, error: nil)</a:t>
+            </a:r>
+          </a:p>
+          <a:p>
+            <a:r>
+              <a:rPr lang="en-US" altLang="zh-CN" sz="1200" kern="1200" dirty="0" smtClean="0">
+                <a:solidFill>
+                  <a:schemeClr val="tx1"/>
+                </a:solidFill>
+                <a:latin typeface="+mn-lt"/>
+                <a:ea typeface="+mn-ea"/>
+                <a:cs typeface="+mn-cs"/>
+              </a:rPr>
+              <a:t>        if(</a:t>
+            </a:r>
+            <a:r>
+              <a:rPr lang="en-US" altLang="zh-CN" sz="1200" kern="1200" dirty="0" err="1" smtClean="0">
+                <a:solidFill>
+                  <a:schemeClr val="tx1"/>
+                </a:solidFill>
+                <a:latin typeface="+mn-lt"/>
+                <a:ea typeface="+mn-ea"/>
+                <a:cs typeface="+mn-cs"/>
+              </a:rPr>
+              <a:t>emolist</a:t>
+            </a:r>
+            <a:r>
+              <a:rPr lang="en-US" altLang="zh-CN" sz="1200" kern="1200" dirty="0" smtClean="0">
+                <a:solidFill>
+                  <a:schemeClr val="tx1"/>
+                </a:solidFill>
+                <a:latin typeface="+mn-lt"/>
+                <a:ea typeface="+mn-ea"/>
+                <a:cs typeface="+mn-cs"/>
+              </a:rPr>
+              <a:t> != nil &amp;&amp; </a:t>
+            </a:r>
+            <a:r>
+              <a:rPr lang="en-US" altLang="zh-CN" sz="1200" kern="1200" dirty="0" err="1" smtClean="0">
+                <a:solidFill>
+                  <a:schemeClr val="tx1"/>
+                </a:solidFill>
+                <a:latin typeface="+mn-lt"/>
+                <a:ea typeface="+mn-ea"/>
+                <a:cs typeface="+mn-cs"/>
+              </a:rPr>
+              <a:t>emolist</a:t>
+            </a:r>
+            <a:r>
+              <a:rPr lang="en-US" altLang="zh-CN" sz="1200" kern="1200" dirty="0" smtClean="0">
+                <a:solidFill>
+                  <a:schemeClr val="tx1"/>
+                </a:solidFill>
+                <a:latin typeface="+mn-lt"/>
+                <a:ea typeface="+mn-ea"/>
+                <a:cs typeface="+mn-cs"/>
+              </a:rPr>
+              <a:t> != "[[],[],[]]" &amp;&amp; </a:t>
+            </a:r>
+            <a:r>
+              <a:rPr lang="en-US" altLang="zh-CN" sz="1200" kern="1200" dirty="0" err="1" smtClean="0">
+                <a:solidFill>
+                  <a:schemeClr val="tx1"/>
+                </a:solidFill>
+                <a:latin typeface="+mn-lt"/>
+                <a:ea typeface="+mn-ea"/>
+                <a:cs typeface="+mn-cs"/>
+              </a:rPr>
+              <a:t>emolist</a:t>
+            </a:r>
+            <a:r>
+              <a:rPr lang="en-US" altLang="zh-CN" sz="1200" kern="1200" dirty="0" smtClean="0">
+                <a:solidFill>
+                  <a:schemeClr val="tx1"/>
+                </a:solidFill>
+                <a:latin typeface="+mn-lt"/>
+                <a:ea typeface="+mn-ea"/>
+                <a:cs typeface="+mn-cs"/>
+              </a:rPr>
+              <a:t> != "") {</a:t>
+            </a:r>
+          </a:p>
+          <a:p>
+            <a:r>
+              <a:rPr lang="en-US" altLang="zh-CN" sz="1200" kern="1200" dirty="0" smtClean="0">
+                <a:solidFill>
+                  <a:schemeClr val="tx1"/>
+                </a:solidFill>
+                <a:latin typeface="+mn-lt"/>
+                <a:ea typeface="+mn-ea"/>
+                <a:cs typeface="+mn-cs"/>
+              </a:rPr>
+              <a:t>            let </a:t>
+            </a:r>
+            <a:r>
+              <a:rPr lang="zh-CN" altLang="en-US" sz="1200" kern="1200" dirty="0" smtClean="0">
+                <a:solidFill>
+                  <a:schemeClr val="tx1"/>
+                </a:solidFill>
+                <a:latin typeface="+mn-lt"/>
+                <a:ea typeface="+mn-ea"/>
+                <a:cs typeface="+mn-cs"/>
+              </a:rPr>
+              <a:t>文件中的数据</a:t>
+            </a:r>
+            <a:r>
+              <a:rPr lang="en-US" altLang="zh-CN" sz="1200" kern="1200" dirty="0" smtClean="0">
+                <a:solidFill>
+                  <a:schemeClr val="tx1"/>
+                </a:solidFill>
+                <a:latin typeface="+mn-lt"/>
+                <a:ea typeface="+mn-ea"/>
+                <a:cs typeface="+mn-cs"/>
+              </a:rPr>
+              <a:t>:</a:t>
+            </a:r>
+            <a:r>
+              <a:rPr lang="en-US" altLang="zh-CN" sz="1200" kern="1200" dirty="0" err="1" smtClean="0">
+                <a:solidFill>
+                  <a:schemeClr val="tx1"/>
+                </a:solidFill>
+                <a:latin typeface="+mn-lt"/>
+                <a:ea typeface="+mn-ea"/>
+                <a:cs typeface="+mn-cs"/>
+              </a:rPr>
+              <a:t>NSArray</a:t>
+            </a:r>
+            <a:r>
+              <a:rPr lang="en-US" altLang="zh-CN" sz="1200" kern="1200" dirty="0" smtClean="0">
+                <a:solidFill>
+                  <a:schemeClr val="tx1"/>
+                </a:solidFill>
+                <a:latin typeface="+mn-lt"/>
+                <a:ea typeface="+mn-ea"/>
+                <a:cs typeface="+mn-cs"/>
+              </a:rPr>
+              <a:t> = </a:t>
+            </a:r>
+            <a:r>
+              <a:rPr lang="en-US" altLang="zh-CN" sz="1200" kern="1200" dirty="0" err="1" smtClean="0">
+                <a:solidFill>
+                  <a:schemeClr val="tx1"/>
+                </a:solidFill>
+                <a:latin typeface="+mn-lt"/>
+                <a:ea typeface="+mn-ea"/>
+                <a:cs typeface="+mn-cs"/>
+              </a:rPr>
+              <a:t>ArrayString</a:t>
+            </a:r>
+            <a:r>
+              <a:rPr lang="en-US" altLang="zh-CN" sz="1200" kern="1200" dirty="0" smtClean="0">
+                <a:solidFill>
+                  <a:schemeClr val="tx1"/>
+                </a:solidFill>
+                <a:latin typeface="+mn-lt"/>
+                <a:ea typeface="+mn-ea"/>
+                <a:cs typeface="+mn-cs"/>
+              </a:rPr>
+              <a:t>().json2array(</a:t>
+            </a:r>
+            <a:r>
+              <a:rPr lang="en-US" altLang="zh-CN" sz="1200" kern="1200" dirty="0" err="1" smtClean="0">
+                <a:solidFill>
+                  <a:schemeClr val="tx1"/>
+                </a:solidFill>
+                <a:latin typeface="+mn-lt"/>
+                <a:ea typeface="+mn-ea"/>
+                <a:cs typeface="+mn-cs"/>
+              </a:rPr>
+              <a:t>emolist</a:t>
+            </a:r>
+            <a:r>
+              <a:rPr lang="en-US" altLang="zh-CN" sz="1200" kern="1200" dirty="0" smtClean="0">
+                <a:solidFill>
+                  <a:schemeClr val="tx1"/>
+                </a:solidFill>
+                <a:latin typeface="+mn-lt"/>
+                <a:ea typeface="+mn-ea"/>
+                <a:cs typeface="+mn-cs"/>
+              </a:rPr>
+              <a:t>!) as </a:t>
+            </a:r>
+            <a:r>
+              <a:rPr lang="en-US" altLang="zh-CN" sz="1200" kern="1200" dirty="0" err="1" smtClean="0">
+                <a:solidFill>
+                  <a:schemeClr val="tx1"/>
+                </a:solidFill>
+                <a:latin typeface="+mn-lt"/>
+                <a:ea typeface="+mn-ea"/>
+                <a:cs typeface="+mn-cs"/>
+              </a:rPr>
+              <a:t>NSArray</a:t>
+            </a:r>
+            <a:endParaRPr lang="en-US" altLang="zh-CN" sz="1200" kern="1200" dirty="0" smtClean="0">
+              <a:solidFill>
+                <a:schemeClr val="tx1"/>
+              </a:solidFill>
+              <a:latin typeface="+mn-lt"/>
+              <a:ea typeface="+mn-ea"/>
+              <a:cs typeface="+mn-cs"/>
+            </a:endParaRPr>
+          </a:p>
+          <a:p>
+            <a:r>
+              <a:rPr lang="en-US" altLang="zh-CN" sz="1200" kern="1200" dirty="0" smtClean="0">
+                <a:solidFill>
+                  <a:schemeClr val="tx1"/>
+                </a:solidFill>
+                <a:latin typeface="+mn-lt"/>
+                <a:ea typeface="+mn-ea"/>
+                <a:cs typeface="+mn-cs"/>
+              </a:rPr>
+              <a:t>            </a:t>
+            </a:r>
+            <a:r>
+              <a:rPr lang="en-US" altLang="zh-CN" sz="1200" kern="1200" dirty="0" err="1" smtClean="0">
+                <a:solidFill>
+                  <a:schemeClr val="tx1"/>
+                </a:solidFill>
+                <a:latin typeface="+mn-lt"/>
+                <a:ea typeface="+mn-ea"/>
+                <a:cs typeface="+mn-cs"/>
+              </a:rPr>
+              <a:t>var</a:t>
+            </a:r>
+            <a:r>
+              <a:rPr lang="en-US" altLang="zh-CN" sz="1200" kern="1200" dirty="0" smtClean="0">
+                <a:solidFill>
+                  <a:schemeClr val="tx1"/>
+                </a:solidFill>
+                <a:latin typeface="+mn-lt"/>
+                <a:ea typeface="+mn-ea"/>
+                <a:cs typeface="+mn-cs"/>
+              </a:rPr>
+              <a:t> </a:t>
+            </a:r>
+            <a:r>
+              <a:rPr lang="zh-CN" altLang="en-US" sz="1200" kern="1200" dirty="0" smtClean="0">
+                <a:solidFill>
+                  <a:schemeClr val="tx1"/>
+                </a:solidFill>
+                <a:latin typeface="+mn-lt"/>
+                <a:ea typeface="+mn-ea"/>
+                <a:cs typeface="+mn-cs"/>
+              </a:rPr>
+              <a:t>自定义数据</a:t>
+            </a:r>
+            <a:r>
+              <a:rPr lang="en-US" altLang="zh-CN" sz="1200" kern="1200" dirty="0" smtClean="0">
+                <a:solidFill>
+                  <a:schemeClr val="tx1"/>
+                </a:solidFill>
+                <a:latin typeface="+mn-lt"/>
+                <a:ea typeface="+mn-ea"/>
+                <a:cs typeface="+mn-cs"/>
+              </a:rPr>
+              <a:t>:</a:t>
+            </a:r>
+            <a:r>
+              <a:rPr lang="en-US" altLang="zh-CN" sz="1200" kern="1200" dirty="0" err="1" smtClean="0">
+                <a:solidFill>
+                  <a:schemeClr val="tx1"/>
+                </a:solidFill>
+                <a:latin typeface="+mn-lt"/>
+                <a:ea typeface="+mn-ea"/>
+                <a:cs typeface="+mn-cs"/>
+              </a:rPr>
+              <a:t>NSMutableArray</a:t>
+            </a:r>
+            <a:r>
+              <a:rPr lang="en-US" altLang="zh-CN" sz="1200" kern="1200" dirty="0" smtClean="0">
+                <a:solidFill>
+                  <a:schemeClr val="tx1"/>
+                </a:solidFill>
+                <a:latin typeface="+mn-lt"/>
+                <a:ea typeface="+mn-ea"/>
+                <a:cs typeface="+mn-cs"/>
+              </a:rPr>
+              <a:t> = </a:t>
+            </a:r>
+            <a:r>
+              <a:rPr lang="en-US" altLang="zh-CN" sz="1200" kern="1200" dirty="0" err="1" smtClean="0">
+                <a:solidFill>
+                  <a:schemeClr val="tx1"/>
+                </a:solidFill>
+                <a:latin typeface="+mn-lt"/>
+                <a:ea typeface="+mn-ea"/>
+                <a:cs typeface="+mn-cs"/>
+              </a:rPr>
+              <a:t>NSMutableArray.alloc</a:t>
+            </a:r>
+            <a:r>
+              <a:rPr lang="en-US" altLang="zh-CN" sz="1200" kern="1200" dirty="0" smtClean="0">
+                <a:solidFill>
+                  <a:schemeClr val="tx1"/>
+                </a:solidFill>
+                <a:latin typeface="+mn-lt"/>
+                <a:ea typeface="+mn-ea"/>
+                <a:cs typeface="+mn-cs"/>
+              </a:rPr>
+              <a:t>()</a:t>
+            </a:r>
+          </a:p>
+          <a:p>
+            <a:r>
+              <a:rPr lang="en-US" altLang="zh-CN" sz="1200" kern="1200" dirty="0" smtClean="0">
+                <a:solidFill>
+                  <a:schemeClr val="tx1"/>
+                </a:solidFill>
+                <a:latin typeface="+mn-lt"/>
+                <a:ea typeface="+mn-ea"/>
+                <a:cs typeface="+mn-cs"/>
+              </a:rPr>
+              <a:t>            </a:t>
+            </a:r>
+            <a:r>
+              <a:rPr lang="zh-CN" altLang="en-US" sz="1200" kern="1200" dirty="0" smtClean="0">
+                <a:solidFill>
+                  <a:schemeClr val="tx1"/>
+                </a:solidFill>
+                <a:latin typeface="+mn-lt"/>
+                <a:ea typeface="+mn-ea"/>
+                <a:cs typeface="+mn-cs"/>
+              </a:rPr>
+              <a:t>自定义数据</a:t>
+            </a:r>
+            <a:r>
+              <a:rPr lang="en-US" altLang="zh-CN" sz="1200" kern="1200" dirty="0" smtClean="0">
+                <a:solidFill>
+                  <a:schemeClr val="tx1"/>
+                </a:solidFill>
+                <a:latin typeface="+mn-lt"/>
+                <a:ea typeface="+mn-ea"/>
+                <a:cs typeface="+mn-cs"/>
+              </a:rPr>
+              <a:t>.</a:t>
+            </a:r>
+            <a:r>
+              <a:rPr lang="en-US" altLang="zh-CN" sz="1200" kern="1200" dirty="0" err="1" smtClean="0">
+                <a:solidFill>
+                  <a:schemeClr val="tx1"/>
+                </a:solidFill>
+                <a:latin typeface="+mn-lt"/>
+                <a:ea typeface="+mn-ea"/>
+                <a:cs typeface="+mn-cs"/>
+              </a:rPr>
+              <a:t>addObject</a:t>
+            </a:r>
+            <a:r>
+              <a:rPr lang="en-US" altLang="zh-CN" sz="1200" kern="1200" dirty="0" smtClean="0">
+                <a:solidFill>
+                  <a:schemeClr val="tx1"/>
+                </a:solidFill>
+                <a:latin typeface="+mn-lt"/>
+                <a:ea typeface="+mn-ea"/>
+                <a:cs typeface="+mn-cs"/>
+              </a:rPr>
+              <a:t>(</a:t>
+            </a:r>
+            <a:r>
+              <a:rPr lang="zh-CN" altLang="en-US" sz="1200" kern="1200" dirty="0" smtClean="0">
+                <a:solidFill>
+                  <a:schemeClr val="tx1"/>
+                </a:solidFill>
+                <a:latin typeface="+mn-lt"/>
+                <a:ea typeface="+mn-ea"/>
+                <a:cs typeface="+mn-cs"/>
+              </a:rPr>
+              <a:t>文件中的数据</a:t>
+            </a:r>
+            <a:r>
+              <a:rPr lang="en-US" altLang="zh-CN" sz="1200" kern="1200" dirty="0" smtClean="0">
+                <a:solidFill>
+                  <a:schemeClr val="tx1"/>
+                </a:solidFill>
+                <a:latin typeface="+mn-lt"/>
+                <a:ea typeface="+mn-ea"/>
+                <a:cs typeface="+mn-cs"/>
+              </a:rPr>
+              <a:t>.</a:t>
+            </a:r>
+            <a:r>
+              <a:rPr lang="en-US" altLang="zh-CN" sz="1200" kern="1200" dirty="0" err="1" smtClean="0">
+                <a:solidFill>
+                  <a:schemeClr val="tx1"/>
+                </a:solidFill>
+                <a:latin typeface="+mn-lt"/>
+                <a:ea typeface="+mn-ea"/>
+                <a:cs typeface="+mn-cs"/>
+              </a:rPr>
+              <a:t>objectAtIndex</a:t>
+            </a:r>
+            <a:r>
+              <a:rPr lang="en-US" altLang="zh-CN" sz="1200" kern="1200" dirty="0" smtClean="0">
+                <a:solidFill>
+                  <a:schemeClr val="tx1"/>
+                </a:solidFill>
+                <a:latin typeface="+mn-lt"/>
+                <a:ea typeface="+mn-ea"/>
+                <a:cs typeface="+mn-cs"/>
+              </a:rPr>
+              <a:t>(1))</a:t>
+            </a:r>
+          </a:p>
+          <a:p>
+            <a:r>
+              <a:rPr lang="zh-TW" altLang="en-US" sz="1200" kern="1200" dirty="0" smtClean="0">
+                <a:solidFill>
+                  <a:schemeClr val="tx1"/>
+                </a:solidFill>
+                <a:latin typeface="+mn-lt"/>
+                <a:ea typeface="+mn-ea"/>
+                <a:cs typeface="+mn-cs"/>
+              </a:rPr>
+              <a:t>            自定义数据</a:t>
+            </a:r>
+            <a:r>
+              <a:rPr lang="en-US" altLang="zh-TW" sz="1200" kern="1200" dirty="0" smtClean="0">
+                <a:solidFill>
+                  <a:schemeClr val="tx1"/>
+                </a:solidFill>
+                <a:latin typeface="+mn-lt"/>
+                <a:ea typeface="+mn-ea"/>
+                <a:cs typeface="+mn-cs"/>
+              </a:rPr>
+              <a:t>.</a:t>
+            </a:r>
+            <a:r>
+              <a:rPr lang="en-US" altLang="zh-TW" sz="1200" kern="1200" dirty="0" err="1" smtClean="0">
+                <a:solidFill>
+                  <a:schemeClr val="tx1"/>
+                </a:solidFill>
+                <a:latin typeface="+mn-lt"/>
+                <a:ea typeface="+mn-ea"/>
+                <a:cs typeface="+mn-cs"/>
+              </a:rPr>
+              <a:t>addObject</a:t>
+            </a:r>
+            <a:r>
+              <a:rPr lang="en-US" altLang="zh-TW" sz="1200" kern="1200" dirty="0" smtClean="0">
+                <a:solidFill>
+                  <a:schemeClr val="tx1"/>
+                </a:solidFill>
+                <a:latin typeface="+mn-lt"/>
+                <a:ea typeface="+mn-ea"/>
+                <a:cs typeface="+mn-cs"/>
+              </a:rPr>
+              <a:t>([</a:t>
+            </a:r>
+            <a:r>
+              <a:rPr lang="en-US" altLang="zh-TW" sz="1200" kern="1200" dirty="0" err="1" smtClean="0">
+                <a:solidFill>
+                  <a:schemeClr val="tx1"/>
+                </a:solidFill>
+                <a:latin typeface="+mn-lt"/>
+                <a:ea typeface="+mn-ea"/>
+                <a:cs typeface="+mn-cs"/>
+              </a:rPr>
+              <a:t>emoText.text</a:t>
+            </a:r>
+            <a:r>
+              <a:rPr lang="en-US" altLang="zh-TW" sz="1200" kern="1200" dirty="0" smtClean="0">
+                <a:solidFill>
+                  <a:schemeClr val="tx1"/>
+                </a:solidFill>
+                <a:latin typeface="+mn-lt"/>
+                <a:ea typeface="+mn-ea"/>
+                <a:cs typeface="+mn-cs"/>
+              </a:rPr>
+              <a:t>!,""])</a:t>
+            </a:r>
+          </a:p>
+          <a:p>
+            <a:r>
+              <a:rPr lang="en-US" altLang="zh-CN" sz="1200" kern="1200" dirty="0" smtClean="0">
+                <a:solidFill>
+                  <a:schemeClr val="tx1"/>
+                </a:solidFill>
+                <a:latin typeface="+mn-lt"/>
+                <a:ea typeface="+mn-ea"/>
+                <a:cs typeface="+mn-cs"/>
+              </a:rPr>
+              <a:t>            </a:t>
+            </a:r>
+            <a:r>
+              <a:rPr lang="en-US" altLang="zh-CN" sz="1200" kern="1200" dirty="0" err="1" smtClean="0">
+                <a:solidFill>
+                  <a:schemeClr val="tx1"/>
+                </a:solidFill>
+                <a:latin typeface="+mn-lt"/>
+                <a:ea typeface="+mn-ea"/>
+                <a:cs typeface="+mn-cs"/>
+              </a:rPr>
+              <a:t>var</a:t>
+            </a:r>
+            <a:r>
+              <a:rPr lang="en-US" altLang="zh-CN" sz="1200" kern="1200" dirty="0" smtClean="0">
+                <a:solidFill>
+                  <a:schemeClr val="tx1"/>
+                </a:solidFill>
+                <a:latin typeface="+mn-lt"/>
+                <a:ea typeface="+mn-ea"/>
+                <a:cs typeface="+mn-cs"/>
+              </a:rPr>
+              <a:t> </a:t>
+            </a:r>
+            <a:r>
+              <a:rPr lang="zh-CN" altLang="en-US" sz="1200" kern="1200" dirty="0" smtClean="0">
+                <a:solidFill>
+                  <a:schemeClr val="tx1"/>
+                </a:solidFill>
+                <a:latin typeface="+mn-lt"/>
+                <a:ea typeface="+mn-ea"/>
+                <a:cs typeface="+mn-cs"/>
+              </a:rPr>
+              <a:t>数据</a:t>
+            </a:r>
+            <a:r>
+              <a:rPr lang="en-US" altLang="zh-CN" sz="1200" kern="1200" dirty="0" smtClean="0">
+                <a:solidFill>
+                  <a:schemeClr val="tx1"/>
+                </a:solidFill>
+                <a:latin typeface="+mn-lt"/>
+                <a:ea typeface="+mn-ea"/>
+                <a:cs typeface="+mn-cs"/>
+              </a:rPr>
+              <a:t>:</a:t>
+            </a:r>
+            <a:r>
+              <a:rPr lang="en-US" altLang="zh-CN" sz="1200" kern="1200" dirty="0" err="1" smtClean="0">
+                <a:solidFill>
+                  <a:schemeClr val="tx1"/>
+                </a:solidFill>
+                <a:latin typeface="+mn-lt"/>
+                <a:ea typeface="+mn-ea"/>
+                <a:cs typeface="+mn-cs"/>
+              </a:rPr>
+              <a:t>NSArray</a:t>
+            </a:r>
+            <a:r>
+              <a:rPr lang="en-US" altLang="zh-CN" sz="1200" kern="1200" dirty="0" smtClean="0">
+                <a:solidFill>
+                  <a:schemeClr val="tx1"/>
+                </a:solidFill>
+                <a:latin typeface="+mn-lt"/>
+                <a:ea typeface="+mn-ea"/>
+                <a:cs typeface="+mn-cs"/>
+              </a:rPr>
+              <a:t> = [</a:t>
+            </a:r>
+            <a:r>
+              <a:rPr lang="zh-CN" altLang="en-US" sz="1200" kern="1200" dirty="0" smtClean="0">
+                <a:solidFill>
+                  <a:schemeClr val="tx1"/>
+                </a:solidFill>
+                <a:latin typeface="+mn-lt"/>
+                <a:ea typeface="+mn-ea"/>
+                <a:cs typeface="+mn-cs"/>
+              </a:rPr>
+              <a:t>文件中的数据</a:t>
+            </a:r>
+            <a:r>
+              <a:rPr lang="en-US" altLang="zh-CN" sz="1200" kern="1200" dirty="0" smtClean="0">
+                <a:solidFill>
+                  <a:schemeClr val="tx1"/>
+                </a:solidFill>
+                <a:latin typeface="+mn-lt"/>
+                <a:ea typeface="+mn-ea"/>
+                <a:cs typeface="+mn-cs"/>
+              </a:rPr>
+              <a:t>.</a:t>
+            </a:r>
+            <a:r>
+              <a:rPr lang="en-US" altLang="zh-CN" sz="1200" kern="1200" dirty="0" err="1" smtClean="0">
+                <a:solidFill>
+                  <a:schemeClr val="tx1"/>
+                </a:solidFill>
+                <a:latin typeface="+mn-lt"/>
+                <a:ea typeface="+mn-ea"/>
+                <a:cs typeface="+mn-cs"/>
+              </a:rPr>
+              <a:t>objectAtIndex</a:t>
+            </a:r>
+            <a:r>
+              <a:rPr lang="en-US" altLang="zh-CN" sz="1200" kern="1200" dirty="0" smtClean="0">
+                <a:solidFill>
+                  <a:schemeClr val="tx1"/>
+                </a:solidFill>
+                <a:latin typeface="+mn-lt"/>
+                <a:ea typeface="+mn-ea"/>
+                <a:cs typeface="+mn-cs"/>
+              </a:rPr>
+              <a:t>(0),</a:t>
+            </a:r>
+            <a:r>
+              <a:rPr lang="zh-CN" altLang="en-US" sz="1200" kern="1200" dirty="0" smtClean="0">
+                <a:solidFill>
+                  <a:schemeClr val="tx1"/>
+                </a:solidFill>
+                <a:latin typeface="+mn-lt"/>
+                <a:ea typeface="+mn-ea"/>
+                <a:cs typeface="+mn-cs"/>
+              </a:rPr>
+              <a:t>自定义数据</a:t>
+            </a:r>
+            <a:r>
+              <a:rPr lang="en-US" altLang="zh-CN" sz="1200" kern="1200" dirty="0" smtClean="0">
+                <a:solidFill>
+                  <a:schemeClr val="tx1"/>
+                </a:solidFill>
+                <a:latin typeface="+mn-lt"/>
+                <a:ea typeface="+mn-ea"/>
+                <a:cs typeface="+mn-cs"/>
+              </a:rPr>
+              <a:t>,</a:t>
+            </a:r>
+            <a:r>
+              <a:rPr lang="zh-CN" altLang="en-US" sz="1200" kern="1200" dirty="0" smtClean="0">
+                <a:solidFill>
+                  <a:schemeClr val="tx1"/>
+                </a:solidFill>
+                <a:latin typeface="+mn-lt"/>
+                <a:ea typeface="+mn-ea"/>
+                <a:cs typeface="+mn-cs"/>
+              </a:rPr>
+              <a:t>文件中的数据</a:t>
+            </a:r>
+            <a:r>
+              <a:rPr lang="en-US" altLang="zh-CN" sz="1200" kern="1200" dirty="0" smtClean="0">
+                <a:solidFill>
+                  <a:schemeClr val="tx1"/>
+                </a:solidFill>
+                <a:latin typeface="+mn-lt"/>
+                <a:ea typeface="+mn-ea"/>
+                <a:cs typeface="+mn-cs"/>
+              </a:rPr>
+              <a:t>.</a:t>
+            </a:r>
+            <a:r>
+              <a:rPr lang="en-US" altLang="zh-CN" sz="1200" kern="1200" dirty="0" err="1" smtClean="0">
+                <a:solidFill>
+                  <a:schemeClr val="tx1"/>
+                </a:solidFill>
+                <a:latin typeface="+mn-lt"/>
+                <a:ea typeface="+mn-ea"/>
+                <a:cs typeface="+mn-cs"/>
+              </a:rPr>
+              <a:t>objectAtIndex</a:t>
+            </a:r>
+            <a:r>
+              <a:rPr lang="en-US" altLang="zh-CN" sz="1200" kern="1200" dirty="0" smtClean="0">
+                <a:solidFill>
+                  <a:schemeClr val="tx1"/>
+                </a:solidFill>
+                <a:latin typeface="+mn-lt"/>
+                <a:ea typeface="+mn-ea"/>
+                <a:cs typeface="+mn-cs"/>
+              </a:rPr>
+              <a:t>(2)]</a:t>
+            </a:r>
+          </a:p>
+          <a:p>
+            <a:r>
+              <a:rPr lang="en-US" altLang="zh-CN" sz="1200" kern="1200" dirty="0" smtClean="0">
+                <a:solidFill>
+                  <a:schemeClr val="tx1"/>
+                </a:solidFill>
+                <a:latin typeface="+mn-lt"/>
+                <a:ea typeface="+mn-ea"/>
+                <a:cs typeface="+mn-cs"/>
+              </a:rPr>
+              <a:t>            value = </a:t>
+            </a:r>
+            <a:r>
+              <a:rPr lang="en-US" altLang="zh-CN" sz="1200" kern="1200" dirty="0" err="1" smtClean="0">
+                <a:solidFill>
+                  <a:schemeClr val="tx1"/>
+                </a:solidFill>
+                <a:latin typeface="+mn-lt"/>
+                <a:ea typeface="+mn-ea"/>
+                <a:cs typeface="+mn-cs"/>
+              </a:rPr>
+              <a:t>ArrayString</a:t>
+            </a:r>
+            <a:r>
+              <a:rPr lang="en-US" altLang="zh-CN" sz="1200" kern="1200" dirty="0" smtClean="0">
+                <a:solidFill>
+                  <a:schemeClr val="tx1"/>
+                </a:solidFill>
+                <a:latin typeface="+mn-lt"/>
+                <a:ea typeface="+mn-ea"/>
+                <a:cs typeface="+mn-cs"/>
+              </a:rPr>
+              <a:t>().array2json(</a:t>
+            </a:r>
+            <a:r>
+              <a:rPr lang="zh-CN" altLang="en-US" sz="1200" kern="1200" dirty="0" smtClean="0">
+                <a:solidFill>
+                  <a:schemeClr val="tx1"/>
+                </a:solidFill>
+                <a:latin typeface="+mn-lt"/>
+                <a:ea typeface="+mn-ea"/>
+                <a:cs typeface="+mn-cs"/>
+              </a:rPr>
+              <a:t>数据</a:t>
+            </a:r>
+            <a:r>
+              <a:rPr lang="en-US" altLang="zh-CN" sz="1200" kern="1200" dirty="0" smtClean="0">
+                <a:solidFill>
+                  <a:schemeClr val="tx1"/>
+                </a:solidFill>
+                <a:latin typeface="+mn-lt"/>
+                <a:ea typeface="+mn-ea"/>
+                <a:cs typeface="+mn-cs"/>
+              </a:rPr>
+              <a:t>)</a:t>
+            </a:r>
+          </a:p>
+          <a:p>
+            <a:r>
+              <a:rPr lang="en-US" altLang="zh-CN" sz="1200" kern="1200" dirty="0" smtClean="0">
+                <a:solidFill>
+                  <a:schemeClr val="tx1"/>
+                </a:solidFill>
+                <a:latin typeface="+mn-lt"/>
+                <a:ea typeface="+mn-ea"/>
+                <a:cs typeface="+mn-cs"/>
+              </a:rPr>
+              <a:t>            </a:t>
+            </a:r>
+            <a:r>
+              <a:rPr lang="en-US" altLang="zh-CN" sz="1200" kern="1200" dirty="0" err="1" smtClean="0">
+                <a:solidFill>
+                  <a:schemeClr val="tx1"/>
+                </a:solidFill>
+                <a:latin typeface="+mn-lt"/>
+                <a:ea typeface="+mn-ea"/>
+                <a:cs typeface="+mn-cs"/>
+              </a:rPr>
+              <a:t>value.writeToURL</a:t>
+            </a:r>
+            <a:r>
+              <a:rPr lang="en-US" altLang="zh-CN" sz="1200" kern="1200" dirty="0" smtClean="0">
+                <a:solidFill>
+                  <a:schemeClr val="tx1"/>
+                </a:solidFill>
+                <a:latin typeface="+mn-lt"/>
+                <a:ea typeface="+mn-ea"/>
+                <a:cs typeface="+mn-cs"/>
+              </a:rPr>
+              <a:t>(</a:t>
+            </a:r>
+            <a:r>
+              <a:rPr lang="en-US" altLang="zh-CN" sz="1200" kern="1200" dirty="0" err="1" smtClean="0">
+                <a:solidFill>
+                  <a:schemeClr val="tx1"/>
+                </a:solidFill>
+                <a:latin typeface="+mn-lt"/>
+                <a:ea typeface="+mn-ea"/>
+                <a:cs typeface="+mn-cs"/>
+              </a:rPr>
+              <a:t>containerURL</a:t>
+            </a:r>
+            <a:r>
+              <a:rPr lang="en-US" altLang="zh-CN" sz="1200" kern="1200" dirty="0" smtClean="0">
+                <a:solidFill>
+                  <a:schemeClr val="tx1"/>
+                </a:solidFill>
+                <a:latin typeface="+mn-lt"/>
+                <a:ea typeface="+mn-ea"/>
+                <a:cs typeface="+mn-cs"/>
+              </a:rPr>
+              <a:t>, atomically: true, encoding: NSUTF8StringEncoding, error: nil)</a:t>
+            </a:r>
+          </a:p>
+          <a:p>
+            <a:r>
+              <a:rPr lang="da-DK" altLang="zh-CN" sz="1200" kern="1200" dirty="0" smtClean="0">
+                <a:solidFill>
+                  <a:schemeClr val="tx1"/>
+                </a:solidFill>
+                <a:latin typeface="+mn-lt"/>
+                <a:ea typeface="+mn-ea"/>
+                <a:cs typeface="+mn-cs"/>
+              </a:rPr>
+              <a:t>        } </a:t>
+            </a:r>
+            <a:r>
+              <a:rPr lang="da-DK" altLang="zh-CN" sz="1200" kern="1200" dirty="0" err="1" smtClean="0">
+                <a:solidFill>
+                  <a:schemeClr val="tx1"/>
+                </a:solidFill>
+                <a:latin typeface="+mn-lt"/>
+                <a:ea typeface="+mn-ea"/>
+                <a:cs typeface="+mn-cs"/>
+              </a:rPr>
+              <a:t>else</a:t>
+            </a:r>
+            <a:r>
+              <a:rPr lang="da-DK" altLang="zh-CN" sz="1200" kern="1200" dirty="0" smtClean="0">
+                <a:solidFill>
+                  <a:schemeClr val="tx1"/>
+                </a:solidFill>
+                <a:latin typeface="+mn-lt"/>
+                <a:ea typeface="+mn-ea"/>
+                <a:cs typeface="+mn-cs"/>
+              </a:rPr>
+              <a:t> {</a:t>
+            </a:r>
+          </a:p>
+          <a:p>
+            <a:r>
+              <a:rPr lang="zh-TW" altLang="en-US" sz="1200" kern="1200" dirty="0" smtClean="0">
+                <a:solidFill>
+                  <a:schemeClr val="tx1"/>
+                </a:solidFill>
+                <a:latin typeface="+mn-lt"/>
+                <a:ea typeface="+mn-ea"/>
+                <a:cs typeface="+mn-cs"/>
+              </a:rPr>
+              <a:t>            </a:t>
+            </a:r>
+            <a:r>
+              <a:rPr lang="en-US" altLang="zh-TW" sz="1200" kern="1200" dirty="0" err="1" smtClean="0">
+                <a:solidFill>
+                  <a:schemeClr val="tx1"/>
+                </a:solidFill>
+                <a:latin typeface="+mn-lt"/>
+                <a:ea typeface="+mn-ea"/>
+                <a:cs typeface="+mn-cs"/>
+              </a:rPr>
+              <a:t>var</a:t>
+            </a:r>
+            <a:r>
+              <a:rPr lang="zh-TW" altLang="en-US" sz="1200" kern="1200" dirty="0" smtClean="0">
+                <a:solidFill>
+                  <a:schemeClr val="tx1"/>
+                </a:solidFill>
+                <a:latin typeface="+mn-lt"/>
+                <a:ea typeface="+mn-ea"/>
+                <a:cs typeface="+mn-cs"/>
+              </a:rPr>
+              <a:t> 新建数据模型</a:t>
+            </a:r>
+            <a:r>
+              <a:rPr lang="en-US" altLang="zh-TW" sz="1200" kern="1200" dirty="0" smtClean="0">
+                <a:solidFill>
+                  <a:schemeClr val="tx1"/>
+                </a:solidFill>
+                <a:latin typeface="+mn-lt"/>
+                <a:ea typeface="+mn-ea"/>
+                <a:cs typeface="+mn-cs"/>
+              </a:rPr>
+              <a:t>:</a:t>
+            </a:r>
+            <a:r>
+              <a:rPr lang="en-US" altLang="zh-TW" sz="1200" kern="1200" dirty="0" err="1" smtClean="0">
+                <a:solidFill>
+                  <a:schemeClr val="tx1"/>
+                </a:solidFill>
+                <a:latin typeface="+mn-lt"/>
+                <a:ea typeface="+mn-ea"/>
+                <a:cs typeface="+mn-cs"/>
+              </a:rPr>
+              <a:t>NSArray</a:t>
+            </a:r>
+            <a:r>
+              <a:rPr lang="zh-TW" altLang="en-US" sz="1200" kern="1200" dirty="0" smtClean="0">
+                <a:solidFill>
+                  <a:schemeClr val="tx1"/>
+                </a:solidFill>
+                <a:latin typeface="+mn-lt"/>
+                <a:ea typeface="+mn-ea"/>
+                <a:cs typeface="+mn-cs"/>
+              </a:rPr>
+              <a:t> </a:t>
+            </a:r>
+            <a:r>
+              <a:rPr lang="en-US" altLang="zh-TW" sz="1200" kern="1200" dirty="0" smtClean="0">
+                <a:solidFill>
+                  <a:schemeClr val="tx1"/>
+                </a:solidFill>
+                <a:latin typeface="+mn-lt"/>
+                <a:ea typeface="+mn-ea"/>
+                <a:cs typeface="+mn-cs"/>
+              </a:rPr>
+              <a:t>= [[],[[</a:t>
+            </a:r>
+            <a:r>
+              <a:rPr lang="en-US" altLang="zh-TW" sz="1200" kern="1200" dirty="0" err="1" smtClean="0">
+                <a:solidFill>
+                  <a:schemeClr val="tx1"/>
+                </a:solidFill>
+                <a:latin typeface="+mn-lt"/>
+                <a:ea typeface="+mn-ea"/>
+                <a:cs typeface="+mn-cs"/>
+              </a:rPr>
+              <a:t>emoText.text</a:t>
+            </a:r>
+            <a:r>
+              <a:rPr lang="en-US" altLang="zh-TW" sz="1200" kern="1200" dirty="0" smtClean="0">
+                <a:solidFill>
+                  <a:schemeClr val="tx1"/>
+                </a:solidFill>
+                <a:latin typeface="+mn-lt"/>
+                <a:ea typeface="+mn-ea"/>
+                <a:cs typeface="+mn-cs"/>
+              </a:rPr>
+              <a:t>!,""]],[]]</a:t>
+            </a:r>
+          </a:p>
+          <a:p>
+            <a:r>
+              <a:rPr lang="en-US" altLang="zh-CN" sz="1200" kern="1200" dirty="0" smtClean="0">
+                <a:solidFill>
+                  <a:schemeClr val="tx1"/>
+                </a:solidFill>
+                <a:latin typeface="+mn-lt"/>
+                <a:ea typeface="+mn-ea"/>
+                <a:cs typeface="+mn-cs"/>
+              </a:rPr>
+              <a:t>            value = </a:t>
+            </a:r>
+            <a:r>
+              <a:rPr lang="en-US" altLang="zh-CN" sz="1200" kern="1200" dirty="0" err="1" smtClean="0">
+                <a:solidFill>
+                  <a:schemeClr val="tx1"/>
+                </a:solidFill>
+                <a:latin typeface="+mn-lt"/>
+                <a:ea typeface="+mn-ea"/>
+                <a:cs typeface="+mn-cs"/>
+              </a:rPr>
+              <a:t>ArrayString</a:t>
+            </a:r>
+            <a:r>
+              <a:rPr lang="en-US" altLang="zh-CN" sz="1200" kern="1200" dirty="0" smtClean="0">
+                <a:solidFill>
+                  <a:schemeClr val="tx1"/>
+                </a:solidFill>
+                <a:latin typeface="+mn-lt"/>
+                <a:ea typeface="+mn-ea"/>
+                <a:cs typeface="+mn-cs"/>
+              </a:rPr>
+              <a:t>().array2json(</a:t>
+            </a:r>
+            <a:r>
+              <a:rPr lang="zh-CN" altLang="en-US" sz="1200" kern="1200" dirty="0" smtClean="0">
+                <a:solidFill>
+                  <a:schemeClr val="tx1"/>
+                </a:solidFill>
+                <a:latin typeface="+mn-lt"/>
+                <a:ea typeface="+mn-ea"/>
+                <a:cs typeface="+mn-cs"/>
+              </a:rPr>
+              <a:t>新建数据模型</a:t>
+            </a:r>
+            <a:r>
+              <a:rPr lang="en-US" altLang="zh-CN" sz="1200" kern="1200" dirty="0" smtClean="0">
+                <a:solidFill>
+                  <a:schemeClr val="tx1"/>
+                </a:solidFill>
+                <a:latin typeface="+mn-lt"/>
+                <a:ea typeface="+mn-ea"/>
+                <a:cs typeface="+mn-cs"/>
+              </a:rPr>
+              <a:t>)</a:t>
+            </a:r>
+          </a:p>
+          <a:p>
+            <a:r>
+              <a:rPr lang="en-US" altLang="zh-CN" sz="1200" kern="1200" dirty="0" smtClean="0">
+                <a:solidFill>
+                  <a:schemeClr val="tx1"/>
+                </a:solidFill>
+                <a:latin typeface="+mn-lt"/>
+                <a:ea typeface="+mn-ea"/>
+                <a:cs typeface="+mn-cs"/>
+              </a:rPr>
+              <a:t>            </a:t>
+            </a:r>
+            <a:r>
+              <a:rPr lang="en-US" altLang="zh-CN" sz="1200" kern="1200" dirty="0" err="1" smtClean="0">
+                <a:solidFill>
+                  <a:schemeClr val="tx1"/>
+                </a:solidFill>
+                <a:latin typeface="+mn-lt"/>
+                <a:ea typeface="+mn-ea"/>
+                <a:cs typeface="+mn-cs"/>
+              </a:rPr>
+              <a:t>value.writeToURL</a:t>
+            </a:r>
+            <a:r>
+              <a:rPr lang="en-US" altLang="zh-CN" sz="1200" kern="1200" dirty="0" smtClean="0">
+                <a:solidFill>
+                  <a:schemeClr val="tx1"/>
+                </a:solidFill>
+                <a:latin typeface="+mn-lt"/>
+                <a:ea typeface="+mn-ea"/>
+                <a:cs typeface="+mn-cs"/>
+              </a:rPr>
+              <a:t>(</a:t>
+            </a:r>
+            <a:r>
+              <a:rPr lang="en-US" altLang="zh-CN" sz="1200" kern="1200" dirty="0" err="1" smtClean="0">
+                <a:solidFill>
+                  <a:schemeClr val="tx1"/>
+                </a:solidFill>
+                <a:latin typeface="+mn-lt"/>
+                <a:ea typeface="+mn-ea"/>
+                <a:cs typeface="+mn-cs"/>
+              </a:rPr>
+              <a:t>containerURL</a:t>
+            </a:r>
+            <a:r>
+              <a:rPr lang="en-US" altLang="zh-CN" sz="1200" kern="1200" dirty="0" smtClean="0">
+                <a:solidFill>
+                  <a:schemeClr val="tx1"/>
+                </a:solidFill>
+                <a:latin typeface="+mn-lt"/>
+                <a:ea typeface="+mn-ea"/>
+                <a:cs typeface="+mn-cs"/>
+              </a:rPr>
+              <a:t>, atomically: true, encoding: NSUTF8StringEncoding, error: nil)</a:t>
+            </a:r>
+          </a:p>
+          <a:p>
+            <a:r>
+              <a:rPr lang="en-US" altLang="zh-CN" sz="1200" kern="1200" dirty="0" smtClean="0">
+                <a:solidFill>
+                  <a:schemeClr val="tx1"/>
+                </a:solidFill>
+                <a:latin typeface="+mn-lt"/>
+                <a:ea typeface="+mn-ea"/>
+                <a:cs typeface="+mn-cs"/>
+              </a:rPr>
+              <a:t>        }</a:t>
+            </a:r>
+          </a:p>
+          <a:p>
+            <a:r>
+              <a:rPr lang="en-US" altLang="zh-CN" sz="1200" kern="1200" dirty="0" smtClean="0">
+                <a:solidFill>
+                  <a:schemeClr val="tx1"/>
+                </a:solidFill>
+                <a:latin typeface="+mn-lt"/>
+                <a:ea typeface="+mn-ea"/>
+                <a:cs typeface="+mn-cs"/>
+              </a:rPr>
+              <a:t>        </a:t>
+            </a:r>
+            <a:r>
+              <a:rPr lang="en-US" altLang="zh-CN" sz="1200" kern="1200" dirty="0" err="1" smtClean="0">
+                <a:solidFill>
+                  <a:schemeClr val="tx1"/>
+                </a:solidFill>
+                <a:latin typeface="+mn-lt"/>
+                <a:ea typeface="+mn-ea"/>
+                <a:cs typeface="+mn-cs"/>
+              </a:rPr>
+              <a:t>emoText.text</a:t>
+            </a:r>
+            <a:r>
+              <a:rPr lang="en-US" altLang="zh-CN" sz="1200" kern="1200" dirty="0" smtClean="0">
+                <a:solidFill>
+                  <a:schemeClr val="tx1"/>
+                </a:solidFill>
+                <a:latin typeface="+mn-lt"/>
+                <a:ea typeface="+mn-ea"/>
+                <a:cs typeface="+mn-cs"/>
+              </a:rPr>
+              <a:t> = "</a:t>
+            </a:r>
+            <a:r>
+              <a:rPr lang="zh-CN" altLang="en-US" sz="1200" kern="1200" dirty="0" smtClean="0">
+                <a:solidFill>
+                  <a:schemeClr val="tx1"/>
+                </a:solidFill>
+                <a:latin typeface="+mn-lt"/>
+                <a:ea typeface="+mn-ea"/>
+                <a:cs typeface="+mn-cs"/>
+              </a:rPr>
+              <a:t>添加成功</a:t>
+            </a:r>
+            <a:r>
+              <a:rPr lang="en-US" altLang="zh-CN" sz="1200" kern="1200" dirty="0" smtClean="0">
+                <a:solidFill>
+                  <a:schemeClr val="tx1"/>
+                </a:solidFill>
+                <a:latin typeface="+mn-lt"/>
+                <a:ea typeface="+mn-ea"/>
+                <a:cs typeface="+mn-cs"/>
+              </a:rPr>
+              <a:t>"</a:t>
+            </a:r>
+          </a:p>
+          <a:p>
+            <a:r>
+              <a:rPr lang="en-US" altLang="zh-CN" sz="1200" kern="1200" smtClean="0">
+                <a:solidFill>
+                  <a:schemeClr val="tx1"/>
+                </a:solidFill>
+                <a:latin typeface="+mn-lt"/>
+                <a:ea typeface="+mn-ea"/>
+                <a:cs typeface="+mn-cs"/>
+              </a:rPr>
+              <a:t>    }</a:t>
+            </a:r>
+            <a:endParaRPr lang="en-US" altLang="zh-CN" sz="1200" kern="1200" dirty="0" smtClean="0">
+              <a:solidFill>
+                <a:schemeClr val="tx1"/>
+              </a:solidFill>
+              <a:latin typeface="+mn-lt"/>
+              <a:ea typeface="+mn-ea"/>
+              <a:cs typeface="+mn-cs"/>
+            </a:endParaRPr>
+          </a:p>
+          <a:p>
+            <a:r>
+              <a:rPr lang="en-US" altLang="zh-CN" sz="1200" kern="1200" dirty="0" err="1" smtClean="0">
+                <a:solidFill>
+                  <a:schemeClr val="tx1"/>
+                </a:solidFill>
+                <a:latin typeface="+mn-lt"/>
+                <a:ea typeface="+mn-ea"/>
+                <a:cs typeface="+mn-cs"/>
+              </a:rPr>
+              <a:t>func</a:t>
+            </a:r>
+            <a:r>
+              <a:rPr lang="zh-CN" altLang="en-US" sz="1200" kern="1200" dirty="0" smtClean="0">
+                <a:solidFill>
+                  <a:schemeClr val="tx1"/>
+                </a:solidFill>
+                <a:latin typeface="+mn-lt"/>
+                <a:ea typeface="+mn-ea"/>
+                <a:cs typeface="+mn-cs"/>
+              </a:rPr>
+              <a:t> 初始化数据</a:t>
+            </a:r>
+            <a:r>
+              <a:rPr lang="en-US" altLang="zh-CN" sz="1200" kern="1200" dirty="0" smtClean="0">
+                <a:solidFill>
+                  <a:schemeClr val="tx1"/>
+                </a:solidFill>
+                <a:latin typeface="+mn-lt"/>
+                <a:ea typeface="+mn-ea"/>
+                <a:cs typeface="+mn-cs"/>
+              </a:rPr>
+              <a:t>()</a:t>
+            </a:r>
+          </a:p>
+          <a:p>
+            <a:r>
+              <a:rPr lang="en-US" altLang="zh-CN" sz="1200" kern="1200" dirty="0" smtClean="0">
+                <a:solidFill>
+                  <a:schemeClr val="tx1"/>
+                </a:solidFill>
+                <a:latin typeface="+mn-lt"/>
+                <a:ea typeface="+mn-ea"/>
+                <a:cs typeface="+mn-cs"/>
+              </a:rPr>
+              <a:t>    {</a:t>
+            </a:r>
+          </a:p>
+          <a:p>
+            <a:r>
+              <a:rPr lang="en-US" altLang="zh-CN" sz="1200" kern="1200" dirty="0" smtClean="0">
+                <a:solidFill>
+                  <a:schemeClr val="tx1"/>
+                </a:solidFill>
+                <a:latin typeface="+mn-lt"/>
+                <a:ea typeface="+mn-ea"/>
+                <a:cs typeface="+mn-cs"/>
+              </a:rPr>
+              <a:t>        </a:t>
+            </a:r>
+            <a:r>
+              <a:rPr lang="en-US" altLang="zh-CN" sz="1200" kern="1200" dirty="0" err="1" smtClean="0">
+                <a:solidFill>
+                  <a:schemeClr val="tx1"/>
+                </a:solidFill>
+                <a:latin typeface="+mn-lt"/>
+                <a:ea typeface="+mn-ea"/>
+                <a:cs typeface="+mn-cs"/>
+              </a:rPr>
+              <a:t>var</a:t>
+            </a:r>
+            <a:r>
+              <a:rPr lang="en-US" altLang="zh-CN" sz="1200" kern="1200" dirty="0" smtClean="0">
+                <a:solidFill>
+                  <a:schemeClr val="tx1"/>
+                </a:solidFill>
+                <a:latin typeface="+mn-lt"/>
+                <a:ea typeface="+mn-ea"/>
+                <a:cs typeface="+mn-cs"/>
+              </a:rPr>
+              <a:t> </a:t>
+            </a:r>
+            <a:r>
+              <a:rPr lang="en-US" altLang="zh-CN" sz="1200" kern="1200" dirty="0" err="1" smtClean="0">
+                <a:solidFill>
+                  <a:schemeClr val="tx1"/>
+                </a:solidFill>
+                <a:latin typeface="+mn-lt"/>
+                <a:ea typeface="+mn-ea"/>
+                <a:cs typeface="+mn-cs"/>
+              </a:rPr>
+              <a:t>containerURL:NSURL</a:t>
+            </a:r>
+            <a:r>
+              <a:rPr lang="en-US" altLang="zh-CN" sz="1200" kern="1200" dirty="0" smtClean="0">
+                <a:solidFill>
+                  <a:schemeClr val="tx1"/>
+                </a:solidFill>
+                <a:latin typeface="+mn-lt"/>
+                <a:ea typeface="+mn-ea"/>
+                <a:cs typeface="+mn-cs"/>
+              </a:rPr>
+              <a:t> = </a:t>
+            </a:r>
+            <a:r>
+              <a:rPr lang="en-US" altLang="zh-CN" sz="1200" kern="1200" dirty="0" err="1" smtClean="0">
+                <a:solidFill>
+                  <a:schemeClr val="tx1"/>
+                </a:solidFill>
+                <a:latin typeface="+mn-lt"/>
+                <a:ea typeface="+mn-ea"/>
+                <a:cs typeface="+mn-cs"/>
+              </a:rPr>
+              <a:t>NSFileManager.defaultManager</a:t>
+            </a:r>
+            <a:r>
+              <a:rPr lang="en-US" altLang="zh-CN" sz="1200" kern="1200" dirty="0" smtClean="0">
+                <a:solidFill>
+                  <a:schemeClr val="tx1"/>
+                </a:solidFill>
+                <a:latin typeface="+mn-lt"/>
+                <a:ea typeface="+mn-ea"/>
+                <a:cs typeface="+mn-cs"/>
+              </a:rPr>
+              <a:t>().</a:t>
+            </a:r>
+            <a:r>
+              <a:rPr lang="en-US" altLang="zh-CN" sz="1200" kern="1200" dirty="0" err="1" smtClean="0">
+                <a:solidFill>
+                  <a:schemeClr val="tx1"/>
+                </a:solidFill>
+                <a:latin typeface="+mn-lt"/>
+                <a:ea typeface="+mn-ea"/>
+                <a:cs typeface="+mn-cs"/>
+              </a:rPr>
+              <a:t>containerURLForSecurityApplicationGroupIdentifier</a:t>
+            </a:r>
+            <a:r>
+              <a:rPr lang="en-US" altLang="zh-CN" sz="1200" kern="1200" dirty="0" smtClean="0">
+                <a:solidFill>
+                  <a:schemeClr val="tx1"/>
+                </a:solidFill>
+                <a:latin typeface="+mn-lt"/>
+                <a:ea typeface="+mn-ea"/>
+                <a:cs typeface="+mn-cs"/>
+              </a:rPr>
+              <a:t>("group.CE2Keyboard")!</a:t>
+            </a:r>
+          </a:p>
+          <a:p>
+            <a:r>
+              <a:rPr lang="en-US" altLang="zh-CN" sz="1200" kern="1200" dirty="0" smtClean="0">
+                <a:solidFill>
+                  <a:schemeClr val="tx1"/>
+                </a:solidFill>
+                <a:latin typeface="+mn-lt"/>
+                <a:ea typeface="+mn-ea"/>
+                <a:cs typeface="+mn-cs"/>
+              </a:rPr>
+              <a:t>        </a:t>
+            </a:r>
+            <a:r>
+              <a:rPr lang="en-US" altLang="zh-CN" sz="1200" kern="1200" dirty="0" err="1" smtClean="0">
+                <a:solidFill>
+                  <a:schemeClr val="tx1"/>
+                </a:solidFill>
+                <a:latin typeface="+mn-lt"/>
+                <a:ea typeface="+mn-ea"/>
+                <a:cs typeface="+mn-cs"/>
+              </a:rPr>
+              <a:t>containerURL</a:t>
+            </a:r>
+            <a:r>
+              <a:rPr lang="en-US" altLang="zh-CN" sz="1200" kern="1200" dirty="0" smtClean="0">
+                <a:solidFill>
+                  <a:schemeClr val="tx1"/>
+                </a:solidFill>
+                <a:latin typeface="+mn-lt"/>
+                <a:ea typeface="+mn-ea"/>
+                <a:cs typeface="+mn-cs"/>
+              </a:rPr>
+              <a:t> = </a:t>
+            </a:r>
+            <a:r>
+              <a:rPr lang="en-US" altLang="zh-CN" sz="1200" kern="1200" dirty="0" err="1" smtClean="0">
+                <a:solidFill>
+                  <a:schemeClr val="tx1"/>
+                </a:solidFill>
+                <a:latin typeface="+mn-lt"/>
+                <a:ea typeface="+mn-ea"/>
+                <a:cs typeface="+mn-cs"/>
+              </a:rPr>
+              <a:t>containerURL.URLByAppendingPathComponent</a:t>
+            </a:r>
+            <a:r>
+              <a:rPr lang="en-US" altLang="zh-CN" sz="1200" kern="1200" dirty="0" smtClean="0">
+                <a:solidFill>
+                  <a:schemeClr val="tx1"/>
+                </a:solidFill>
+                <a:latin typeface="+mn-lt"/>
+                <a:ea typeface="+mn-ea"/>
+                <a:cs typeface="+mn-cs"/>
+              </a:rPr>
+              <a:t>("Library/caches/CE2")</a:t>
+            </a:r>
+          </a:p>
+          <a:p>
+            <a:r>
+              <a:rPr lang="en-US" altLang="zh-CN" sz="1200" kern="1200" dirty="0" smtClean="0">
+                <a:solidFill>
+                  <a:schemeClr val="tx1"/>
+                </a:solidFill>
+                <a:latin typeface="+mn-lt"/>
+                <a:ea typeface="+mn-ea"/>
+                <a:cs typeface="+mn-cs"/>
+              </a:rPr>
+              <a:t>        </a:t>
+            </a:r>
+            <a:r>
+              <a:rPr lang="en-US" altLang="zh-CN" sz="1200" kern="1200" dirty="0" err="1" smtClean="0">
+                <a:solidFill>
+                  <a:schemeClr val="tx1"/>
+                </a:solidFill>
+                <a:latin typeface="+mn-lt"/>
+                <a:ea typeface="+mn-ea"/>
+                <a:cs typeface="+mn-cs"/>
+              </a:rPr>
+              <a:t>var</a:t>
+            </a:r>
+            <a:r>
+              <a:rPr lang="en-US" altLang="zh-CN" sz="1200" kern="1200" dirty="0" smtClean="0">
+                <a:solidFill>
+                  <a:schemeClr val="tx1"/>
+                </a:solidFill>
+                <a:latin typeface="+mn-lt"/>
+                <a:ea typeface="+mn-ea"/>
+                <a:cs typeface="+mn-cs"/>
+              </a:rPr>
+              <a:t> </a:t>
+            </a:r>
+            <a:r>
+              <a:rPr lang="en-US" altLang="zh-CN" sz="1200" kern="1200" dirty="0" err="1" smtClean="0">
+                <a:solidFill>
+                  <a:schemeClr val="tx1"/>
+                </a:solidFill>
+                <a:latin typeface="+mn-lt"/>
+                <a:ea typeface="+mn-ea"/>
+                <a:cs typeface="+mn-cs"/>
+              </a:rPr>
+              <a:t>value:NSString</a:t>
+            </a:r>
+            <a:r>
+              <a:rPr lang="en-US" altLang="zh-CN" sz="1200" kern="1200" dirty="0" smtClean="0">
+                <a:solidFill>
+                  <a:schemeClr val="tx1"/>
+                </a:solidFill>
+                <a:latin typeface="+mn-lt"/>
+                <a:ea typeface="+mn-ea"/>
+                <a:cs typeface="+mn-cs"/>
+              </a:rPr>
+              <a:t>? = </a:t>
+            </a:r>
+            <a:r>
+              <a:rPr lang="en-US" altLang="zh-CN" sz="1200" kern="1200" dirty="0" err="1" smtClean="0">
+                <a:solidFill>
+                  <a:schemeClr val="tx1"/>
+                </a:solidFill>
+                <a:latin typeface="+mn-lt"/>
+                <a:ea typeface="+mn-ea"/>
+                <a:cs typeface="+mn-cs"/>
+              </a:rPr>
+              <a:t>NSString</a:t>
+            </a:r>
+            <a:r>
+              <a:rPr lang="en-US" altLang="zh-CN" sz="1200" kern="1200" dirty="0" smtClean="0">
+                <a:solidFill>
+                  <a:schemeClr val="tx1"/>
+                </a:solidFill>
+                <a:latin typeface="+mn-lt"/>
+                <a:ea typeface="+mn-ea"/>
+                <a:cs typeface="+mn-cs"/>
+              </a:rPr>
+              <a:t>(</a:t>
+            </a:r>
+            <a:r>
+              <a:rPr lang="en-US" altLang="zh-CN" sz="1200" kern="1200" dirty="0" err="1" smtClean="0">
+                <a:solidFill>
+                  <a:schemeClr val="tx1"/>
+                </a:solidFill>
+                <a:latin typeface="+mn-lt"/>
+                <a:ea typeface="+mn-ea"/>
+                <a:cs typeface="+mn-cs"/>
+              </a:rPr>
+              <a:t>contentsOfURL</a:t>
+            </a:r>
+            <a:r>
+              <a:rPr lang="en-US" altLang="zh-CN" sz="1200" kern="1200" dirty="0" smtClean="0">
+                <a:solidFill>
+                  <a:schemeClr val="tx1"/>
+                </a:solidFill>
+                <a:latin typeface="+mn-lt"/>
+                <a:ea typeface="+mn-ea"/>
+                <a:cs typeface="+mn-cs"/>
+              </a:rPr>
+              <a:t>: </a:t>
+            </a:r>
+            <a:r>
+              <a:rPr lang="en-US" altLang="zh-CN" sz="1200" kern="1200" dirty="0" err="1" smtClean="0">
+                <a:solidFill>
+                  <a:schemeClr val="tx1"/>
+                </a:solidFill>
+                <a:latin typeface="+mn-lt"/>
+                <a:ea typeface="+mn-ea"/>
+                <a:cs typeface="+mn-cs"/>
+              </a:rPr>
+              <a:t>containerURL</a:t>
+            </a:r>
+            <a:r>
+              <a:rPr lang="en-US" altLang="zh-CN" sz="1200" kern="1200" dirty="0" smtClean="0">
+                <a:solidFill>
+                  <a:schemeClr val="tx1"/>
+                </a:solidFill>
+                <a:latin typeface="+mn-lt"/>
+                <a:ea typeface="+mn-ea"/>
+                <a:cs typeface="+mn-cs"/>
+              </a:rPr>
+              <a:t>, encoding: NSUTF8StringEncoding, error: nil)</a:t>
+            </a:r>
+          </a:p>
+          <a:p>
+            <a:r>
+              <a:rPr lang="fi-FI" altLang="zh-CN" sz="1200" kern="1200" dirty="0" smtClean="0">
+                <a:solidFill>
+                  <a:schemeClr val="tx1"/>
+                </a:solidFill>
+                <a:latin typeface="+mn-lt"/>
+                <a:ea typeface="+mn-ea"/>
+                <a:cs typeface="+mn-cs"/>
+              </a:rPr>
+              <a:t>        </a:t>
+            </a:r>
+            <a:r>
+              <a:rPr lang="fi-FI" altLang="zh-CN" sz="1200" kern="1200" dirty="0" err="1" smtClean="0">
+                <a:solidFill>
+                  <a:schemeClr val="tx1"/>
+                </a:solidFill>
+                <a:latin typeface="+mn-lt"/>
+                <a:ea typeface="+mn-ea"/>
+                <a:cs typeface="+mn-cs"/>
+              </a:rPr>
+              <a:t>if(value</a:t>
+            </a:r>
+            <a:r>
+              <a:rPr lang="fi-FI" altLang="zh-CN" sz="1200" kern="1200" dirty="0" smtClean="0">
+                <a:solidFill>
+                  <a:schemeClr val="tx1"/>
+                </a:solidFill>
+                <a:latin typeface="+mn-lt"/>
+                <a:ea typeface="+mn-ea"/>
+                <a:cs typeface="+mn-cs"/>
+              </a:rPr>
+              <a:t> != </a:t>
+            </a:r>
+            <a:r>
+              <a:rPr lang="fi-FI" altLang="zh-CN" sz="1200" kern="1200" dirty="0" err="1" smtClean="0">
+                <a:solidFill>
+                  <a:schemeClr val="tx1"/>
+                </a:solidFill>
+                <a:latin typeface="+mn-lt"/>
+                <a:ea typeface="+mn-ea"/>
+                <a:cs typeface="+mn-cs"/>
+              </a:rPr>
+              <a:t>nil</a:t>
+            </a:r>
+            <a:r>
+              <a:rPr lang="fi-FI" altLang="zh-CN" sz="1200" kern="1200" dirty="0" smtClean="0">
+                <a:solidFill>
+                  <a:schemeClr val="tx1"/>
+                </a:solidFill>
+                <a:latin typeface="+mn-lt"/>
+                <a:ea typeface="+mn-ea"/>
+                <a:cs typeface="+mn-cs"/>
+              </a:rPr>
+              <a:t> &amp;&amp; </a:t>
+            </a:r>
+            <a:r>
+              <a:rPr lang="fi-FI" altLang="zh-CN" sz="1200" kern="1200" dirty="0" err="1" smtClean="0">
+                <a:solidFill>
+                  <a:schemeClr val="tx1"/>
+                </a:solidFill>
+                <a:latin typeface="+mn-lt"/>
+                <a:ea typeface="+mn-ea"/>
+                <a:cs typeface="+mn-cs"/>
+              </a:rPr>
+              <a:t>value</a:t>
+            </a:r>
+            <a:r>
+              <a:rPr lang="fi-FI" altLang="zh-CN" sz="1200" kern="1200" dirty="0" smtClean="0">
+                <a:solidFill>
+                  <a:schemeClr val="tx1"/>
+                </a:solidFill>
+                <a:latin typeface="+mn-lt"/>
+                <a:ea typeface="+mn-ea"/>
+                <a:cs typeface="+mn-cs"/>
+              </a:rPr>
+              <a:t> != "") {</a:t>
+            </a:r>
+          </a:p>
+          <a:p>
+            <a:r>
+              <a:rPr lang="fi-FI" altLang="zh-CN" sz="1200" kern="1200" dirty="0" smtClean="0">
+                <a:solidFill>
+                  <a:schemeClr val="tx1"/>
+                </a:solidFill>
+                <a:latin typeface="+mn-lt"/>
+                <a:ea typeface="+mn-ea"/>
+                <a:cs typeface="+mn-cs"/>
+              </a:rPr>
+              <a:t>            </a:t>
+            </a:r>
+            <a:r>
+              <a:rPr lang="fi-FI" altLang="zh-CN" sz="1200" kern="1200" dirty="0" err="1" smtClean="0">
+                <a:solidFill>
+                  <a:schemeClr val="tx1"/>
+                </a:solidFill>
+                <a:latin typeface="+mn-lt"/>
+                <a:ea typeface="+mn-ea"/>
+                <a:cs typeface="+mn-cs"/>
+              </a:rPr>
+              <a:t>let</a:t>
+            </a:r>
+            <a:r>
+              <a:rPr lang="fi-FI" altLang="zh-CN" sz="1200" kern="1200" dirty="0" smtClean="0">
+                <a:solidFill>
+                  <a:schemeClr val="tx1"/>
+                </a:solidFill>
+                <a:latin typeface="+mn-lt"/>
+                <a:ea typeface="+mn-ea"/>
+                <a:cs typeface="+mn-cs"/>
+              </a:rPr>
+              <a:t> </a:t>
+            </a:r>
+            <a:r>
+              <a:rPr lang="zh-CN" altLang="fi-FI" sz="1200" kern="1200" dirty="0" smtClean="0">
+                <a:solidFill>
+                  <a:schemeClr val="tx1"/>
+                </a:solidFill>
+                <a:latin typeface="+mn-lt"/>
+                <a:ea typeface="+mn-ea"/>
+                <a:cs typeface="+mn-cs"/>
+              </a:rPr>
+              <a:t>全部数据数组</a:t>
+            </a:r>
+            <a:r>
+              <a:rPr lang="fi-FI" altLang="zh-CN" sz="1200" kern="1200" dirty="0" smtClean="0">
+                <a:solidFill>
+                  <a:schemeClr val="tx1"/>
+                </a:solidFill>
+                <a:latin typeface="+mn-lt"/>
+                <a:ea typeface="+mn-ea"/>
+                <a:cs typeface="+mn-cs"/>
+              </a:rPr>
+              <a:t>:</a:t>
+            </a:r>
+            <a:r>
+              <a:rPr lang="fi-FI" altLang="zh-CN" sz="1200" kern="1200" dirty="0" err="1" smtClean="0">
+                <a:solidFill>
+                  <a:schemeClr val="tx1"/>
+                </a:solidFill>
+                <a:latin typeface="+mn-lt"/>
+                <a:ea typeface="+mn-ea"/>
+                <a:cs typeface="+mn-cs"/>
+              </a:rPr>
+              <a:t>NSArray</a:t>
+            </a:r>
+            <a:r>
+              <a:rPr lang="fi-FI" altLang="zh-CN" sz="1200" kern="1200" dirty="0" smtClean="0">
+                <a:solidFill>
+                  <a:schemeClr val="tx1"/>
+                </a:solidFill>
+                <a:latin typeface="+mn-lt"/>
+                <a:ea typeface="+mn-ea"/>
+                <a:cs typeface="+mn-cs"/>
+              </a:rPr>
+              <a:t> = ArrayString().json2array(value!)</a:t>
+            </a:r>
+          </a:p>
+          <a:p>
+            <a:r>
+              <a:rPr lang="fi-FI" altLang="zh-CN" sz="1200" kern="1200" dirty="0" smtClean="0">
+                <a:solidFill>
+                  <a:schemeClr val="tx1"/>
+                </a:solidFill>
+                <a:latin typeface="+mn-lt"/>
+                <a:ea typeface="+mn-ea"/>
+                <a:cs typeface="+mn-cs"/>
+              </a:rPr>
+              <a:t>            </a:t>
+            </a:r>
+            <a:r>
+              <a:rPr lang="zh-CN" altLang="fi-FI" sz="1200" kern="1200" dirty="0" smtClean="0">
+                <a:solidFill>
+                  <a:schemeClr val="tx1"/>
+                </a:solidFill>
+                <a:latin typeface="+mn-lt"/>
+                <a:ea typeface="+mn-ea"/>
+                <a:cs typeface="+mn-cs"/>
+              </a:rPr>
+              <a:t>全部收藏数组</a:t>
+            </a:r>
+            <a:r>
+              <a:rPr lang="fi-FI" altLang="zh-CN" sz="1200" kern="1200" dirty="0" smtClean="0">
+                <a:solidFill>
+                  <a:schemeClr val="tx1"/>
+                </a:solidFill>
+                <a:latin typeface="+mn-lt"/>
+                <a:ea typeface="+mn-ea"/>
+                <a:cs typeface="+mn-cs"/>
+              </a:rPr>
+              <a:t>.</a:t>
+            </a:r>
+            <a:r>
+              <a:rPr lang="fi-FI" altLang="zh-CN" sz="1200" kern="1200" dirty="0" err="1" smtClean="0">
+                <a:solidFill>
+                  <a:schemeClr val="tx1"/>
+                </a:solidFill>
+                <a:latin typeface="+mn-lt"/>
+                <a:ea typeface="+mn-ea"/>
+                <a:cs typeface="+mn-cs"/>
+              </a:rPr>
+              <a:t>addObjectsFromArray</a:t>
+            </a:r>
+            <a:r>
+              <a:rPr lang="fi-FI" altLang="zh-CN" sz="1200" kern="1200" dirty="0" smtClean="0">
+                <a:solidFill>
+                  <a:schemeClr val="tx1"/>
+                </a:solidFill>
+                <a:latin typeface="+mn-lt"/>
+                <a:ea typeface="+mn-ea"/>
+                <a:cs typeface="+mn-cs"/>
+              </a:rPr>
+              <a:t>(</a:t>
+            </a:r>
+            <a:r>
+              <a:rPr lang="zh-CN" altLang="fi-FI" sz="1200" kern="1200" dirty="0" smtClean="0">
+                <a:solidFill>
+                  <a:schemeClr val="tx1"/>
+                </a:solidFill>
+                <a:latin typeface="+mn-lt"/>
+                <a:ea typeface="+mn-ea"/>
+                <a:cs typeface="+mn-cs"/>
+              </a:rPr>
+              <a:t>全部数据数组</a:t>
+            </a:r>
+            <a:r>
+              <a:rPr lang="fi-FI" altLang="zh-CN" sz="1200" kern="1200" dirty="0" smtClean="0">
+                <a:solidFill>
+                  <a:schemeClr val="tx1"/>
+                </a:solidFill>
+                <a:latin typeface="+mn-lt"/>
+                <a:ea typeface="+mn-ea"/>
+                <a:cs typeface="+mn-cs"/>
+              </a:rPr>
+              <a:t>.objectAtIndex(0) as </a:t>
+            </a:r>
+            <a:r>
+              <a:rPr lang="fi-FI" altLang="zh-CN" sz="1200" kern="1200" dirty="0" err="1" smtClean="0">
+                <a:solidFill>
+                  <a:schemeClr val="tx1"/>
+                </a:solidFill>
+                <a:latin typeface="+mn-lt"/>
+                <a:ea typeface="+mn-ea"/>
+                <a:cs typeface="+mn-cs"/>
+              </a:rPr>
+              <a:t>NSArray</a:t>
+            </a:r>
+            <a:r>
+              <a:rPr lang="fi-FI" altLang="zh-CN" sz="1200" kern="1200" dirty="0" smtClean="0">
+                <a:solidFill>
+                  <a:schemeClr val="tx1"/>
+                </a:solidFill>
+                <a:latin typeface="+mn-lt"/>
+                <a:ea typeface="+mn-ea"/>
+                <a:cs typeface="+mn-cs"/>
+              </a:rPr>
+              <a:t>)</a:t>
+            </a:r>
+          </a:p>
+          <a:p>
+            <a:r>
+              <a:rPr lang="fi-FI" altLang="zh-CN" sz="1200" kern="1200" dirty="0" smtClean="0">
+                <a:solidFill>
+                  <a:schemeClr val="tx1"/>
+                </a:solidFill>
+                <a:latin typeface="+mn-lt"/>
+                <a:ea typeface="+mn-ea"/>
+                <a:cs typeface="+mn-cs"/>
+              </a:rPr>
+              <a:t>            </a:t>
+            </a:r>
+            <a:r>
+              <a:rPr lang="zh-CN" altLang="fi-FI" sz="1200" kern="1200" dirty="0" smtClean="0">
+                <a:solidFill>
+                  <a:schemeClr val="tx1"/>
+                </a:solidFill>
+                <a:latin typeface="+mn-lt"/>
+                <a:ea typeface="+mn-ea"/>
+                <a:cs typeface="+mn-cs"/>
+              </a:rPr>
+              <a:t>全部自定数组</a:t>
+            </a:r>
+            <a:r>
+              <a:rPr lang="fi-FI" altLang="zh-CN" sz="1200" kern="1200" dirty="0" smtClean="0">
+                <a:solidFill>
+                  <a:schemeClr val="tx1"/>
+                </a:solidFill>
+                <a:latin typeface="+mn-lt"/>
+                <a:ea typeface="+mn-ea"/>
+                <a:cs typeface="+mn-cs"/>
+              </a:rPr>
+              <a:t>.</a:t>
+            </a:r>
+            <a:r>
+              <a:rPr lang="fi-FI" altLang="zh-CN" sz="1200" kern="1200" dirty="0" err="1" smtClean="0">
+                <a:solidFill>
+                  <a:schemeClr val="tx1"/>
+                </a:solidFill>
+                <a:latin typeface="+mn-lt"/>
+                <a:ea typeface="+mn-ea"/>
+                <a:cs typeface="+mn-cs"/>
+              </a:rPr>
+              <a:t>addObjectsFromArray</a:t>
+            </a:r>
+            <a:r>
+              <a:rPr lang="fi-FI" altLang="zh-CN" sz="1200" kern="1200" dirty="0" smtClean="0">
+                <a:solidFill>
+                  <a:schemeClr val="tx1"/>
+                </a:solidFill>
+                <a:latin typeface="+mn-lt"/>
+                <a:ea typeface="+mn-ea"/>
+                <a:cs typeface="+mn-cs"/>
+              </a:rPr>
+              <a:t>(</a:t>
+            </a:r>
+            <a:r>
+              <a:rPr lang="zh-CN" altLang="fi-FI" sz="1200" kern="1200" dirty="0" smtClean="0">
+                <a:solidFill>
+                  <a:schemeClr val="tx1"/>
+                </a:solidFill>
+                <a:latin typeface="+mn-lt"/>
+                <a:ea typeface="+mn-ea"/>
+                <a:cs typeface="+mn-cs"/>
+              </a:rPr>
+              <a:t>全部数据数组</a:t>
+            </a:r>
+            <a:r>
+              <a:rPr lang="fi-FI" altLang="zh-CN" sz="1200" kern="1200" dirty="0" smtClean="0">
+                <a:solidFill>
+                  <a:schemeClr val="tx1"/>
+                </a:solidFill>
+                <a:latin typeface="+mn-lt"/>
+                <a:ea typeface="+mn-ea"/>
+                <a:cs typeface="+mn-cs"/>
+              </a:rPr>
+              <a:t>.objectAtIndex(1) as </a:t>
+            </a:r>
+            <a:r>
+              <a:rPr lang="fi-FI" altLang="zh-CN" sz="1200" kern="1200" dirty="0" err="1" smtClean="0">
+                <a:solidFill>
+                  <a:schemeClr val="tx1"/>
+                </a:solidFill>
+                <a:latin typeface="+mn-lt"/>
+                <a:ea typeface="+mn-ea"/>
+                <a:cs typeface="+mn-cs"/>
+              </a:rPr>
+              <a:t>NSArray</a:t>
+            </a:r>
+            <a:r>
+              <a:rPr lang="fi-FI" altLang="zh-CN" sz="1200" kern="1200" dirty="0" smtClean="0">
+                <a:solidFill>
+                  <a:schemeClr val="tx1"/>
+                </a:solidFill>
+                <a:latin typeface="+mn-lt"/>
+                <a:ea typeface="+mn-ea"/>
+                <a:cs typeface="+mn-cs"/>
+              </a:rPr>
+              <a:t>)</a:t>
+            </a:r>
+          </a:p>
+          <a:p>
+            <a:r>
+              <a:rPr lang="fi-FI" altLang="zh-CN" sz="1200" kern="1200" dirty="0" smtClean="0">
+                <a:solidFill>
+                  <a:schemeClr val="tx1"/>
+                </a:solidFill>
+                <a:latin typeface="+mn-lt"/>
+                <a:ea typeface="+mn-ea"/>
+                <a:cs typeface="+mn-cs"/>
+              </a:rPr>
+              <a:t>            </a:t>
+            </a:r>
+            <a:r>
+              <a:rPr lang="zh-CN" altLang="fi-FI" sz="1200" kern="1200" dirty="0" smtClean="0">
+                <a:solidFill>
+                  <a:schemeClr val="tx1"/>
+                </a:solidFill>
+                <a:latin typeface="+mn-lt"/>
+                <a:ea typeface="+mn-ea"/>
+                <a:cs typeface="+mn-cs"/>
+              </a:rPr>
+              <a:t>全部历史数组</a:t>
+            </a:r>
+            <a:r>
+              <a:rPr lang="fi-FI" altLang="zh-CN" sz="1200" kern="1200" dirty="0" smtClean="0">
+                <a:solidFill>
+                  <a:schemeClr val="tx1"/>
+                </a:solidFill>
+                <a:latin typeface="+mn-lt"/>
+                <a:ea typeface="+mn-ea"/>
+                <a:cs typeface="+mn-cs"/>
+              </a:rPr>
+              <a:t>.</a:t>
+            </a:r>
+            <a:r>
+              <a:rPr lang="fi-FI" altLang="zh-CN" sz="1200" kern="1200" dirty="0" err="1" smtClean="0">
+                <a:solidFill>
+                  <a:schemeClr val="tx1"/>
+                </a:solidFill>
+                <a:latin typeface="+mn-lt"/>
+                <a:ea typeface="+mn-ea"/>
+                <a:cs typeface="+mn-cs"/>
+              </a:rPr>
+              <a:t>addObjectsFromArray</a:t>
+            </a:r>
+            <a:r>
+              <a:rPr lang="fi-FI" altLang="zh-CN" sz="1200" kern="1200" dirty="0" smtClean="0">
+                <a:solidFill>
+                  <a:schemeClr val="tx1"/>
+                </a:solidFill>
+                <a:latin typeface="+mn-lt"/>
+                <a:ea typeface="+mn-ea"/>
+                <a:cs typeface="+mn-cs"/>
+              </a:rPr>
+              <a:t>(</a:t>
+            </a:r>
+            <a:r>
+              <a:rPr lang="zh-CN" altLang="fi-FI" sz="1200" kern="1200" dirty="0" smtClean="0">
+                <a:solidFill>
+                  <a:schemeClr val="tx1"/>
+                </a:solidFill>
+                <a:latin typeface="+mn-lt"/>
+                <a:ea typeface="+mn-ea"/>
+                <a:cs typeface="+mn-cs"/>
+              </a:rPr>
+              <a:t>全部数据数组</a:t>
+            </a:r>
+            <a:r>
+              <a:rPr lang="fi-FI" altLang="zh-CN" sz="1200" kern="1200" dirty="0" smtClean="0">
+                <a:solidFill>
+                  <a:schemeClr val="tx1"/>
+                </a:solidFill>
+                <a:latin typeface="+mn-lt"/>
+                <a:ea typeface="+mn-ea"/>
+                <a:cs typeface="+mn-cs"/>
+              </a:rPr>
+              <a:t>.objectAtIndex(2) as </a:t>
+            </a:r>
+            <a:r>
+              <a:rPr lang="fi-FI" altLang="zh-CN" sz="1200" kern="1200" dirty="0" err="1" smtClean="0">
+                <a:solidFill>
+                  <a:schemeClr val="tx1"/>
+                </a:solidFill>
+                <a:latin typeface="+mn-lt"/>
+                <a:ea typeface="+mn-ea"/>
+                <a:cs typeface="+mn-cs"/>
+              </a:rPr>
+              <a:t>NSArray</a:t>
+            </a:r>
+            <a:r>
+              <a:rPr lang="fi-FI" altLang="zh-CN" sz="1200" kern="1200" dirty="0" smtClean="0">
+                <a:solidFill>
+                  <a:schemeClr val="tx1"/>
+                </a:solidFill>
+                <a:latin typeface="+mn-lt"/>
+                <a:ea typeface="+mn-ea"/>
+                <a:cs typeface="+mn-cs"/>
+              </a:rPr>
+              <a:t>)</a:t>
+            </a:r>
+          </a:p>
+          <a:p>
+            <a:r>
+              <a:rPr lang="fi-FI" altLang="zh-CN" sz="1200" kern="1200" dirty="0" smtClean="0">
+                <a:solidFill>
+                  <a:schemeClr val="tx1"/>
+                </a:solidFill>
+                <a:latin typeface="+mn-lt"/>
+                <a:ea typeface="+mn-ea"/>
+                <a:cs typeface="+mn-cs"/>
+              </a:rPr>
+              <a:t>            </a:t>
+            </a:r>
+            <a:r>
+              <a:rPr lang="zh-CN" altLang="fi-FI" sz="1200" kern="1200" dirty="0" smtClean="0">
+                <a:solidFill>
+                  <a:schemeClr val="tx1"/>
+                </a:solidFill>
+                <a:latin typeface="+mn-lt"/>
+                <a:ea typeface="+mn-ea"/>
+                <a:cs typeface="+mn-cs"/>
+              </a:rPr>
+              <a:t>收藏按钮</a:t>
+            </a:r>
+            <a:r>
+              <a:rPr lang="fi-FI" altLang="zh-CN" sz="1200" kern="1200" dirty="0" smtClean="0">
+                <a:solidFill>
+                  <a:schemeClr val="tx1"/>
+                </a:solidFill>
+                <a:latin typeface="+mn-lt"/>
+                <a:ea typeface="+mn-ea"/>
+                <a:cs typeface="+mn-cs"/>
+              </a:rPr>
+              <a:t>(self.view.viewWithTag(102) as </a:t>
+            </a:r>
+            <a:r>
+              <a:rPr lang="fi-FI" altLang="zh-CN" sz="1200" kern="1200" dirty="0" err="1" smtClean="0">
+                <a:solidFill>
+                  <a:schemeClr val="tx1"/>
+                </a:solidFill>
+                <a:latin typeface="+mn-lt"/>
+                <a:ea typeface="+mn-ea"/>
+                <a:cs typeface="+mn-cs"/>
+              </a:rPr>
+              <a:t>UIButton</a:t>
+            </a:r>
+            <a:r>
+              <a:rPr lang="fi-FI" altLang="zh-CN" sz="1200" kern="1200" dirty="0" smtClean="0">
+                <a:solidFill>
+                  <a:schemeClr val="tx1"/>
+                </a:solidFill>
+                <a:latin typeface="+mn-lt"/>
+                <a:ea typeface="+mn-ea"/>
+                <a:cs typeface="+mn-cs"/>
+              </a:rPr>
+              <a:t>)</a:t>
+            </a:r>
+          </a:p>
+          <a:p>
+            <a:r>
+              <a:rPr lang="da-DK" altLang="zh-CN" sz="1200" kern="1200" dirty="0" smtClean="0">
+                <a:solidFill>
+                  <a:schemeClr val="tx1"/>
+                </a:solidFill>
+                <a:latin typeface="+mn-lt"/>
+                <a:ea typeface="+mn-ea"/>
+                <a:cs typeface="+mn-cs"/>
+              </a:rPr>
+              <a:t>        } </a:t>
+            </a:r>
+            <a:r>
+              <a:rPr lang="da-DK" altLang="zh-CN" sz="1200" kern="1200" dirty="0" err="1" smtClean="0">
+                <a:solidFill>
+                  <a:schemeClr val="tx1"/>
+                </a:solidFill>
+                <a:latin typeface="+mn-lt"/>
+                <a:ea typeface="+mn-ea"/>
+                <a:cs typeface="+mn-cs"/>
+              </a:rPr>
+              <a:t>else</a:t>
+            </a:r>
+            <a:r>
+              <a:rPr lang="da-DK" altLang="zh-CN" sz="1200" kern="1200" dirty="0" smtClean="0">
+                <a:solidFill>
+                  <a:schemeClr val="tx1"/>
+                </a:solidFill>
+                <a:latin typeface="+mn-lt"/>
+                <a:ea typeface="+mn-ea"/>
+                <a:cs typeface="+mn-cs"/>
+              </a:rPr>
+              <a:t> {</a:t>
+            </a:r>
+          </a:p>
+          <a:p>
+            <a:r>
+              <a:rPr lang="zh-TW" altLang="en-US" sz="1200" kern="1200" dirty="0" smtClean="0">
+                <a:solidFill>
+                  <a:schemeClr val="tx1"/>
+                </a:solidFill>
+                <a:latin typeface="+mn-lt"/>
+                <a:ea typeface="+mn-ea"/>
+                <a:cs typeface="+mn-cs"/>
+              </a:rPr>
+              <a:t>            </a:t>
+            </a:r>
+            <a:r>
+              <a:rPr lang="en-US" altLang="zh-TW" sz="1200" kern="1200" dirty="0" err="1" smtClean="0">
+                <a:solidFill>
+                  <a:schemeClr val="tx1"/>
+                </a:solidFill>
+                <a:latin typeface="+mn-lt"/>
+                <a:ea typeface="+mn-ea"/>
+                <a:cs typeface="+mn-cs"/>
+              </a:rPr>
+              <a:t>println</a:t>
+            </a:r>
+            <a:r>
+              <a:rPr lang="en-US" altLang="zh-TW" sz="1200" kern="1200" dirty="0" smtClean="0">
+                <a:solidFill>
+                  <a:schemeClr val="tx1"/>
+                </a:solidFill>
+                <a:latin typeface="+mn-lt"/>
+                <a:ea typeface="+mn-ea"/>
+                <a:cs typeface="+mn-cs"/>
+              </a:rPr>
+              <a:t>("</a:t>
+            </a:r>
+            <a:r>
+              <a:rPr lang="zh-TW" altLang="en-US" sz="1200" kern="1200" dirty="0" smtClean="0">
+                <a:solidFill>
+                  <a:schemeClr val="tx1"/>
+                </a:solidFill>
+                <a:latin typeface="+mn-lt"/>
+                <a:ea typeface="+mn-ea"/>
+                <a:cs typeface="+mn-cs"/>
+              </a:rPr>
+              <a:t>没有数据</a:t>
+            </a:r>
+            <a:r>
+              <a:rPr lang="en-US" altLang="zh-TW" sz="1200" kern="1200" dirty="0" smtClean="0">
+                <a:solidFill>
+                  <a:schemeClr val="tx1"/>
+                </a:solidFill>
+                <a:latin typeface="+mn-lt"/>
+                <a:ea typeface="+mn-ea"/>
+                <a:cs typeface="+mn-cs"/>
+              </a:rPr>
+              <a:t>")</a:t>
+            </a:r>
+          </a:p>
+          <a:p>
+            <a:r>
+              <a:rPr lang="en-US" altLang="zh-CN" sz="1200" kern="1200" dirty="0" smtClean="0">
+                <a:solidFill>
+                  <a:schemeClr val="tx1"/>
+                </a:solidFill>
+                <a:latin typeface="+mn-lt"/>
+                <a:ea typeface="+mn-ea"/>
+                <a:cs typeface="+mn-cs"/>
+              </a:rPr>
+              <a:t>        }</a:t>
+            </a:r>
+          </a:p>
+          <a:p>
+            <a:r>
+              <a:rPr lang="en-US" altLang="zh-CN" sz="1200" kern="1200" dirty="0" smtClean="0">
+                <a:solidFill>
+                  <a:schemeClr val="tx1"/>
+                </a:solidFill>
+                <a:latin typeface="+mn-lt"/>
+                <a:ea typeface="+mn-ea"/>
+                <a:cs typeface="+mn-cs"/>
+              </a:rPr>
+              <a:t>    }</a:t>
+            </a:r>
+          </a:p>
+          <a:p>
+            <a:r>
+              <a:rPr lang="en-US" altLang="zh-CN" sz="1200" kern="1200" dirty="0" err="1" smtClean="0">
+                <a:solidFill>
+                  <a:schemeClr val="tx1"/>
+                </a:solidFill>
+                <a:latin typeface="+mn-lt"/>
+                <a:ea typeface="+mn-ea"/>
+                <a:cs typeface="+mn-cs"/>
+              </a:rPr>
+              <a:t>func</a:t>
+            </a:r>
+            <a:r>
+              <a:rPr lang="zh-CN" altLang="en-US" sz="1200" kern="1200" dirty="0" smtClean="0">
+                <a:solidFill>
+                  <a:schemeClr val="tx1"/>
+                </a:solidFill>
+                <a:latin typeface="+mn-lt"/>
+                <a:ea typeface="+mn-ea"/>
+                <a:cs typeface="+mn-cs"/>
+              </a:rPr>
+              <a:t> 保存数据到主程序</a:t>
+            </a:r>
+            <a:r>
+              <a:rPr lang="en-US" altLang="zh-CN" sz="1200" kern="1200" dirty="0" smtClean="0">
+                <a:solidFill>
+                  <a:schemeClr val="tx1"/>
+                </a:solidFill>
+                <a:latin typeface="+mn-lt"/>
+                <a:ea typeface="+mn-ea"/>
+                <a:cs typeface="+mn-cs"/>
+              </a:rPr>
+              <a:t>()</a:t>
+            </a:r>
+          </a:p>
+          <a:p>
+            <a:r>
+              <a:rPr lang="en-US" altLang="zh-CN" sz="1200" kern="1200" dirty="0" smtClean="0">
+                <a:solidFill>
+                  <a:schemeClr val="tx1"/>
+                </a:solidFill>
+                <a:latin typeface="+mn-lt"/>
+                <a:ea typeface="+mn-ea"/>
+                <a:cs typeface="+mn-cs"/>
+              </a:rPr>
+              <a:t>    {</a:t>
+            </a:r>
+          </a:p>
+          <a:p>
+            <a:r>
+              <a:rPr lang="zh-CN" altLang="en-US" sz="1200" kern="1200" dirty="0" smtClean="0">
+                <a:solidFill>
+                  <a:schemeClr val="tx1"/>
+                </a:solidFill>
+                <a:latin typeface="+mn-lt"/>
+                <a:ea typeface="+mn-ea"/>
+                <a:cs typeface="+mn-cs"/>
+              </a:rPr>
+              <a:t>        </a:t>
+            </a:r>
+            <a:r>
+              <a:rPr lang="en-US" altLang="zh-CN" sz="1200" kern="1200" dirty="0" smtClean="0">
+                <a:solidFill>
+                  <a:schemeClr val="tx1"/>
+                </a:solidFill>
+                <a:latin typeface="+mn-lt"/>
+                <a:ea typeface="+mn-ea"/>
+                <a:cs typeface="+mn-cs"/>
+              </a:rPr>
+              <a:t>let</a:t>
+            </a:r>
+            <a:r>
+              <a:rPr lang="zh-CN" altLang="en-US" sz="1200" kern="1200" dirty="0" smtClean="0">
+                <a:solidFill>
+                  <a:schemeClr val="tx1"/>
+                </a:solidFill>
+                <a:latin typeface="+mn-lt"/>
+                <a:ea typeface="+mn-ea"/>
+                <a:cs typeface="+mn-cs"/>
+              </a:rPr>
+              <a:t> 要保存的数据</a:t>
+            </a:r>
+            <a:r>
+              <a:rPr lang="en-US" altLang="zh-CN" sz="1200" kern="1200" dirty="0" smtClean="0">
+                <a:solidFill>
+                  <a:schemeClr val="tx1"/>
+                </a:solidFill>
+                <a:latin typeface="+mn-lt"/>
+                <a:ea typeface="+mn-ea"/>
+                <a:cs typeface="+mn-cs"/>
+              </a:rPr>
+              <a:t>:</a:t>
+            </a:r>
+            <a:r>
+              <a:rPr lang="en-US" altLang="zh-CN" sz="1200" kern="1200" dirty="0" err="1" smtClean="0">
+                <a:solidFill>
+                  <a:schemeClr val="tx1"/>
+                </a:solidFill>
+                <a:latin typeface="+mn-lt"/>
+                <a:ea typeface="+mn-ea"/>
+                <a:cs typeface="+mn-cs"/>
+              </a:rPr>
+              <a:t>NSArray</a:t>
+            </a:r>
+            <a:r>
+              <a:rPr lang="zh-CN" altLang="en-US" sz="1200" kern="1200" dirty="0" smtClean="0">
+                <a:solidFill>
+                  <a:schemeClr val="tx1"/>
+                </a:solidFill>
+                <a:latin typeface="+mn-lt"/>
+                <a:ea typeface="+mn-ea"/>
+                <a:cs typeface="+mn-cs"/>
+              </a:rPr>
+              <a:t> </a:t>
+            </a:r>
+            <a:r>
+              <a:rPr lang="en-US" altLang="zh-CN" sz="1200" kern="1200" dirty="0" smtClean="0">
+                <a:solidFill>
+                  <a:schemeClr val="tx1"/>
+                </a:solidFill>
+                <a:latin typeface="+mn-lt"/>
+                <a:ea typeface="+mn-ea"/>
+                <a:cs typeface="+mn-cs"/>
+              </a:rPr>
+              <a:t>= [</a:t>
+            </a:r>
+            <a:r>
+              <a:rPr lang="zh-CN" altLang="en-US" sz="1200" kern="1200" dirty="0" smtClean="0">
+                <a:solidFill>
+                  <a:schemeClr val="tx1"/>
+                </a:solidFill>
+                <a:latin typeface="+mn-lt"/>
+                <a:ea typeface="+mn-ea"/>
+                <a:cs typeface="+mn-cs"/>
+              </a:rPr>
+              <a:t>全部收藏数组</a:t>
+            </a:r>
+            <a:r>
+              <a:rPr lang="en-US" altLang="zh-CN" sz="1200" kern="1200" dirty="0" smtClean="0">
+                <a:solidFill>
+                  <a:schemeClr val="tx1"/>
+                </a:solidFill>
+                <a:latin typeface="+mn-lt"/>
+                <a:ea typeface="+mn-ea"/>
+                <a:cs typeface="+mn-cs"/>
+              </a:rPr>
+              <a:t>,</a:t>
+            </a:r>
+            <a:r>
+              <a:rPr lang="zh-CN" altLang="en-US" sz="1200" kern="1200" dirty="0" smtClean="0">
+                <a:solidFill>
+                  <a:schemeClr val="tx1"/>
+                </a:solidFill>
+                <a:latin typeface="+mn-lt"/>
+                <a:ea typeface="+mn-ea"/>
+                <a:cs typeface="+mn-cs"/>
+              </a:rPr>
+              <a:t>全部自定数组</a:t>
+            </a:r>
+            <a:r>
+              <a:rPr lang="en-US" altLang="zh-CN" sz="1200" kern="1200" dirty="0" smtClean="0">
+                <a:solidFill>
+                  <a:schemeClr val="tx1"/>
+                </a:solidFill>
+                <a:latin typeface="+mn-lt"/>
+                <a:ea typeface="+mn-ea"/>
+                <a:cs typeface="+mn-cs"/>
+              </a:rPr>
+              <a:t>,</a:t>
+            </a:r>
+            <a:r>
+              <a:rPr lang="zh-CN" altLang="en-US" sz="1200" kern="1200" dirty="0" smtClean="0">
+                <a:solidFill>
+                  <a:schemeClr val="tx1"/>
+                </a:solidFill>
+                <a:latin typeface="+mn-lt"/>
+                <a:ea typeface="+mn-ea"/>
+                <a:cs typeface="+mn-cs"/>
+              </a:rPr>
+              <a:t>全部历史数组</a:t>
+            </a:r>
+            <a:r>
+              <a:rPr lang="en-US" altLang="zh-CN" sz="1200" kern="1200" dirty="0" smtClean="0">
+                <a:solidFill>
+                  <a:schemeClr val="tx1"/>
+                </a:solidFill>
+                <a:latin typeface="+mn-lt"/>
+                <a:ea typeface="+mn-ea"/>
+                <a:cs typeface="+mn-cs"/>
+              </a:rPr>
+              <a:t>]</a:t>
+            </a:r>
+          </a:p>
+          <a:p>
+            <a:r>
+              <a:rPr lang="en-US" altLang="zh-CN" sz="1200" kern="1200" dirty="0" smtClean="0">
+                <a:solidFill>
+                  <a:schemeClr val="tx1"/>
+                </a:solidFill>
+                <a:latin typeface="+mn-lt"/>
+                <a:ea typeface="+mn-ea"/>
+                <a:cs typeface="+mn-cs"/>
+              </a:rPr>
+              <a:t>        </a:t>
+            </a:r>
+            <a:r>
+              <a:rPr lang="en-US" altLang="zh-CN" sz="1200" kern="1200" dirty="0" err="1" smtClean="0">
+                <a:solidFill>
+                  <a:schemeClr val="tx1"/>
+                </a:solidFill>
+                <a:latin typeface="+mn-lt"/>
+                <a:ea typeface="+mn-ea"/>
+                <a:cs typeface="+mn-cs"/>
+              </a:rPr>
+              <a:t>var</a:t>
+            </a:r>
+            <a:r>
+              <a:rPr lang="en-US" altLang="zh-CN" sz="1200" kern="1200" dirty="0" smtClean="0">
+                <a:solidFill>
+                  <a:schemeClr val="tx1"/>
+                </a:solidFill>
+                <a:latin typeface="+mn-lt"/>
+                <a:ea typeface="+mn-ea"/>
+                <a:cs typeface="+mn-cs"/>
+              </a:rPr>
+              <a:t> </a:t>
+            </a:r>
+            <a:r>
+              <a:rPr lang="en-US" altLang="zh-CN" sz="1200" kern="1200" dirty="0" err="1" smtClean="0">
+                <a:solidFill>
+                  <a:schemeClr val="tx1"/>
+                </a:solidFill>
+                <a:latin typeface="+mn-lt"/>
+                <a:ea typeface="+mn-ea"/>
+                <a:cs typeface="+mn-cs"/>
+              </a:rPr>
+              <a:t>containerURL:NSURL</a:t>
+            </a:r>
+            <a:r>
+              <a:rPr lang="en-US" altLang="zh-CN" sz="1200" kern="1200" dirty="0" smtClean="0">
+                <a:solidFill>
+                  <a:schemeClr val="tx1"/>
+                </a:solidFill>
+                <a:latin typeface="+mn-lt"/>
+                <a:ea typeface="+mn-ea"/>
+                <a:cs typeface="+mn-cs"/>
+              </a:rPr>
+              <a:t> = </a:t>
+            </a:r>
+            <a:r>
+              <a:rPr lang="en-US" altLang="zh-CN" sz="1200" kern="1200" dirty="0" err="1" smtClean="0">
+                <a:solidFill>
+                  <a:schemeClr val="tx1"/>
+                </a:solidFill>
+                <a:latin typeface="+mn-lt"/>
+                <a:ea typeface="+mn-ea"/>
+                <a:cs typeface="+mn-cs"/>
+              </a:rPr>
+              <a:t>NSFileManager.defaultManager</a:t>
+            </a:r>
+            <a:r>
+              <a:rPr lang="en-US" altLang="zh-CN" sz="1200" kern="1200" dirty="0" smtClean="0">
+                <a:solidFill>
+                  <a:schemeClr val="tx1"/>
+                </a:solidFill>
+                <a:latin typeface="+mn-lt"/>
+                <a:ea typeface="+mn-ea"/>
+                <a:cs typeface="+mn-cs"/>
+              </a:rPr>
+              <a:t>().</a:t>
+            </a:r>
+            <a:r>
+              <a:rPr lang="en-US" altLang="zh-CN" sz="1200" kern="1200" dirty="0" err="1" smtClean="0">
+                <a:solidFill>
+                  <a:schemeClr val="tx1"/>
+                </a:solidFill>
+                <a:latin typeface="+mn-lt"/>
+                <a:ea typeface="+mn-ea"/>
+                <a:cs typeface="+mn-cs"/>
+              </a:rPr>
+              <a:t>containerURLForSecurityApplicationGroupIdentifier</a:t>
+            </a:r>
+            <a:r>
+              <a:rPr lang="en-US" altLang="zh-CN" sz="1200" kern="1200" dirty="0" smtClean="0">
+                <a:solidFill>
+                  <a:schemeClr val="tx1"/>
+                </a:solidFill>
+                <a:latin typeface="+mn-lt"/>
+                <a:ea typeface="+mn-ea"/>
+                <a:cs typeface="+mn-cs"/>
+              </a:rPr>
+              <a:t>("group.CE2Keyboard")!</a:t>
+            </a:r>
+          </a:p>
+          <a:p>
+            <a:r>
+              <a:rPr lang="en-US" altLang="zh-CN" sz="1200" kern="1200" dirty="0" smtClean="0">
+                <a:solidFill>
+                  <a:schemeClr val="tx1"/>
+                </a:solidFill>
+                <a:latin typeface="+mn-lt"/>
+                <a:ea typeface="+mn-ea"/>
+                <a:cs typeface="+mn-cs"/>
+              </a:rPr>
+              <a:t>        </a:t>
+            </a:r>
+            <a:r>
+              <a:rPr lang="en-US" altLang="zh-CN" sz="1200" kern="1200" dirty="0" err="1" smtClean="0">
+                <a:solidFill>
+                  <a:schemeClr val="tx1"/>
+                </a:solidFill>
+                <a:latin typeface="+mn-lt"/>
+                <a:ea typeface="+mn-ea"/>
+                <a:cs typeface="+mn-cs"/>
+              </a:rPr>
+              <a:t>containerURL</a:t>
+            </a:r>
+            <a:r>
+              <a:rPr lang="en-US" altLang="zh-CN" sz="1200" kern="1200" dirty="0" smtClean="0">
+                <a:solidFill>
+                  <a:schemeClr val="tx1"/>
+                </a:solidFill>
+                <a:latin typeface="+mn-lt"/>
+                <a:ea typeface="+mn-ea"/>
+                <a:cs typeface="+mn-cs"/>
+              </a:rPr>
+              <a:t> = </a:t>
+            </a:r>
+            <a:r>
+              <a:rPr lang="en-US" altLang="zh-CN" sz="1200" kern="1200" dirty="0" err="1" smtClean="0">
+                <a:solidFill>
+                  <a:schemeClr val="tx1"/>
+                </a:solidFill>
+                <a:latin typeface="+mn-lt"/>
+                <a:ea typeface="+mn-ea"/>
+                <a:cs typeface="+mn-cs"/>
+              </a:rPr>
+              <a:t>containerURL.URLByAppendingPathComponent</a:t>
+            </a:r>
+            <a:r>
+              <a:rPr lang="en-US" altLang="zh-CN" sz="1200" kern="1200" dirty="0" smtClean="0">
+                <a:solidFill>
+                  <a:schemeClr val="tx1"/>
+                </a:solidFill>
+                <a:latin typeface="+mn-lt"/>
+                <a:ea typeface="+mn-ea"/>
+                <a:cs typeface="+mn-cs"/>
+              </a:rPr>
+              <a:t>("Library/caches/CE2")</a:t>
+            </a:r>
+          </a:p>
+          <a:p>
+            <a:r>
+              <a:rPr lang="en-US" altLang="zh-CN" sz="1200" kern="1200" dirty="0" smtClean="0">
+                <a:solidFill>
+                  <a:schemeClr val="tx1"/>
+                </a:solidFill>
+                <a:latin typeface="+mn-lt"/>
+                <a:ea typeface="+mn-ea"/>
+                <a:cs typeface="+mn-cs"/>
+              </a:rPr>
+              <a:t>        let </a:t>
+            </a:r>
+            <a:r>
+              <a:rPr lang="zh-CN" altLang="en-US" sz="1200" kern="1200" dirty="0" smtClean="0">
+                <a:solidFill>
+                  <a:schemeClr val="tx1"/>
+                </a:solidFill>
+                <a:latin typeface="+mn-lt"/>
+                <a:ea typeface="+mn-ea"/>
+                <a:cs typeface="+mn-cs"/>
+              </a:rPr>
+              <a:t>要保存的数据文本</a:t>
+            </a:r>
+            <a:r>
+              <a:rPr lang="en-US" altLang="zh-CN" sz="1200" kern="1200" dirty="0" smtClean="0">
+                <a:solidFill>
+                  <a:schemeClr val="tx1"/>
+                </a:solidFill>
+                <a:latin typeface="+mn-lt"/>
+                <a:ea typeface="+mn-ea"/>
+                <a:cs typeface="+mn-cs"/>
+              </a:rPr>
+              <a:t>:</a:t>
+            </a:r>
+            <a:r>
+              <a:rPr lang="en-US" altLang="zh-CN" sz="1200" kern="1200" dirty="0" err="1" smtClean="0">
+                <a:solidFill>
+                  <a:schemeClr val="tx1"/>
+                </a:solidFill>
+                <a:latin typeface="+mn-lt"/>
+                <a:ea typeface="+mn-ea"/>
+                <a:cs typeface="+mn-cs"/>
+              </a:rPr>
+              <a:t>NSString</a:t>
+            </a:r>
+            <a:r>
+              <a:rPr lang="en-US" altLang="zh-CN" sz="1200" kern="1200" dirty="0" smtClean="0">
+                <a:solidFill>
+                  <a:schemeClr val="tx1"/>
+                </a:solidFill>
+                <a:latin typeface="+mn-lt"/>
+                <a:ea typeface="+mn-ea"/>
+                <a:cs typeface="+mn-cs"/>
+              </a:rPr>
+              <a:t> = </a:t>
+            </a:r>
+            <a:r>
+              <a:rPr lang="en-US" altLang="zh-CN" sz="1200" kern="1200" dirty="0" err="1" smtClean="0">
+                <a:solidFill>
+                  <a:schemeClr val="tx1"/>
+                </a:solidFill>
+                <a:latin typeface="+mn-lt"/>
+                <a:ea typeface="+mn-ea"/>
+                <a:cs typeface="+mn-cs"/>
+              </a:rPr>
+              <a:t>ArrayString</a:t>
+            </a:r>
+            <a:r>
+              <a:rPr lang="en-US" altLang="zh-CN" sz="1200" kern="1200" dirty="0" smtClean="0">
+                <a:solidFill>
+                  <a:schemeClr val="tx1"/>
+                </a:solidFill>
+                <a:latin typeface="+mn-lt"/>
+                <a:ea typeface="+mn-ea"/>
+                <a:cs typeface="+mn-cs"/>
+              </a:rPr>
+              <a:t>().array2json(</a:t>
+            </a:r>
+            <a:r>
+              <a:rPr lang="zh-CN" altLang="en-US" sz="1200" kern="1200" dirty="0" smtClean="0">
+                <a:solidFill>
+                  <a:schemeClr val="tx1"/>
+                </a:solidFill>
+                <a:latin typeface="+mn-lt"/>
+                <a:ea typeface="+mn-ea"/>
+                <a:cs typeface="+mn-cs"/>
+              </a:rPr>
+              <a:t>要保存的数据</a:t>
+            </a:r>
+            <a:r>
+              <a:rPr lang="en-US" altLang="zh-CN" sz="1200" kern="1200" dirty="0" smtClean="0">
+                <a:solidFill>
+                  <a:schemeClr val="tx1"/>
+                </a:solidFill>
+                <a:latin typeface="+mn-lt"/>
+                <a:ea typeface="+mn-ea"/>
+                <a:cs typeface="+mn-cs"/>
+              </a:rPr>
+              <a:t>)</a:t>
+            </a:r>
+          </a:p>
+          <a:p>
+            <a:r>
+              <a:rPr lang="en-US" altLang="zh-CN" sz="1200" kern="1200" dirty="0" smtClean="0">
+                <a:solidFill>
+                  <a:schemeClr val="tx1"/>
+                </a:solidFill>
+                <a:latin typeface="+mn-lt"/>
+                <a:ea typeface="+mn-ea"/>
+                <a:cs typeface="+mn-cs"/>
+              </a:rPr>
+              <a:t>        </a:t>
+            </a:r>
+            <a:r>
+              <a:rPr lang="zh-CN" altLang="en-US" sz="1200" kern="1200" dirty="0" smtClean="0">
+                <a:solidFill>
+                  <a:schemeClr val="tx1"/>
+                </a:solidFill>
+                <a:latin typeface="+mn-lt"/>
+                <a:ea typeface="+mn-ea"/>
+                <a:cs typeface="+mn-cs"/>
+              </a:rPr>
+              <a:t>要保存的数据文本</a:t>
+            </a:r>
+            <a:r>
+              <a:rPr lang="en-US" altLang="zh-CN" sz="1200" kern="1200" dirty="0" smtClean="0">
+                <a:solidFill>
+                  <a:schemeClr val="tx1"/>
+                </a:solidFill>
+                <a:latin typeface="+mn-lt"/>
+                <a:ea typeface="+mn-ea"/>
+                <a:cs typeface="+mn-cs"/>
+              </a:rPr>
+              <a:t>.</a:t>
+            </a:r>
+            <a:r>
+              <a:rPr lang="en-US" altLang="zh-CN" sz="1200" kern="1200" dirty="0" err="1" smtClean="0">
+                <a:solidFill>
+                  <a:schemeClr val="tx1"/>
+                </a:solidFill>
+                <a:latin typeface="+mn-lt"/>
+                <a:ea typeface="+mn-ea"/>
+                <a:cs typeface="+mn-cs"/>
+              </a:rPr>
+              <a:t>writeToURL</a:t>
+            </a:r>
+            <a:r>
+              <a:rPr lang="en-US" altLang="zh-CN" sz="1200" kern="1200" dirty="0" smtClean="0">
+                <a:solidFill>
+                  <a:schemeClr val="tx1"/>
+                </a:solidFill>
+                <a:latin typeface="+mn-lt"/>
+                <a:ea typeface="+mn-ea"/>
+                <a:cs typeface="+mn-cs"/>
+              </a:rPr>
+              <a:t>(</a:t>
+            </a:r>
+            <a:r>
+              <a:rPr lang="en-US" altLang="zh-CN" sz="1200" kern="1200" dirty="0" err="1" smtClean="0">
+                <a:solidFill>
+                  <a:schemeClr val="tx1"/>
+                </a:solidFill>
+                <a:latin typeface="+mn-lt"/>
+                <a:ea typeface="+mn-ea"/>
+                <a:cs typeface="+mn-cs"/>
+              </a:rPr>
+              <a:t>containerURL</a:t>
+            </a:r>
+            <a:r>
+              <a:rPr lang="en-US" altLang="zh-CN" sz="1200" kern="1200" dirty="0" smtClean="0">
+                <a:solidFill>
+                  <a:schemeClr val="tx1"/>
+                </a:solidFill>
+                <a:latin typeface="+mn-lt"/>
+                <a:ea typeface="+mn-ea"/>
+                <a:cs typeface="+mn-cs"/>
+              </a:rPr>
+              <a:t>, atomically: true, encoding: NSUTF8StringEncoding, error: nil)</a:t>
+            </a:r>
+          </a:p>
+          <a:p>
+            <a:r>
+              <a:rPr lang="en-US" altLang="zh-CN" sz="1200" kern="1200" dirty="0" smtClean="0">
+                <a:solidFill>
+                  <a:schemeClr val="tx1"/>
+                </a:solidFill>
+                <a:latin typeface="+mn-lt"/>
+                <a:ea typeface="+mn-ea"/>
+                <a:cs typeface="+mn-cs"/>
+              </a:rPr>
+              <a:t>    }</a:t>
+            </a:r>
+            <a:endParaRPr kumimoji="1" lang="zh-CN" altLang="en-US" dirty="0"/>
+          </a:p>
+        </p:txBody>
+      </p:sp>
+      <p:sp>
+        <p:nvSpPr>
+          <p:cNvPr id="4" name="幻灯片编号占位符 3"/>
+          <p:cNvSpPr>
+            <a:spLocks noGrp="1"/>
+          </p:cNvSpPr>
+          <p:nvPr>
+            <p:ph type="sldNum" sz="quarter" idx="10"/>
+          </p:nvPr>
+        </p:nvSpPr>
+        <p:spPr/>
+        <p:txBody>
+          <a:bodyPr/>
+          <a:lstStyle/>
+          <a:p>
+            <a:fld id="{EDADD7A9-47AE-D446-BE9D-72BC0FBDA941}" type="slidenum">
+              <a:rPr kumimoji="1" lang="zh-CN" altLang="en-US" smtClean="0"/>
+              <a:t>2</a:t>
+            </a:fld>
+            <a:endParaRPr kumimoji="1" lang="zh-CN" altLang="en-US"/>
+          </a:p>
+        </p:txBody>
+      </p:sp>
+    </p:spTree>
+    <p:extLst>
+      <p:ext uri="{BB962C8B-B14F-4D97-AF65-F5344CB8AC3E}">
+        <p14:creationId xmlns:p14="http://schemas.microsoft.com/office/powerpoint/2010/main" val="262371190"/>
+      </p:ext>
+    </p:extLst>
+  </p:cSld>
+  <p:clrMapOvr>
+    <a:masterClrMapping/>
+  </p:clrMapOvr>
+</p:notes>
+</file>
+
 <file path=ppt/slideLayouts/slideLayout1.xml><?xml version="1.0" encoding="utf-8"?>
 <p:sldLayout xmlns:a="http://schemas.openxmlformats.org/drawingml/2006/main" xmlns:r="http://schemas.openxmlformats.org/officeDocument/2006/relationships" xmlns:p="http://schemas.openxmlformats.org/presentationml/2006/main" type="title" preserve="1">
   <p:cSld name="标题幻灯片">
@@ -288,7 +3810,7 @@
           <a:p>
             <a:fld id="{16227CF1-EB98-6141-A160-F48BACBCDEB3}" type="datetimeFigureOut">
               <a:rPr kumimoji="1" lang="zh-CN" altLang="en-US" smtClean="0"/>
-              <a:t>14/8/13</a:t>
+              <a:t>15/3/16</a:t>
             </a:fld>
             <a:endParaRPr kumimoji="1" lang="zh-CN" altLang="en-US"/>
           </a:p>
@@ -458,7 +3980,7 @@
           <a:p>
             <a:fld id="{16227CF1-EB98-6141-A160-F48BACBCDEB3}" type="datetimeFigureOut">
               <a:rPr kumimoji="1" lang="zh-CN" altLang="en-US" smtClean="0"/>
-              <a:t>14/8/13</a:t>
+              <a:t>15/3/16</a:t>
             </a:fld>
             <a:endParaRPr kumimoji="1" lang="zh-CN" altLang="en-US"/>
           </a:p>
@@ -638,7 +4160,7 @@
           <a:p>
             <a:fld id="{16227CF1-EB98-6141-A160-F48BACBCDEB3}" type="datetimeFigureOut">
               <a:rPr kumimoji="1" lang="zh-CN" altLang="en-US" smtClean="0"/>
-              <a:t>14/8/13</a:t>
+              <a:t>15/3/16</a:t>
             </a:fld>
             <a:endParaRPr kumimoji="1" lang="zh-CN" altLang="en-US"/>
           </a:p>
@@ -808,7 +4330,7 @@
           <a:p>
             <a:fld id="{16227CF1-EB98-6141-A160-F48BACBCDEB3}" type="datetimeFigureOut">
               <a:rPr kumimoji="1" lang="zh-CN" altLang="en-US" smtClean="0"/>
-              <a:t>14/8/13</a:t>
+              <a:t>15/3/16</a:t>
             </a:fld>
             <a:endParaRPr kumimoji="1" lang="zh-CN" altLang="en-US"/>
           </a:p>
@@ -1054,7 +4576,7 @@
           <a:p>
             <a:fld id="{16227CF1-EB98-6141-A160-F48BACBCDEB3}" type="datetimeFigureOut">
               <a:rPr kumimoji="1" lang="zh-CN" altLang="en-US" smtClean="0"/>
-              <a:t>14/8/13</a:t>
+              <a:t>15/3/16</a:t>
             </a:fld>
             <a:endParaRPr kumimoji="1" lang="zh-CN" altLang="en-US"/>
           </a:p>
@@ -1342,7 +4864,7 @@
           <a:p>
             <a:fld id="{16227CF1-EB98-6141-A160-F48BACBCDEB3}" type="datetimeFigureOut">
               <a:rPr kumimoji="1" lang="zh-CN" altLang="en-US" smtClean="0"/>
-              <a:t>14/8/13</a:t>
+              <a:t>15/3/16</a:t>
             </a:fld>
             <a:endParaRPr kumimoji="1" lang="zh-CN" altLang="en-US"/>
           </a:p>
@@ -1764,7 +5286,7 @@
           <a:p>
             <a:fld id="{16227CF1-EB98-6141-A160-F48BACBCDEB3}" type="datetimeFigureOut">
               <a:rPr kumimoji="1" lang="zh-CN" altLang="en-US" smtClean="0"/>
-              <a:t>14/8/13</a:t>
+              <a:t>15/3/16</a:t>
             </a:fld>
             <a:endParaRPr kumimoji="1" lang="zh-CN" altLang="en-US"/>
           </a:p>
@@ -1882,7 +5404,7 @@
           <a:p>
             <a:fld id="{16227CF1-EB98-6141-A160-F48BACBCDEB3}" type="datetimeFigureOut">
               <a:rPr kumimoji="1" lang="zh-CN" altLang="en-US" smtClean="0"/>
-              <a:t>14/8/13</a:t>
+              <a:t>15/3/16</a:t>
             </a:fld>
             <a:endParaRPr kumimoji="1" lang="zh-CN" altLang="en-US"/>
           </a:p>
@@ -1977,7 +5499,7 @@
           <a:p>
             <a:fld id="{16227CF1-EB98-6141-A160-F48BACBCDEB3}" type="datetimeFigureOut">
               <a:rPr kumimoji="1" lang="zh-CN" altLang="en-US" smtClean="0"/>
-              <a:t>14/8/13</a:t>
+              <a:t>15/3/16</a:t>
             </a:fld>
             <a:endParaRPr kumimoji="1" lang="zh-CN" altLang="en-US"/>
           </a:p>
@@ -2254,7 +5776,7 @@
           <a:p>
             <a:fld id="{16227CF1-EB98-6141-A160-F48BACBCDEB3}" type="datetimeFigureOut">
               <a:rPr kumimoji="1" lang="zh-CN" altLang="en-US" smtClean="0"/>
-              <a:t>14/8/13</a:t>
+              <a:t>15/3/16</a:t>
             </a:fld>
             <a:endParaRPr kumimoji="1" lang="zh-CN" altLang="en-US"/>
           </a:p>
@@ -2507,7 +6029,7 @@
           <a:p>
             <a:fld id="{16227CF1-EB98-6141-A160-F48BACBCDEB3}" type="datetimeFigureOut">
               <a:rPr kumimoji="1" lang="zh-CN" altLang="en-US" smtClean="0"/>
-              <a:t>14/8/13</a:t>
+              <a:t>15/3/16</a:t>
             </a:fld>
             <a:endParaRPr kumimoji="1" lang="zh-CN" altLang="en-US"/>
           </a:p>
@@ -2720,7 +6242,7 @@
           <a:p>
             <a:fld id="{16227CF1-EB98-6141-A160-F48BACBCDEB3}" type="datetimeFigureOut">
               <a:rPr kumimoji="1" lang="zh-CN" altLang="en-US" smtClean="0"/>
-              <a:t>14/8/13</a:t>
+              <a:t>15/3/16</a:t>
             </a:fld>
             <a:endParaRPr kumimoji="1" lang="zh-CN" altLang="en-US"/>
           </a:p>
@@ -3471,10 +6993,6 @@
           </a:p>
           <a:p>
             <a:pPr algn="ctr"/>
-            <a:r>
-              <a:rPr kumimoji="1" lang="en-US" altLang="zh-CN" dirty="0"/>
-              <a:t/>
-            </a:r>
             <a:endParaRPr kumimoji="1" lang="en-US" altLang="zh-CN" dirty="0" smtClean="0"/>
           </a:p>
         </p:txBody>
@@ -3876,11 +7394,7 @@
             </a:r>
             <a:r>
               <a:rPr kumimoji="1" lang="en-US" altLang="zh-CN" sz="1200" dirty="0" smtClean="0"/>
-              <a:t>].</a:t>
-            </a:r>
-            <a:r>
-              <a:rPr kumimoji="1" lang="en-US" altLang="zh-CN" sz="1200" dirty="0" smtClean="0"/>
-              <a:t>emoticon</a:t>
+              <a:t>].emoticon</a:t>
             </a:r>
             <a:r>
               <a:rPr kumimoji="1" lang="zh-CN" altLang="en-US" sz="1200" dirty="0" smtClean="0"/>
@@ -4453,8 +7967,13 @@
                   <a:schemeClr val="bg1"/>
                 </a:solidFill>
               </a:rPr>
-              <a:t>1</a:t>
-            </a:r>
+              <a:t>0</a:t>
+            </a:r>
+            <a:endParaRPr kumimoji="1" lang="en-US" altLang="zh-CN" sz="1200" dirty="0" smtClean="0">
+              <a:solidFill>
+                <a:schemeClr val="bg1"/>
+              </a:solidFill>
+            </a:endParaRPr>
           </a:p>
           <a:p>
             <a:pPr algn="ctr"/>
@@ -4584,8 +8103,13 @@
                   <a:schemeClr val="bg1"/>
                 </a:solidFill>
               </a:rPr>
-              <a:t>2</a:t>
-            </a:r>
+              <a:t>1</a:t>
+            </a:r>
+            <a:endParaRPr kumimoji="1" lang="en-US" altLang="zh-CN" sz="1200" dirty="0" smtClean="0">
+              <a:solidFill>
+                <a:schemeClr val="bg1"/>
+              </a:solidFill>
+            </a:endParaRPr>
           </a:p>
           <a:p>
             <a:pPr algn="ctr"/>
@@ -4683,8 +8207,13 @@
                   <a:schemeClr val="bg1"/>
                 </a:solidFill>
               </a:rPr>
-              <a:t>3</a:t>
-            </a:r>
+              <a:t>2</a:t>
+            </a:r>
+            <a:endParaRPr kumimoji="1" lang="en-US" altLang="zh-CN" sz="1200" dirty="0" smtClean="0">
+              <a:solidFill>
+                <a:schemeClr val="bg1"/>
+              </a:solidFill>
+            </a:endParaRPr>
           </a:p>
           <a:p>
             <a:pPr algn="ctr"/>
@@ -4808,13 +8337,18 @@
           <a:p>
             <a:pPr lvl="0" algn="ctr"/>
             <a:r>
-              <a:rPr kumimoji="1" lang="en-US" altLang="zh-CN" sz="1200" dirty="0">
+              <a:rPr kumimoji="1" lang="en-US" altLang="zh-CN" sz="1200" dirty="0" smtClean="0">
                 <a:solidFill>
                   <a:prstClr val="white"/>
                 </a:solidFill>
               </a:rPr>
-              <a:t>4</a:t>
-            </a:r>
+              <a:t>3</a:t>
+            </a:r>
+            <a:endParaRPr kumimoji="1" lang="en-US" altLang="zh-CN" sz="1200" dirty="0">
+              <a:solidFill>
+                <a:prstClr val="white"/>
+              </a:solidFill>
+            </a:endParaRPr>
           </a:p>
           <a:p>
             <a:pPr lvl="0" algn="ctr"/>
@@ -4895,8 +8429,15 @@
                   </a:schemeClr>
                 </a:solidFill>
               </a:rPr>
-              <a:t>1</a:t>
-            </a:r>
+              <a:t>0</a:t>
+            </a:r>
+            <a:endParaRPr kumimoji="1" lang="en-US" altLang="zh-CN" sz="1200" dirty="0" smtClean="0">
+              <a:solidFill>
+                <a:schemeClr val="accent1">
+                  <a:lumMod val="50000"/>
+                </a:schemeClr>
+              </a:solidFill>
+            </a:endParaRPr>
           </a:p>
           <a:p>
             <a:pPr algn="ctr"/>
@@ -5075,8 +8616,15 @@
                   </a:schemeClr>
                 </a:solidFill>
               </a:rPr>
-              <a:t>5</a:t>
-            </a:r>
+              <a:t>4</a:t>
+            </a:r>
+            <a:endParaRPr kumimoji="1" lang="en-US" altLang="zh-CN" sz="1200" dirty="0" smtClean="0">
+              <a:solidFill>
+                <a:schemeClr val="bg1">
+                  <a:lumMod val="50000"/>
+                </a:schemeClr>
+              </a:solidFill>
+            </a:endParaRPr>
           </a:p>
           <a:p>
             <a:pPr lvl="0" algn="ctr"/>
@@ -5168,8 +8716,15 @@
                   </a:schemeClr>
                 </a:solidFill>
               </a:rPr>
-              <a:t>1</a:t>
-            </a:r>
+              <a:t>0</a:t>
+            </a:r>
+            <a:endParaRPr kumimoji="1" lang="en-US" altLang="zh-CN" sz="1200" dirty="0" smtClean="0">
+              <a:solidFill>
+                <a:schemeClr val="accent1">
+                  <a:lumMod val="50000"/>
+                </a:schemeClr>
+              </a:solidFill>
+            </a:endParaRPr>
           </a:p>
           <a:p>
             <a:pPr algn="ctr"/>
@@ -5420,10 +8975,6 @@
           </a:p>
           <a:p>
             <a:pPr algn="ctr"/>
-            <a:r>
-              <a:rPr kumimoji="1" lang="en-US" altLang="zh-CN" dirty="0"/>
-              <a:t/>
-            </a:r>
             <a:endParaRPr kumimoji="1" lang="en-US" altLang="zh-CN" dirty="0" smtClean="0"/>
           </a:p>
         </p:txBody>
@@ -5604,8 +9155,15 @@
                     </a:schemeClr>
                   </a:solidFill>
                 </a:rPr>
-                <a:t>1</a:t>
+                <a:t>0</a:t>
               </a:r>
+              <a:endParaRPr kumimoji="1" lang="en-US" altLang="zh-CN" sz="1200" dirty="0" smtClean="0">
+                <a:solidFill>
+                  <a:schemeClr val="accent1">
+                    <a:lumMod val="50000"/>
+                  </a:schemeClr>
+                </a:solidFill>
+              </a:endParaRPr>
             </a:p>
             <a:p>
               <a:pPr algn="ctr"/>
@@ -5717,8 +9275,15 @@
                     </a:schemeClr>
                   </a:solidFill>
                 </a:rPr>
-                <a:t>2</a:t>
+                <a:t>1</a:t>
               </a:r>
+              <a:endParaRPr kumimoji="1" lang="en-US" altLang="zh-CN" sz="1200" dirty="0" smtClean="0">
+                <a:solidFill>
+                  <a:schemeClr val="accent1">
+                    <a:lumMod val="50000"/>
+                  </a:schemeClr>
+                </a:solidFill>
+              </a:endParaRPr>
             </a:p>
             <a:p>
               <a:pPr algn="ctr"/>
@@ -5990,7 +9555,7 @@
                     </a:schemeClr>
                   </a:solidFill>
                 </a:rPr>
-                <a:t>1</a:t>
+                <a:t>0</a:t>
               </a:r>
               <a:endParaRPr kumimoji="1" lang="en-US" altLang="zh-CN" sz="1200" dirty="0" smtClean="0">
                 <a:solidFill>
@@ -6044,7 +9609,7 @@
                     </a:schemeClr>
                   </a:solidFill>
                 </a:rPr>
-                <a:t>2</a:t>
+                <a:t>1</a:t>
               </a:r>
               <a:endParaRPr kumimoji="1" lang="en-US" altLang="zh-CN" sz="1200" dirty="0" smtClean="0">
                 <a:solidFill>
@@ -6209,10 +9774,6 @@
           </a:p>
           <a:p>
             <a:pPr algn="ctr"/>
-            <a:r>
-              <a:rPr kumimoji="1" lang="en-US" altLang="zh-CN" dirty="0"/>
-              <a:t/>
-            </a:r>
             <a:endParaRPr kumimoji="1" lang="en-US" altLang="zh-CN" dirty="0" smtClean="0"/>
           </a:p>
         </p:txBody>
@@ -6316,6 +9877,2608 @@
       </p:par>
     </p:tnLst>
   </p:timing>
+</p:sld>
+</file>
+
+<file path=ppt/slides/slide2.xml><?xml version="1.0" encoding="utf-8"?>
+<p:sld xmlns:a="http://schemas.openxmlformats.org/drawingml/2006/main" xmlns:r="http://schemas.openxmlformats.org/officeDocument/2006/relationships" xmlns:p="http://schemas.openxmlformats.org/presentationml/2006/main">
+  <p:cSld>
+    <p:spTree>
+      <p:nvGrpSpPr>
+        <p:cNvPr id="1" name=""/>
+        <p:cNvGrpSpPr/>
+        <p:nvPr/>
+      </p:nvGrpSpPr>
+      <p:grpSpPr>
+        <a:xfrm>
+          <a:off x="0" y="0"/>
+          <a:ext cx="0" cy="0"/>
+          <a:chOff x="0" y="0"/>
+          <a:chExt cx="0" cy="0"/>
+        </a:xfrm>
+      </p:grpSpPr>
+      <p:sp>
+        <p:nvSpPr>
+          <p:cNvPr id="4" name="矩形 3"/>
+          <p:cNvSpPr/>
+          <p:nvPr/>
+        </p:nvSpPr>
+        <p:spPr>
+          <a:xfrm>
+            <a:off x="229823" y="39630"/>
+            <a:ext cx="8695510" cy="3420145"/>
+          </a:xfrm>
+          <a:prstGeom prst="rect">
+            <a:avLst/>
+          </a:prstGeom>
+        </p:spPr>
+        <p:style>
+          <a:lnRef idx="1">
+            <a:schemeClr val="accent5"/>
+          </a:lnRef>
+          <a:fillRef idx="2">
+            <a:schemeClr val="accent5"/>
+          </a:fillRef>
+          <a:effectRef idx="1">
+            <a:schemeClr val="accent5"/>
+          </a:effectRef>
+          <a:fontRef idx="minor">
+            <a:schemeClr val="dk1"/>
+          </a:fontRef>
+        </p:style>
+        <p:txBody>
+          <a:bodyPr rtlCol="0" anchor="ctr"/>
+          <a:lstStyle/>
+          <a:p>
+            <a:pPr algn="ctr"/>
+            <a:endParaRPr kumimoji="1" lang="zh-CN" altLang="en-US" dirty="0"/>
+          </a:p>
+        </p:txBody>
+      </p:sp>
+      <p:sp>
+        <p:nvSpPr>
+          <p:cNvPr id="5" name="文本框 4"/>
+          <p:cNvSpPr txBox="1"/>
+          <p:nvPr/>
+        </p:nvSpPr>
+        <p:spPr>
+          <a:xfrm>
+            <a:off x="371868" y="39630"/>
+            <a:ext cx="8430652" cy="276999"/>
+          </a:xfrm>
+          <a:prstGeom prst="rect">
+            <a:avLst/>
+          </a:prstGeom>
+          <a:noFill/>
+        </p:spPr>
+        <p:txBody>
+          <a:bodyPr wrap="square" rtlCol="0">
+            <a:spAutoFit/>
+          </a:bodyPr>
+          <a:lstStyle/>
+          <a:p>
+            <a:pPr algn="ctr"/>
+            <a:r>
+              <a:rPr lang="en-US" altLang="zh-CN" sz="1200" dirty="0"/>
+              <a:t>"group.CE2Keyboard"</a:t>
+            </a:r>
+            <a:r>
+              <a:rPr kumimoji="1" lang="zh-CN" altLang="en-US" sz="1200" dirty="0" smtClean="0"/>
+              <a:t>数据</a:t>
+            </a:r>
+            <a:r>
+              <a:rPr kumimoji="1" lang="zh-CN" altLang="en-US" sz="1200" dirty="0" smtClean="0"/>
+              <a:t>传递数组模型</a:t>
+            </a:r>
+            <a:r>
+              <a:rPr kumimoji="1" lang="en-US" altLang="zh-CN" sz="1200" dirty="0" smtClean="0"/>
+              <a:t>:</a:t>
+            </a:r>
+            <a:r>
+              <a:rPr kumimoji="1" lang="en-US" altLang="zh-CN" sz="1200" dirty="0" err="1" smtClean="0"/>
+              <a:t>NSArray</a:t>
+            </a:r>
+            <a:endParaRPr kumimoji="1" lang="zh-CN" altLang="en-US" sz="1200" dirty="0"/>
+          </a:p>
+        </p:txBody>
+      </p:sp>
+      <p:sp>
+        <p:nvSpPr>
+          <p:cNvPr id="6" name="矩形 5"/>
+          <p:cNvSpPr/>
+          <p:nvPr/>
+        </p:nvSpPr>
+        <p:spPr>
+          <a:xfrm>
+            <a:off x="351984" y="367649"/>
+            <a:ext cx="2705777" cy="2988462"/>
+          </a:xfrm>
+          <a:prstGeom prst="rect">
+            <a:avLst/>
+          </a:prstGeom>
+        </p:spPr>
+        <p:style>
+          <a:lnRef idx="1">
+            <a:schemeClr val="accent1"/>
+          </a:lnRef>
+          <a:fillRef idx="3">
+            <a:schemeClr val="accent1"/>
+          </a:fillRef>
+          <a:effectRef idx="2">
+            <a:schemeClr val="accent1"/>
+          </a:effectRef>
+          <a:fontRef idx="minor">
+            <a:schemeClr val="lt1"/>
+          </a:fontRef>
+        </p:style>
+        <p:txBody>
+          <a:bodyPr rtlCol="0" anchor="ctr"/>
+          <a:lstStyle/>
+          <a:p>
+            <a:pPr algn="ctr"/>
+            <a:endParaRPr kumimoji="1" lang="zh-CN" altLang="en-US" dirty="0"/>
+          </a:p>
+        </p:txBody>
+      </p:sp>
+      <p:sp>
+        <p:nvSpPr>
+          <p:cNvPr id="9" name="矩形 8"/>
+          <p:cNvSpPr/>
+          <p:nvPr/>
+        </p:nvSpPr>
+        <p:spPr>
+          <a:xfrm>
+            <a:off x="3222491" y="367649"/>
+            <a:ext cx="2705777" cy="2988462"/>
+          </a:xfrm>
+          <a:prstGeom prst="rect">
+            <a:avLst/>
+          </a:prstGeom>
+        </p:spPr>
+        <p:style>
+          <a:lnRef idx="1">
+            <a:schemeClr val="accent1"/>
+          </a:lnRef>
+          <a:fillRef idx="3">
+            <a:schemeClr val="accent1"/>
+          </a:fillRef>
+          <a:effectRef idx="2">
+            <a:schemeClr val="accent1"/>
+          </a:effectRef>
+          <a:fontRef idx="minor">
+            <a:schemeClr val="lt1"/>
+          </a:fontRef>
+        </p:style>
+        <p:txBody>
+          <a:bodyPr rtlCol="0" anchor="ctr"/>
+          <a:lstStyle/>
+          <a:p>
+            <a:pPr algn="ctr"/>
+            <a:endParaRPr kumimoji="1" lang="zh-CN" altLang="en-US" dirty="0"/>
+          </a:p>
+        </p:txBody>
+      </p:sp>
+      <p:sp>
+        <p:nvSpPr>
+          <p:cNvPr id="10" name="矩形 9"/>
+          <p:cNvSpPr/>
+          <p:nvPr/>
+        </p:nvSpPr>
+        <p:spPr>
+          <a:xfrm>
+            <a:off x="6096743" y="367649"/>
+            <a:ext cx="2705777" cy="2988462"/>
+          </a:xfrm>
+          <a:prstGeom prst="rect">
+            <a:avLst/>
+          </a:prstGeom>
+        </p:spPr>
+        <p:style>
+          <a:lnRef idx="1">
+            <a:schemeClr val="accent1"/>
+          </a:lnRef>
+          <a:fillRef idx="3">
+            <a:schemeClr val="accent1"/>
+          </a:fillRef>
+          <a:effectRef idx="2">
+            <a:schemeClr val="accent1"/>
+          </a:effectRef>
+          <a:fontRef idx="minor">
+            <a:schemeClr val="lt1"/>
+          </a:fontRef>
+        </p:style>
+        <p:txBody>
+          <a:bodyPr rtlCol="0" anchor="ctr"/>
+          <a:lstStyle/>
+          <a:p>
+            <a:pPr algn="ctr"/>
+            <a:endParaRPr kumimoji="1" lang="zh-CN" altLang="en-US" dirty="0"/>
+          </a:p>
+        </p:txBody>
+      </p:sp>
+      <p:sp>
+        <p:nvSpPr>
+          <p:cNvPr id="11" name="文本框 10"/>
+          <p:cNvSpPr txBox="1"/>
+          <p:nvPr/>
+        </p:nvSpPr>
+        <p:spPr>
+          <a:xfrm>
+            <a:off x="351984" y="417492"/>
+            <a:ext cx="2705777" cy="276999"/>
+          </a:xfrm>
+          <a:prstGeom prst="rect">
+            <a:avLst/>
+          </a:prstGeom>
+          <a:noFill/>
+        </p:spPr>
+        <p:txBody>
+          <a:bodyPr wrap="square" rtlCol="0">
+            <a:spAutoFit/>
+          </a:bodyPr>
+          <a:lstStyle/>
+          <a:p>
+            <a:pPr algn="ctr"/>
+            <a:r>
+              <a:rPr kumimoji="1" lang="en-US" altLang="zh-CN" sz="1200" dirty="0" smtClean="0"/>
+              <a:t>0</a:t>
+            </a:r>
+            <a:r>
+              <a:rPr kumimoji="1" lang="zh-CN" altLang="en-US" sz="1200" dirty="0" smtClean="0"/>
+              <a:t> 全部收藏数组</a:t>
+            </a:r>
+            <a:r>
+              <a:rPr kumimoji="1" lang="en-US" altLang="zh-CN" sz="1200" dirty="0" smtClean="0"/>
+              <a:t>:</a:t>
+            </a:r>
+            <a:r>
+              <a:rPr kumimoji="1" lang="en-US" altLang="zh-CN" sz="1200" dirty="0" err="1" smtClean="0"/>
+              <a:t>NSMutableArray</a:t>
+            </a:r>
+            <a:endParaRPr kumimoji="1" lang="zh-CN" altLang="en-US" sz="1200" dirty="0"/>
+          </a:p>
+        </p:txBody>
+      </p:sp>
+      <p:sp>
+        <p:nvSpPr>
+          <p:cNvPr id="12" name="文本框 11"/>
+          <p:cNvSpPr txBox="1"/>
+          <p:nvPr/>
+        </p:nvSpPr>
+        <p:spPr>
+          <a:xfrm>
+            <a:off x="3222491" y="417492"/>
+            <a:ext cx="2705777" cy="276999"/>
+          </a:xfrm>
+          <a:prstGeom prst="rect">
+            <a:avLst/>
+          </a:prstGeom>
+          <a:noFill/>
+        </p:spPr>
+        <p:txBody>
+          <a:bodyPr wrap="square" rtlCol="0">
+            <a:spAutoFit/>
+          </a:bodyPr>
+          <a:lstStyle/>
+          <a:p>
+            <a:pPr algn="ctr"/>
+            <a:r>
+              <a:rPr kumimoji="1" lang="en-US" altLang="zh-CN" sz="1200" dirty="0" smtClean="0"/>
+              <a:t>1</a:t>
+            </a:r>
+            <a:r>
+              <a:rPr kumimoji="1" lang="zh-CN" altLang="en-US" sz="1200" dirty="0" smtClean="0"/>
+              <a:t> 全部自定数组</a:t>
+            </a:r>
+            <a:r>
+              <a:rPr kumimoji="1" lang="en-US" altLang="zh-CN" sz="1200" dirty="0" smtClean="0"/>
+              <a:t>:</a:t>
+            </a:r>
+            <a:r>
+              <a:rPr kumimoji="1" lang="en-US" altLang="zh-CN" sz="1200" dirty="0" err="1"/>
+              <a:t>NSMutableArray</a:t>
+            </a:r>
+            <a:endParaRPr kumimoji="1" lang="zh-CN" altLang="en-US" sz="1200" dirty="0"/>
+          </a:p>
+        </p:txBody>
+      </p:sp>
+      <p:sp>
+        <p:nvSpPr>
+          <p:cNvPr id="13" name="文本框 12"/>
+          <p:cNvSpPr txBox="1"/>
+          <p:nvPr/>
+        </p:nvSpPr>
+        <p:spPr>
+          <a:xfrm>
+            <a:off x="6096743" y="431392"/>
+            <a:ext cx="2705777" cy="276999"/>
+          </a:xfrm>
+          <a:prstGeom prst="rect">
+            <a:avLst/>
+          </a:prstGeom>
+          <a:noFill/>
+        </p:spPr>
+        <p:txBody>
+          <a:bodyPr wrap="square" rtlCol="0">
+            <a:spAutoFit/>
+          </a:bodyPr>
+          <a:lstStyle/>
+          <a:p>
+            <a:pPr algn="ctr"/>
+            <a:r>
+              <a:rPr kumimoji="1" lang="en-US" altLang="zh-CN" sz="1200" dirty="0" smtClean="0"/>
+              <a:t>2</a:t>
+            </a:r>
+            <a:r>
+              <a:rPr kumimoji="1" lang="zh-CN" altLang="en-US" sz="1200" dirty="0" smtClean="0"/>
+              <a:t> 全部历史数组</a:t>
+            </a:r>
+            <a:r>
+              <a:rPr kumimoji="1" lang="en-US" altLang="zh-CN" sz="1200" dirty="0" smtClean="0"/>
+              <a:t>:</a:t>
+            </a:r>
+            <a:r>
+              <a:rPr kumimoji="1" lang="en-US" altLang="zh-CN" sz="1200" dirty="0" err="1"/>
+              <a:t>NSMutableArray</a:t>
+            </a:r>
+            <a:endParaRPr kumimoji="1" lang="zh-CN" altLang="en-US" sz="1200" dirty="0"/>
+          </a:p>
+        </p:txBody>
+      </p:sp>
+      <p:grpSp>
+        <p:nvGrpSpPr>
+          <p:cNvPr id="19" name="组 18"/>
+          <p:cNvGrpSpPr/>
+          <p:nvPr/>
+        </p:nvGrpSpPr>
+        <p:grpSpPr>
+          <a:xfrm>
+            <a:off x="458179" y="745379"/>
+            <a:ext cx="2476286" cy="1177943"/>
+            <a:chOff x="458179" y="708392"/>
+            <a:chExt cx="2476286" cy="1177943"/>
+          </a:xfrm>
+        </p:grpSpPr>
+        <p:sp>
+          <p:nvSpPr>
+            <p:cNvPr id="15" name="矩形 14"/>
+            <p:cNvSpPr/>
+            <p:nvPr/>
+          </p:nvSpPr>
+          <p:spPr>
+            <a:xfrm>
+              <a:off x="458179" y="708392"/>
+              <a:ext cx="2476286" cy="1177943"/>
+            </a:xfrm>
+            <a:prstGeom prst="rect">
+              <a:avLst/>
+            </a:prstGeom>
+          </p:spPr>
+          <p:style>
+            <a:lnRef idx="1">
+              <a:schemeClr val="accent6"/>
+            </a:lnRef>
+            <a:fillRef idx="3">
+              <a:schemeClr val="accent6"/>
+            </a:fillRef>
+            <a:effectRef idx="2">
+              <a:schemeClr val="accent6"/>
+            </a:effectRef>
+            <a:fontRef idx="minor">
+              <a:schemeClr val="lt1"/>
+            </a:fontRef>
+          </p:style>
+          <p:txBody>
+            <a:bodyPr rtlCol="0" anchor="ctr"/>
+            <a:lstStyle/>
+            <a:p>
+              <a:pPr algn="ctr"/>
+              <a:endParaRPr kumimoji="1" lang="en-US" altLang="zh-CN" dirty="0" smtClean="0"/>
+            </a:p>
+            <a:p>
+              <a:pPr algn="ctr"/>
+              <a:endParaRPr kumimoji="1" lang="en-US" altLang="zh-CN" dirty="0" smtClean="0"/>
+            </a:p>
+            <a:p>
+              <a:pPr algn="ctr"/>
+              <a:endParaRPr kumimoji="1" lang="en-US" altLang="zh-CN" dirty="0" smtClean="0"/>
+            </a:p>
+          </p:txBody>
+        </p:sp>
+        <p:sp>
+          <p:nvSpPr>
+            <p:cNvPr id="16" name="文本框 15"/>
+            <p:cNvSpPr txBox="1"/>
+            <p:nvPr/>
+          </p:nvSpPr>
+          <p:spPr>
+            <a:xfrm>
+              <a:off x="458179" y="708392"/>
+              <a:ext cx="2476286" cy="276999"/>
+            </a:xfrm>
+            <a:prstGeom prst="rect">
+              <a:avLst/>
+            </a:prstGeom>
+            <a:noFill/>
+          </p:spPr>
+          <p:txBody>
+            <a:bodyPr wrap="square" rtlCol="0">
+              <a:spAutoFit/>
+            </a:bodyPr>
+            <a:lstStyle/>
+            <a:p>
+              <a:pPr algn="ctr"/>
+              <a:r>
+                <a:rPr kumimoji="1" lang="zh-CN" altLang="en-US" sz="1200" dirty="0" smtClean="0">
+                  <a:solidFill>
+                    <a:schemeClr val="accent6">
+                      <a:lumMod val="50000"/>
+                    </a:schemeClr>
+                  </a:solidFill>
+                </a:rPr>
+                <a:t>颜文字条目</a:t>
+              </a:r>
+              <a:r>
+                <a:rPr kumimoji="1" lang="en-US" altLang="zh-CN" sz="1200" dirty="0" smtClean="0">
+                  <a:solidFill>
+                    <a:schemeClr val="accent6">
+                      <a:lumMod val="50000"/>
+                    </a:schemeClr>
+                  </a:solidFill>
+                </a:rPr>
+                <a:t>0:NSArray</a:t>
+              </a:r>
+              <a:endParaRPr kumimoji="1" lang="en-US" altLang="zh-CN" sz="1200" dirty="0" smtClean="0">
+                <a:solidFill>
+                  <a:schemeClr val="accent6">
+                    <a:lumMod val="50000"/>
+                  </a:schemeClr>
+                </a:solidFill>
+              </a:endParaRPr>
+            </a:p>
+          </p:txBody>
+        </p:sp>
+        <p:sp>
+          <p:nvSpPr>
+            <p:cNvPr id="17" name="矩形 16"/>
+            <p:cNvSpPr/>
+            <p:nvPr/>
+          </p:nvSpPr>
+          <p:spPr>
+            <a:xfrm>
+              <a:off x="578673" y="1047036"/>
+              <a:ext cx="1073504" cy="728338"/>
+            </a:xfrm>
+            <a:prstGeom prst="rect">
+              <a:avLst/>
+            </a:prstGeom>
+          </p:spPr>
+          <p:style>
+            <a:lnRef idx="1">
+              <a:schemeClr val="accent3"/>
+            </a:lnRef>
+            <a:fillRef idx="3">
+              <a:schemeClr val="accent3"/>
+            </a:fillRef>
+            <a:effectRef idx="2">
+              <a:schemeClr val="accent3"/>
+            </a:effectRef>
+            <a:fontRef idx="minor">
+              <a:schemeClr val="lt1"/>
+            </a:fontRef>
+          </p:style>
+          <p:txBody>
+            <a:bodyPr rtlCol="0" anchor="ctr"/>
+            <a:lstStyle/>
+            <a:p>
+              <a:pPr algn="ctr"/>
+              <a:r>
+                <a:rPr kumimoji="1" lang="en-US" altLang="zh-CN" sz="1200" dirty="0" smtClean="0">
+                  <a:solidFill>
+                    <a:schemeClr val="accent1">
+                      <a:lumMod val="50000"/>
+                    </a:schemeClr>
+                  </a:solidFill>
+                </a:rPr>
+                <a:t>0</a:t>
+              </a:r>
+              <a:endParaRPr kumimoji="1" lang="en-US" altLang="zh-CN" sz="1200" dirty="0" smtClean="0">
+                <a:solidFill>
+                  <a:schemeClr val="accent1">
+                    <a:lumMod val="50000"/>
+                  </a:schemeClr>
+                </a:solidFill>
+              </a:endParaRPr>
+            </a:p>
+            <a:p>
+              <a:pPr algn="ctr"/>
+              <a:r>
+                <a:rPr kumimoji="1" lang="en-US" altLang="zh-CN" sz="1200" dirty="0" err="1" smtClean="0">
+                  <a:solidFill>
+                    <a:schemeClr val="accent1">
+                      <a:lumMod val="50000"/>
+                    </a:schemeClr>
+                  </a:solidFill>
+                </a:rPr>
+                <a:t>e_emo</a:t>
+              </a:r>
+              <a:r>
+                <a:rPr kumimoji="1" lang="en-US" altLang="zh-CN" sz="1200" dirty="0" smtClean="0">
+                  <a:solidFill>
+                    <a:schemeClr val="accent1">
+                      <a:lumMod val="50000"/>
+                    </a:schemeClr>
+                  </a:solidFill>
+                </a:rPr>
+                <a:t>:</a:t>
+              </a:r>
+            </a:p>
+            <a:p>
+              <a:pPr algn="ctr"/>
+              <a:r>
+                <a:rPr kumimoji="1" lang="en-US" altLang="zh-CN" sz="1200" dirty="0" err="1" smtClean="0">
+                  <a:solidFill>
+                    <a:schemeClr val="accent1">
+                      <a:lumMod val="50000"/>
+                    </a:schemeClr>
+                  </a:solidFill>
+                </a:rPr>
+                <a:t>NSString</a:t>
+              </a:r>
+              <a:r>
+                <a:rPr kumimoji="1" lang="en-US" altLang="zh-CN" sz="1200" dirty="0" smtClean="0">
+                  <a:solidFill>
+                    <a:schemeClr val="accent1">
+                      <a:lumMod val="50000"/>
+                    </a:schemeClr>
+                  </a:solidFill>
+                </a:rPr>
+                <a:t>!</a:t>
+              </a:r>
+            </a:p>
+            <a:p>
+              <a:pPr algn="ctr"/>
+              <a:r>
+                <a:rPr kumimoji="1" lang="zh-CN" altLang="en-US" sz="1200" dirty="0" smtClean="0">
+                  <a:solidFill>
+                    <a:schemeClr val="accent1">
+                      <a:lumMod val="50000"/>
+                    </a:schemeClr>
+                  </a:solidFill>
+                </a:rPr>
+                <a:t>颜文字</a:t>
+              </a:r>
+              <a:endParaRPr kumimoji="1" lang="en-US" altLang="zh-CN" sz="1200" dirty="0" smtClean="0">
+                <a:solidFill>
+                  <a:schemeClr val="accent1">
+                    <a:lumMod val="50000"/>
+                  </a:schemeClr>
+                </a:solidFill>
+              </a:endParaRPr>
+            </a:p>
+          </p:txBody>
+        </p:sp>
+        <p:sp>
+          <p:nvSpPr>
+            <p:cNvPr id="18" name="矩形 17"/>
+            <p:cNvSpPr/>
+            <p:nvPr/>
+          </p:nvSpPr>
+          <p:spPr>
+            <a:xfrm>
+              <a:off x="1742927" y="1047036"/>
+              <a:ext cx="1073504" cy="728338"/>
+            </a:xfrm>
+            <a:prstGeom prst="rect">
+              <a:avLst/>
+            </a:prstGeom>
+          </p:spPr>
+          <p:style>
+            <a:lnRef idx="1">
+              <a:schemeClr val="accent3"/>
+            </a:lnRef>
+            <a:fillRef idx="3">
+              <a:schemeClr val="accent3"/>
+            </a:fillRef>
+            <a:effectRef idx="2">
+              <a:schemeClr val="accent3"/>
+            </a:effectRef>
+            <a:fontRef idx="minor">
+              <a:schemeClr val="lt1"/>
+            </a:fontRef>
+          </p:style>
+          <p:txBody>
+            <a:bodyPr rtlCol="0" anchor="ctr"/>
+            <a:lstStyle/>
+            <a:p>
+              <a:pPr algn="ctr"/>
+              <a:r>
+                <a:rPr kumimoji="1" lang="en-US" altLang="zh-CN" sz="1200" dirty="0" smtClean="0">
+                  <a:solidFill>
+                    <a:schemeClr val="accent1">
+                      <a:lumMod val="50000"/>
+                    </a:schemeClr>
+                  </a:solidFill>
+                </a:rPr>
+                <a:t>1</a:t>
+              </a:r>
+            </a:p>
+            <a:p>
+              <a:pPr algn="ctr"/>
+              <a:r>
+                <a:rPr kumimoji="1" lang="en-US" altLang="zh-CN" sz="1200" dirty="0" err="1" smtClean="0">
+                  <a:solidFill>
+                    <a:schemeClr val="accent1">
+                      <a:lumMod val="50000"/>
+                    </a:schemeClr>
+                  </a:solidFill>
+                </a:rPr>
+                <a:t>e_name</a:t>
+              </a:r>
+              <a:r>
+                <a:rPr kumimoji="1" lang="en-US" altLang="zh-CN" sz="1200" dirty="0" smtClean="0">
+                  <a:solidFill>
+                    <a:schemeClr val="accent1">
+                      <a:lumMod val="50000"/>
+                    </a:schemeClr>
+                  </a:solidFill>
+                </a:rPr>
+                <a:t>:</a:t>
+              </a:r>
+              <a:endParaRPr kumimoji="1" lang="en-US" altLang="zh-CN" sz="1200" dirty="0" smtClean="0">
+                <a:solidFill>
+                  <a:schemeClr val="accent1">
+                    <a:lumMod val="50000"/>
+                  </a:schemeClr>
+                </a:solidFill>
+              </a:endParaRPr>
+            </a:p>
+            <a:p>
+              <a:pPr algn="ctr"/>
+              <a:r>
+                <a:rPr kumimoji="1" lang="en-US" altLang="zh-CN" sz="1200" dirty="0" err="1" smtClean="0">
+                  <a:solidFill>
+                    <a:schemeClr val="accent1">
+                      <a:lumMod val="50000"/>
+                    </a:schemeClr>
+                  </a:solidFill>
+                </a:rPr>
+                <a:t>NSString</a:t>
+              </a:r>
+              <a:r>
+                <a:rPr kumimoji="1" lang="en-US" altLang="zh-CN" sz="1200" dirty="0" smtClean="0">
+                  <a:solidFill>
+                    <a:schemeClr val="accent1">
+                      <a:lumMod val="50000"/>
+                    </a:schemeClr>
+                  </a:solidFill>
+                </a:rPr>
+                <a:t>!</a:t>
+              </a:r>
+            </a:p>
+            <a:p>
+              <a:pPr algn="ctr"/>
+              <a:r>
+                <a:rPr kumimoji="1" lang="zh-CN" altLang="en-US" sz="1200" dirty="0" smtClean="0">
+                  <a:solidFill>
+                    <a:schemeClr val="accent1">
+                      <a:lumMod val="50000"/>
+                    </a:schemeClr>
+                  </a:solidFill>
+                </a:rPr>
+                <a:t>颜</a:t>
+              </a:r>
+              <a:r>
+                <a:rPr kumimoji="1" lang="zh-CN" altLang="en-US" sz="1200" dirty="0" smtClean="0">
+                  <a:solidFill>
+                    <a:schemeClr val="accent1">
+                      <a:lumMod val="50000"/>
+                    </a:schemeClr>
+                  </a:solidFill>
+                </a:rPr>
+                <a:t>文字</a:t>
+              </a:r>
+              <a:r>
+                <a:rPr kumimoji="1" lang="zh-CN" altLang="en-US" sz="1200" dirty="0" smtClean="0">
+                  <a:solidFill>
+                    <a:schemeClr val="accent1">
+                      <a:lumMod val="50000"/>
+                    </a:schemeClr>
+                  </a:solidFill>
+                </a:rPr>
+                <a:t>名</a:t>
+              </a:r>
+              <a:endParaRPr kumimoji="1" lang="en-US" altLang="zh-CN" sz="1200" dirty="0" smtClean="0">
+                <a:solidFill>
+                  <a:schemeClr val="accent1">
+                    <a:lumMod val="50000"/>
+                  </a:schemeClr>
+                </a:solidFill>
+              </a:endParaRPr>
+            </a:p>
+          </p:txBody>
+        </p:sp>
+      </p:grpSp>
+      <p:grpSp>
+        <p:nvGrpSpPr>
+          <p:cNvPr id="20" name="组 19"/>
+          <p:cNvGrpSpPr/>
+          <p:nvPr/>
+        </p:nvGrpSpPr>
+        <p:grpSpPr>
+          <a:xfrm>
+            <a:off x="458179" y="2038735"/>
+            <a:ext cx="2476286" cy="1177943"/>
+            <a:chOff x="458179" y="708392"/>
+            <a:chExt cx="2476286" cy="1177943"/>
+          </a:xfrm>
+        </p:grpSpPr>
+        <p:sp>
+          <p:nvSpPr>
+            <p:cNvPr id="21" name="矩形 20"/>
+            <p:cNvSpPr/>
+            <p:nvPr/>
+          </p:nvSpPr>
+          <p:spPr>
+            <a:xfrm>
+              <a:off x="458179" y="708392"/>
+              <a:ext cx="2476286" cy="1177943"/>
+            </a:xfrm>
+            <a:prstGeom prst="rect">
+              <a:avLst/>
+            </a:prstGeom>
+          </p:spPr>
+          <p:style>
+            <a:lnRef idx="1">
+              <a:schemeClr val="accent6"/>
+            </a:lnRef>
+            <a:fillRef idx="3">
+              <a:schemeClr val="accent6"/>
+            </a:fillRef>
+            <a:effectRef idx="2">
+              <a:schemeClr val="accent6"/>
+            </a:effectRef>
+            <a:fontRef idx="minor">
+              <a:schemeClr val="lt1"/>
+            </a:fontRef>
+          </p:style>
+          <p:txBody>
+            <a:bodyPr rtlCol="0" anchor="ctr"/>
+            <a:lstStyle/>
+            <a:p>
+              <a:pPr algn="ctr"/>
+              <a:endParaRPr kumimoji="1" lang="en-US" altLang="zh-CN" dirty="0" smtClean="0"/>
+            </a:p>
+            <a:p>
+              <a:pPr algn="ctr"/>
+              <a:endParaRPr kumimoji="1" lang="en-US" altLang="zh-CN" dirty="0" smtClean="0"/>
+            </a:p>
+            <a:p>
+              <a:pPr algn="ctr"/>
+              <a:endParaRPr kumimoji="1" lang="en-US" altLang="zh-CN" dirty="0" smtClean="0"/>
+            </a:p>
+          </p:txBody>
+        </p:sp>
+        <p:sp>
+          <p:nvSpPr>
+            <p:cNvPr id="22" name="文本框 21"/>
+            <p:cNvSpPr txBox="1"/>
+            <p:nvPr/>
+          </p:nvSpPr>
+          <p:spPr>
+            <a:xfrm>
+              <a:off x="458179" y="708392"/>
+              <a:ext cx="2476286" cy="276999"/>
+            </a:xfrm>
+            <a:prstGeom prst="rect">
+              <a:avLst/>
+            </a:prstGeom>
+            <a:noFill/>
+          </p:spPr>
+          <p:txBody>
+            <a:bodyPr wrap="square" rtlCol="0">
+              <a:spAutoFit/>
+            </a:bodyPr>
+            <a:lstStyle/>
+            <a:p>
+              <a:pPr algn="ctr"/>
+              <a:r>
+                <a:rPr kumimoji="1" lang="zh-CN" altLang="en-US" sz="1200" dirty="0" smtClean="0">
+                  <a:solidFill>
+                    <a:schemeClr val="accent6">
+                      <a:lumMod val="50000"/>
+                    </a:schemeClr>
+                  </a:solidFill>
+                </a:rPr>
+                <a:t>颜文字条目</a:t>
+              </a:r>
+              <a:r>
+                <a:rPr kumimoji="1" lang="en-US" altLang="zh-CN" sz="1200" dirty="0" smtClean="0">
+                  <a:solidFill>
+                    <a:schemeClr val="accent6">
+                      <a:lumMod val="50000"/>
+                    </a:schemeClr>
+                  </a:solidFill>
+                </a:rPr>
+                <a:t>1:NSArray</a:t>
+              </a:r>
+              <a:endParaRPr kumimoji="1" lang="en-US" altLang="zh-CN" sz="1200" dirty="0" smtClean="0">
+                <a:solidFill>
+                  <a:schemeClr val="accent6">
+                    <a:lumMod val="50000"/>
+                  </a:schemeClr>
+                </a:solidFill>
+              </a:endParaRPr>
+            </a:p>
+          </p:txBody>
+        </p:sp>
+        <p:sp>
+          <p:nvSpPr>
+            <p:cNvPr id="23" name="矩形 22"/>
+            <p:cNvSpPr/>
+            <p:nvPr/>
+          </p:nvSpPr>
+          <p:spPr>
+            <a:xfrm>
+              <a:off x="578673" y="1047036"/>
+              <a:ext cx="1073504" cy="728338"/>
+            </a:xfrm>
+            <a:prstGeom prst="rect">
+              <a:avLst/>
+            </a:prstGeom>
+          </p:spPr>
+          <p:style>
+            <a:lnRef idx="1">
+              <a:schemeClr val="accent3"/>
+            </a:lnRef>
+            <a:fillRef idx="3">
+              <a:schemeClr val="accent3"/>
+            </a:fillRef>
+            <a:effectRef idx="2">
+              <a:schemeClr val="accent3"/>
+            </a:effectRef>
+            <a:fontRef idx="minor">
+              <a:schemeClr val="lt1"/>
+            </a:fontRef>
+          </p:style>
+          <p:txBody>
+            <a:bodyPr rtlCol="0" anchor="ctr"/>
+            <a:lstStyle/>
+            <a:p>
+              <a:pPr algn="ctr"/>
+              <a:r>
+                <a:rPr kumimoji="1" lang="en-US" altLang="zh-CN" sz="1200" dirty="0" smtClean="0">
+                  <a:solidFill>
+                    <a:schemeClr val="accent1">
+                      <a:lumMod val="50000"/>
+                    </a:schemeClr>
+                  </a:solidFill>
+                </a:rPr>
+                <a:t>0</a:t>
+              </a:r>
+              <a:endParaRPr kumimoji="1" lang="en-US" altLang="zh-CN" sz="1200" dirty="0" smtClean="0">
+                <a:solidFill>
+                  <a:schemeClr val="accent1">
+                    <a:lumMod val="50000"/>
+                  </a:schemeClr>
+                </a:solidFill>
+              </a:endParaRPr>
+            </a:p>
+            <a:p>
+              <a:pPr algn="ctr"/>
+              <a:r>
+                <a:rPr kumimoji="1" lang="en-US" altLang="zh-CN" sz="1200" dirty="0" err="1" smtClean="0">
+                  <a:solidFill>
+                    <a:schemeClr val="accent1">
+                      <a:lumMod val="50000"/>
+                    </a:schemeClr>
+                  </a:solidFill>
+                </a:rPr>
+                <a:t>e_emo</a:t>
+              </a:r>
+              <a:r>
+                <a:rPr kumimoji="1" lang="en-US" altLang="zh-CN" sz="1200" dirty="0" smtClean="0">
+                  <a:solidFill>
+                    <a:schemeClr val="accent1">
+                      <a:lumMod val="50000"/>
+                    </a:schemeClr>
+                  </a:solidFill>
+                </a:rPr>
+                <a:t>:</a:t>
+              </a:r>
+            </a:p>
+            <a:p>
+              <a:pPr algn="ctr"/>
+              <a:r>
+                <a:rPr kumimoji="1" lang="en-US" altLang="zh-CN" sz="1200" dirty="0" err="1" smtClean="0">
+                  <a:solidFill>
+                    <a:schemeClr val="accent1">
+                      <a:lumMod val="50000"/>
+                    </a:schemeClr>
+                  </a:solidFill>
+                </a:rPr>
+                <a:t>NSString</a:t>
+              </a:r>
+              <a:r>
+                <a:rPr kumimoji="1" lang="en-US" altLang="zh-CN" sz="1200" dirty="0" smtClean="0">
+                  <a:solidFill>
+                    <a:schemeClr val="accent1">
+                      <a:lumMod val="50000"/>
+                    </a:schemeClr>
+                  </a:solidFill>
+                </a:rPr>
+                <a:t>!</a:t>
+              </a:r>
+            </a:p>
+            <a:p>
+              <a:pPr algn="ctr"/>
+              <a:r>
+                <a:rPr kumimoji="1" lang="zh-CN" altLang="en-US" sz="1200" dirty="0" smtClean="0">
+                  <a:solidFill>
+                    <a:schemeClr val="accent1">
+                      <a:lumMod val="50000"/>
+                    </a:schemeClr>
+                  </a:solidFill>
+                </a:rPr>
+                <a:t>颜文字</a:t>
+              </a:r>
+              <a:endParaRPr kumimoji="1" lang="en-US" altLang="zh-CN" sz="1200" dirty="0" smtClean="0">
+                <a:solidFill>
+                  <a:schemeClr val="accent1">
+                    <a:lumMod val="50000"/>
+                  </a:schemeClr>
+                </a:solidFill>
+              </a:endParaRPr>
+            </a:p>
+          </p:txBody>
+        </p:sp>
+        <p:sp>
+          <p:nvSpPr>
+            <p:cNvPr id="24" name="矩形 23"/>
+            <p:cNvSpPr/>
+            <p:nvPr/>
+          </p:nvSpPr>
+          <p:spPr>
+            <a:xfrm>
+              <a:off x="1742927" y="1047036"/>
+              <a:ext cx="1073504" cy="728338"/>
+            </a:xfrm>
+            <a:prstGeom prst="rect">
+              <a:avLst/>
+            </a:prstGeom>
+          </p:spPr>
+          <p:style>
+            <a:lnRef idx="1">
+              <a:schemeClr val="accent3"/>
+            </a:lnRef>
+            <a:fillRef idx="3">
+              <a:schemeClr val="accent3"/>
+            </a:fillRef>
+            <a:effectRef idx="2">
+              <a:schemeClr val="accent3"/>
+            </a:effectRef>
+            <a:fontRef idx="minor">
+              <a:schemeClr val="lt1"/>
+            </a:fontRef>
+          </p:style>
+          <p:txBody>
+            <a:bodyPr rtlCol="0" anchor="ctr"/>
+            <a:lstStyle/>
+            <a:p>
+              <a:pPr algn="ctr"/>
+              <a:r>
+                <a:rPr kumimoji="1" lang="en-US" altLang="zh-CN" sz="1200" dirty="0" smtClean="0">
+                  <a:solidFill>
+                    <a:schemeClr val="accent1">
+                      <a:lumMod val="50000"/>
+                    </a:schemeClr>
+                  </a:solidFill>
+                </a:rPr>
+                <a:t>1</a:t>
+              </a:r>
+            </a:p>
+            <a:p>
+              <a:pPr algn="ctr"/>
+              <a:r>
+                <a:rPr kumimoji="1" lang="en-US" altLang="zh-CN" sz="1200" dirty="0" err="1" smtClean="0">
+                  <a:solidFill>
+                    <a:schemeClr val="accent1">
+                      <a:lumMod val="50000"/>
+                    </a:schemeClr>
+                  </a:solidFill>
+                </a:rPr>
+                <a:t>e_name</a:t>
+              </a:r>
+              <a:r>
+                <a:rPr kumimoji="1" lang="en-US" altLang="zh-CN" sz="1200" dirty="0" smtClean="0">
+                  <a:solidFill>
+                    <a:schemeClr val="accent1">
+                      <a:lumMod val="50000"/>
+                    </a:schemeClr>
+                  </a:solidFill>
+                </a:rPr>
+                <a:t>:</a:t>
+              </a:r>
+              <a:endParaRPr kumimoji="1" lang="en-US" altLang="zh-CN" sz="1200" dirty="0" smtClean="0">
+                <a:solidFill>
+                  <a:schemeClr val="accent1">
+                    <a:lumMod val="50000"/>
+                  </a:schemeClr>
+                </a:solidFill>
+              </a:endParaRPr>
+            </a:p>
+            <a:p>
+              <a:pPr algn="ctr"/>
+              <a:r>
+                <a:rPr kumimoji="1" lang="en-US" altLang="zh-CN" sz="1200" dirty="0" err="1" smtClean="0">
+                  <a:solidFill>
+                    <a:schemeClr val="accent1">
+                      <a:lumMod val="50000"/>
+                    </a:schemeClr>
+                  </a:solidFill>
+                </a:rPr>
+                <a:t>NSString</a:t>
+              </a:r>
+              <a:r>
+                <a:rPr kumimoji="1" lang="en-US" altLang="zh-CN" sz="1200" dirty="0" smtClean="0">
+                  <a:solidFill>
+                    <a:schemeClr val="accent1">
+                      <a:lumMod val="50000"/>
+                    </a:schemeClr>
+                  </a:solidFill>
+                </a:rPr>
+                <a:t>!</a:t>
+              </a:r>
+            </a:p>
+            <a:p>
+              <a:pPr algn="ctr"/>
+              <a:r>
+                <a:rPr kumimoji="1" lang="zh-CN" altLang="en-US" sz="1200" dirty="0" smtClean="0">
+                  <a:solidFill>
+                    <a:schemeClr val="accent1">
+                      <a:lumMod val="50000"/>
+                    </a:schemeClr>
+                  </a:solidFill>
+                </a:rPr>
+                <a:t>颜</a:t>
+              </a:r>
+              <a:r>
+                <a:rPr kumimoji="1" lang="zh-CN" altLang="en-US" sz="1200" dirty="0" smtClean="0">
+                  <a:solidFill>
+                    <a:schemeClr val="accent1">
+                      <a:lumMod val="50000"/>
+                    </a:schemeClr>
+                  </a:solidFill>
+                </a:rPr>
+                <a:t>文字</a:t>
+              </a:r>
+              <a:r>
+                <a:rPr kumimoji="1" lang="zh-CN" altLang="en-US" sz="1200" dirty="0" smtClean="0">
+                  <a:solidFill>
+                    <a:schemeClr val="accent1">
+                      <a:lumMod val="50000"/>
+                    </a:schemeClr>
+                  </a:solidFill>
+                </a:rPr>
+                <a:t>名</a:t>
+              </a:r>
+              <a:endParaRPr kumimoji="1" lang="en-US" altLang="zh-CN" sz="1200" dirty="0" smtClean="0">
+                <a:solidFill>
+                  <a:schemeClr val="accent1">
+                    <a:lumMod val="50000"/>
+                  </a:schemeClr>
+                </a:solidFill>
+              </a:endParaRPr>
+            </a:p>
+          </p:txBody>
+        </p:sp>
+      </p:grpSp>
+      <p:grpSp>
+        <p:nvGrpSpPr>
+          <p:cNvPr id="25" name="组 24"/>
+          <p:cNvGrpSpPr/>
+          <p:nvPr/>
+        </p:nvGrpSpPr>
+        <p:grpSpPr>
+          <a:xfrm>
+            <a:off x="3323109" y="761232"/>
+            <a:ext cx="2476286" cy="1177943"/>
+            <a:chOff x="458179" y="708392"/>
+            <a:chExt cx="2476286" cy="1177943"/>
+          </a:xfrm>
+        </p:grpSpPr>
+        <p:sp>
+          <p:nvSpPr>
+            <p:cNvPr id="26" name="矩形 25"/>
+            <p:cNvSpPr/>
+            <p:nvPr/>
+          </p:nvSpPr>
+          <p:spPr>
+            <a:xfrm>
+              <a:off x="458179" y="708392"/>
+              <a:ext cx="2476286" cy="1177943"/>
+            </a:xfrm>
+            <a:prstGeom prst="rect">
+              <a:avLst/>
+            </a:prstGeom>
+          </p:spPr>
+          <p:style>
+            <a:lnRef idx="1">
+              <a:schemeClr val="accent6"/>
+            </a:lnRef>
+            <a:fillRef idx="3">
+              <a:schemeClr val="accent6"/>
+            </a:fillRef>
+            <a:effectRef idx="2">
+              <a:schemeClr val="accent6"/>
+            </a:effectRef>
+            <a:fontRef idx="minor">
+              <a:schemeClr val="lt1"/>
+            </a:fontRef>
+          </p:style>
+          <p:txBody>
+            <a:bodyPr rtlCol="0" anchor="ctr"/>
+            <a:lstStyle/>
+            <a:p>
+              <a:pPr algn="ctr"/>
+              <a:endParaRPr kumimoji="1" lang="en-US" altLang="zh-CN" dirty="0" smtClean="0"/>
+            </a:p>
+            <a:p>
+              <a:pPr algn="ctr"/>
+              <a:endParaRPr kumimoji="1" lang="en-US" altLang="zh-CN" dirty="0" smtClean="0"/>
+            </a:p>
+            <a:p>
+              <a:pPr algn="ctr"/>
+              <a:endParaRPr kumimoji="1" lang="en-US" altLang="zh-CN" dirty="0" smtClean="0"/>
+            </a:p>
+          </p:txBody>
+        </p:sp>
+        <p:sp>
+          <p:nvSpPr>
+            <p:cNvPr id="27" name="文本框 26"/>
+            <p:cNvSpPr txBox="1"/>
+            <p:nvPr/>
+          </p:nvSpPr>
+          <p:spPr>
+            <a:xfrm>
+              <a:off x="458179" y="708392"/>
+              <a:ext cx="2476286" cy="276999"/>
+            </a:xfrm>
+            <a:prstGeom prst="rect">
+              <a:avLst/>
+            </a:prstGeom>
+            <a:noFill/>
+          </p:spPr>
+          <p:txBody>
+            <a:bodyPr wrap="square" rtlCol="0">
+              <a:spAutoFit/>
+            </a:bodyPr>
+            <a:lstStyle/>
+            <a:p>
+              <a:pPr algn="ctr"/>
+              <a:r>
+                <a:rPr kumimoji="1" lang="zh-CN" altLang="en-US" sz="1200" dirty="0" smtClean="0">
+                  <a:solidFill>
+                    <a:schemeClr val="accent6">
+                      <a:lumMod val="50000"/>
+                    </a:schemeClr>
+                  </a:solidFill>
+                </a:rPr>
+                <a:t>颜文字条目</a:t>
+              </a:r>
+              <a:r>
+                <a:rPr kumimoji="1" lang="en-US" altLang="zh-CN" sz="1200" dirty="0" smtClean="0">
+                  <a:solidFill>
+                    <a:schemeClr val="accent6">
+                      <a:lumMod val="50000"/>
+                    </a:schemeClr>
+                  </a:solidFill>
+                </a:rPr>
+                <a:t>0:NSArray</a:t>
+              </a:r>
+              <a:endParaRPr kumimoji="1" lang="en-US" altLang="zh-CN" sz="1200" dirty="0" smtClean="0">
+                <a:solidFill>
+                  <a:schemeClr val="accent6">
+                    <a:lumMod val="50000"/>
+                  </a:schemeClr>
+                </a:solidFill>
+              </a:endParaRPr>
+            </a:p>
+          </p:txBody>
+        </p:sp>
+        <p:sp>
+          <p:nvSpPr>
+            <p:cNvPr id="28" name="矩形 27"/>
+            <p:cNvSpPr/>
+            <p:nvPr/>
+          </p:nvSpPr>
+          <p:spPr>
+            <a:xfrm>
+              <a:off x="578673" y="1047036"/>
+              <a:ext cx="1073504" cy="728338"/>
+            </a:xfrm>
+            <a:prstGeom prst="rect">
+              <a:avLst/>
+            </a:prstGeom>
+          </p:spPr>
+          <p:style>
+            <a:lnRef idx="1">
+              <a:schemeClr val="accent3"/>
+            </a:lnRef>
+            <a:fillRef idx="3">
+              <a:schemeClr val="accent3"/>
+            </a:fillRef>
+            <a:effectRef idx="2">
+              <a:schemeClr val="accent3"/>
+            </a:effectRef>
+            <a:fontRef idx="minor">
+              <a:schemeClr val="lt1"/>
+            </a:fontRef>
+          </p:style>
+          <p:txBody>
+            <a:bodyPr rtlCol="0" anchor="ctr"/>
+            <a:lstStyle/>
+            <a:p>
+              <a:pPr algn="ctr"/>
+              <a:r>
+                <a:rPr kumimoji="1" lang="en-US" altLang="zh-CN" sz="1200" dirty="0" smtClean="0">
+                  <a:solidFill>
+                    <a:schemeClr val="accent1">
+                      <a:lumMod val="50000"/>
+                    </a:schemeClr>
+                  </a:solidFill>
+                </a:rPr>
+                <a:t>0</a:t>
+              </a:r>
+              <a:endParaRPr kumimoji="1" lang="en-US" altLang="zh-CN" sz="1200" dirty="0" smtClean="0">
+                <a:solidFill>
+                  <a:schemeClr val="accent1">
+                    <a:lumMod val="50000"/>
+                  </a:schemeClr>
+                </a:solidFill>
+              </a:endParaRPr>
+            </a:p>
+            <a:p>
+              <a:pPr algn="ctr"/>
+              <a:r>
+                <a:rPr kumimoji="1" lang="en-US" altLang="zh-CN" sz="1200" dirty="0" err="1" smtClean="0">
+                  <a:solidFill>
+                    <a:schemeClr val="accent1">
+                      <a:lumMod val="50000"/>
+                    </a:schemeClr>
+                  </a:solidFill>
+                </a:rPr>
+                <a:t>e_emo</a:t>
+              </a:r>
+              <a:r>
+                <a:rPr kumimoji="1" lang="en-US" altLang="zh-CN" sz="1200" dirty="0" smtClean="0">
+                  <a:solidFill>
+                    <a:schemeClr val="accent1">
+                      <a:lumMod val="50000"/>
+                    </a:schemeClr>
+                  </a:solidFill>
+                </a:rPr>
+                <a:t>:</a:t>
+              </a:r>
+            </a:p>
+            <a:p>
+              <a:pPr algn="ctr"/>
+              <a:r>
+                <a:rPr kumimoji="1" lang="en-US" altLang="zh-CN" sz="1200" dirty="0" err="1" smtClean="0">
+                  <a:solidFill>
+                    <a:schemeClr val="accent1">
+                      <a:lumMod val="50000"/>
+                    </a:schemeClr>
+                  </a:solidFill>
+                </a:rPr>
+                <a:t>NSString</a:t>
+              </a:r>
+              <a:r>
+                <a:rPr kumimoji="1" lang="en-US" altLang="zh-CN" sz="1200" dirty="0" smtClean="0">
+                  <a:solidFill>
+                    <a:schemeClr val="accent1">
+                      <a:lumMod val="50000"/>
+                    </a:schemeClr>
+                  </a:solidFill>
+                </a:rPr>
+                <a:t>!</a:t>
+              </a:r>
+            </a:p>
+            <a:p>
+              <a:pPr algn="ctr"/>
+              <a:r>
+                <a:rPr kumimoji="1" lang="zh-CN" altLang="en-US" sz="1200" dirty="0" smtClean="0">
+                  <a:solidFill>
+                    <a:schemeClr val="accent1">
+                      <a:lumMod val="50000"/>
+                    </a:schemeClr>
+                  </a:solidFill>
+                </a:rPr>
+                <a:t>颜文字</a:t>
+              </a:r>
+              <a:endParaRPr kumimoji="1" lang="en-US" altLang="zh-CN" sz="1200" dirty="0" smtClean="0">
+                <a:solidFill>
+                  <a:schemeClr val="accent1">
+                    <a:lumMod val="50000"/>
+                  </a:schemeClr>
+                </a:solidFill>
+              </a:endParaRPr>
+            </a:p>
+          </p:txBody>
+        </p:sp>
+        <p:sp>
+          <p:nvSpPr>
+            <p:cNvPr id="29" name="矩形 28"/>
+            <p:cNvSpPr/>
+            <p:nvPr/>
+          </p:nvSpPr>
+          <p:spPr>
+            <a:xfrm>
+              <a:off x="1742927" y="1047036"/>
+              <a:ext cx="1073504" cy="728338"/>
+            </a:xfrm>
+            <a:prstGeom prst="rect">
+              <a:avLst/>
+            </a:prstGeom>
+          </p:spPr>
+          <p:style>
+            <a:lnRef idx="1">
+              <a:schemeClr val="accent3"/>
+            </a:lnRef>
+            <a:fillRef idx="3">
+              <a:schemeClr val="accent3"/>
+            </a:fillRef>
+            <a:effectRef idx="2">
+              <a:schemeClr val="accent3"/>
+            </a:effectRef>
+            <a:fontRef idx="minor">
+              <a:schemeClr val="lt1"/>
+            </a:fontRef>
+          </p:style>
+          <p:txBody>
+            <a:bodyPr rtlCol="0" anchor="ctr"/>
+            <a:lstStyle/>
+            <a:p>
+              <a:pPr algn="ctr"/>
+              <a:r>
+                <a:rPr kumimoji="1" lang="en-US" altLang="zh-CN" sz="1200" dirty="0" smtClean="0">
+                  <a:solidFill>
+                    <a:schemeClr val="accent1">
+                      <a:lumMod val="50000"/>
+                    </a:schemeClr>
+                  </a:solidFill>
+                </a:rPr>
+                <a:t>1</a:t>
+              </a:r>
+            </a:p>
+            <a:p>
+              <a:pPr algn="ctr"/>
+              <a:r>
+                <a:rPr kumimoji="1" lang="en-US" altLang="zh-CN" sz="1200" dirty="0" err="1" smtClean="0">
+                  <a:solidFill>
+                    <a:schemeClr val="accent1">
+                      <a:lumMod val="50000"/>
+                    </a:schemeClr>
+                  </a:solidFill>
+                </a:rPr>
+                <a:t>e_name</a:t>
+              </a:r>
+              <a:r>
+                <a:rPr kumimoji="1" lang="en-US" altLang="zh-CN" sz="1200" dirty="0" smtClean="0">
+                  <a:solidFill>
+                    <a:schemeClr val="accent1">
+                      <a:lumMod val="50000"/>
+                    </a:schemeClr>
+                  </a:solidFill>
+                </a:rPr>
+                <a:t>:</a:t>
+              </a:r>
+              <a:endParaRPr kumimoji="1" lang="en-US" altLang="zh-CN" sz="1200" dirty="0" smtClean="0">
+                <a:solidFill>
+                  <a:schemeClr val="accent1">
+                    <a:lumMod val="50000"/>
+                  </a:schemeClr>
+                </a:solidFill>
+              </a:endParaRPr>
+            </a:p>
+            <a:p>
+              <a:pPr algn="ctr"/>
+              <a:r>
+                <a:rPr kumimoji="1" lang="en-US" altLang="zh-CN" sz="1200" dirty="0" err="1" smtClean="0">
+                  <a:solidFill>
+                    <a:schemeClr val="accent1">
+                      <a:lumMod val="50000"/>
+                    </a:schemeClr>
+                  </a:solidFill>
+                </a:rPr>
+                <a:t>NSString</a:t>
+              </a:r>
+              <a:r>
+                <a:rPr kumimoji="1" lang="en-US" altLang="zh-CN" sz="1200" dirty="0" smtClean="0">
+                  <a:solidFill>
+                    <a:schemeClr val="accent1">
+                      <a:lumMod val="50000"/>
+                    </a:schemeClr>
+                  </a:solidFill>
+                </a:rPr>
+                <a:t>!</a:t>
+              </a:r>
+            </a:p>
+            <a:p>
+              <a:pPr algn="ctr"/>
+              <a:r>
+                <a:rPr kumimoji="1" lang="zh-CN" altLang="en-US" sz="1200" dirty="0" smtClean="0">
+                  <a:solidFill>
+                    <a:schemeClr val="accent1">
+                      <a:lumMod val="50000"/>
+                    </a:schemeClr>
+                  </a:solidFill>
+                </a:rPr>
+                <a:t>颜</a:t>
+              </a:r>
+              <a:r>
+                <a:rPr kumimoji="1" lang="zh-CN" altLang="en-US" sz="1200" dirty="0" smtClean="0">
+                  <a:solidFill>
+                    <a:schemeClr val="accent1">
+                      <a:lumMod val="50000"/>
+                    </a:schemeClr>
+                  </a:solidFill>
+                </a:rPr>
+                <a:t>文字</a:t>
+              </a:r>
+              <a:r>
+                <a:rPr kumimoji="1" lang="zh-CN" altLang="en-US" sz="1200" dirty="0" smtClean="0">
+                  <a:solidFill>
+                    <a:schemeClr val="accent1">
+                      <a:lumMod val="50000"/>
+                    </a:schemeClr>
+                  </a:solidFill>
+                </a:rPr>
+                <a:t>名</a:t>
+              </a:r>
+              <a:endParaRPr kumimoji="1" lang="en-US" altLang="zh-CN" sz="1200" dirty="0" smtClean="0">
+                <a:solidFill>
+                  <a:schemeClr val="accent1">
+                    <a:lumMod val="50000"/>
+                  </a:schemeClr>
+                </a:solidFill>
+              </a:endParaRPr>
+            </a:p>
+          </p:txBody>
+        </p:sp>
+      </p:grpSp>
+      <p:grpSp>
+        <p:nvGrpSpPr>
+          <p:cNvPr id="30" name="组 29"/>
+          <p:cNvGrpSpPr/>
+          <p:nvPr/>
+        </p:nvGrpSpPr>
+        <p:grpSpPr>
+          <a:xfrm>
+            <a:off x="3323109" y="2054588"/>
+            <a:ext cx="2476286" cy="1177943"/>
+            <a:chOff x="458179" y="708392"/>
+            <a:chExt cx="2476286" cy="1177943"/>
+          </a:xfrm>
+        </p:grpSpPr>
+        <p:sp>
+          <p:nvSpPr>
+            <p:cNvPr id="31" name="矩形 30"/>
+            <p:cNvSpPr/>
+            <p:nvPr/>
+          </p:nvSpPr>
+          <p:spPr>
+            <a:xfrm>
+              <a:off x="458179" y="708392"/>
+              <a:ext cx="2476286" cy="1177943"/>
+            </a:xfrm>
+            <a:prstGeom prst="rect">
+              <a:avLst/>
+            </a:prstGeom>
+          </p:spPr>
+          <p:style>
+            <a:lnRef idx="1">
+              <a:schemeClr val="accent6"/>
+            </a:lnRef>
+            <a:fillRef idx="3">
+              <a:schemeClr val="accent6"/>
+            </a:fillRef>
+            <a:effectRef idx="2">
+              <a:schemeClr val="accent6"/>
+            </a:effectRef>
+            <a:fontRef idx="minor">
+              <a:schemeClr val="lt1"/>
+            </a:fontRef>
+          </p:style>
+          <p:txBody>
+            <a:bodyPr rtlCol="0" anchor="ctr"/>
+            <a:lstStyle/>
+            <a:p>
+              <a:pPr algn="ctr"/>
+              <a:endParaRPr kumimoji="1" lang="en-US" altLang="zh-CN" dirty="0" smtClean="0"/>
+            </a:p>
+            <a:p>
+              <a:pPr algn="ctr"/>
+              <a:endParaRPr kumimoji="1" lang="en-US" altLang="zh-CN" dirty="0" smtClean="0"/>
+            </a:p>
+            <a:p>
+              <a:pPr algn="ctr"/>
+              <a:endParaRPr kumimoji="1" lang="en-US" altLang="zh-CN" dirty="0" smtClean="0"/>
+            </a:p>
+          </p:txBody>
+        </p:sp>
+        <p:sp>
+          <p:nvSpPr>
+            <p:cNvPr id="32" name="文本框 31"/>
+            <p:cNvSpPr txBox="1"/>
+            <p:nvPr/>
+          </p:nvSpPr>
+          <p:spPr>
+            <a:xfrm>
+              <a:off x="458179" y="708392"/>
+              <a:ext cx="2476286" cy="276999"/>
+            </a:xfrm>
+            <a:prstGeom prst="rect">
+              <a:avLst/>
+            </a:prstGeom>
+            <a:noFill/>
+          </p:spPr>
+          <p:txBody>
+            <a:bodyPr wrap="square" rtlCol="0">
+              <a:spAutoFit/>
+            </a:bodyPr>
+            <a:lstStyle/>
+            <a:p>
+              <a:pPr algn="ctr"/>
+              <a:r>
+                <a:rPr kumimoji="1" lang="zh-CN" altLang="en-US" sz="1200" dirty="0" smtClean="0">
+                  <a:solidFill>
+                    <a:schemeClr val="accent6">
+                      <a:lumMod val="50000"/>
+                    </a:schemeClr>
+                  </a:solidFill>
+                </a:rPr>
+                <a:t>颜文字条目</a:t>
+              </a:r>
+              <a:r>
+                <a:rPr kumimoji="1" lang="en-US" altLang="zh-CN" sz="1200" dirty="0" smtClean="0">
+                  <a:solidFill>
+                    <a:schemeClr val="accent6">
+                      <a:lumMod val="50000"/>
+                    </a:schemeClr>
+                  </a:solidFill>
+                </a:rPr>
+                <a:t>1:NSArray</a:t>
+              </a:r>
+              <a:endParaRPr kumimoji="1" lang="en-US" altLang="zh-CN" sz="1200" dirty="0" smtClean="0">
+                <a:solidFill>
+                  <a:schemeClr val="accent6">
+                    <a:lumMod val="50000"/>
+                  </a:schemeClr>
+                </a:solidFill>
+              </a:endParaRPr>
+            </a:p>
+          </p:txBody>
+        </p:sp>
+        <p:sp>
+          <p:nvSpPr>
+            <p:cNvPr id="33" name="矩形 32"/>
+            <p:cNvSpPr/>
+            <p:nvPr/>
+          </p:nvSpPr>
+          <p:spPr>
+            <a:xfrm>
+              <a:off x="578673" y="1047036"/>
+              <a:ext cx="1073504" cy="728338"/>
+            </a:xfrm>
+            <a:prstGeom prst="rect">
+              <a:avLst/>
+            </a:prstGeom>
+          </p:spPr>
+          <p:style>
+            <a:lnRef idx="1">
+              <a:schemeClr val="accent3"/>
+            </a:lnRef>
+            <a:fillRef idx="3">
+              <a:schemeClr val="accent3"/>
+            </a:fillRef>
+            <a:effectRef idx="2">
+              <a:schemeClr val="accent3"/>
+            </a:effectRef>
+            <a:fontRef idx="minor">
+              <a:schemeClr val="lt1"/>
+            </a:fontRef>
+          </p:style>
+          <p:txBody>
+            <a:bodyPr rtlCol="0" anchor="ctr"/>
+            <a:lstStyle/>
+            <a:p>
+              <a:pPr algn="ctr"/>
+              <a:r>
+                <a:rPr kumimoji="1" lang="en-US" altLang="zh-CN" sz="1200" dirty="0" smtClean="0">
+                  <a:solidFill>
+                    <a:schemeClr val="accent1">
+                      <a:lumMod val="50000"/>
+                    </a:schemeClr>
+                  </a:solidFill>
+                </a:rPr>
+                <a:t>0</a:t>
+              </a:r>
+              <a:endParaRPr kumimoji="1" lang="en-US" altLang="zh-CN" sz="1200" dirty="0" smtClean="0">
+                <a:solidFill>
+                  <a:schemeClr val="accent1">
+                    <a:lumMod val="50000"/>
+                  </a:schemeClr>
+                </a:solidFill>
+              </a:endParaRPr>
+            </a:p>
+            <a:p>
+              <a:pPr algn="ctr"/>
+              <a:r>
+                <a:rPr kumimoji="1" lang="en-US" altLang="zh-CN" sz="1200" dirty="0" err="1" smtClean="0">
+                  <a:solidFill>
+                    <a:schemeClr val="accent1">
+                      <a:lumMod val="50000"/>
+                    </a:schemeClr>
+                  </a:solidFill>
+                </a:rPr>
+                <a:t>e_emo</a:t>
+              </a:r>
+              <a:r>
+                <a:rPr kumimoji="1" lang="en-US" altLang="zh-CN" sz="1200" dirty="0" smtClean="0">
+                  <a:solidFill>
+                    <a:schemeClr val="accent1">
+                      <a:lumMod val="50000"/>
+                    </a:schemeClr>
+                  </a:solidFill>
+                </a:rPr>
+                <a:t>:</a:t>
+              </a:r>
+            </a:p>
+            <a:p>
+              <a:pPr algn="ctr"/>
+              <a:r>
+                <a:rPr kumimoji="1" lang="en-US" altLang="zh-CN" sz="1200" dirty="0" err="1" smtClean="0">
+                  <a:solidFill>
+                    <a:schemeClr val="accent1">
+                      <a:lumMod val="50000"/>
+                    </a:schemeClr>
+                  </a:solidFill>
+                </a:rPr>
+                <a:t>NSString</a:t>
+              </a:r>
+              <a:r>
+                <a:rPr kumimoji="1" lang="en-US" altLang="zh-CN" sz="1200" dirty="0" smtClean="0">
+                  <a:solidFill>
+                    <a:schemeClr val="accent1">
+                      <a:lumMod val="50000"/>
+                    </a:schemeClr>
+                  </a:solidFill>
+                </a:rPr>
+                <a:t>!</a:t>
+              </a:r>
+            </a:p>
+            <a:p>
+              <a:pPr algn="ctr"/>
+              <a:r>
+                <a:rPr kumimoji="1" lang="zh-CN" altLang="en-US" sz="1200" dirty="0" smtClean="0">
+                  <a:solidFill>
+                    <a:schemeClr val="accent1">
+                      <a:lumMod val="50000"/>
+                    </a:schemeClr>
+                  </a:solidFill>
+                </a:rPr>
+                <a:t>颜文字</a:t>
+              </a:r>
+              <a:endParaRPr kumimoji="1" lang="en-US" altLang="zh-CN" sz="1200" dirty="0" smtClean="0">
+                <a:solidFill>
+                  <a:schemeClr val="accent1">
+                    <a:lumMod val="50000"/>
+                  </a:schemeClr>
+                </a:solidFill>
+              </a:endParaRPr>
+            </a:p>
+          </p:txBody>
+        </p:sp>
+        <p:sp>
+          <p:nvSpPr>
+            <p:cNvPr id="34" name="矩形 33"/>
+            <p:cNvSpPr/>
+            <p:nvPr/>
+          </p:nvSpPr>
+          <p:spPr>
+            <a:xfrm>
+              <a:off x="1742927" y="1047036"/>
+              <a:ext cx="1073504" cy="728338"/>
+            </a:xfrm>
+            <a:prstGeom prst="rect">
+              <a:avLst/>
+            </a:prstGeom>
+          </p:spPr>
+          <p:style>
+            <a:lnRef idx="1">
+              <a:schemeClr val="accent3"/>
+            </a:lnRef>
+            <a:fillRef idx="3">
+              <a:schemeClr val="accent3"/>
+            </a:fillRef>
+            <a:effectRef idx="2">
+              <a:schemeClr val="accent3"/>
+            </a:effectRef>
+            <a:fontRef idx="minor">
+              <a:schemeClr val="lt1"/>
+            </a:fontRef>
+          </p:style>
+          <p:txBody>
+            <a:bodyPr rtlCol="0" anchor="ctr"/>
+            <a:lstStyle/>
+            <a:p>
+              <a:pPr algn="ctr"/>
+              <a:r>
+                <a:rPr kumimoji="1" lang="en-US" altLang="zh-CN" sz="1200" dirty="0" smtClean="0">
+                  <a:solidFill>
+                    <a:schemeClr val="accent1">
+                      <a:lumMod val="50000"/>
+                    </a:schemeClr>
+                  </a:solidFill>
+                </a:rPr>
+                <a:t>1</a:t>
+              </a:r>
+            </a:p>
+            <a:p>
+              <a:pPr algn="ctr"/>
+              <a:r>
+                <a:rPr kumimoji="1" lang="en-US" altLang="zh-CN" sz="1200" dirty="0" err="1" smtClean="0">
+                  <a:solidFill>
+                    <a:schemeClr val="accent1">
+                      <a:lumMod val="50000"/>
+                    </a:schemeClr>
+                  </a:solidFill>
+                </a:rPr>
+                <a:t>e_name</a:t>
+              </a:r>
+              <a:r>
+                <a:rPr kumimoji="1" lang="en-US" altLang="zh-CN" sz="1200" dirty="0" smtClean="0">
+                  <a:solidFill>
+                    <a:schemeClr val="accent1">
+                      <a:lumMod val="50000"/>
+                    </a:schemeClr>
+                  </a:solidFill>
+                </a:rPr>
+                <a:t>:</a:t>
+              </a:r>
+              <a:endParaRPr kumimoji="1" lang="en-US" altLang="zh-CN" sz="1200" dirty="0" smtClean="0">
+                <a:solidFill>
+                  <a:schemeClr val="accent1">
+                    <a:lumMod val="50000"/>
+                  </a:schemeClr>
+                </a:solidFill>
+              </a:endParaRPr>
+            </a:p>
+            <a:p>
+              <a:pPr algn="ctr"/>
+              <a:r>
+                <a:rPr kumimoji="1" lang="en-US" altLang="zh-CN" sz="1200" dirty="0" err="1" smtClean="0">
+                  <a:solidFill>
+                    <a:schemeClr val="accent1">
+                      <a:lumMod val="50000"/>
+                    </a:schemeClr>
+                  </a:solidFill>
+                </a:rPr>
+                <a:t>NSString</a:t>
+              </a:r>
+              <a:r>
+                <a:rPr kumimoji="1" lang="en-US" altLang="zh-CN" sz="1200" dirty="0" smtClean="0">
+                  <a:solidFill>
+                    <a:schemeClr val="accent1">
+                      <a:lumMod val="50000"/>
+                    </a:schemeClr>
+                  </a:solidFill>
+                </a:rPr>
+                <a:t>!</a:t>
+              </a:r>
+            </a:p>
+            <a:p>
+              <a:pPr algn="ctr"/>
+              <a:r>
+                <a:rPr kumimoji="1" lang="zh-CN" altLang="en-US" sz="1200" dirty="0" smtClean="0">
+                  <a:solidFill>
+                    <a:schemeClr val="accent1">
+                      <a:lumMod val="50000"/>
+                    </a:schemeClr>
+                  </a:solidFill>
+                </a:rPr>
+                <a:t>颜</a:t>
+              </a:r>
+              <a:r>
+                <a:rPr kumimoji="1" lang="zh-CN" altLang="en-US" sz="1200" dirty="0" smtClean="0">
+                  <a:solidFill>
+                    <a:schemeClr val="accent1">
+                      <a:lumMod val="50000"/>
+                    </a:schemeClr>
+                  </a:solidFill>
+                </a:rPr>
+                <a:t>文字</a:t>
+              </a:r>
+              <a:r>
+                <a:rPr kumimoji="1" lang="zh-CN" altLang="en-US" sz="1200" dirty="0" smtClean="0">
+                  <a:solidFill>
+                    <a:schemeClr val="accent1">
+                      <a:lumMod val="50000"/>
+                    </a:schemeClr>
+                  </a:solidFill>
+                </a:rPr>
+                <a:t>名</a:t>
+              </a:r>
+              <a:endParaRPr kumimoji="1" lang="en-US" altLang="zh-CN" sz="1200" dirty="0" smtClean="0">
+                <a:solidFill>
+                  <a:schemeClr val="accent1">
+                    <a:lumMod val="50000"/>
+                  </a:schemeClr>
+                </a:solidFill>
+              </a:endParaRPr>
+            </a:p>
+          </p:txBody>
+        </p:sp>
+      </p:grpSp>
+      <p:grpSp>
+        <p:nvGrpSpPr>
+          <p:cNvPr id="35" name="组 34"/>
+          <p:cNvGrpSpPr/>
+          <p:nvPr/>
+        </p:nvGrpSpPr>
+        <p:grpSpPr>
+          <a:xfrm>
+            <a:off x="6208255" y="761232"/>
+            <a:ext cx="2476286" cy="1177943"/>
+            <a:chOff x="458179" y="708392"/>
+            <a:chExt cx="2476286" cy="1177943"/>
+          </a:xfrm>
+        </p:grpSpPr>
+        <p:sp>
+          <p:nvSpPr>
+            <p:cNvPr id="36" name="矩形 35"/>
+            <p:cNvSpPr/>
+            <p:nvPr/>
+          </p:nvSpPr>
+          <p:spPr>
+            <a:xfrm>
+              <a:off x="458179" y="708392"/>
+              <a:ext cx="2476286" cy="1177943"/>
+            </a:xfrm>
+            <a:prstGeom prst="rect">
+              <a:avLst/>
+            </a:prstGeom>
+          </p:spPr>
+          <p:style>
+            <a:lnRef idx="1">
+              <a:schemeClr val="accent6"/>
+            </a:lnRef>
+            <a:fillRef idx="3">
+              <a:schemeClr val="accent6"/>
+            </a:fillRef>
+            <a:effectRef idx="2">
+              <a:schemeClr val="accent6"/>
+            </a:effectRef>
+            <a:fontRef idx="minor">
+              <a:schemeClr val="lt1"/>
+            </a:fontRef>
+          </p:style>
+          <p:txBody>
+            <a:bodyPr rtlCol="0" anchor="ctr"/>
+            <a:lstStyle/>
+            <a:p>
+              <a:pPr algn="ctr"/>
+              <a:endParaRPr kumimoji="1" lang="en-US" altLang="zh-CN" dirty="0" smtClean="0"/>
+            </a:p>
+            <a:p>
+              <a:pPr algn="ctr"/>
+              <a:endParaRPr kumimoji="1" lang="en-US" altLang="zh-CN" dirty="0" smtClean="0"/>
+            </a:p>
+            <a:p>
+              <a:pPr algn="ctr"/>
+              <a:endParaRPr kumimoji="1" lang="en-US" altLang="zh-CN" dirty="0" smtClean="0"/>
+            </a:p>
+          </p:txBody>
+        </p:sp>
+        <p:sp>
+          <p:nvSpPr>
+            <p:cNvPr id="37" name="文本框 36"/>
+            <p:cNvSpPr txBox="1"/>
+            <p:nvPr/>
+          </p:nvSpPr>
+          <p:spPr>
+            <a:xfrm>
+              <a:off x="458179" y="708392"/>
+              <a:ext cx="2476286" cy="276999"/>
+            </a:xfrm>
+            <a:prstGeom prst="rect">
+              <a:avLst/>
+            </a:prstGeom>
+            <a:noFill/>
+          </p:spPr>
+          <p:txBody>
+            <a:bodyPr wrap="square" rtlCol="0">
+              <a:spAutoFit/>
+            </a:bodyPr>
+            <a:lstStyle/>
+            <a:p>
+              <a:pPr algn="ctr"/>
+              <a:r>
+                <a:rPr kumimoji="1" lang="zh-CN" altLang="en-US" sz="1200" dirty="0" smtClean="0">
+                  <a:solidFill>
+                    <a:schemeClr val="accent6">
+                      <a:lumMod val="50000"/>
+                    </a:schemeClr>
+                  </a:solidFill>
+                </a:rPr>
+                <a:t>颜文字条目</a:t>
+              </a:r>
+              <a:r>
+                <a:rPr kumimoji="1" lang="en-US" altLang="zh-CN" sz="1200" dirty="0" smtClean="0">
+                  <a:solidFill>
+                    <a:schemeClr val="accent6">
+                      <a:lumMod val="50000"/>
+                    </a:schemeClr>
+                  </a:solidFill>
+                </a:rPr>
+                <a:t>0:NSArray</a:t>
+              </a:r>
+              <a:endParaRPr kumimoji="1" lang="en-US" altLang="zh-CN" sz="1200" dirty="0" smtClean="0">
+                <a:solidFill>
+                  <a:schemeClr val="accent6">
+                    <a:lumMod val="50000"/>
+                  </a:schemeClr>
+                </a:solidFill>
+              </a:endParaRPr>
+            </a:p>
+          </p:txBody>
+        </p:sp>
+        <p:sp>
+          <p:nvSpPr>
+            <p:cNvPr id="38" name="矩形 37"/>
+            <p:cNvSpPr/>
+            <p:nvPr/>
+          </p:nvSpPr>
+          <p:spPr>
+            <a:xfrm>
+              <a:off x="578673" y="1047036"/>
+              <a:ext cx="1073504" cy="728338"/>
+            </a:xfrm>
+            <a:prstGeom prst="rect">
+              <a:avLst/>
+            </a:prstGeom>
+          </p:spPr>
+          <p:style>
+            <a:lnRef idx="1">
+              <a:schemeClr val="accent3"/>
+            </a:lnRef>
+            <a:fillRef idx="3">
+              <a:schemeClr val="accent3"/>
+            </a:fillRef>
+            <a:effectRef idx="2">
+              <a:schemeClr val="accent3"/>
+            </a:effectRef>
+            <a:fontRef idx="minor">
+              <a:schemeClr val="lt1"/>
+            </a:fontRef>
+          </p:style>
+          <p:txBody>
+            <a:bodyPr rtlCol="0" anchor="ctr"/>
+            <a:lstStyle/>
+            <a:p>
+              <a:pPr algn="ctr"/>
+              <a:r>
+                <a:rPr kumimoji="1" lang="en-US" altLang="zh-CN" sz="1200" dirty="0" smtClean="0">
+                  <a:solidFill>
+                    <a:schemeClr val="accent1">
+                      <a:lumMod val="50000"/>
+                    </a:schemeClr>
+                  </a:solidFill>
+                </a:rPr>
+                <a:t>0</a:t>
+              </a:r>
+              <a:endParaRPr kumimoji="1" lang="en-US" altLang="zh-CN" sz="1200" dirty="0" smtClean="0">
+                <a:solidFill>
+                  <a:schemeClr val="accent1">
+                    <a:lumMod val="50000"/>
+                  </a:schemeClr>
+                </a:solidFill>
+              </a:endParaRPr>
+            </a:p>
+            <a:p>
+              <a:pPr algn="ctr"/>
+              <a:r>
+                <a:rPr kumimoji="1" lang="en-US" altLang="zh-CN" sz="1200" dirty="0" err="1" smtClean="0">
+                  <a:solidFill>
+                    <a:schemeClr val="accent1">
+                      <a:lumMod val="50000"/>
+                    </a:schemeClr>
+                  </a:solidFill>
+                </a:rPr>
+                <a:t>e_emo</a:t>
+              </a:r>
+              <a:r>
+                <a:rPr kumimoji="1" lang="en-US" altLang="zh-CN" sz="1200" dirty="0" smtClean="0">
+                  <a:solidFill>
+                    <a:schemeClr val="accent1">
+                      <a:lumMod val="50000"/>
+                    </a:schemeClr>
+                  </a:solidFill>
+                </a:rPr>
+                <a:t>:</a:t>
+              </a:r>
+            </a:p>
+            <a:p>
+              <a:pPr algn="ctr"/>
+              <a:r>
+                <a:rPr kumimoji="1" lang="en-US" altLang="zh-CN" sz="1200" dirty="0" err="1" smtClean="0">
+                  <a:solidFill>
+                    <a:schemeClr val="accent1">
+                      <a:lumMod val="50000"/>
+                    </a:schemeClr>
+                  </a:solidFill>
+                </a:rPr>
+                <a:t>NSString</a:t>
+              </a:r>
+              <a:r>
+                <a:rPr kumimoji="1" lang="en-US" altLang="zh-CN" sz="1200" dirty="0" smtClean="0">
+                  <a:solidFill>
+                    <a:schemeClr val="accent1">
+                      <a:lumMod val="50000"/>
+                    </a:schemeClr>
+                  </a:solidFill>
+                </a:rPr>
+                <a:t>!</a:t>
+              </a:r>
+            </a:p>
+            <a:p>
+              <a:pPr algn="ctr"/>
+              <a:r>
+                <a:rPr kumimoji="1" lang="zh-CN" altLang="en-US" sz="1200" dirty="0" smtClean="0">
+                  <a:solidFill>
+                    <a:schemeClr val="accent1">
+                      <a:lumMod val="50000"/>
+                    </a:schemeClr>
+                  </a:solidFill>
+                </a:rPr>
+                <a:t>颜文字</a:t>
+              </a:r>
+              <a:endParaRPr kumimoji="1" lang="en-US" altLang="zh-CN" sz="1200" dirty="0" smtClean="0">
+                <a:solidFill>
+                  <a:schemeClr val="accent1">
+                    <a:lumMod val="50000"/>
+                  </a:schemeClr>
+                </a:solidFill>
+              </a:endParaRPr>
+            </a:p>
+          </p:txBody>
+        </p:sp>
+        <p:sp>
+          <p:nvSpPr>
+            <p:cNvPr id="39" name="矩形 38"/>
+            <p:cNvSpPr/>
+            <p:nvPr/>
+          </p:nvSpPr>
+          <p:spPr>
+            <a:xfrm>
+              <a:off x="1742927" y="1047036"/>
+              <a:ext cx="1073504" cy="728338"/>
+            </a:xfrm>
+            <a:prstGeom prst="rect">
+              <a:avLst/>
+            </a:prstGeom>
+          </p:spPr>
+          <p:style>
+            <a:lnRef idx="1">
+              <a:schemeClr val="accent3"/>
+            </a:lnRef>
+            <a:fillRef idx="3">
+              <a:schemeClr val="accent3"/>
+            </a:fillRef>
+            <a:effectRef idx="2">
+              <a:schemeClr val="accent3"/>
+            </a:effectRef>
+            <a:fontRef idx="minor">
+              <a:schemeClr val="lt1"/>
+            </a:fontRef>
+          </p:style>
+          <p:txBody>
+            <a:bodyPr rtlCol="0" anchor="ctr"/>
+            <a:lstStyle/>
+            <a:p>
+              <a:pPr algn="ctr"/>
+              <a:r>
+                <a:rPr kumimoji="1" lang="en-US" altLang="zh-CN" sz="1200" dirty="0" smtClean="0">
+                  <a:solidFill>
+                    <a:schemeClr val="accent1">
+                      <a:lumMod val="50000"/>
+                    </a:schemeClr>
+                  </a:solidFill>
+                </a:rPr>
+                <a:t>1</a:t>
+              </a:r>
+            </a:p>
+            <a:p>
+              <a:pPr algn="ctr"/>
+              <a:r>
+                <a:rPr kumimoji="1" lang="en-US" altLang="zh-CN" sz="1200" dirty="0" err="1" smtClean="0">
+                  <a:solidFill>
+                    <a:schemeClr val="accent1">
+                      <a:lumMod val="50000"/>
+                    </a:schemeClr>
+                  </a:solidFill>
+                </a:rPr>
+                <a:t>e_name</a:t>
+              </a:r>
+              <a:r>
+                <a:rPr kumimoji="1" lang="en-US" altLang="zh-CN" sz="1200" dirty="0" smtClean="0">
+                  <a:solidFill>
+                    <a:schemeClr val="accent1">
+                      <a:lumMod val="50000"/>
+                    </a:schemeClr>
+                  </a:solidFill>
+                </a:rPr>
+                <a:t>:</a:t>
+              </a:r>
+              <a:endParaRPr kumimoji="1" lang="en-US" altLang="zh-CN" sz="1200" dirty="0" smtClean="0">
+                <a:solidFill>
+                  <a:schemeClr val="accent1">
+                    <a:lumMod val="50000"/>
+                  </a:schemeClr>
+                </a:solidFill>
+              </a:endParaRPr>
+            </a:p>
+            <a:p>
+              <a:pPr algn="ctr"/>
+              <a:r>
+                <a:rPr kumimoji="1" lang="en-US" altLang="zh-CN" sz="1200" dirty="0" err="1" smtClean="0">
+                  <a:solidFill>
+                    <a:schemeClr val="accent1">
+                      <a:lumMod val="50000"/>
+                    </a:schemeClr>
+                  </a:solidFill>
+                </a:rPr>
+                <a:t>NSString</a:t>
+              </a:r>
+              <a:r>
+                <a:rPr kumimoji="1" lang="en-US" altLang="zh-CN" sz="1200" dirty="0" smtClean="0">
+                  <a:solidFill>
+                    <a:schemeClr val="accent1">
+                      <a:lumMod val="50000"/>
+                    </a:schemeClr>
+                  </a:solidFill>
+                </a:rPr>
+                <a:t>!</a:t>
+              </a:r>
+            </a:p>
+            <a:p>
+              <a:pPr algn="ctr"/>
+              <a:r>
+                <a:rPr kumimoji="1" lang="zh-CN" altLang="en-US" sz="1200" dirty="0" smtClean="0">
+                  <a:solidFill>
+                    <a:schemeClr val="accent1">
+                      <a:lumMod val="50000"/>
+                    </a:schemeClr>
+                  </a:solidFill>
+                </a:rPr>
+                <a:t>颜</a:t>
+              </a:r>
+              <a:r>
+                <a:rPr kumimoji="1" lang="zh-CN" altLang="en-US" sz="1200" dirty="0" smtClean="0">
+                  <a:solidFill>
+                    <a:schemeClr val="accent1">
+                      <a:lumMod val="50000"/>
+                    </a:schemeClr>
+                  </a:solidFill>
+                </a:rPr>
+                <a:t>文字</a:t>
+              </a:r>
+              <a:r>
+                <a:rPr kumimoji="1" lang="zh-CN" altLang="en-US" sz="1200" dirty="0" smtClean="0">
+                  <a:solidFill>
+                    <a:schemeClr val="accent1">
+                      <a:lumMod val="50000"/>
+                    </a:schemeClr>
+                  </a:solidFill>
+                </a:rPr>
+                <a:t>名</a:t>
+              </a:r>
+              <a:endParaRPr kumimoji="1" lang="en-US" altLang="zh-CN" sz="1200" dirty="0" smtClean="0">
+                <a:solidFill>
+                  <a:schemeClr val="accent1">
+                    <a:lumMod val="50000"/>
+                  </a:schemeClr>
+                </a:solidFill>
+              </a:endParaRPr>
+            </a:p>
+          </p:txBody>
+        </p:sp>
+      </p:grpSp>
+      <p:grpSp>
+        <p:nvGrpSpPr>
+          <p:cNvPr id="40" name="组 39"/>
+          <p:cNvGrpSpPr/>
+          <p:nvPr/>
+        </p:nvGrpSpPr>
+        <p:grpSpPr>
+          <a:xfrm>
+            <a:off x="6208255" y="2054588"/>
+            <a:ext cx="2476286" cy="1177943"/>
+            <a:chOff x="458179" y="708392"/>
+            <a:chExt cx="2476286" cy="1177943"/>
+          </a:xfrm>
+        </p:grpSpPr>
+        <p:sp>
+          <p:nvSpPr>
+            <p:cNvPr id="41" name="矩形 40"/>
+            <p:cNvSpPr/>
+            <p:nvPr/>
+          </p:nvSpPr>
+          <p:spPr>
+            <a:xfrm>
+              <a:off x="458179" y="708392"/>
+              <a:ext cx="2476286" cy="1177943"/>
+            </a:xfrm>
+            <a:prstGeom prst="rect">
+              <a:avLst/>
+            </a:prstGeom>
+          </p:spPr>
+          <p:style>
+            <a:lnRef idx="1">
+              <a:schemeClr val="accent6"/>
+            </a:lnRef>
+            <a:fillRef idx="3">
+              <a:schemeClr val="accent6"/>
+            </a:fillRef>
+            <a:effectRef idx="2">
+              <a:schemeClr val="accent6"/>
+            </a:effectRef>
+            <a:fontRef idx="minor">
+              <a:schemeClr val="lt1"/>
+            </a:fontRef>
+          </p:style>
+          <p:txBody>
+            <a:bodyPr rtlCol="0" anchor="ctr"/>
+            <a:lstStyle/>
+            <a:p>
+              <a:pPr algn="ctr"/>
+              <a:endParaRPr kumimoji="1" lang="en-US" altLang="zh-CN" dirty="0" smtClean="0"/>
+            </a:p>
+            <a:p>
+              <a:pPr algn="ctr"/>
+              <a:endParaRPr kumimoji="1" lang="en-US" altLang="zh-CN" dirty="0" smtClean="0"/>
+            </a:p>
+            <a:p>
+              <a:pPr algn="ctr"/>
+              <a:endParaRPr kumimoji="1" lang="en-US" altLang="zh-CN" dirty="0" smtClean="0"/>
+            </a:p>
+          </p:txBody>
+        </p:sp>
+        <p:sp>
+          <p:nvSpPr>
+            <p:cNvPr id="42" name="文本框 41"/>
+            <p:cNvSpPr txBox="1"/>
+            <p:nvPr/>
+          </p:nvSpPr>
+          <p:spPr>
+            <a:xfrm>
+              <a:off x="458179" y="708392"/>
+              <a:ext cx="2476286" cy="276999"/>
+            </a:xfrm>
+            <a:prstGeom prst="rect">
+              <a:avLst/>
+            </a:prstGeom>
+            <a:noFill/>
+          </p:spPr>
+          <p:txBody>
+            <a:bodyPr wrap="square" rtlCol="0">
+              <a:spAutoFit/>
+            </a:bodyPr>
+            <a:lstStyle/>
+            <a:p>
+              <a:pPr algn="ctr"/>
+              <a:r>
+                <a:rPr kumimoji="1" lang="zh-CN" altLang="en-US" sz="1200" dirty="0" smtClean="0">
+                  <a:solidFill>
+                    <a:schemeClr val="accent6">
+                      <a:lumMod val="50000"/>
+                    </a:schemeClr>
+                  </a:solidFill>
+                </a:rPr>
+                <a:t>颜文字条目</a:t>
+              </a:r>
+              <a:r>
+                <a:rPr kumimoji="1" lang="en-US" altLang="zh-CN" sz="1200" dirty="0" smtClean="0">
+                  <a:solidFill>
+                    <a:schemeClr val="accent6">
+                      <a:lumMod val="50000"/>
+                    </a:schemeClr>
+                  </a:solidFill>
+                </a:rPr>
+                <a:t>1:NSArray</a:t>
+              </a:r>
+              <a:endParaRPr kumimoji="1" lang="en-US" altLang="zh-CN" sz="1200" dirty="0" smtClean="0">
+                <a:solidFill>
+                  <a:schemeClr val="accent6">
+                    <a:lumMod val="50000"/>
+                  </a:schemeClr>
+                </a:solidFill>
+              </a:endParaRPr>
+            </a:p>
+          </p:txBody>
+        </p:sp>
+        <p:sp>
+          <p:nvSpPr>
+            <p:cNvPr id="43" name="矩形 42"/>
+            <p:cNvSpPr/>
+            <p:nvPr/>
+          </p:nvSpPr>
+          <p:spPr>
+            <a:xfrm>
+              <a:off x="578673" y="1047036"/>
+              <a:ext cx="1073504" cy="728338"/>
+            </a:xfrm>
+            <a:prstGeom prst="rect">
+              <a:avLst/>
+            </a:prstGeom>
+          </p:spPr>
+          <p:style>
+            <a:lnRef idx="1">
+              <a:schemeClr val="accent3"/>
+            </a:lnRef>
+            <a:fillRef idx="3">
+              <a:schemeClr val="accent3"/>
+            </a:fillRef>
+            <a:effectRef idx="2">
+              <a:schemeClr val="accent3"/>
+            </a:effectRef>
+            <a:fontRef idx="minor">
+              <a:schemeClr val="lt1"/>
+            </a:fontRef>
+          </p:style>
+          <p:txBody>
+            <a:bodyPr rtlCol="0" anchor="ctr"/>
+            <a:lstStyle/>
+            <a:p>
+              <a:pPr algn="ctr"/>
+              <a:r>
+                <a:rPr kumimoji="1" lang="en-US" altLang="zh-CN" sz="1200" dirty="0" smtClean="0">
+                  <a:solidFill>
+                    <a:schemeClr val="accent1">
+                      <a:lumMod val="50000"/>
+                    </a:schemeClr>
+                  </a:solidFill>
+                </a:rPr>
+                <a:t>0</a:t>
+              </a:r>
+              <a:endParaRPr kumimoji="1" lang="en-US" altLang="zh-CN" sz="1200" dirty="0" smtClean="0">
+                <a:solidFill>
+                  <a:schemeClr val="accent1">
+                    <a:lumMod val="50000"/>
+                  </a:schemeClr>
+                </a:solidFill>
+              </a:endParaRPr>
+            </a:p>
+            <a:p>
+              <a:pPr algn="ctr"/>
+              <a:r>
+                <a:rPr kumimoji="1" lang="en-US" altLang="zh-CN" sz="1200" dirty="0" err="1" smtClean="0">
+                  <a:solidFill>
+                    <a:schemeClr val="accent1">
+                      <a:lumMod val="50000"/>
+                    </a:schemeClr>
+                  </a:solidFill>
+                </a:rPr>
+                <a:t>e_emo</a:t>
+              </a:r>
+              <a:r>
+                <a:rPr kumimoji="1" lang="en-US" altLang="zh-CN" sz="1200" dirty="0" smtClean="0">
+                  <a:solidFill>
+                    <a:schemeClr val="accent1">
+                      <a:lumMod val="50000"/>
+                    </a:schemeClr>
+                  </a:solidFill>
+                </a:rPr>
+                <a:t>:</a:t>
+              </a:r>
+            </a:p>
+            <a:p>
+              <a:pPr algn="ctr"/>
+              <a:r>
+                <a:rPr kumimoji="1" lang="en-US" altLang="zh-CN" sz="1200" dirty="0" err="1" smtClean="0">
+                  <a:solidFill>
+                    <a:schemeClr val="accent1">
+                      <a:lumMod val="50000"/>
+                    </a:schemeClr>
+                  </a:solidFill>
+                </a:rPr>
+                <a:t>NSString</a:t>
+              </a:r>
+              <a:r>
+                <a:rPr kumimoji="1" lang="en-US" altLang="zh-CN" sz="1200" dirty="0" smtClean="0">
+                  <a:solidFill>
+                    <a:schemeClr val="accent1">
+                      <a:lumMod val="50000"/>
+                    </a:schemeClr>
+                  </a:solidFill>
+                </a:rPr>
+                <a:t>!</a:t>
+              </a:r>
+            </a:p>
+            <a:p>
+              <a:pPr algn="ctr"/>
+              <a:r>
+                <a:rPr kumimoji="1" lang="zh-CN" altLang="en-US" sz="1200" dirty="0" smtClean="0">
+                  <a:solidFill>
+                    <a:schemeClr val="accent1">
+                      <a:lumMod val="50000"/>
+                    </a:schemeClr>
+                  </a:solidFill>
+                </a:rPr>
+                <a:t>颜文字</a:t>
+              </a:r>
+              <a:endParaRPr kumimoji="1" lang="en-US" altLang="zh-CN" sz="1200" dirty="0" smtClean="0">
+                <a:solidFill>
+                  <a:schemeClr val="accent1">
+                    <a:lumMod val="50000"/>
+                  </a:schemeClr>
+                </a:solidFill>
+              </a:endParaRPr>
+            </a:p>
+          </p:txBody>
+        </p:sp>
+        <p:sp>
+          <p:nvSpPr>
+            <p:cNvPr id="44" name="矩形 43"/>
+            <p:cNvSpPr/>
+            <p:nvPr/>
+          </p:nvSpPr>
+          <p:spPr>
+            <a:xfrm>
+              <a:off x="1742927" y="1047036"/>
+              <a:ext cx="1073504" cy="728338"/>
+            </a:xfrm>
+            <a:prstGeom prst="rect">
+              <a:avLst/>
+            </a:prstGeom>
+          </p:spPr>
+          <p:style>
+            <a:lnRef idx="1">
+              <a:schemeClr val="accent3"/>
+            </a:lnRef>
+            <a:fillRef idx="3">
+              <a:schemeClr val="accent3"/>
+            </a:fillRef>
+            <a:effectRef idx="2">
+              <a:schemeClr val="accent3"/>
+            </a:effectRef>
+            <a:fontRef idx="minor">
+              <a:schemeClr val="lt1"/>
+            </a:fontRef>
+          </p:style>
+          <p:txBody>
+            <a:bodyPr rtlCol="0" anchor="ctr"/>
+            <a:lstStyle/>
+            <a:p>
+              <a:pPr algn="ctr"/>
+              <a:r>
+                <a:rPr kumimoji="1" lang="en-US" altLang="zh-CN" sz="1200" dirty="0" smtClean="0">
+                  <a:solidFill>
+                    <a:schemeClr val="accent1">
+                      <a:lumMod val="50000"/>
+                    </a:schemeClr>
+                  </a:solidFill>
+                </a:rPr>
+                <a:t>1</a:t>
+              </a:r>
+            </a:p>
+            <a:p>
+              <a:pPr algn="ctr"/>
+              <a:r>
+                <a:rPr kumimoji="1" lang="en-US" altLang="zh-CN" sz="1200" dirty="0" err="1" smtClean="0">
+                  <a:solidFill>
+                    <a:schemeClr val="accent1">
+                      <a:lumMod val="50000"/>
+                    </a:schemeClr>
+                  </a:solidFill>
+                </a:rPr>
+                <a:t>e_name</a:t>
+              </a:r>
+              <a:r>
+                <a:rPr kumimoji="1" lang="en-US" altLang="zh-CN" sz="1200" dirty="0" smtClean="0">
+                  <a:solidFill>
+                    <a:schemeClr val="accent1">
+                      <a:lumMod val="50000"/>
+                    </a:schemeClr>
+                  </a:solidFill>
+                </a:rPr>
+                <a:t>:</a:t>
+              </a:r>
+              <a:endParaRPr kumimoji="1" lang="en-US" altLang="zh-CN" sz="1200" dirty="0" smtClean="0">
+                <a:solidFill>
+                  <a:schemeClr val="accent1">
+                    <a:lumMod val="50000"/>
+                  </a:schemeClr>
+                </a:solidFill>
+              </a:endParaRPr>
+            </a:p>
+            <a:p>
+              <a:pPr algn="ctr"/>
+              <a:r>
+                <a:rPr kumimoji="1" lang="en-US" altLang="zh-CN" sz="1200" dirty="0" err="1" smtClean="0">
+                  <a:solidFill>
+                    <a:schemeClr val="accent1">
+                      <a:lumMod val="50000"/>
+                    </a:schemeClr>
+                  </a:solidFill>
+                </a:rPr>
+                <a:t>NSString</a:t>
+              </a:r>
+              <a:r>
+                <a:rPr kumimoji="1" lang="en-US" altLang="zh-CN" sz="1200" dirty="0" smtClean="0">
+                  <a:solidFill>
+                    <a:schemeClr val="accent1">
+                      <a:lumMod val="50000"/>
+                    </a:schemeClr>
+                  </a:solidFill>
+                </a:rPr>
+                <a:t>!</a:t>
+              </a:r>
+            </a:p>
+            <a:p>
+              <a:pPr algn="ctr"/>
+              <a:r>
+                <a:rPr kumimoji="1" lang="zh-CN" altLang="en-US" sz="1200" dirty="0" smtClean="0">
+                  <a:solidFill>
+                    <a:schemeClr val="accent1">
+                      <a:lumMod val="50000"/>
+                    </a:schemeClr>
+                  </a:solidFill>
+                </a:rPr>
+                <a:t>颜</a:t>
+              </a:r>
+              <a:r>
+                <a:rPr kumimoji="1" lang="zh-CN" altLang="en-US" sz="1200" dirty="0" smtClean="0">
+                  <a:solidFill>
+                    <a:schemeClr val="accent1">
+                      <a:lumMod val="50000"/>
+                    </a:schemeClr>
+                  </a:solidFill>
+                </a:rPr>
+                <a:t>文字</a:t>
+              </a:r>
+              <a:r>
+                <a:rPr kumimoji="1" lang="zh-CN" altLang="en-US" sz="1200" dirty="0" smtClean="0">
+                  <a:solidFill>
+                    <a:schemeClr val="accent1">
+                      <a:lumMod val="50000"/>
+                    </a:schemeClr>
+                  </a:solidFill>
+                </a:rPr>
+                <a:t>名</a:t>
+              </a:r>
+              <a:endParaRPr kumimoji="1" lang="en-US" altLang="zh-CN" sz="1200" dirty="0" smtClean="0">
+                <a:solidFill>
+                  <a:schemeClr val="accent1">
+                    <a:lumMod val="50000"/>
+                  </a:schemeClr>
+                </a:solidFill>
+              </a:endParaRPr>
+            </a:p>
+          </p:txBody>
+        </p:sp>
+      </p:grpSp>
+    </p:spTree>
+    <p:extLst>
+      <p:ext uri="{BB962C8B-B14F-4D97-AF65-F5344CB8AC3E}">
+        <p14:creationId xmlns:p14="http://schemas.microsoft.com/office/powerpoint/2010/main" val="1131100135"/>
+      </p:ext>
+    </p:extLst>
+  </p:cSld>
+  <p:clrMapOvr>
+    <a:masterClrMapping/>
+  </p:clrMapOvr>
 </p:sld>
 </file>
 
@@ -6637,4 +12800,324 @@
   </a:objectDefaults>
   <a:extraClrSchemeLst/>
 </a:theme>
+</file>
+
+<file path=ppt/theme/theme2.xml><?xml version="1.0" encoding="utf-8"?>
+<a:theme xmlns:a="http://schemas.openxmlformats.org/drawingml/2006/main" name="Office 主题">
+  <a:themeElements>
+    <a:clrScheme name="办公室">
+      <a:dk1>
+        <a:sysClr val="windowText" lastClr="000000"/>
+      </a:dk1>
+      <a:lt1>
+        <a:sysClr val="window" lastClr="FFFFFF"/>
+      </a:lt1>
+      <a:dk2>
+        <a:srgbClr val="1F497D"/>
+      </a:dk2>
+      <a:lt2>
+        <a:srgbClr val="EEECE1"/>
+      </a:lt2>
+      <a:accent1>
+        <a:srgbClr val="4F81BD"/>
+      </a:accent1>
+      <a:accent2>
+        <a:srgbClr val="C0504D"/>
+      </a:accent2>
+      <a:accent3>
+        <a:srgbClr val="9BBB59"/>
+      </a:accent3>
+      <a:accent4>
+        <a:srgbClr val="8064A2"/>
+      </a:accent4>
+      <a:accent5>
+        <a:srgbClr val="4BACC6"/>
+      </a:accent5>
+      <a:accent6>
+        <a:srgbClr val="F79646"/>
+      </a:accent6>
+      <a:hlink>
+        <a:srgbClr val="0000FF"/>
+      </a:hlink>
+      <a:folHlink>
+        <a:srgbClr val="800080"/>
+      </a:folHlink>
+    </a:clrScheme>
+    <a:fontScheme name="办公室">
+      <a:majorFont>
+        <a:latin typeface="Calibri"/>
+        <a:ea typeface=""/>
+        <a:cs typeface=""/>
+        <a:font script="Jpan" typeface="ＭＳ Ｐゴシック"/>
+        <a:font script="Hang" typeface="맑은 고딕"/>
+        <a:font script="Hans" typeface="宋体"/>
+        <a:font script="Hant" typeface="新細明體"/>
+        <a:font script="Arab" typeface="Times New Roman"/>
+        <a:font script="Hebr" typeface="Times New Roman"/>
+        <a:font script="Thai" typeface="Angsana New"/>
+        <a:font script="Ethi" typeface="Nyala"/>
+        <a:font script="Beng" typeface="Vrinda"/>
+        <a:font script="Gujr" typeface="Shruti"/>
+        <a:font script="Khmr" typeface="MoolBoran"/>
+        <a:font script="Knda" typeface="Tunga"/>
+        <a:font script="Guru" typeface="Raavi"/>
+        <a:font script="Cans" typeface="Euphemia"/>
+        <a:font script="Cher" typeface="Plantagenet Cherokee"/>
+        <a:font script="Yiii" typeface="Microsoft Yi Baiti"/>
+        <a:font script="Tibt" typeface="Microsoft Himalaya"/>
+        <a:font script="Thaa" typeface="MV Boli"/>
+        <a:font script="Deva" typeface="Mangal"/>
+        <a:font script="Telu" typeface="Gautami"/>
+        <a:font script="Taml" typeface="Latha"/>
+        <a:font script="Syrc" typeface="Estrangelo Edessa"/>
+        <a:font script="Orya" typeface="Kalinga"/>
+        <a:font script="Mlym" typeface="Kartika"/>
+        <a:font script="Laoo" typeface="DokChampa"/>
+        <a:font script="Sinh" typeface="Iskoola Pota"/>
+        <a:font script="Mong" typeface="Mongolian Baiti"/>
+        <a:font script="Viet" typeface="Times New Roman"/>
+        <a:font script="Uigh" typeface="Microsoft Uighur"/>
+        <a:font script="Geor" typeface="Sylfaen"/>
+      </a:majorFont>
+      <a:minorFont>
+        <a:latin typeface="Calibri"/>
+        <a:ea typeface=""/>
+        <a:cs typeface=""/>
+        <a:font script="Jpan" typeface="ＭＳ Ｐゴシック"/>
+        <a:font script="Hang" typeface="맑은 고딕"/>
+        <a:font script="Hans" typeface="宋体"/>
+        <a:font script="Hant" typeface="新細明體"/>
+        <a:font script="Arab" typeface="Arial"/>
+        <a:font script="Hebr" typeface="Arial"/>
+        <a:font script="Thai" typeface="Cordia New"/>
+        <a:font script="Ethi" typeface="Nyala"/>
+        <a:font script="Beng" typeface="Vrinda"/>
+        <a:font script="Gujr" typeface="Shruti"/>
+        <a:font script="Khmr" typeface="DaunPenh"/>
+        <a:font script="Knda" typeface="Tunga"/>
+        <a:font script="Guru" typeface="Raavi"/>
+        <a:font script="Cans" typeface="Euphemia"/>
+        <a:font script="Cher" typeface="Plantagenet Cherokee"/>
+        <a:font script="Yiii" typeface="Microsoft Yi Baiti"/>
+        <a:font script="Tibt" typeface="Microsoft Himalaya"/>
+        <a:font script="Thaa" typeface="MV Boli"/>
+        <a:font script="Deva" typeface="Mangal"/>
+        <a:font script="Telu" typeface="Gautami"/>
+        <a:font script="Taml" typeface="Latha"/>
+        <a:font script="Syrc" typeface="Estrangelo Edessa"/>
+        <a:font script="Orya" typeface="Kalinga"/>
+        <a:font script="Mlym" typeface="Kartika"/>
+        <a:font script="Laoo" typeface="DokChampa"/>
+        <a:font script="Sinh" typeface="Iskoola Pota"/>
+        <a:font script="Mong" typeface="Mongolian Baiti"/>
+        <a:font script="Viet" typeface="Arial"/>
+        <a:font script="Uigh" typeface="Microsoft Uighur"/>
+        <a:font script="Geor" typeface="Sylfaen"/>
+      </a:minorFont>
+    </a:fontScheme>
+    <a:fmtScheme name="办公室">
+      <a:fillStyleLst>
+        <a:solidFill>
+          <a:schemeClr val="phClr"/>
+        </a:solidFill>
+        <a:gradFill rotWithShape="1">
+          <a:gsLst>
+            <a:gs pos="0">
+              <a:schemeClr val="phClr">
+                <a:tint val="50000"/>
+                <a:satMod val="300000"/>
+              </a:schemeClr>
+            </a:gs>
+            <a:gs pos="35000">
+              <a:schemeClr val="phClr">
+                <a:tint val="37000"/>
+                <a:satMod val="300000"/>
+              </a:schemeClr>
+            </a:gs>
+            <a:gs pos="100000">
+              <a:schemeClr val="phClr">
+                <a:tint val="15000"/>
+                <a:satMod val="350000"/>
+              </a:schemeClr>
+            </a:gs>
+          </a:gsLst>
+          <a:lin ang="16200000" scaled="1"/>
+        </a:gradFill>
+        <a:gradFill rotWithShape="1">
+          <a:gsLst>
+            <a:gs pos="0">
+              <a:schemeClr val="phClr">
+                <a:tint val="100000"/>
+                <a:shade val="100000"/>
+                <a:satMod val="130000"/>
+              </a:schemeClr>
+            </a:gs>
+            <a:gs pos="100000">
+              <a:schemeClr val="phClr">
+                <a:tint val="50000"/>
+                <a:shade val="100000"/>
+                <a:satMod val="350000"/>
+              </a:schemeClr>
+            </a:gs>
+          </a:gsLst>
+          <a:lin ang="16200000" scaled="0"/>
+        </a:gradFill>
+      </a:fillStyleLst>
+      <a:lnStyleLst>
+        <a:ln w="9525" cap="flat" cmpd="sng" algn="ctr">
+          <a:solidFill>
+            <a:schemeClr val="phClr">
+              <a:shade val="95000"/>
+              <a:satMod val="105000"/>
+            </a:schemeClr>
+          </a:solidFill>
+          <a:prstDash val="solid"/>
+        </a:ln>
+        <a:ln w="25400" cap="flat" cmpd="sng" algn="ctr">
+          <a:solidFill>
+            <a:schemeClr val="phClr"/>
+          </a:solidFill>
+          <a:prstDash val="solid"/>
+        </a:ln>
+        <a:ln w="38100" cap="flat" cmpd="sng" algn="ctr">
+          <a:solidFill>
+            <a:schemeClr val="phClr"/>
+          </a:solidFill>
+          <a:prstDash val="solid"/>
+        </a:ln>
+      </a:lnStyleLst>
+      <a:effectStyleLst>
+        <a:effectStyle>
+          <a:effectLst>
+            <a:outerShdw blurRad="40000" dist="20000" dir="5400000" rotWithShape="0">
+              <a:srgbClr val="000000">
+                <a:alpha val="38000"/>
+              </a:srgbClr>
+            </a:outerShdw>
+          </a:effectLst>
+        </a:effectStyle>
+        <a:effectStyle>
+          <a:effectLst>
+            <a:outerShdw blurRad="40000" dist="23000" dir="5400000" rotWithShape="0">
+              <a:srgbClr val="000000">
+                <a:alpha val="35000"/>
+              </a:srgbClr>
+            </a:outerShdw>
+          </a:effectLst>
+        </a:effectStyle>
+        <a:effectStyle>
+          <a:effectLst>
+            <a:outerShdw blurRad="40000" dist="23000" dir="5400000" rotWithShape="0">
+              <a:srgbClr val="000000">
+                <a:alpha val="35000"/>
+              </a:srgbClr>
+            </a:outerShdw>
+          </a:effectLst>
+          <a:scene3d>
+            <a:camera prst="orthographicFront">
+              <a:rot lat="0" lon="0" rev="0"/>
+            </a:camera>
+            <a:lightRig rig="threePt" dir="t">
+              <a:rot lat="0" lon="0" rev="1200000"/>
+            </a:lightRig>
+          </a:scene3d>
+          <a:sp3d>
+            <a:bevelT w="63500" h="25400"/>
+          </a:sp3d>
+        </a:effectStyle>
+      </a:effectStyleLst>
+      <a:bgFillStyleLst>
+        <a:solidFill>
+          <a:schemeClr val="phClr"/>
+        </a:solidFill>
+        <a:gradFill rotWithShape="1">
+          <a:gsLst>
+            <a:gs pos="0">
+              <a:schemeClr val="phClr">
+                <a:tint val="40000"/>
+                <a:satMod val="350000"/>
+              </a:schemeClr>
+            </a:gs>
+            <a:gs pos="40000">
+              <a:schemeClr val="phClr">
+                <a:tint val="45000"/>
+                <a:shade val="99000"/>
+                <a:satMod val="350000"/>
+              </a:schemeClr>
+            </a:gs>
+            <a:gs pos="100000">
+              <a:schemeClr val="phClr">
+                <a:shade val="20000"/>
+                <a:satMod val="255000"/>
+              </a:schemeClr>
+            </a:gs>
+          </a:gsLst>
+          <a:path path="circle">
+            <a:fillToRect l="50000" t="-80000" r="50000" b="180000"/>
+          </a:path>
+        </a:gradFill>
+        <a:gradFill rotWithShape="1">
+          <a:gsLst>
+            <a:gs pos="0">
+              <a:schemeClr val="phClr">
+                <a:tint val="80000"/>
+                <a:satMod val="300000"/>
+              </a:schemeClr>
+            </a:gs>
+            <a:gs pos="100000">
+              <a:schemeClr val="phClr">
+                <a:shade val="30000"/>
+                <a:satMod val="200000"/>
+              </a:schemeClr>
+            </a:gs>
+          </a:gsLst>
+          <a:path path="circle">
+            <a:fillToRect l="50000" t="50000" r="50000" b="50000"/>
+          </a:path>
+        </a:gradFill>
+      </a:bgFillStyleLst>
+    </a:fmtScheme>
+  </a:themeElements>
+  <a:objectDefaults>
+    <a:spDef>
+      <a:spPr/>
+      <a:bodyPr/>
+      <a:lstStyle/>
+      <a:style>
+        <a:lnRef idx="1">
+          <a:schemeClr val="accent1"/>
+        </a:lnRef>
+        <a:fillRef idx="3">
+          <a:schemeClr val="accent1"/>
+        </a:fillRef>
+        <a:effectRef idx="2">
+          <a:schemeClr val="accent1"/>
+        </a:effectRef>
+        <a:fontRef idx="minor">
+          <a:schemeClr val="lt1"/>
+        </a:fontRef>
+      </a:style>
+    </a:spDef>
+    <a:lnDef>
+      <a:spPr/>
+      <a:bodyPr/>
+      <a:lstStyle/>
+      <a:style>
+        <a:lnRef idx="2">
+          <a:schemeClr val="accent1"/>
+        </a:lnRef>
+        <a:fillRef idx="0">
+          <a:schemeClr val="accent1"/>
+        </a:fillRef>
+        <a:effectRef idx="1">
+          <a:schemeClr val="accent1"/>
+        </a:effectRef>
+        <a:fontRef idx="minor">
+          <a:schemeClr val="tx1"/>
+        </a:fontRef>
+      </a:style>
+    </a:lnDef>
+  </a:objectDefaults>
+  <a:extraClrSchemeLst/>
+</a:theme>
 </file>
--- a/设计/云颜文字iOS2数据结构设计.pptx
+++ b/设计/云颜文字iOS2数据结构设计.pptx
@@ -5,11 +5,12 @@
     <p:sldMasterId id="2147483648" r:id="rId1"/>
   </p:sldMasterIdLst>
   <p:notesMasterIdLst>
-    <p:notesMasterId r:id="rId4"/>
+    <p:notesMasterId r:id="rId5"/>
   </p:notesMasterIdLst>
   <p:sldIdLst>
     <p:sldId id="256" r:id="rId2"/>
     <p:sldId id="257" r:id="rId3"/>
+    <p:sldId id="258" r:id="rId4"/>
   </p:sldIdLst>
   <p:sldSz cx="9144000" cy="6858000" type="screen4x3"/>
   <p:notesSz cx="6858000" cy="9144000"/>
@@ -193,7 +194,7 @@
           <a:p>
             <a:fld id="{BC3570B9-F0B5-104B-96A0-E2F100586D79}" type="datetimeFigureOut">
               <a:rPr kumimoji="1" lang="zh-CN" altLang="en-US" smtClean="0"/>
-              <a:t>15/3/16</a:t>
+              <a:t>15/4/24</a:t>
             </a:fld>
             <a:endParaRPr kumimoji="1" lang="zh-CN" altLang="en-US"/>
           </a:p>
@@ -3629,6 +3630,123 @@
 </p:notes>
 </file>
 
+<file path=ppt/notesSlides/notesSlide2.xml><?xml version="1.0" encoding="utf-8"?>
+<p:notes xmlns:a="http://schemas.openxmlformats.org/drawingml/2006/main" xmlns:r="http://schemas.openxmlformats.org/officeDocument/2006/relationships" xmlns:p="http://schemas.openxmlformats.org/presentationml/2006/main">
+  <p:cSld>
+    <p:spTree>
+      <p:nvGrpSpPr>
+        <p:cNvPr id="1" name=""/>
+        <p:cNvGrpSpPr/>
+        <p:nvPr/>
+      </p:nvGrpSpPr>
+      <p:grpSpPr>
+        <a:xfrm>
+          <a:off x="0" y="0"/>
+          <a:ext cx="0" cy="0"/>
+          <a:chOff x="0" y="0"/>
+          <a:chExt cx="0" cy="0"/>
+        </a:xfrm>
+      </p:grpSpPr>
+      <p:sp>
+        <p:nvSpPr>
+          <p:cNvPr id="2" name="幻灯片图像占位符 1"/>
+          <p:cNvSpPr>
+            <a:spLocks noGrp="1" noRot="1" noChangeAspect="1"/>
+          </p:cNvSpPr>
+          <p:nvPr>
+            <p:ph type="sldImg"/>
+          </p:nvPr>
+        </p:nvSpPr>
+        <p:spPr/>
+      </p:sp>
+      <p:sp>
+        <p:nvSpPr>
+          <p:cNvPr id="3" name="备注占位符 2"/>
+          <p:cNvSpPr>
+            <a:spLocks noGrp="1"/>
+          </p:cNvSpPr>
+          <p:nvPr>
+            <p:ph type="body" idx="1"/>
+          </p:nvPr>
+        </p:nvSpPr>
+        <p:spPr/>
+        <p:txBody>
+          <a:bodyPr/>
+          <a:lstStyle/>
+          <a:p>
+            <a:r>
+              <a:rPr lang="en-US" altLang="zh-CN" sz="1200" kern="1200" smtClean="0">
+                <a:solidFill>
+                  <a:schemeClr val="tx1"/>
+                </a:solidFill>
+                <a:latin typeface="+mn-lt"/>
+                <a:ea typeface="+mn-ea"/>
+                <a:cs typeface="+mn-cs"/>
+              </a:rPr>
+              <a:t>"%@-</a:t>
+            </a:r>
+            <a:r>
+              <a:rPr lang="en-US" altLang="zh-CN" sz="1200" kern="1200" smtClean="0">
+                <a:solidFill>
+                  <a:schemeClr val="tx1"/>
+                </a:solidFill>
+                <a:latin typeface="+mn-lt"/>
+                <a:ea typeface="+mn-ea"/>
+                <a:cs typeface="+mn-cs"/>
+              </a:rPr>
+              <a:t>skin</a:t>
+            </a:r>
+            <a:r>
+              <a:rPr lang="en-US" altLang="zh-CN" sz="1200" kern="1200" smtClean="0">
+                <a:solidFill>
+                  <a:schemeClr val="tx1"/>
+                </a:solidFill>
+                <a:latin typeface="+mn-lt"/>
+                <a:ea typeface="+mn-ea"/>
+                <a:cs typeface="+mn-cs"/>
+              </a:rPr>
+              <a:t>.plist",p_nowUserName</a:t>
+            </a:r>
+            <a:endParaRPr kumimoji="1" lang="zh-CN" altLang="en-US"/>
+          </a:p>
+        </p:txBody>
+      </p:sp>
+      <p:sp>
+        <p:nvSpPr>
+          <p:cNvPr id="4" name="幻灯片编号占位符 3"/>
+          <p:cNvSpPr>
+            <a:spLocks noGrp="1"/>
+          </p:cNvSpPr>
+          <p:nvPr>
+            <p:ph type="sldNum" sz="quarter" idx="10"/>
+          </p:nvPr>
+        </p:nvSpPr>
+        <p:spPr/>
+        <p:txBody>
+          <a:bodyPr/>
+          <a:lstStyle/>
+          <a:p>
+            <a:fld id="{EDADD7A9-47AE-D446-BE9D-72BC0FBDA941}" type="slidenum">
+              <a:rPr kumimoji="1" lang="zh-CN" altLang="en-US" smtClean="0"/>
+              <a:t>3</a:t>
+            </a:fld>
+            <a:endParaRPr kumimoji="1" lang="zh-CN" altLang="en-US"/>
+          </a:p>
+        </p:txBody>
+      </p:sp>
+    </p:spTree>
+    <p:extLst>
+      <p:ext uri="{BB962C8B-B14F-4D97-AF65-F5344CB8AC3E}">
+        <p14:creationId xmlns:p14="http://schemas.microsoft.com/office/powerpoint/2010/main" val="544202328"/>
+      </p:ext>
+    </p:extLst>
+  </p:cSld>
+  <p:clrMapOvr>
+    <a:masterClrMapping/>
+  </p:clrMapOvr>
+</p:notes>
+</file>
+
 <file path=ppt/slideLayouts/slideLayout1.xml><?xml version="1.0" encoding="utf-8"?>
 <p:sldLayout xmlns:a="http://schemas.openxmlformats.org/drawingml/2006/main" xmlns:r="http://schemas.openxmlformats.org/officeDocument/2006/relationships" xmlns:p="http://schemas.openxmlformats.org/presentationml/2006/main" type="title" preserve="1">
   <p:cSld name="标题幻灯片">
@@ -3810,7 +3928,7 @@
           <a:p>
             <a:fld id="{16227CF1-EB98-6141-A160-F48BACBCDEB3}" type="datetimeFigureOut">
               <a:rPr kumimoji="1" lang="zh-CN" altLang="en-US" smtClean="0"/>
-              <a:t>15/3/16</a:t>
+              <a:t>15/4/24</a:t>
             </a:fld>
             <a:endParaRPr kumimoji="1" lang="zh-CN" altLang="en-US"/>
           </a:p>
@@ -3980,7 +4098,7 @@
           <a:p>
             <a:fld id="{16227CF1-EB98-6141-A160-F48BACBCDEB3}" type="datetimeFigureOut">
               <a:rPr kumimoji="1" lang="zh-CN" altLang="en-US" smtClean="0"/>
-              <a:t>15/3/16</a:t>
+              <a:t>15/4/24</a:t>
             </a:fld>
             <a:endParaRPr kumimoji="1" lang="zh-CN" altLang="en-US"/>
           </a:p>
@@ -4160,7 +4278,7 @@
           <a:p>
             <a:fld id="{16227CF1-EB98-6141-A160-F48BACBCDEB3}" type="datetimeFigureOut">
               <a:rPr kumimoji="1" lang="zh-CN" altLang="en-US" smtClean="0"/>
-              <a:t>15/3/16</a:t>
+              <a:t>15/4/24</a:t>
             </a:fld>
             <a:endParaRPr kumimoji="1" lang="zh-CN" altLang="en-US"/>
           </a:p>
@@ -4330,7 +4448,7 @@
           <a:p>
             <a:fld id="{16227CF1-EB98-6141-A160-F48BACBCDEB3}" type="datetimeFigureOut">
               <a:rPr kumimoji="1" lang="zh-CN" altLang="en-US" smtClean="0"/>
-              <a:t>15/3/16</a:t>
+              <a:t>15/4/24</a:t>
             </a:fld>
             <a:endParaRPr kumimoji="1" lang="zh-CN" altLang="en-US"/>
           </a:p>
@@ -4576,7 +4694,7 @@
           <a:p>
             <a:fld id="{16227CF1-EB98-6141-A160-F48BACBCDEB3}" type="datetimeFigureOut">
               <a:rPr kumimoji="1" lang="zh-CN" altLang="en-US" smtClean="0"/>
-              <a:t>15/3/16</a:t>
+              <a:t>15/4/24</a:t>
             </a:fld>
             <a:endParaRPr kumimoji="1" lang="zh-CN" altLang="en-US"/>
           </a:p>
@@ -4864,7 +4982,7 @@
           <a:p>
             <a:fld id="{16227CF1-EB98-6141-A160-F48BACBCDEB3}" type="datetimeFigureOut">
               <a:rPr kumimoji="1" lang="zh-CN" altLang="en-US" smtClean="0"/>
-              <a:t>15/3/16</a:t>
+              <a:t>15/4/24</a:t>
             </a:fld>
             <a:endParaRPr kumimoji="1" lang="zh-CN" altLang="en-US"/>
           </a:p>
@@ -5286,7 +5404,7 @@
           <a:p>
             <a:fld id="{16227CF1-EB98-6141-A160-F48BACBCDEB3}" type="datetimeFigureOut">
               <a:rPr kumimoji="1" lang="zh-CN" altLang="en-US" smtClean="0"/>
-              <a:t>15/3/16</a:t>
+              <a:t>15/4/24</a:t>
             </a:fld>
             <a:endParaRPr kumimoji="1" lang="zh-CN" altLang="en-US"/>
           </a:p>
@@ -5404,7 +5522,7 @@
           <a:p>
             <a:fld id="{16227CF1-EB98-6141-A160-F48BACBCDEB3}" type="datetimeFigureOut">
               <a:rPr kumimoji="1" lang="zh-CN" altLang="en-US" smtClean="0"/>
-              <a:t>15/3/16</a:t>
+              <a:t>15/4/24</a:t>
             </a:fld>
             <a:endParaRPr kumimoji="1" lang="zh-CN" altLang="en-US"/>
           </a:p>
@@ -5499,7 +5617,7 @@
           <a:p>
             <a:fld id="{16227CF1-EB98-6141-A160-F48BACBCDEB3}" type="datetimeFigureOut">
               <a:rPr kumimoji="1" lang="zh-CN" altLang="en-US" smtClean="0"/>
-              <a:t>15/3/16</a:t>
+              <a:t>15/4/24</a:t>
             </a:fld>
             <a:endParaRPr kumimoji="1" lang="zh-CN" altLang="en-US"/>
           </a:p>
@@ -5776,7 +5894,7 @@
           <a:p>
             <a:fld id="{16227CF1-EB98-6141-A160-F48BACBCDEB3}" type="datetimeFigureOut">
               <a:rPr kumimoji="1" lang="zh-CN" altLang="en-US" smtClean="0"/>
-              <a:t>15/3/16</a:t>
+              <a:t>15/4/24</a:t>
             </a:fld>
             <a:endParaRPr kumimoji="1" lang="zh-CN" altLang="en-US"/>
           </a:p>
@@ -6029,7 +6147,7 @@
           <a:p>
             <a:fld id="{16227CF1-EB98-6141-A160-F48BACBCDEB3}" type="datetimeFigureOut">
               <a:rPr kumimoji="1" lang="zh-CN" altLang="en-US" smtClean="0"/>
-              <a:t>15/3/16</a:t>
+              <a:t>15/4/24</a:t>
             </a:fld>
             <a:endParaRPr kumimoji="1" lang="zh-CN" altLang="en-US"/>
           </a:p>
@@ -6242,7 +6360,7 @@
           <a:p>
             <a:fld id="{16227CF1-EB98-6141-A160-F48BACBCDEB3}" type="datetimeFigureOut">
               <a:rPr kumimoji="1" lang="zh-CN" altLang="en-US" smtClean="0"/>
-              <a:t>15/3/16</a:t>
+              <a:t>15/4/24</a:t>
             </a:fld>
             <a:endParaRPr kumimoji="1" lang="zh-CN" altLang="en-US"/>
           </a:p>
@@ -7969,11 +8087,6 @@
               </a:rPr>
               <a:t>0</a:t>
             </a:r>
-            <a:endParaRPr kumimoji="1" lang="en-US" altLang="zh-CN" sz="1200" dirty="0" smtClean="0">
-              <a:solidFill>
-                <a:schemeClr val="bg1"/>
-              </a:solidFill>
-            </a:endParaRPr>
           </a:p>
           <a:p>
             <a:pPr algn="ctr"/>
@@ -8105,11 +8218,6 @@
               </a:rPr>
               <a:t>1</a:t>
             </a:r>
-            <a:endParaRPr kumimoji="1" lang="en-US" altLang="zh-CN" sz="1200" dirty="0" smtClean="0">
-              <a:solidFill>
-                <a:schemeClr val="bg1"/>
-              </a:solidFill>
-            </a:endParaRPr>
           </a:p>
           <a:p>
             <a:pPr algn="ctr"/>
@@ -8209,11 +8317,6 @@
               </a:rPr>
               <a:t>2</a:t>
             </a:r>
-            <a:endParaRPr kumimoji="1" lang="en-US" altLang="zh-CN" sz="1200" dirty="0" smtClean="0">
-              <a:solidFill>
-                <a:schemeClr val="bg1"/>
-              </a:solidFill>
-            </a:endParaRPr>
           </a:p>
           <a:p>
             <a:pPr algn="ctr"/>
@@ -8431,13 +8534,6 @@
               </a:rPr>
               <a:t>0</a:t>
             </a:r>
-            <a:endParaRPr kumimoji="1" lang="en-US" altLang="zh-CN" sz="1200" dirty="0" smtClean="0">
-              <a:solidFill>
-                <a:schemeClr val="accent1">
-                  <a:lumMod val="50000"/>
-                </a:schemeClr>
-              </a:solidFill>
-            </a:endParaRPr>
           </a:p>
           <a:p>
             <a:pPr algn="ctr"/>
@@ -8618,13 +8714,6 @@
               </a:rPr>
               <a:t>4</a:t>
             </a:r>
-            <a:endParaRPr kumimoji="1" lang="en-US" altLang="zh-CN" sz="1200" dirty="0" smtClean="0">
-              <a:solidFill>
-                <a:schemeClr val="bg1">
-                  <a:lumMod val="50000"/>
-                </a:schemeClr>
-              </a:solidFill>
-            </a:endParaRPr>
           </a:p>
           <a:p>
             <a:pPr lvl="0" algn="ctr"/>
@@ -8718,13 +8807,6 @@
               </a:rPr>
               <a:t>0</a:t>
             </a:r>
-            <a:endParaRPr kumimoji="1" lang="en-US" altLang="zh-CN" sz="1200" dirty="0" smtClean="0">
-              <a:solidFill>
-                <a:schemeClr val="accent1">
-                  <a:lumMod val="50000"/>
-                </a:schemeClr>
-              </a:solidFill>
-            </a:endParaRPr>
           </a:p>
           <a:p>
             <a:pPr algn="ctr"/>
@@ -9157,13 +9239,6 @@
                 </a:rPr>
                 <a:t>0</a:t>
               </a:r>
-              <a:endParaRPr kumimoji="1" lang="en-US" altLang="zh-CN" sz="1200" dirty="0" smtClean="0">
-                <a:solidFill>
-                  <a:schemeClr val="accent1">
-                    <a:lumMod val="50000"/>
-                  </a:schemeClr>
-                </a:solidFill>
-              </a:endParaRPr>
             </a:p>
             <a:p>
               <a:pPr algn="ctr"/>
@@ -9277,13 +9352,6 @@
                 </a:rPr>
                 <a:t>1</a:t>
               </a:r>
-              <a:endParaRPr kumimoji="1" lang="en-US" altLang="zh-CN" sz="1200" dirty="0" smtClean="0">
-                <a:solidFill>
-                  <a:schemeClr val="accent1">
-                    <a:lumMod val="50000"/>
-                  </a:schemeClr>
-                </a:solidFill>
-              </a:endParaRPr>
             </a:p>
             <a:p>
               <a:pPr algn="ctr"/>
@@ -9557,13 +9625,6 @@
                 </a:rPr>
                 <a:t>0</a:t>
               </a:r>
-              <a:endParaRPr kumimoji="1" lang="en-US" altLang="zh-CN" sz="1200" dirty="0" smtClean="0">
-                <a:solidFill>
-                  <a:schemeClr val="accent1">
-                    <a:lumMod val="50000"/>
-                  </a:schemeClr>
-                </a:solidFill>
-              </a:endParaRPr>
             </a:p>
           </p:txBody>
         </p:sp>
@@ -9611,13 +9672,6 @@
                 </a:rPr>
                 <a:t>1</a:t>
               </a:r>
-              <a:endParaRPr kumimoji="1" lang="en-US" altLang="zh-CN" sz="1200" dirty="0" smtClean="0">
-                <a:solidFill>
-                  <a:schemeClr val="accent1">
-                    <a:lumMod val="50000"/>
-                  </a:schemeClr>
-                </a:solidFill>
-              </a:endParaRPr>
             </a:p>
           </p:txBody>
         </p:sp>
@@ -9905,8 +9959,8 @@
         </p:nvSpPr>
         <p:spPr>
           <a:xfrm>
-            <a:off x="229823" y="39630"/>
-            <a:ext cx="8695510" cy="3420145"/>
+            <a:off x="250486" y="89282"/>
+            <a:ext cx="8695510" cy="4876316"/>
           </a:xfrm>
           <a:prstGeom prst="rect">
             <a:avLst/>
@@ -9943,7 +9997,7 @@
         </p:nvSpPr>
         <p:spPr>
           <a:xfrm>
-            <a:off x="371868" y="39630"/>
+            <a:off x="392531" y="89282"/>
             <a:ext cx="8430652" cy="276999"/>
           </a:xfrm>
           <a:prstGeom prst="rect">
@@ -9960,15 +10014,19 @@
             <a:pPr algn="ctr"/>
             <a:r>
               <a:rPr lang="en-US" altLang="zh-CN" sz="1200" dirty="0"/>
-              <a:t>"group.CE2Keyboard"</a:t>
+              <a:t>"</a:t>
+            </a:r>
+            <a:r>
+              <a:rPr lang="en-US" altLang="zh-CN" sz="1200"/>
+              <a:t>group.CloudEmoticon</a:t>
+            </a:r>
+            <a:r>
+              <a:rPr lang="en-US" altLang="zh-CN" sz="1200" dirty="0"/>
+              <a:t>"</a:t>
             </a:r>
             <a:r>
               <a:rPr kumimoji="1" lang="zh-CN" altLang="en-US" sz="1200" dirty="0" smtClean="0"/>
-              <a:t>数据</a:t>
-            </a:r>
-            <a:r>
-              <a:rPr kumimoji="1" lang="zh-CN" altLang="en-US" sz="1200" dirty="0" smtClean="0"/>
-              <a:t>传递数组模型</a:t>
+              <a:t>数据传递数组模型</a:t>
             </a:r>
             <a:r>
               <a:rPr kumimoji="1" lang="en-US" altLang="zh-CN" sz="1200" dirty="0" smtClean="0"/>
@@ -9990,7 +10048,7 @@
         </p:nvSpPr>
         <p:spPr>
           <a:xfrm>
-            <a:off x="351984" y="367649"/>
+            <a:off x="372647" y="417301"/>
             <a:ext cx="2705777" cy="2988462"/>
           </a:xfrm>
           <a:prstGeom prst="rect">
@@ -10028,7 +10086,7 @@
         </p:nvSpPr>
         <p:spPr>
           <a:xfrm>
-            <a:off x="3222491" y="367649"/>
+            <a:off x="3243154" y="417301"/>
             <a:ext cx="2705777" cy="2988462"/>
           </a:xfrm>
           <a:prstGeom prst="rect">
@@ -10066,7 +10124,7 @@
         </p:nvSpPr>
         <p:spPr>
           <a:xfrm>
-            <a:off x="6096743" y="367649"/>
+            <a:off x="6117406" y="417301"/>
             <a:ext cx="2705777" cy="2988462"/>
           </a:xfrm>
           <a:prstGeom prst="rect">
@@ -10104,7 +10162,7 @@
         </p:nvSpPr>
         <p:spPr>
           <a:xfrm>
-            <a:off x="351984" y="417492"/>
+            <a:off x="372647" y="467144"/>
             <a:ext cx="2705777" cy="276999"/>
           </a:xfrm>
           <a:prstGeom prst="rect">
@@ -10147,7 +10205,7 @@
         </p:nvSpPr>
         <p:spPr>
           <a:xfrm>
-            <a:off x="3222491" y="417492"/>
+            <a:off x="3243154" y="467144"/>
             <a:ext cx="2705777" cy="276999"/>
           </a:xfrm>
           <a:prstGeom prst="rect">
@@ -10190,7 +10248,7 @@
         </p:nvSpPr>
         <p:spPr>
           <a:xfrm>
-            <a:off x="6096743" y="431392"/>
+            <a:off x="6117406" y="470802"/>
             <a:ext cx="2705777" cy="276999"/>
           </a:xfrm>
           <a:prstGeom prst="rect">
@@ -10233,7 +10291,7 @@
         </p:nvGrpSpPr>
         <p:grpSpPr>
           <a:xfrm>
-            <a:off x="458179" y="745379"/>
+            <a:off x="478842" y="795031"/>
             <a:ext cx="2476286" cy="1177943"/>
             <a:chOff x="458179" y="708392"/>
             <a:chExt cx="2476286" cy="1177943"/>
@@ -10328,13 +10386,6 @@
                 </a:rPr>
                 <a:t>0:NSArray</a:t>
               </a:r>
-              <a:endParaRPr kumimoji="1" lang="en-US" altLang="zh-CN" sz="1200" dirty="0" smtClean="0">
-                <a:solidFill>
-                  <a:schemeClr val="accent6">
-                    <a:lumMod val="50000"/>
-                  </a:schemeClr>
-                </a:solidFill>
-              </a:endParaRPr>
             </a:p>
           </p:txBody>
         </p:sp>
@@ -10382,13 +10433,6 @@
                 </a:rPr>
                 <a:t>0</a:t>
               </a:r>
-              <a:endParaRPr kumimoji="1" lang="en-US" altLang="zh-CN" sz="1200" dirty="0" smtClean="0">
-                <a:solidFill>
-                  <a:schemeClr val="accent1">
-                    <a:lumMod val="50000"/>
-                  </a:schemeClr>
-                </a:solidFill>
-              </a:endParaRPr>
             </a:p>
             <a:p>
               <a:pPr algn="ctr"/>
@@ -10525,13 +10569,6 @@
                 </a:rPr>
                 <a:t>:</a:t>
               </a:r>
-              <a:endParaRPr kumimoji="1" lang="en-US" altLang="zh-CN" sz="1200" dirty="0" smtClean="0">
-                <a:solidFill>
-                  <a:schemeClr val="accent1">
-                    <a:lumMod val="50000"/>
-                  </a:schemeClr>
-                </a:solidFill>
-              </a:endParaRPr>
             </a:p>
             <a:p>
               <a:pPr algn="ctr"/>
@@ -10566,27 +10603,7 @@
                     </a:schemeClr>
                   </a:solidFill>
                 </a:rPr>
-                <a:t>颜</a:t>
-              </a:r>
-              <a:r>
-                <a:rPr kumimoji="1" lang="zh-CN" altLang="en-US" sz="1200" dirty="0" smtClean="0">
-                  <a:solidFill>
-                    <a:schemeClr val="accent1">
-                      <a:lumMod val="50000"/>
-                    </a:schemeClr>
-                  </a:solidFill>
-                </a:rPr>
-                <a:t>文字</a:t>
-              </a:r>
-              <a:r>
-                <a:rPr kumimoji="1" lang="zh-CN" altLang="en-US" sz="1200" dirty="0" smtClean="0">
-                  <a:solidFill>
-                    <a:schemeClr val="accent1">
-                      <a:lumMod val="50000"/>
-                    </a:schemeClr>
-                  </a:solidFill>
-                </a:rPr>
-                <a:t>名</a:t>
+                <a:t>颜文字名</a:t>
               </a:r>
               <a:endParaRPr kumimoji="1" lang="en-US" altLang="zh-CN" sz="1200" dirty="0" smtClean="0">
                 <a:solidFill>
@@ -10607,7 +10624,7 @@
         </p:nvGrpSpPr>
         <p:grpSpPr>
           <a:xfrm>
-            <a:off x="458179" y="2038735"/>
+            <a:off x="478842" y="2088387"/>
             <a:ext cx="2476286" cy="1177943"/>
             <a:chOff x="458179" y="708392"/>
             <a:chExt cx="2476286" cy="1177943"/>
@@ -10702,13 +10719,6 @@
                 </a:rPr>
                 <a:t>1:NSArray</a:t>
               </a:r>
-              <a:endParaRPr kumimoji="1" lang="en-US" altLang="zh-CN" sz="1200" dirty="0" smtClean="0">
-                <a:solidFill>
-                  <a:schemeClr val="accent6">
-                    <a:lumMod val="50000"/>
-                  </a:schemeClr>
-                </a:solidFill>
-              </a:endParaRPr>
             </a:p>
           </p:txBody>
         </p:sp>
@@ -10756,13 +10766,6 @@
                 </a:rPr>
                 <a:t>0</a:t>
               </a:r>
-              <a:endParaRPr kumimoji="1" lang="en-US" altLang="zh-CN" sz="1200" dirty="0" smtClean="0">
-                <a:solidFill>
-                  <a:schemeClr val="accent1">
-                    <a:lumMod val="50000"/>
-                  </a:schemeClr>
-                </a:solidFill>
-              </a:endParaRPr>
             </a:p>
             <a:p>
               <a:pPr algn="ctr"/>
@@ -10899,13 +10902,6 @@
                 </a:rPr>
                 <a:t>:</a:t>
               </a:r>
-              <a:endParaRPr kumimoji="1" lang="en-US" altLang="zh-CN" sz="1200" dirty="0" smtClean="0">
-                <a:solidFill>
-                  <a:schemeClr val="accent1">
-                    <a:lumMod val="50000"/>
-                  </a:schemeClr>
-                </a:solidFill>
-              </a:endParaRPr>
             </a:p>
             <a:p>
               <a:pPr algn="ctr"/>
@@ -10940,27 +10936,7 @@
                     </a:schemeClr>
                   </a:solidFill>
                 </a:rPr>
-                <a:t>颜</a:t>
-              </a:r>
-              <a:r>
-                <a:rPr kumimoji="1" lang="zh-CN" altLang="en-US" sz="1200" dirty="0" smtClean="0">
-                  <a:solidFill>
-                    <a:schemeClr val="accent1">
-                      <a:lumMod val="50000"/>
-                    </a:schemeClr>
-                  </a:solidFill>
-                </a:rPr>
-                <a:t>文字</a:t>
-              </a:r>
-              <a:r>
-                <a:rPr kumimoji="1" lang="zh-CN" altLang="en-US" sz="1200" dirty="0" smtClean="0">
-                  <a:solidFill>
-                    <a:schemeClr val="accent1">
-                      <a:lumMod val="50000"/>
-                    </a:schemeClr>
-                  </a:solidFill>
-                </a:rPr>
-                <a:t>名</a:t>
+                <a:t>颜文字名</a:t>
               </a:r>
               <a:endParaRPr kumimoji="1" lang="en-US" altLang="zh-CN" sz="1200" dirty="0" smtClean="0">
                 <a:solidFill>
@@ -10981,7 +10957,7 @@
         </p:nvGrpSpPr>
         <p:grpSpPr>
           <a:xfrm>
-            <a:off x="3323109" y="761232"/>
+            <a:off x="3343772" y="810884"/>
             <a:ext cx="2476286" cy="1177943"/>
             <a:chOff x="458179" y="708392"/>
             <a:chExt cx="2476286" cy="1177943"/>
@@ -11076,13 +11052,6 @@
                 </a:rPr>
                 <a:t>0:NSArray</a:t>
               </a:r>
-              <a:endParaRPr kumimoji="1" lang="en-US" altLang="zh-CN" sz="1200" dirty="0" smtClean="0">
-                <a:solidFill>
-                  <a:schemeClr val="accent6">
-                    <a:lumMod val="50000"/>
-                  </a:schemeClr>
-                </a:solidFill>
-              </a:endParaRPr>
             </a:p>
           </p:txBody>
         </p:sp>
@@ -11130,13 +11099,6 @@
                 </a:rPr>
                 <a:t>0</a:t>
               </a:r>
-              <a:endParaRPr kumimoji="1" lang="en-US" altLang="zh-CN" sz="1200" dirty="0" smtClean="0">
-                <a:solidFill>
-                  <a:schemeClr val="accent1">
-                    <a:lumMod val="50000"/>
-                  </a:schemeClr>
-                </a:solidFill>
-              </a:endParaRPr>
             </a:p>
             <a:p>
               <a:pPr algn="ctr"/>
@@ -11273,13 +11235,6 @@
                 </a:rPr>
                 <a:t>:</a:t>
               </a:r>
-              <a:endParaRPr kumimoji="1" lang="en-US" altLang="zh-CN" sz="1200" dirty="0" smtClean="0">
-                <a:solidFill>
-                  <a:schemeClr val="accent1">
-                    <a:lumMod val="50000"/>
-                  </a:schemeClr>
-                </a:solidFill>
-              </a:endParaRPr>
             </a:p>
             <a:p>
               <a:pPr algn="ctr"/>
@@ -11314,27 +11269,7 @@
                     </a:schemeClr>
                   </a:solidFill>
                 </a:rPr>
-                <a:t>颜</a:t>
-              </a:r>
-              <a:r>
-                <a:rPr kumimoji="1" lang="zh-CN" altLang="en-US" sz="1200" dirty="0" smtClean="0">
-                  <a:solidFill>
-                    <a:schemeClr val="accent1">
-                      <a:lumMod val="50000"/>
-                    </a:schemeClr>
-                  </a:solidFill>
-                </a:rPr>
-                <a:t>文字</a:t>
-              </a:r>
-              <a:r>
-                <a:rPr kumimoji="1" lang="zh-CN" altLang="en-US" sz="1200" dirty="0" smtClean="0">
-                  <a:solidFill>
-                    <a:schemeClr val="accent1">
-                      <a:lumMod val="50000"/>
-                    </a:schemeClr>
-                  </a:solidFill>
-                </a:rPr>
-                <a:t>名</a:t>
+                <a:t>颜文字名</a:t>
               </a:r>
               <a:endParaRPr kumimoji="1" lang="en-US" altLang="zh-CN" sz="1200" dirty="0" smtClean="0">
                 <a:solidFill>
@@ -11355,7 +11290,7 @@
         </p:nvGrpSpPr>
         <p:grpSpPr>
           <a:xfrm>
-            <a:off x="3323109" y="2054588"/>
+            <a:off x="3343772" y="2104240"/>
             <a:ext cx="2476286" cy="1177943"/>
             <a:chOff x="458179" y="708392"/>
             <a:chExt cx="2476286" cy="1177943"/>
@@ -11450,13 +11385,6 @@
                 </a:rPr>
                 <a:t>1:NSArray</a:t>
               </a:r>
-              <a:endParaRPr kumimoji="1" lang="en-US" altLang="zh-CN" sz="1200" dirty="0" smtClean="0">
-                <a:solidFill>
-                  <a:schemeClr val="accent6">
-                    <a:lumMod val="50000"/>
-                  </a:schemeClr>
-                </a:solidFill>
-              </a:endParaRPr>
             </a:p>
           </p:txBody>
         </p:sp>
@@ -11504,13 +11432,6 @@
                 </a:rPr>
                 <a:t>0</a:t>
               </a:r>
-              <a:endParaRPr kumimoji="1" lang="en-US" altLang="zh-CN" sz="1200" dirty="0" smtClean="0">
-                <a:solidFill>
-                  <a:schemeClr val="accent1">
-                    <a:lumMod val="50000"/>
-                  </a:schemeClr>
-                </a:solidFill>
-              </a:endParaRPr>
             </a:p>
             <a:p>
               <a:pPr algn="ctr"/>
@@ -11647,13 +11568,6 @@
                 </a:rPr>
                 <a:t>:</a:t>
               </a:r>
-              <a:endParaRPr kumimoji="1" lang="en-US" altLang="zh-CN" sz="1200" dirty="0" smtClean="0">
-                <a:solidFill>
-                  <a:schemeClr val="accent1">
-                    <a:lumMod val="50000"/>
-                  </a:schemeClr>
-                </a:solidFill>
-              </a:endParaRPr>
             </a:p>
             <a:p>
               <a:pPr algn="ctr"/>
@@ -11688,27 +11602,7 @@
                     </a:schemeClr>
                   </a:solidFill>
                 </a:rPr>
-                <a:t>颜</a:t>
-              </a:r>
-              <a:r>
-                <a:rPr kumimoji="1" lang="zh-CN" altLang="en-US" sz="1200" dirty="0" smtClean="0">
-                  <a:solidFill>
-                    <a:schemeClr val="accent1">
-                      <a:lumMod val="50000"/>
-                    </a:schemeClr>
-                  </a:solidFill>
-                </a:rPr>
-                <a:t>文字</a:t>
-              </a:r>
-              <a:r>
-                <a:rPr kumimoji="1" lang="zh-CN" altLang="en-US" sz="1200" dirty="0" smtClean="0">
-                  <a:solidFill>
-                    <a:schemeClr val="accent1">
-                      <a:lumMod val="50000"/>
-                    </a:schemeClr>
-                  </a:solidFill>
-                </a:rPr>
-                <a:t>名</a:t>
+                <a:t>颜文字名</a:t>
               </a:r>
               <a:endParaRPr kumimoji="1" lang="en-US" altLang="zh-CN" sz="1200" dirty="0" smtClean="0">
                 <a:solidFill>
@@ -11729,7 +11623,7 @@
         </p:nvGrpSpPr>
         <p:grpSpPr>
           <a:xfrm>
-            <a:off x="6208255" y="761232"/>
+            <a:off x="6228918" y="810884"/>
             <a:ext cx="2476286" cy="1177943"/>
             <a:chOff x="458179" y="708392"/>
             <a:chExt cx="2476286" cy="1177943"/>
@@ -11824,13 +11718,6 @@
                 </a:rPr>
                 <a:t>0:NSArray</a:t>
               </a:r>
-              <a:endParaRPr kumimoji="1" lang="en-US" altLang="zh-CN" sz="1200" dirty="0" smtClean="0">
-                <a:solidFill>
-                  <a:schemeClr val="accent6">
-                    <a:lumMod val="50000"/>
-                  </a:schemeClr>
-                </a:solidFill>
-              </a:endParaRPr>
             </a:p>
           </p:txBody>
         </p:sp>
@@ -11878,13 +11765,6 @@
                 </a:rPr>
                 <a:t>0</a:t>
               </a:r>
-              <a:endParaRPr kumimoji="1" lang="en-US" altLang="zh-CN" sz="1200" dirty="0" smtClean="0">
-                <a:solidFill>
-                  <a:schemeClr val="accent1">
-                    <a:lumMod val="50000"/>
-                  </a:schemeClr>
-                </a:solidFill>
-              </a:endParaRPr>
             </a:p>
             <a:p>
               <a:pPr algn="ctr"/>
@@ -12021,13 +11901,6 @@
                 </a:rPr>
                 <a:t>:</a:t>
               </a:r>
-              <a:endParaRPr kumimoji="1" lang="en-US" altLang="zh-CN" sz="1200" dirty="0" smtClean="0">
-                <a:solidFill>
-                  <a:schemeClr val="accent1">
-                    <a:lumMod val="50000"/>
-                  </a:schemeClr>
-                </a:solidFill>
-              </a:endParaRPr>
             </a:p>
             <a:p>
               <a:pPr algn="ctr"/>
@@ -12062,27 +11935,7 @@
                     </a:schemeClr>
                   </a:solidFill>
                 </a:rPr>
-                <a:t>颜</a:t>
-              </a:r>
-              <a:r>
-                <a:rPr kumimoji="1" lang="zh-CN" altLang="en-US" sz="1200" dirty="0" smtClean="0">
-                  <a:solidFill>
-                    <a:schemeClr val="accent1">
-                      <a:lumMod val="50000"/>
-                    </a:schemeClr>
-                  </a:solidFill>
-                </a:rPr>
-                <a:t>文字</a:t>
-              </a:r>
-              <a:r>
-                <a:rPr kumimoji="1" lang="zh-CN" altLang="en-US" sz="1200" dirty="0" smtClean="0">
-                  <a:solidFill>
-                    <a:schemeClr val="accent1">
-                      <a:lumMod val="50000"/>
-                    </a:schemeClr>
-                  </a:solidFill>
-                </a:rPr>
-                <a:t>名</a:t>
+                <a:t>颜文字名</a:t>
               </a:r>
               <a:endParaRPr kumimoji="1" lang="en-US" altLang="zh-CN" sz="1200" dirty="0" smtClean="0">
                 <a:solidFill>
@@ -12103,7 +11956,7 @@
         </p:nvGrpSpPr>
         <p:grpSpPr>
           <a:xfrm>
-            <a:off x="6208255" y="2054588"/>
+            <a:off x="6228918" y="2104240"/>
             <a:ext cx="2476286" cy="1177943"/>
             <a:chOff x="458179" y="708392"/>
             <a:chExt cx="2476286" cy="1177943"/>
@@ -12198,13 +12051,6 @@
                 </a:rPr>
                 <a:t>1:NSArray</a:t>
               </a:r>
-              <a:endParaRPr kumimoji="1" lang="en-US" altLang="zh-CN" sz="1200" dirty="0" smtClean="0">
-                <a:solidFill>
-                  <a:schemeClr val="accent6">
-                    <a:lumMod val="50000"/>
-                  </a:schemeClr>
-                </a:solidFill>
-              </a:endParaRPr>
             </a:p>
           </p:txBody>
         </p:sp>
@@ -12252,13 +12098,6 @@
                 </a:rPr>
                 <a:t>0</a:t>
               </a:r>
-              <a:endParaRPr kumimoji="1" lang="en-US" altLang="zh-CN" sz="1200" dirty="0" smtClean="0">
-                <a:solidFill>
-                  <a:schemeClr val="accent1">
-                    <a:lumMod val="50000"/>
-                  </a:schemeClr>
-                </a:solidFill>
-              </a:endParaRPr>
             </a:p>
             <a:p>
               <a:pPr algn="ctr"/>
@@ -12395,13 +12234,6 @@
                 </a:rPr>
                 <a:t>:</a:t>
               </a:r>
-              <a:endParaRPr kumimoji="1" lang="en-US" altLang="zh-CN" sz="1200" dirty="0" smtClean="0">
-                <a:solidFill>
-                  <a:schemeClr val="accent1">
-                    <a:lumMod val="50000"/>
-                  </a:schemeClr>
-                </a:solidFill>
-              </a:endParaRPr>
             </a:p>
             <a:p>
               <a:pPr algn="ctr"/>
@@ -12436,27 +12268,7 @@
                     </a:schemeClr>
                   </a:solidFill>
                 </a:rPr>
-                <a:t>颜</a:t>
-              </a:r>
-              <a:r>
-                <a:rPr kumimoji="1" lang="zh-CN" altLang="en-US" sz="1200" dirty="0" smtClean="0">
-                  <a:solidFill>
-                    <a:schemeClr val="accent1">
-                      <a:lumMod val="50000"/>
-                    </a:schemeClr>
-                  </a:solidFill>
-                </a:rPr>
-                <a:t>文字</a:t>
-              </a:r>
-              <a:r>
-                <a:rPr kumimoji="1" lang="zh-CN" altLang="en-US" sz="1200" dirty="0" smtClean="0">
-                  <a:solidFill>
-                    <a:schemeClr val="accent1">
-                      <a:lumMod val="50000"/>
-                    </a:schemeClr>
-                  </a:solidFill>
-                </a:rPr>
-                <a:t>名</a:t>
+                <a:t>颜文字名</a:t>
               </a:r>
               <a:endParaRPr kumimoji="1" lang="en-US" altLang="zh-CN" sz="1200" dirty="0" smtClean="0">
                 <a:solidFill>
@@ -12469,10 +12281,3133 @@
           </p:txBody>
         </p:sp>
       </p:grpSp>
+      <p:sp>
+        <p:nvSpPr>
+          <p:cNvPr id="45" name="矩形 44"/>
+          <p:cNvSpPr/>
+          <p:nvPr/>
+        </p:nvSpPr>
+        <p:spPr>
+          <a:xfrm>
+            <a:off x="372647" y="3558163"/>
+            <a:ext cx="8450536" cy="1243570"/>
+          </a:xfrm>
+          <a:prstGeom prst="rect">
+            <a:avLst/>
+          </a:prstGeom>
+        </p:spPr>
+        <p:style>
+          <a:lnRef idx="1">
+            <a:schemeClr val="accent1"/>
+          </a:lnRef>
+          <a:fillRef idx="3">
+            <a:schemeClr val="accent1"/>
+          </a:fillRef>
+          <a:effectRef idx="2">
+            <a:schemeClr val="accent1"/>
+          </a:effectRef>
+          <a:fontRef idx="minor">
+            <a:schemeClr val="lt1"/>
+          </a:fontRef>
+        </p:style>
+        <p:txBody>
+          <a:bodyPr rtlCol="0" anchor="ctr"/>
+          <a:lstStyle/>
+          <a:p>
+            <a:pPr algn="ctr"/>
+            <a:endParaRPr kumimoji="1" lang="zh-CN" altLang="en-US" dirty="0"/>
+          </a:p>
+        </p:txBody>
+      </p:sp>
+      <p:sp>
+        <p:nvSpPr>
+          <p:cNvPr id="46" name="文本框 45"/>
+          <p:cNvSpPr txBox="1"/>
+          <p:nvPr/>
+        </p:nvSpPr>
+        <p:spPr>
+          <a:xfrm>
+            <a:off x="372647" y="3589388"/>
+            <a:ext cx="8450536" cy="276999"/>
+          </a:xfrm>
+          <a:prstGeom prst="rect">
+            <a:avLst/>
+          </a:prstGeom>
+          <a:noFill/>
+        </p:spPr>
+        <p:txBody>
+          <a:bodyPr wrap="square" rtlCol="0">
+            <a:spAutoFit/>
+          </a:bodyPr>
+          <a:lstStyle/>
+          <a:p>
+            <a:pPr algn="ctr"/>
+            <a:r>
+              <a:rPr kumimoji="1" lang="en-US" altLang="zh-CN" sz="1200" dirty="0"/>
+              <a:t>3</a:t>
+            </a:r>
+            <a:r>
+              <a:rPr kumimoji="1" lang="zh-CN" altLang="en-US" sz="1200" dirty="0" smtClean="0"/>
+              <a:t> 当前皮肤设置</a:t>
+            </a:r>
+            <a:r>
+              <a:rPr kumimoji="1" lang="en-US" altLang="zh-CN" sz="1200" dirty="0" smtClean="0"/>
+              <a:t>:String</a:t>
+            </a:r>
+            <a:endParaRPr kumimoji="1" lang="zh-CN" altLang="en-US" sz="1200" dirty="0"/>
+          </a:p>
+        </p:txBody>
+      </p:sp>
+      <p:sp>
+        <p:nvSpPr>
+          <p:cNvPr id="47" name="矩形 46"/>
+          <p:cNvSpPr/>
+          <p:nvPr/>
+        </p:nvSpPr>
+        <p:spPr>
+          <a:xfrm>
+            <a:off x="478842" y="3938078"/>
+            <a:ext cx="8226362" cy="728338"/>
+          </a:xfrm>
+          <a:prstGeom prst="rect">
+            <a:avLst/>
+          </a:prstGeom>
+        </p:spPr>
+        <p:style>
+          <a:lnRef idx="1">
+            <a:schemeClr val="accent3"/>
+          </a:lnRef>
+          <a:fillRef idx="3">
+            <a:schemeClr val="accent3"/>
+          </a:fillRef>
+          <a:effectRef idx="2">
+            <a:schemeClr val="accent3"/>
+          </a:effectRef>
+          <a:fontRef idx="minor">
+            <a:schemeClr val="lt1"/>
+          </a:fontRef>
+        </p:style>
+        <p:txBody>
+          <a:bodyPr rtlCol="0" anchor="ctr"/>
+          <a:lstStyle/>
+          <a:p>
+            <a:pPr algn="ctr"/>
+            <a:r>
+              <a:rPr kumimoji="1" lang="en-US" altLang="zh-CN" sz="1200" dirty="0" err="1">
+                <a:solidFill>
+                  <a:schemeClr val="accent1">
+                    <a:lumMod val="50000"/>
+                  </a:schemeClr>
+                </a:solidFill>
+              </a:rPr>
+              <a:t>themedemo.ini</a:t>
+            </a:r>
+            <a:endParaRPr kumimoji="1" lang="en-US" altLang="zh-CN" sz="1200" dirty="0" smtClean="0">
+              <a:solidFill>
+                <a:schemeClr val="accent1">
+                  <a:lumMod val="50000"/>
+                </a:schemeClr>
+              </a:solidFill>
+            </a:endParaRPr>
+          </a:p>
+        </p:txBody>
+      </p:sp>
+      <p:sp>
+        <p:nvSpPr>
+          <p:cNvPr id="48" name="矩形 47"/>
+          <p:cNvSpPr/>
+          <p:nvPr/>
+        </p:nvSpPr>
+        <p:spPr>
+          <a:xfrm>
+            <a:off x="250486" y="5081932"/>
+            <a:ext cx="8695510" cy="1687735"/>
+          </a:xfrm>
+          <a:prstGeom prst="rect">
+            <a:avLst/>
+          </a:prstGeom>
+        </p:spPr>
+        <p:style>
+          <a:lnRef idx="1">
+            <a:schemeClr val="accent4"/>
+          </a:lnRef>
+          <a:fillRef idx="3">
+            <a:schemeClr val="accent4"/>
+          </a:fillRef>
+          <a:effectRef idx="2">
+            <a:schemeClr val="accent4"/>
+          </a:effectRef>
+          <a:fontRef idx="minor">
+            <a:schemeClr val="lt1"/>
+          </a:fontRef>
+        </p:style>
+        <p:txBody>
+          <a:bodyPr rtlCol="0" anchor="ctr"/>
+          <a:lstStyle/>
+          <a:p>
+            <a:pPr algn="ctr"/>
+            <a:endParaRPr kumimoji="1" lang="en-US" altLang="zh-TW" sz="1200" dirty="0">
+              <a:solidFill>
+                <a:schemeClr val="bg1"/>
+              </a:solidFill>
+            </a:endParaRPr>
+          </a:p>
+        </p:txBody>
+      </p:sp>
+      <p:sp>
+        <p:nvSpPr>
+          <p:cNvPr id="49" name="文本框 48"/>
+          <p:cNvSpPr txBox="1"/>
+          <p:nvPr/>
+        </p:nvSpPr>
+        <p:spPr>
+          <a:xfrm>
+            <a:off x="392531" y="5122900"/>
+            <a:ext cx="8450536" cy="276999"/>
+          </a:xfrm>
+          <a:prstGeom prst="rect">
+            <a:avLst/>
+          </a:prstGeom>
+          <a:noFill/>
+        </p:spPr>
+        <p:txBody>
+          <a:bodyPr wrap="square" rtlCol="0">
+            <a:spAutoFit/>
+          </a:bodyPr>
+          <a:lstStyle/>
+          <a:p>
+            <a:pPr algn="ctr"/>
+            <a:r>
+              <a:rPr kumimoji="1" lang="zh-CN" altLang="en-US" sz="1200" dirty="0"/>
+              <a:t>文件存储</a:t>
+            </a:r>
+            <a:r>
+              <a:rPr kumimoji="1" lang="zh-CN" altLang="zh-CN" sz="1200" dirty="0"/>
+              <a:t>：</a:t>
+            </a:r>
+            <a:r>
+              <a:rPr kumimoji="1" lang="en-US" altLang="zh-CN" sz="1200" dirty="0"/>
+              <a:t>…/Documents/</a:t>
+            </a:r>
+          </a:p>
+        </p:txBody>
+      </p:sp>
+      <p:sp>
+        <p:nvSpPr>
+          <p:cNvPr id="50" name="矩形 49"/>
+          <p:cNvSpPr/>
+          <p:nvPr/>
+        </p:nvSpPr>
+        <p:spPr>
+          <a:xfrm>
+            <a:off x="372647" y="5451109"/>
+            <a:ext cx="2705777" cy="1195659"/>
+          </a:xfrm>
+          <a:prstGeom prst="rect">
+            <a:avLst/>
+          </a:prstGeom>
+        </p:spPr>
+        <p:style>
+          <a:lnRef idx="1">
+            <a:schemeClr val="accent1"/>
+          </a:lnRef>
+          <a:fillRef idx="3">
+            <a:schemeClr val="accent1"/>
+          </a:fillRef>
+          <a:effectRef idx="2">
+            <a:schemeClr val="accent1"/>
+          </a:effectRef>
+          <a:fontRef idx="minor">
+            <a:schemeClr val="lt1"/>
+          </a:fontRef>
+        </p:style>
+        <p:txBody>
+          <a:bodyPr rtlCol="0" anchor="ctr"/>
+          <a:lstStyle/>
+          <a:p>
+            <a:pPr algn="ctr"/>
+            <a:r>
+              <a:rPr kumimoji="1" lang="zh-CN" altLang="en-US" sz="1200" dirty="0">
+                <a:solidFill>
+                  <a:schemeClr val="tx1"/>
+                </a:solidFill>
+              </a:rPr>
+              <a:t>收藏存储文件</a:t>
+            </a:r>
+            <a:endParaRPr kumimoji="1" lang="en-US" altLang="zh-CN" sz="1200" dirty="0">
+              <a:solidFill>
+                <a:schemeClr val="tx1"/>
+              </a:solidFill>
+            </a:endParaRPr>
+          </a:p>
+          <a:p>
+            <a:pPr algn="ctr"/>
+            <a:r>
+              <a:rPr kumimoji="1" lang="en-US" altLang="zh-CN" sz="1200" dirty="0">
+                <a:solidFill>
+                  <a:schemeClr val="tx1"/>
+                </a:solidFill>
+              </a:rPr>
+              <a:t>&lt;</a:t>
+            </a:r>
+            <a:r>
+              <a:rPr kumimoji="1" lang="zh-CN" altLang="en-US" sz="1200" dirty="0">
+                <a:solidFill>
+                  <a:schemeClr val="tx1"/>
+                </a:solidFill>
+              </a:rPr>
+              <a:t>当前用户名</a:t>
+            </a:r>
+            <a:r>
+              <a:rPr kumimoji="1" lang="en-US" altLang="zh-CN" sz="1200" dirty="0">
+                <a:solidFill>
+                  <a:schemeClr val="tx1"/>
+                </a:solidFill>
+              </a:rPr>
+              <a:t>&gt;-favorite.plist</a:t>
+            </a:r>
+            <a:endParaRPr kumimoji="1" lang="zh-CN" altLang="en-US" sz="1200" dirty="0">
+              <a:solidFill>
+                <a:schemeClr val="tx1"/>
+              </a:solidFill>
+            </a:endParaRPr>
+          </a:p>
+        </p:txBody>
+      </p:sp>
+      <p:sp>
+        <p:nvSpPr>
+          <p:cNvPr id="52" name="矩形 51"/>
+          <p:cNvSpPr/>
+          <p:nvPr/>
+        </p:nvSpPr>
+        <p:spPr>
+          <a:xfrm>
+            <a:off x="3243154" y="5451109"/>
+            <a:ext cx="2705777" cy="1195659"/>
+          </a:xfrm>
+          <a:prstGeom prst="rect">
+            <a:avLst/>
+          </a:prstGeom>
+        </p:spPr>
+        <p:style>
+          <a:lnRef idx="1">
+            <a:schemeClr val="accent1"/>
+          </a:lnRef>
+          <a:fillRef idx="3">
+            <a:schemeClr val="accent1"/>
+          </a:fillRef>
+          <a:effectRef idx="2">
+            <a:schemeClr val="accent1"/>
+          </a:effectRef>
+          <a:fontRef idx="minor">
+            <a:schemeClr val="lt1"/>
+          </a:fontRef>
+        </p:style>
+        <p:txBody>
+          <a:bodyPr rtlCol="0" anchor="ctr"/>
+          <a:lstStyle/>
+          <a:p>
+            <a:pPr algn="ctr"/>
+            <a:r>
+              <a:rPr kumimoji="1" lang="zh-CN" altLang="en-US" sz="1200" dirty="0">
+                <a:solidFill>
+                  <a:schemeClr val="tx1"/>
+                </a:solidFill>
+              </a:rPr>
+              <a:t>自定存储文件</a:t>
+            </a:r>
+            <a:endParaRPr kumimoji="1" lang="en-US" altLang="zh-CN" sz="1200" dirty="0">
+              <a:solidFill>
+                <a:schemeClr val="tx1"/>
+              </a:solidFill>
+            </a:endParaRPr>
+          </a:p>
+          <a:p>
+            <a:pPr algn="ctr"/>
+            <a:r>
+              <a:rPr kumimoji="1" lang="en-US" altLang="zh-CN" sz="1200" dirty="0">
+                <a:solidFill>
+                  <a:schemeClr val="tx1"/>
+                </a:solidFill>
+              </a:rPr>
+              <a:t>&lt;</a:t>
+            </a:r>
+            <a:r>
+              <a:rPr kumimoji="1" lang="zh-CN" altLang="en-US" sz="1200" dirty="0">
+                <a:solidFill>
+                  <a:schemeClr val="tx1"/>
+                </a:solidFill>
+              </a:rPr>
+              <a:t>当前用户名</a:t>
+            </a:r>
+            <a:r>
+              <a:rPr kumimoji="1" lang="en-US" altLang="zh-CN" sz="1200" dirty="0">
+                <a:solidFill>
+                  <a:schemeClr val="tx1"/>
+                </a:solidFill>
+              </a:rPr>
+              <a:t>&gt;-custom.plist</a:t>
+            </a:r>
+            <a:endParaRPr kumimoji="1" lang="zh-CN" altLang="en-US" sz="1200" dirty="0">
+              <a:solidFill>
+                <a:schemeClr val="tx1"/>
+              </a:solidFill>
+            </a:endParaRPr>
+          </a:p>
+        </p:txBody>
+      </p:sp>
+      <p:sp>
+        <p:nvSpPr>
+          <p:cNvPr id="53" name="矩形 52"/>
+          <p:cNvSpPr/>
+          <p:nvPr/>
+        </p:nvSpPr>
+        <p:spPr>
+          <a:xfrm>
+            <a:off x="6117406" y="5451109"/>
+            <a:ext cx="2705777" cy="1195659"/>
+          </a:xfrm>
+          <a:prstGeom prst="rect">
+            <a:avLst/>
+          </a:prstGeom>
+        </p:spPr>
+        <p:style>
+          <a:lnRef idx="1">
+            <a:schemeClr val="accent1"/>
+          </a:lnRef>
+          <a:fillRef idx="3">
+            <a:schemeClr val="accent1"/>
+          </a:fillRef>
+          <a:effectRef idx="2">
+            <a:schemeClr val="accent1"/>
+          </a:effectRef>
+          <a:fontRef idx="minor">
+            <a:schemeClr val="lt1"/>
+          </a:fontRef>
+        </p:style>
+        <p:txBody>
+          <a:bodyPr rtlCol="0" anchor="ctr"/>
+          <a:lstStyle/>
+          <a:p>
+            <a:pPr algn="ctr"/>
+            <a:r>
+              <a:rPr kumimoji="1" lang="zh-CN" altLang="en-US" sz="1200" dirty="0">
+                <a:solidFill>
+                  <a:schemeClr val="tx1"/>
+                </a:solidFill>
+              </a:rPr>
+              <a:t>自定存储文件</a:t>
+            </a:r>
+            <a:endParaRPr kumimoji="1" lang="en-US" altLang="zh-CN" sz="1200" dirty="0">
+              <a:solidFill>
+                <a:schemeClr val="tx1"/>
+              </a:solidFill>
+            </a:endParaRPr>
+          </a:p>
+          <a:p>
+            <a:pPr algn="ctr"/>
+            <a:r>
+              <a:rPr kumimoji="1" lang="en-US" altLang="zh-CN" sz="1200" dirty="0">
+                <a:solidFill>
+                  <a:schemeClr val="tx1"/>
+                </a:solidFill>
+              </a:rPr>
+              <a:t>&lt;</a:t>
+            </a:r>
+            <a:r>
+              <a:rPr kumimoji="1" lang="zh-CN" altLang="en-US" sz="1200" dirty="0">
+                <a:solidFill>
+                  <a:schemeClr val="tx1"/>
+                </a:solidFill>
+              </a:rPr>
+              <a:t>当前用户名</a:t>
+            </a:r>
+            <a:r>
+              <a:rPr kumimoji="1" lang="en-US" altLang="zh-CN" sz="1200" dirty="0">
+                <a:solidFill>
+                  <a:schemeClr val="tx1"/>
+                </a:solidFill>
+              </a:rPr>
+              <a:t>&gt;-history.plist</a:t>
+            </a:r>
+            <a:endParaRPr kumimoji="1" lang="zh-CN" altLang="en-US" sz="1200" dirty="0">
+              <a:solidFill>
+                <a:schemeClr val="tx1"/>
+              </a:solidFill>
+            </a:endParaRPr>
+          </a:p>
+        </p:txBody>
+      </p:sp>
+      <p:sp>
+        <p:nvSpPr>
+          <p:cNvPr id="3" name="上下箭头 2"/>
+          <p:cNvSpPr/>
+          <p:nvPr/>
+        </p:nvSpPr>
+        <p:spPr>
+          <a:xfrm>
+            <a:off x="599336" y="3405763"/>
+            <a:ext cx="312247" cy="2045346"/>
+          </a:xfrm>
+          <a:prstGeom prst="upDownArrow">
+            <a:avLst/>
+          </a:prstGeom>
+          <a:gradFill>
+            <a:gsLst>
+              <a:gs pos="0">
+                <a:schemeClr val="accent1">
+                  <a:tint val="100000"/>
+                  <a:shade val="100000"/>
+                  <a:satMod val="130000"/>
+                  <a:alpha val="50000"/>
+                </a:schemeClr>
+              </a:gs>
+              <a:gs pos="100000">
+                <a:schemeClr val="accent1">
+                  <a:tint val="50000"/>
+                  <a:shade val="100000"/>
+                  <a:satMod val="350000"/>
+                  <a:alpha val="50000"/>
+                </a:schemeClr>
+              </a:gs>
+            </a:gsLst>
+          </a:gradFill>
+        </p:spPr>
+        <p:style>
+          <a:lnRef idx="1">
+            <a:schemeClr val="accent1"/>
+          </a:lnRef>
+          <a:fillRef idx="3">
+            <a:schemeClr val="accent1"/>
+          </a:fillRef>
+          <a:effectRef idx="2">
+            <a:schemeClr val="accent1"/>
+          </a:effectRef>
+          <a:fontRef idx="minor">
+            <a:schemeClr val="lt1"/>
+          </a:fontRef>
+        </p:style>
+        <p:txBody>
+          <a:bodyPr rtlCol="0" anchor="ctr"/>
+          <a:lstStyle/>
+          <a:p>
+            <a:pPr algn="ctr"/>
+            <a:endParaRPr kumimoji="1" lang="zh-CN" altLang="en-US"/>
+          </a:p>
+        </p:txBody>
+      </p:sp>
+      <p:sp>
+        <p:nvSpPr>
+          <p:cNvPr id="56" name="上下箭头 55"/>
+          <p:cNvSpPr/>
+          <p:nvPr/>
+        </p:nvSpPr>
+        <p:spPr>
+          <a:xfrm>
+            <a:off x="3464266" y="3405763"/>
+            <a:ext cx="312247" cy="2045346"/>
+          </a:xfrm>
+          <a:prstGeom prst="upDownArrow">
+            <a:avLst/>
+          </a:prstGeom>
+          <a:gradFill>
+            <a:gsLst>
+              <a:gs pos="0">
+                <a:schemeClr val="accent1">
+                  <a:tint val="100000"/>
+                  <a:shade val="100000"/>
+                  <a:satMod val="130000"/>
+                  <a:alpha val="50000"/>
+                </a:schemeClr>
+              </a:gs>
+              <a:gs pos="100000">
+                <a:schemeClr val="accent1">
+                  <a:tint val="50000"/>
+                  <a:shade val="100000"/>
+                  <a:satMod val="350000"/>
+                  <a:alpha val="50000"/>
+                </a:schemeClr>
+              </a:gs>
+            </a:gsLst>
+          </a:gradFill>
+        </p:spPr>
+        <p:style>
+          <a:lnRef idx="1">
+            <a:schemeClr val="accent1"/>
+          </a:lnRef>
+          <a:fillRef idx="3">
+            <a:schemeClr val="accent1"/>
+          </a:fillRef>
+          <a:effectRef idx="2">
+            <a:schemeClr val="accent1"/>
+          </a:effectRef>
+          <a:fontRef idx="minor">
+            <a:schemeClr val="lt1"/>
+          </a:fontRef>
+        </p:style>
+        <p:txBody>
+          <a:bodyPr rtlCol="0" anchor="ctr"/>
+          <a:lstStyle/>
+          <a:p>
+            <a:pPr algn="ctr"/>
+            <a:endParaRPr kumimoji="1" lang="zh-CN" altLang="en-US"/>
+          </a:p>
+        </p:txBody>
+      </p:sp>
+      <p:sp>
+        <p:nvSpPr>
+          <p:cNvPr id="57" name="上下箭头 56"/>
+          <p:cNvSpPr/>
+          <p:nvPr/>
+        </p:nvSpPr>
+        <p:spPr>
+          <a:xfrm>
+            <a:off x="6228918" y="3405763"/>
+            <a:ext cx="312247" cy="2045346"/>
+          </a:xfrm>
+          <a:prstGeom prst="upDownArrow">
+            <a:avLst/>
+          </a:prstGeom>
+          <a:gradFill>
+            <a:gsLst>
+              <a:gs pos="0">
+                <a:schemeClr val="accent1">
+                  <a:tint val="100000"/>
+                  <a:shade val="100000"/>
+                  <a:satMod val="130000"/>
+                  <a:alpha val="50000"/>
+                </a:schemeClr>
+              </a:gs>
+              <a:gs pos="100000">
+                <a:schemeClr val="accent1">
+                  <a:tint val="50000"/>
+                  <a:shade val="100000"/>
+                  <a:satMod val="350000"/>
+                  <a:alpha val="50000"/>
+                </a:schemeClr>
+              </a:gs>
+            </a:gsLst>
+          </a:gradFill>
+        </p:spPr>
+        <p:style>
+          <a:lnRef idx="1">
+            <a:schemeClr val="accent1"/>
+          </a:lnRef>
+          <a:fillRef idx="3">
+            <a:schemeClr val="accent1"/>
+          </a:fillRef>
+          <a:effectRef idx="2">
+            <a:schemeClr val="accent1"/>
+          </a:effectRef>
+          <a:fontRef idx="minor">
+            <a:schemeClr val="lt1"/>
+          </a:fontRef>
+        </p:style>
+        <p:txBody>
+          <a:bodyPr rtlCol="0" anchor="ctr"/>
+          <a:lstStyle/>
+          <a:p>
+            <a:pPr algn="ctr"/>
+            <a:endParaRPr kumimoji="1" lang="zh-CN" altLang="en-US"/>
+          </a:p>
+        </p:txBody>
+      </p:sp>
     </p:spTree>
     <p:extLst>
       <p:ext uri="{BB962C8B-B14F-4D97-AF65-F5344CB8AC3E}">
         <p14:creationId xmlns:p14="http://schemas.microsoft.com/office/powerpoint/2010/main" val="1131100135"/>
+      </p:ext>
+    </p:extLst>
+  </p:cSld>
+  <p:clrMapOvr>
+    <a:masterClrMapping/>
+  </p:clrMapOvr>
+</p:sld>
+</file>
+
+<file path=ppt/slides/slide3.xml><?xml version="1.0" encoding="utf-8"?>
+<p:sld xmlns:a="http://schemas.openxmlformats.org/drawingml/2006/main" xmlns:r="http://schemas.openxmlformats.org/officeDocument/2006/relationships" xmlns:p="http://schemas.openxmlformats.org/presentationml/2006/main">
+  <p:cSld>
+    <p:spTree>
+      <p:nvGrpSpPr>
+        <p:cNvPr id="1" name=""/>
+        <p:cNvGrpSpPr/>
+        <p:nvPr/>
+      </p:nvGrpSpPr>
+      <p:grpSpPr>
+        <a:xfrm>
+          <a:off x="0" y="0"/>
+          <a:ext cx="0" cy="0"/>
+          <a:chOff x="0" y="0"/>
+          <a:chExt cx="0" cy="0"/>
+        </a:xfrm>
+      </p:grpSpPr>
+      <p:sp>
+        <p:nvSpPr>
+          <p:cNvPr id="54" name="矩形 53"/>
+          <p:cNvSpPr/>
+          <p:nvPr/>
+        </p:nvSpPr>
+        <p:spPr>
+          <a:xfrm>
+            <a:off x="250486" y="5515442"/>
+            <a:ext cx="6007687" cy="1192775"/>
+          </a:xfrm>
+          <a:prstGeom prst="rect">
+            <a:avLst/>
+          </a:prstGeom>
+        </p:spPr>
+        <p:style>
+          <a:lnRef idx="1">
+            <a:schemeClr val="accent5"/>
+          </a:lnRef>
+          <a:fillRef idx="2">
+            <a:schemeClr val="accent5"/>
+          </a:fillRef>
+          <a:effectRef idx="1">
+            <a:schemeClr val="accent5"/>
+          </a:effectRef>
+          <a:fontRef idx="minor">
+            <a:schemeClr val="dk1"/>
+          </a:fontRef>
+        </p:style>
+        <p:txBody>
+          <a:bodyPr rtlCol="0" anchor="ctr"/>
+          <a:lstStyle/>
+          <a:p>
+            <a:pPr algn="ctr"/>
+            <a:endParaRPr kumimoji="1" lang="en-US" altLang="zh-CN" dirty="0" smtClean="0"/>
+          </a:p>
+          <a:p>
+            <a:pPr algn="ctr"/>
+            <a:endParaRPr kumimoji="1" lang="en-US" altLang="zh-CN" dirty="0" smtClean="0"/>
+          </a:p>
+          <a:p>
+            <a:pPr algn="ctr"/>
+            <a:endParaRPr kumimoji="1" lang="en-US" altLang="zh-CN" dirty="0" smtClean="0"/>
+          </a:p>
+        </p:txBody>
+      </p:sp>
+      <p:sp>
+        <p:nvSpPr>
+          <p:cNvPr id="6" name="矩形 5"/>
+          <p:cNvSpPr/>
+          <p:nvPr/>
+        </p:nvSpPr>
+        <p:spPr>
+          <a:xfrm>
+            <a:off x="250486" y="196711"/>
+            <a:ext cx="8695510" cy="5159621"/>
+          </a:xfrm>
+          <a:prstGeom prst="rect">
+            <a:avLst/>
+          </a:prstGeom>
+        </p:spPr>
+        <p:style>
+          <a:lnRef idx="1">
+            <a:schemeClr val="accent4"/>
+          </a:lnRef>
+          <a:fillRef idx="3">
+            <a:schemeClr val="accent4"/>
+          </a:fillRef>
+          <a:effectRef idx="2">
+            <a:schemeClr val="accent4"/>
+          </a:effectRef>
+          <a:fontRef idx="minor">
+            <a:schemeClr val="lt1"/>
+          </a:fontRef>
+        </p:style>
+        <p:txBody>
+          <a:bodyPr rtlCol="0" anchor="ctr"/>
+          <a:lstStyle/>
+          <a:p>
+            <a:pPr algn="ctr"/>
+            <a:endParaRPr kumimoji="1" lang="en-US" altLang="zh-TW" sz="1200" dirty="0">
+              <a:solidFill>
+                <a:schemeClr val="bg1"/>
+              </a:solidFill>
+            </a:endParaRPr>
+          </a:p>
+        </p:txBody>
+      </p:sp>
+      <p:sp>
+        <p:nvSpPr>
+          <p:cNvPr id="7" name="文本框 6"/>
+          <p:cNvSpPr txBox="1"/>
+          <p:nvPr/>
+        </p:nvSpPr>
+        <p:spPr>
+          <a:xfrm>
+            <a:off x="392531" y="237679"/>
+            <a:ext cx="8450536" cy="276999"/>
+          </a:xfrm>
+          <a:prstGeom prst="rect">
+            <a:avLst/>
+          </a:prstGeom>
+          <a:noFill/>
+        </p:spPr>
+        <p:txBody>
+          <a:bodyPr wrap="square" rtlCol="0">
+            <a:spAutoFit/>
+          </a:bodyPr>
+          <a:lstStyle/>
+          <a:p>
+            <a:pPr algn="ctr"/>
+            <a:r>
+              <a:rPr kumimoji="1" lang="zh-CN" altLang="en-US" sz="1200" dirty="0"/>
+              <a:t>文件存储：</a:t>
+            </a:r>
+            <a:r>
+              <a:rPr kumimoji="1" lang="en-US" altLang="zh-CN" sz="1200" dirty="0"/>
+              <a:t>&lt;</a:t>
+            </a:r>
+            <a:r>
+              <a:rPr kumimoji="1" lang="zh-CN" altLang="en-US" sz="1200" dirty="0"/>
+              <a:t>当前用户名</a:t>
+            </a:r>
+            <a:r>
+              <a:rPr kumimoji="1" lang="en-US" altLang="zh-CN" sz="1200" dirty="0"/>
+              <a:t>&gt;-</a:t>
+            </a:r>
+            <a:r>
+              <a:rPr kumimoji="1" lang="en-US" altLang="zh-CN" sz="1200" dirty="0"/>
+              <a:t>skin</a:t>
+            </a:r>
+            <a:r>
+              <a:rPr kumimoji="1" lang="en-US" altLang="zh-CN" sz="1200" dirty="0"/>
+              <a:t>.plist</a:t>
+            </a:r>
+            <a:endParaRPr kumimoji="1" lang="zh-CN" altLang="en-US" sz="1200" dirty="0"/>
+          </a:p>
+        </p:txBody>
+      </p:sp>
+      <p:grpSp>
+        <p:nvGrpSpPr>
+          <p:cNvPr id="28" name="组 27"/>
+          <p:cNvGrpSpPr/>
+          <p:nvPr/>
+        </p:nvGrpSpPr>
+        <p:grpSpPr>
+          <a:xfrm>
+            <a:off x="392531" y="600442"/>
+            <a:ext cx="2476286" cy="4571542"/>
+            <a:chOff x="392531" y="600442"/>
+            <a:chExt cx="2476286" cy="4571542"/>
+          </a:xfrm>
+        </p:grpSpPr>
+        <p:sp>
+          <p:nvSpPr>
+            <p:cNvPr id="8" name="矩形 7"/>
+            <p:cNvSpPr/>
+            <p:nvPr/>
+          </p:nvSpPr>
+          <p:spPr>
+            <a:xfrm>
+              <a:off x="392531" y="600442"/>
+              <a:ext cx="2476286" cy="4571542"/>
+            </a:xfrm>
+            <a:prstGeom prst="rect">
+              <a:avLst/>
+            </a:prstGeom>
+          </p:spPr>
+          <p:style>
+            <a:lnRef idx="1">
+              <a:schemeClr val="accent6"/>
+            </a:lnRef>
+            <a:fillRef idx="3">
+              <a:schemeClr val="accent6"/>
+            </a:fillRef>
+            <a:effectRef idx="2">
+              <a:schemeClr val="accent6"/>
+            </a:effectRef>
+            <a:fontRef idx="minor">
+              <a:schemeClr val="lt1"/>
+            </a:fontRef>
+          </p:style>
+          <p:txBody>
+            <a:bodyPr rtlCol="0" anchor="ctr"/>
+            <a:lstStyle/>
+            <a:p>
+              <a:pPr algn="ctr"/>
+              <a:endParaRPr kumimoji="1" lang="en-US" altLang="zh-CN" dirty="0" smtClean="0"/>
+            </a:p>
+            <a:p>
+              <a:pPr algn="ctr"/>
+              <a:endParaRPr kumimoji="1" lang="en-US" altLang="zh-CN" dirty="0" smtClean="0"/>
+            </a:p>
+            <a:p>
+              <a:pPr algn="ctr"/>
+              <a:endParaRPr kumimoji="1" lang="en-US" altLang="zh-CN" dirty="0" smtClean="0"/>
+            </a:p>
+          </p:txBody>
+        </p:sp>
+        <p:sp>
+          <p:nvSpPr>
+            <p:cNvPr id="9" name="文本框 8"/>
+            <p:cNvSpPr txBox="1"/>
+            <p:nvPr/>
+          </p:nvSpPr>
+          <p:spPr>
+            <a:xfrm>
+              <a:off x="392531" y="600442"/>
+              <a:ext cx="2476286" cy="276999"/>
+            </a:xfrm>
+            <a:prstGeom prst="rect">
+              <a:avLst/>
+            </a:prstGeom>
+            <a:noFill/>
+          </p:spPr>
+          <p:txBody>
+            <a:bodyPr wrap="square" rtlCol="0">
+              <a:spAutoFit/>
+            </a:bodyPr>
+            <a:lstStyle/>
+            <a:p>
+              <a:pPr algn="ctr"/>
+              <a:r>
+                <a:rPr kumimoji="1" lang="en-US" altLang="zh-CN" sz="1200" dirty="0" smtClean="0">
+                  <a:solidFill>
+                    <a:schemeClr val="accent6">
+                      <a:lumMod val="50000"/>
+                    </a:schemeClr>
+                  </a:solidFill>
+                </a:rPr>
+                <a:t>0</a:t>
+              </a:r>
+              <a:r>
+                <a:rPr kumimoji="1" lang="zh-CN" altLang="en-US" sz="1200" dirty="0">
+                  <a:solidFill>
+                    <a:schemeClr val="accent6">
+                      <a:lumMod val="50000"/>
+                    </a:schemeClr>
+                  </a:solidFill>
+                </a:rPr>
+                <a:t> 主题简介</a:t>
+              </a:r>
+              <a:r>
+                <a:rPr kumimoji="1" lang="en-US" altLang="zh-CN" sz="1200" dirty="0" smtClean="0">
+                  <a:solidFill>
+                    <a:schemeClr val="accent6">
+                      <a:lumMod val="50000"/>
+                    </a:schemeClr>
+                  </a:solidFill>
+                </a:rPr>
+                <a:t>:NSArray</a:t>
+              </a:r>
+            </a:p>
+          </p:txBody>
+        </p:sp>
+        <p:sp>
+          <p:nvSpPr>
+            <p:cNvPr id="10" name="矩形 9"/>
+            <p:cNvSpPr/>
+            <p:nvPr/>
+          </p:nvSpPr>
+          <p:spPr>
+            <a:xfrm>
+              <a:off x="476427" y="916262"/>
+              <a:ext cx="2278808" cy="614992"/>
+            </a:xfrm>
+            <a:prstGeom prst="rect">
+              <a:avLst/>
+            </a:prstGeom>
+          </p:spPr>
+          <p:style>
+            <a:lnRef idx="1">
+              <a:schemeClr val="accent3"/>
+            </a:lnRef>
+            <a:fillRef idx="3">
+              <a:schemeClr val="accent3"/>
+            </a:fillRef>
+            <a:effectRef idx="2">
+              <a:schemeClr val="accent3"/>
+            </a:effectRef>
+            <a:fontRef idx="minor">
+              <a:schemeClr val="lt1"/>
+            </a:fontRef>
+          </p:style>
+          <p:txBody>
+            <a:bodyPr rtlCol="0" anchor="ctr"/>
+            <a:lstStyle/>
+            <a:p>
+              <a:pPr algn="ctr"/>
+              <a:r>
+                <a:rPr kumimoji="1" lang="en-US" altLang="zh-CN" sz="1200" dirty="0" smtClean="0">
+                  <a:solidFill>
+                    <a:schemeClr val="accent1">
+                      <a:lumMod val="50000"/>
+                    </a:schemeClr>
+                  </a:solidFill>
+                </a:rPr>
+                <a:t>0</a:t>
+              </a:r>
+            </a:p>
+            <a:p>
+              <a:pPr algn="ctr"/>
+              <a:r>
+                <a:rPr kumimoji="1" lang="en-US" altLang="zh-CN" sz="1200" dirty="0" err="1">
+                  <a:solidFill>
+                    <a:schemeClr val="accent1">
+                      <a:lumMod val="50000"/>
+                    </a:schemeClr>
+                  </a:solidFill>
+                </a:rPr>
+                <a:t>theme_name</a:t>
+              </a:r>
+              <a:r>
+                <a:rPr kumimoji="1" lang="en-US" altLang="zh-CN" sz="1200" dirty="0" err="1">
+                  <a:solidFill>
+                    <a:schemeClr val="accent1">
+                      <a:lumMod val="50000"/>
+                    </a:schemeClr>
+                  </a:solidFill>
+                </a:rPr>
+                <a:t>:String</a:t>
+              </a:r>
+            </a:p>
+            <a:p>
+              <a:pPr algn="ctr"/>
+              <a:r>
+                <a:rPr kumimoji="1" lang="zh-CN" altLang="en-US" sz="1200" dirty="0" err="1" smtClean="0">
+                  <a:solidFill>
+                    <a:schemeClr val="accent1">
+                      <a:lumMod val="50000"/>
+                    </a:schemeClr>
+                  </a:solidFill>
+                </a:rPr>
+                <a:t>主题显示名称</a:t>
+              </a:r>
+              <a:endParaRPr kumimoji="1" lang="en-US" altLang="zh-CN" sz="1200" dirty="0" smtClean="0">
+                <a:solidFill>
+                  <a:schemeClr val="accent1">
+                    <a:lumMod val="50000"/>
+                  </a:schemeClr>
+                </a:solidFill>
+              </a:endParaRPr>
+            </a:p>
+          </p:txBody>
+        </p:sp>
+        <p:sp>
+          <p:nvSpPr>
+            <p:cNvPr id="11" name="矩形 10"/>
+            <p:cNvSpPr/>
+            <p:nvPr/>
+          </p:nvSpPr>
+          <p:spPr>
+            <a:xfrm>
+              <a:off x="476427" y="1613217"/>
+              <a:ext cx="2278808" cy="614992"/>
+            </a:xfrm>
+            <a:prstGeom prst="rect">
+              <a:avLst/>
+            </a:prstGeom>
+            <a:ln>
+              <a:noFill/>
+            </a:ln>
+          </p:spPr>
+          <p:style>
+            <a:lnRef idx="1">
+              <a:schemeClr val="dk1"/>
+            </a:lnRef>
+            <a:fillRef idx="2">
+              <a:schemeClr val="dk1"/>
+            </a:fillRef>
+            <a:effectRef idx="1">
+              <a:schemeClr val="dk1"/>
+            </a:effectRef>
+            <a:fontRef idx="minor">
+              <a:schemeClr val="dk1"/>
+            </a:fontRef>
+          </p:style>
+          <p:txBody>
+            <a:bodyPr rtlCol="0" anchor="ctr"/>
+            <a:lstStyle/>
+            <a:p>
+              <a:pPr algn="ctr"/>
+              <a:r>
+                <a:rPr kumimoji="1" lang="en-US" altLang="zh-CN" sz="1200" dirty="0" err="1">
+                  <a:solidFill>
+                    <a:schemeClr val="bg1">
+                      <a:lumMod val="50000"/>
+                    </a:schemeClr>
+                  </a:solidFill>
+                </a:rPr>
+                <a:t>1</a:t>
+              </a:r>
+            </a:p>
+            <a:p>
+              <a:pPr algn="ctr"/>
+              <a:r>
+                <a:rPr kumimoji="1" lang="en-US" altLang="zh-CN" sz="1200" dirty="0" err="1">
+                  <a:solidFill>
+                    <a:schemeClr val="bg1">
+                      <a:lumMod val="50000"/>
+                    </a:schemeClr>
+                  </a:solidFill>
+                </a:rPr>
+                <a:t>theme_softname:String</a:t>
+              </a:r>
+            </a:p>
+            <a:p>
+              <a:pPr algn="ctr"/>
+              <a:r>
+                <a:rPr kumimoji="1" lang="zh-CN" altLang="en-US" sz="1200" dirty="0" err="1">
+                  <a:solidFill>
+                    <a:schemeClr val="bg1">
+                      <a:lumMod val="50000"/>
+                    </a:schemeClr>
+                  </a:solidFill>
+                </a:rPr>
+                <a:t>主题适用软件名称</a:t>
+              </a:r>
+              <a:endParaRPr kumimoji="1" lang="en-US" altLang="zh-CN" sz="1200" dirty="0">
+                <a:solidFill>
+                  <a:schemeClr val="bg1">
+                    <a:lumMod val="50000"/>
+                  </a:schemeClr>
+                </a:solidFill>
+              </a:endParaRPr>
+            </a:p>
+          </p:txBody>
+        </p:sp>
+        <p:sp>
+          <p:nvSpPr>
+            <p:cNvPr id="12" name="矩形 11"/>
+            <p:cNvSpPr/>
+            <p:nvPr/>
+          </p:nvSpPr>
+          <p:spPr>
+            <a:xfrm>
+              <a:off x="476427" y="2313371"/>
+              <a:ext cx="2278808" cy="614992"/>
+            </a:xfrm>
+            <a:prstGeom prst="rect">
+              <a:avLst/>
+            </a:prstGeom>
+          </p:spPr>
+          <p:style>
+            <a:lnRef idx="1">
+              <a:schemeClr val="accent3"/>
+            </a:lnRef>
+            <a:fillRef idx="3">
+              <a:schemeClr val="accent3"/>
+            </a:fillRef>
+            <a:effectRef idx="2">
+              <a:schemeClr val="accent3"/>
+            </a:effectRef>
+            <a:fontRef idx="minor">
+              <a:schemeClr val="lt1"/>
+            </a:fontRef>
+          </p:style>
+          <p:txBody>
+            <a:bodyPr rtlCol="0" anchor="ctr"/>
+            <a:lstStyle/>
+            <a:p>
+              <a:pPr algn="ctr"/>
+              <a:r>
+                <a:rPr kumimoji="1" lang="en-US" altLang="zh-CN" sz="1200" dirty="0" err="1">
+                  <a:solidFill>
+                    <a:schemeClr val="accent1">
+                      <a:lumMod val="50000"/>
+                    </a:schemeClr>
+                  </a:solidFill>
+                </a:rPr>
+                <a:t>1</a:t>
+              </a:r>
+            </a:p>
+            <a:p>
+              <a:pPr algn="ctr"/>
+              <a:r>
+                <a:rPr kumimoji="1" lang="en-US" altLang="zh-CN" sz="1200" dirty="0" err="1">
+                  <a:solidFill>
+                    <a:schemeClr val="accent1">
+                      <a:lumMod val="50000"/>
+                    </a:schemeClr>
+                  </a:solidFill>
+                </a:rPr>
+                <a:t>theme_kit:String</a:t>
+              </a:r>
+            </a:p>
+            <a:p>
+              <a:pPr algn="ctr"/>
+              <a:r>
+                <a:rPr kumimoji="1" lang="zh-CN" altLang="en-US" sz="1200" dirty="0" err="1">
+                  <a:solidFill>
+                    <a:schemeClr val="accent1">
+                      <a:lumMod val="50000"/>
+                    </a:schemeClr>
+                  </a:solidFill>
+                </a:rPr>
+                <a:t>主题对应皮肤模块版本</a:t>
+              </a:r>
+              <a:endParaRPr kumimoji="1" lang="en-US" altLang="zh-CN" sz="1200" dirty="0" err="1">
+                <a:solidFill>
+                  <a:schemeClr val="accent1">
+                    <a:lumMod val="50000"/>
+                  </a:schemeClr>
+                </a:solidFill>
+              </a:endParaRPr>
+            </a:p>
+          </p:txBody>
+        </p:sp>
+        <p:sp>
+          <p:nvSpPr>
+            <p:cNvPr id="14" name="矩形 13"/>
+            <p:cNvSpPr/>
+            <p:nvPr/>
+          </p:nvSpPr>
+          <p:spPr>
+            <a:xfrm>
+              <a:off x="476427" y="3711703"/>
+              <a:ext cx="2278808" cy="614992"/>
+            </a:xfrm>
+            <a:prstGeom prst="rect">
+              <a:avLst/>
+            </a:prstGeom>
+          </p:spPr>
+          <p:style>
+            <a:lnRef idx="1">
+              <a:schemeClr val="accent3"/>
+            </a:lnRef>
+            <a:fillRef idx="3">
+              <a:schemeClr val="accent3"/>
+            </a:fillRef>
+            <a:effectRef idx="2">
+              <a:schemeClr val="accent3"/>
+            </a:effectRef>
+            <a:fontRef idx="minor">
+              <a:schemeClr val="lt1"/>
+            </a:fontRef>
+          </p:style>
+          <p:txBody>
+            <a:bodyPr rtlCol="0" anchor="ctr"/>
+            <a:lstStyle/>
+            <a:p>
+              <a:pPr algn="ctr"/>
+              <a:r>
+                <a:rPr kumimoji="1" lang="zh-CN" altLang="zh-CN" sz="1200" dirty="0" err="1">
+                  <a:solidFill>
+                    <a:schemeClr val="accent1">
+                      <a:lumMod val="50000"/>
+                    </a:schemeClr>
+                  </a:solidFill>
+                </a:rPr>
+                <a:t>3</a:t>
+              </a:r>
+              <a:endParaRPr kumimoji="1" lang="en-US" altLang="zh-CN" sz="1200" dirty="0" err="1">
+                <a:solidFill>
+                  <a:schemeClr val="accent1">
+                    <a:lumMod val="50000"/>
+                  </a:schemeClr>
+                </a:solidFill>
+              </a:endParaRPr>
+            </a:p>
+            <a:p>
+              <a:pPr algn="ctr"/>
+              <a:r>
+                <a:rPr kumimoji="1" lang="en-US" altLang="zh-CN" sz="1200" dirty="0" err="1">
+                  <a:solidFill>
+                    <a:schemeClr val="accent1">
+                      <a:lumMod val="50000"/>
+                    </a:schemeClr>
+                  </a:solidFill>
+                </a:rPr>
+                <a:t>theme_ibname:String</a:t>
+              </a:r>
+            </a:p>
+            <a:p>
+              <a:pPr algn="ctr"/>
+              <a:r>
+                <a:rPr kumimoji="1" lang="zh-CN" altLang="en-US" sz="1200" dirty="0" err="1" smtClean="0">
+                  <a:solidFill>
+                    <a:schemeClr val="accent1">
+                      <a:lumMod val="50000"/>
+                    </a:schemeClr>
+                  </a:solidFill>
+                </a:rPr>
+                <a:t>主题内部名称</a:t>
+              </a:r>
+              <a:endParaRPr kumimoji="1" lang="en-US" altLang="zh-CN" sz="1200" dirty="0" smtClean="0">
+                <a:solidFill>
+                  <a:schemeClr val="accent1">
+                    <a:lumMod val="50000"/>
+                  </a:schemeClr>
+                </a:solidFill>
+              </a:endParaRPr>
+            </a:p>
+          </p:txBody>
+        </p:sp>
+        <p:sp>
+          <p:nvSpPr>
+            <p:cNvPr id="15" name="矩形 14"/>
+            <p:cNvSpPr/>
+            <p:nvPr/>
+          </p:nvSpPr>
+          <p:spPr>
+            <a:xfrm>
+              <a:off x="476427" y="4413610"/>
+              <a:ext cx="2278808" cy="614992"/>
+            </a:xfrm>
+            <a:prstGeom prst="rect">
+              <a:avLst/>
+            </a:prstGeom>
+          </p:spPr>
+          <p:style>
+            <a:lnRef idx="1">
+              <a:schemeClr val="accent3"/>
+            </a:lnRef>
+            <a:fillRef idx="3">
+              <a:schemeClr val="accent3"/>
+            </a:fillRef>
+            <a:effectRef idx="2">
+              <a:schemeClr val="accent3"/>
+            </a:effectRef>
+            <a:fontRef idx="minor">
+              <a:schemeClr val="lt1"/>
+            </a:fontRef>
+          </p:style>
+          <p:txBody>
+            <a:bodyPr rtlCol="0" anchor="ctr"/>
+            <a:lstStyle/>
+            <a:p>
+              <a:pPr algn="ctr"/>
+              <a:r>
+                <a:rPr kumimoji="1" lang="zh-CN" altLang="zh-CN" sz="1200" dirty="0" err="1">
+                  <a:solidFill>
+                    <a:schemeClr val="accent1">
+                      <a:lumMod val="50000"/>
+                    </a:schemeClr>
+                  </a:solidFill>
+                </a:rPr>
+                <a:t>4</a:t>
+              </a:r>
+              <a:endParaRPr kumimoji="1" lang="en-US" altLang="zh-CN" sz="1200" dirty="0" err="1">
+                <a:solidFill>
+                  <a:schemeClr val="accent1">
+                    <a:lumMod val="50000"/>
+                  </a:schemeClr>
+                </a:solidFill>
+              </a:endParaRPr>
+            </a:p>
+            <a:p>
+              <a:pPr algn="ctr"/>
+              <a:r>
+                <a:rPr kumimoji="1" lang="en-US" altLang="zh-CN" sz="1200" dirty="0" err="1">
+                  <a:solidFill>
+                    <a:schemeClr val="accent1">
+                      <a:lumMod val="50000"/>
+                    </a:schemeClr>
+                  </a:solidFill>
+                </a:rPr>
+                <a:t>theme_author:String</a:t>
+              </a:r>
+            </a:p>
+            <a:p>
+              <a:pPr algn="ctr"/>
+              <a:r>
+                <a:rPr kumimoji="1" lang="zh-CN" altLang="en-US" sz="1200" dirty="0" err="1" smtClean="0">
+                  <a:solidFill>
+                    <a:schemeClr val="accent1">
+                      <a:lumMod val="50000"/>
+                    </a:schemeClr>
+                  </a:solidFill>
+                </a:rPr>
+                <a:t>主题作者名称</a:t>
+              </a:r>
+              <a:endParaRPr kumimoji="1" lang="en-US" altLang="zh-CN" sz="1200" dirty="0" smtClean="0">
+                <a:solidFill>
+                  <a:schemeClr val="accent1">
+                    <a:lumMod val="50000"/>
+                  </a:schemeClr>
+                </a:solidFill>
+              </a:endParaRPr>
+            </a:p>
+          </p:txBody>
+        </p:sp>
+        <p:sp>
+          <p:nvSpPr>
+            <p:cNvPr id="16" name="矩形 15"/>
+            <p:cNvSpPr/>
+            <p:nvPr/>
+          </p:nvSpPr>
+          <p:spPr>
+            <a:xfrm>
+              <a:off x="476427" y="3013556"/>
+              <a:ext cx="2278808" cy="614992"/>
+            </a:xfrm>
+            <a:prstGeom prst="rect">
+              <a:avLst/>
+            </a:prstGeom>
+          </p:spPr>
+          <p:style>
+            <a:lnRef idx="1">
+              <a:schemeClr val="accent3"/>
+            </a:lnRef>
+            <a:fillRef idx="3">
+              <a:schemeClr val="accent3"/>
+            </a:fillRef>
+            <a:effectRef idx="2">
+              <a:schemeClr val="accent3"/>
+            </a:effectRef>
+            <a:fontRef idx="minor">
+              <a:schemeClr val="lt1"/>
+            </a:fontRef>
+          </p:style>
+          <p:txBody>
+            <a:bodyPr rtlCol="0" anchor="ctr"/>
+            <a:lstStyle/>
+            <a:p>
+              <a:pPr algn="ctr"/>
+              <a:r>
+                <a:rPr kumimoji="1" lang="zh-CN" altLang="zh-CN" sz="1200" dirty="0" err="1">
+                  <a:solidFill>
+                    <a:schemeClr val="accent1">
+                      <a:lumMod val="50000"/>
+                    </a:schemeClr>
+                  </a:solidFill>
+                </a:rPr>
+                <a:t>2</a:t>
+              </a:r>
+              <a:endParaRPr kumimoji="1" lang="en-US" altLang="zh-CN" sz="1200" dirty="0" err="1">
+                <a:solidFill>
+                  <a:schemeClr val="accent1">
+                    <a:lumMod val="50000"/>
+                  </a:schemeClr>
+                </a:solidFill>
+              </a:endParaRPr>
+            </a:p>
+            <a:p>
+              <a:pPr algn="ctr"/>
+              <a:r>
+                <a:rPr kumimoji="1" lang="en-US" altLang="zh-CN" sz="1200" dirty="0" err="1">
+                  <a:solidFill>
+                    <a:schemeClr val="accent1">
+                      <a:lumMod val="50000"/>
+                    </a:schemeClr>
+                  </a:solidFill>
+                </a:rPr>
+                <a:t>theme_name:String</a:t>
+              </a:r>
+            </a:p>
+            <a:p>
+              <a:pPr algn="ctr"/>
+              <a:r>
+                <a:rPr kumimoji="1" lang="zh-CN" altLang="en-US" sz="1200" dirty="0" err="1" smtClean="0">
+                  <a:solidFill>
+                    <a:schemeClr val="accent1">
+                      <a:lumMod val="50000"/>
+                    </a:schemeClr>
+                  </a:solidFill>
+                </a:rPr>
+                <a:t>主题显示名称</a:t>
+              </a:r>
+              <a:endParaRPr kumimoji="1" lang="en-US" altLang="zh-CN" sz="1200" dirty="0" smtClean="0">
+                <a:solidFill>
+                  <a:schemeClr val="accent1">
+                    <a:lumMod val="50000"/>
+                  </a:schemeClr>
+                </a:solidFill>
+              </a:endParaRPr>
+            </a:p>
+          </p:txBody>
+        </p:sp>
+        <p:sp>
+          <p:nvSpPr>
+            <p:cNvPr id="17" name="乘 16"/>
+            <p:cNvSpPr/>
+            <p:nvPr/>
+          </p:nvSpPr>
+          <p:spPr>
+            <a:xfrm>
+              <a:off x="2337240" y="1537985"/>
+              <a:ext cx="531577" cy="497387"/>
+            </a:xfrm>
+            <a:prstGeom prst="mathMultiply">
+              <a:avLst/>
+            </a:prstGeom>
+          </p:spPr>
+          <p:style>
+            <a:lnRef idx="1">
+              <a:schemeClr val="accent2"/>
+            </a:lnRef>
+            <a:fillRef idx="3">
+              <a:schemeClr val="accent2"/>
+            </a:fillRef>
+            <a:effectRef idx="2">
+              <a:schemeClr val="accent2"/>
+            </a:effectRef>
+            <a:fontRef idx="minor">
+              <a:schemeClr val="lt1"/>
+            </a:fontRef>
+          </p:style>
+          <p:txBody>
+            <a:bodyPr rtlCol="0" anchor="ctr"/>
+            <a:lstStyle/>
+            <a:p>
+              <a:pPr algn="ctr"/>
+              <a:endParaRPr kumimoji="1" lang="zh-CN" altLang="en-US"/>
+            </a:p>
+          </p:txBody>
+        </p:sp>
+      </p:grpSp>
+      <p:grpSp>
+        <p:nvGrpSpPr>
+          <p:cNvPr id="29" name="组 28"/>
+          <p:cNvGrpSpPr/>
+          <p:nvPr/>
+        </p:nvGrpSpPr>
+        <p:grpSpPr>
+          <a:xfrm>
+            <a:off x="2980957" y="600442"/>
+            <a:ext cx="2476286" cy="4571542"/>
+            <a:chOff x="392531" y="600442"/>
+            <a:chExt cx="2476286" cy="4571542"/>
+          </a:xfrm>
+        </p:grpSpPr>
+        <p:sp>
+          <p:nvSpPr>
+            <p:cNvPr id="30" name="矩形 29"/>
+            <p:cNvSpPr/>
+            <p:nvPr/>
+          </p:nvSpPr>
+          <p:spPr>
+            <a:xfrm>
+              <a:off x="392531" y="600442"/>
+              <a:ext cx="2476286" cy="4571542"/>
+            </a:xfrm>
+            <a:prstGeom prst="rect">
+              <a:avLst/>
+            </a:prstGeom>
+          </p:spPr>
+          <p:style>
+            <a:lnRef idx="1">
+              <a:schemeClr val="accent6"/>
+            </a:lnRef>
+            <a:fillRef idx="3">
+              <a:schemeClr val="accent6"/>
+            </a:fillRef>
+            <a:effectRef idx="2">
+              <a:schemeClr val="accent6"/>
+            </a:effectRef>
+            <a:fontRef idx="minor">
+              <a:schemeClr val="lt1"/>
+            </a:fontRef>
+          </p:style>
+          <p:txBody>
+            <a:bodyPr rtlCol="0" anchor="ctr"/>
+            <a:lstStyle/>
+            <a:p>
+              <a:pPr algn="ctr"/>
+              <a:endParaRPr kumimoji="1" lang="en-US" altLang="zh-CN" dirty="0" smtClean="0"/>
+            </a:p>
+            <a:p>
+              <a:pPr algn="ctr"/>
+              <a:endParaRPr kumimoji="1" lang="en-US" altLang="zh-CN" dirty="0" smtClean="0"/>
+            </a:p>
+            <a:p>
+              <a:pPr algn="ctr"/>
+              <a:endParaRPr kumimoji="1" lang="en-US" altLang="zh-CN" dirty="0" smtClean="0"/>
+            </a:p>
+          </p:txBody>
+        </p:sp>
+        <p:sp>
+          <p:nvSpPr>
+            <p:cNvPr id="31" name="文本框 30"/>
+            <p:cNvSpPr txBox="1"/>
+            <p:nvPr/>
+          </p:nvSpPr>
+          <p:spPr>
+            <a:xfrm>
+              <a:off x="392531" y="600442"/>
+              <a:ext cx="2476286" cy="276999"/>
+            </a:xfrm>
+            <a:prstGeom prst="rect">
+              <a:avLst/>
+            </a:prstGeom>
+            <a:noFill/>
+          </p:spPr>
+          <p:txBody>
+            <a:bodyPr wrap="square" rtlCol="0">
+              <a:spAutoFit/>
+            </a:bodyPr>
+            <a:lstStyle/>
+            <a:p>
+              <a:pPr algn="ctr"/>
+              <a:r>
+                <a:rPr kumimoji="1" lang="en-US" altLang="zh-CN" sz="1200" dirty="0">
+                  <a:solidFill>
+                    <a:schemeClr val="accent6">
+                      <a:lumMod val="50000"/>
+                    </a:schemeClr>
+                  </a:solidFill>
+                </a:rPr>
+                <a:t>1</a:t>
+              </a:r>
+              <a:r>
+                <a:rPr kumimoji="1" lang="zh-CN" altLang="en-US" sz="1200" dirty="0">
+                  <a:solidFill>
+                    <a:schemeClr val="accent6">
+                      <a:lumMod val="50000"/>
+                    </a:schemeClr>
+                  </a:solidFill>
+                </a:rPr>
+                <a:t> 主题简介</a:t>
+              </a:r>
+              <a:r>
+                <a:rPr kumimoji="1" lang="en-US" altLang="zh-CN" sz="1200" dirty="0" smtClean="0">
+                  <a:solidFill>
+                    <a:schemeClr val="accent6">
+                      <a:lumMod val="50000"/>
+                    </a:schemeClr>
+                  </a:solidFill>
+                </a:rPr>
+                <a:t>:NSArray</a:t>
+              </a:r>
+            </a:p>
+          </p:txBody>
+        </p:sp>
+        <p:sp>
+          <p:nvSpPr>
+            <p:cNvPr id="32" name="矩形 31"/>
+            <p:cNvSpPr/>
+            <p:nvPr/>
+          </p:nvSpPr>
+          <p:spPr>
+            <a:xfrm>
+              <a:off x="476427" y="916262"/>
+              <a:ext cx="2278808" cy="614992"/>
+            </a:xfrm>
+            <a:prstGeom prst="rect">
+              <a:avLst/>
+            </a:prstGeom>
+          </p:spPr>
+          <p:style>
+            <a:lnRef idx="1">
+              <a:schemeClr val="accent3"/>
+            </a:lnRef>
+            <a:fillRef idx="3">
+              <a:schemeClr val="accent3"/>
+            </a:fillRef>
+            <a:effectRef idx="2">
+              <a:schemeClr val="accent3"/>
+            </a:effectRef>
+            <a:fontRef idx="minor">
+              <a:schemeClr val="lt1"/>
+            </a:fontRef>
+          </p:style>
+          <p:txBody>
+            <a:bodyPr rtlCol="0" anchor="ctr"/>
+            <a:lstStyle/>
+            <a:p>
+              <a:pPr algn="ctr"/>
+              <a:r>
+                <a:rPr kumimoji="1" lang="en-US" altLang="zh-CN" sz="1200" dirty="0" smtClean="0">
+                  <a:solidFill>
+                    <a:schemeClr val="accent1">
+                      <a:lumMod val="50000"/>
+                    </a:schemeClr>
+                  </a:solidFill>
+                </a:rPr>
+                <a:t>0</a:t>
+              </a:r>
+            </a:p>
+            <a:p>
+              <a:pPr algn="ctr"/>
+              <a:r>
+                <a:rPr kumimoji="1" lang="en-US" altLang="zh-CN" sz="1200" dirty="0" err="1">
+                  <a:solidFill>
+                    <a:schemeClr val="accent1">
+                      <a:lumMod val="50000"/>
+                    </a:schemeClr>
+                  </a:solidFill>
+                </a:rPr>
+                <a:t>theme_name</a:t>
+              </a:r>
+              <a:r>
+                <a:rPr kumimoji="1" lang="en-US" altLang="zh-CN" sz="1200" dirty="0" err="1">
+                  <a:solidFill>
+                    <a:schemeClr val="accent1">
+                      <a:lumMod val="50000"/>
+                    </a:schemeClr>
+                  </a:solidFill>
+                </a:rPr>
+                <a:t>:String</a:t>
+              </a:r>
+            </a:p>
+            <a:p>
+              <a:pPr algn="ctr"/>
+              <a:r>
+                <a:rPr kumimoji="1" lang="zh-CN" altLang="en-US" sz="1200" dirty="0" err="1" smtClean="0">
+                  <a:solidFill>
+                    <a:schemeClr val="accent1">
+                      <a:lumMod val="50000"/>
+                    </a:schemeClr>
+                  </a:solidFill>
+                </a:rPr>
+                <a:t>主题显示名称</a:t>
+              </a:r>
+              <a:endParaRPr kumimoji="1" lang="en-US" altLang="zh-CN" sz="1200" dirty="0" smtClean="0">
+                <a:solidFill>
+                  <a:schemeClr val="accent1">
+                    <a:lumMod val="50000"/>
+                  </a:schemeClr>
+                </a:solidFill>
+              </a:endParaRPr>
+            </a:p>
+          </p:txBody>
+        </p:sp>
+        <p:sp>
+          <p:nvSpPr>
+            <p:cNvPr id="33" name="矩形 32"/>
+            <p:cNvSpPr/>
+            <p:nvPr/>
+          </p:nvSpPr>
+          <p:spPr>
+            <a:xfrm>
+              <a:off x="476427" y="1613217"/>
+              <a:ext cx="2278808" cy="614992"/>
+            </a:xfrm>
+            <a:prstGeom prst="rect">
+              <a:avLst/>
+            </a:prstGeom>
+            <a:ln>
+              <a:noFill/>
+            </a:ln>
+          </p:spPr>
+          <p:style>
+            <a:lnRef idx="1">
+              <a:schemeClr val="dk1"/>
+            </a:lnRef>
+            <a:fillRef idx="2">
+              <a:schemeClr val="dk1"/>
+            </a:fillRef>
+            <a:effectRef idx="1">
+              <a:schemeClr val="dk1"/>
+            </a:effectRef>
+            <a:fontRef idx="minor">
+              <a:schemeClr val="dk1"/>
+            </a:fontRef>
+          </p:style>
+          <p:txBody>
+            <a:bodyPr rtlCol="0" anchor="ctr"/>
+            <a:lstStyle/>
+            <a:p>
+              <a:pPr algn="ctr"/>
+              <a:r>
+                <a:rPr kumimoji="1" lang="en-US" altLang="zh-CN" sz="1200" dirty="0" err="1">
+                  <a:solidFill>
+                    <a:schemeClr val="bg1">
+                      <a:lumMod val="50000"/>
+                    </a:schemeClr>
+                  </a:solidFill>
+                </a:rPr>
+                <a:t>1</a:t>
+              </a:r>
+            </a:p>
+            <a:p>
+              <a:pPr algn="ctr"/>
+              <a:r>
+                <a:rPr kumimoji="1" lang="en-US" altLang="zh-CN" sz="1200" dirty="0" err="1">
+                  <a:solidFill>
+                    <a:schemeClr val="bg1">
+                      <a:lumMod val="50000"/>
+                    </a:schemeClr>
+                  </a:solidFill>
+                </a:rPr>
+                <a:t>theme_softname:String</a:t>
+              </a:r>
+            </a:p>
+            <a:p>
+              <a:pPr algn="ctr"/>
+              <a:r>
+                <a:rPr kumimoji="1" lang="zh-CN" altLang="en-US" sz="1200" dirty="0" err="1">
+                  <a:solidFill>
+                    <a:schemeClr val="bg1">
+                      <a:lumMod val="50000"/>
+                    </a:schemeClr>
+                  </a:solidFill>
+                </a:rPr>
+                <a:t>主题适用软件名称</a:t>
+              </a:r>
+              <a:endParaRPr kumimoji="1" lang="en-US" altLang="zh-CN" sz="1200" dirty="0">
+                <a:solidFill>
+                  <a:schemeClr val="bg1">
+                    <a:lumMod val="50000"/>
+                  </a:schemeClr>
+                </a:solidFill>
+              </a:endParaRPr>
+            </a:p>
+          </p:txBody>
+        </p:sp>
+        <p:sp>
+          <p:nvSpPr>
+            <p:cNvPr id="34" name="矩形 33"/>
+            <p:cNvSpPr/>
+            <p:nvPr/>
+          </p:nvSpPr>
+          <p:spPr>
+            <a:xfrm>
+              <a:off x="476427" y="2313371"/>
+              <a:ext cx="2278808" cy="614992"/>
+            </a:xfrm>
+            <a:prstGeom prst="rect">
+              <a:avLst/>
+            </a:prstGeom>
+          </p:spPr>
+          <p:style>
+            <a:lnRef idx="1">
+              <a:schemeClr val="accent3"/>
+            </a:lnRef>
+            <a:fillRef idx="3">
+              <a:schemeClr val="accent3"/>
+            </a:fillRef>
+            <a:effectRef idx="2">
+              <a:schemeClr val="accent3"/>
+            </a:effectRef>
+            <a:fontRef idx="minor">
+              <a:schemeClr val="lt1"/>
+            </a:fontRef>
+          </p:style>
+          <p:txBody>
+            <a:bodyPr rtlCol="0" anchor="ctr"/>
+            <a:lstStyle/>
+            <a:p>
+              <a:pPr algn="ctr"/>
+              <a:r>
+                <a:rPr kumimoji="1" lang="en-US" altLang="zh-CN" sz="1200" dirty="0" err="1">
+                  <a:solidFill>
+                    <a:schemeClr val="accent1">
+                      <a:lumMod val="50000"/>
+                    </a:schemeClr>
+                  </a:solidFill>
+                </a:rPr>
+                <a:t>1</a:t>
+              </a:r>
+            </a:p>
+            <a:p>
+              <a:pPr algn="ctr"/>
+              <a:r>
+                <a:rPr kumimoji="1" lang="en-US" altLang="zh-CN" sz="1200" dirty="0" err="1">
+                  <a:solidFill>
+                    <a:schemeClr val="accent1">
+                      <a:lumMod val="50000"/>
+                    </a:schemeClr>
+                  </a:solidFill>
+                </a:rPr>
+                <a:t>theme_kit:String</a:t>
+              </a:r>
+            </a:p>
+            <a:p>
+              <a:pPr algn="ctr"/>
+              <a:r>
+                <a:rPr kumimoji="1" lang="zh-CN" altLang="en-US" sz="1200" dirty="0" err="1">
+                  <a:solidFill>
+                    <a:schemeClr val="accent1">
+                      <a:lumMod val="50000"/>
+                    </a:schemeClr>
+                  </a:solidFill>
+                </a:rPr>
+                <a:t>主题对应皮肤模块版本</a:t>
+              </a:r>
+              <a:endParaRPr kumimoji="1" lang="en-US" altLang="zh-CN" sz="1200" dirty="0" err="1">
+                <a:solidFill>
+                  <a:schemeClr val="accent1">
+                    <a:lumMod val="50000"/>
+                  </a:schemeClr>
+                </a:solidFill>
+              </a:endParaRPr>
+            </a:p>
+          </p:txBody>
+        </p:sp>
+        <p:sp>
+          <p:nvSpPr>
+            <p:cNvPr id="35" name="矩形 34"/>
+            <p:cNvSpPr/>
+            <p:nvPr/>
+          </p:nvSpPr>
+          <p:spPr>
+            <a:xfrm>
+              <a:off x="476427" y="3711703"/>
+              <a:ext cx="2278808" cy="614992"/>
+            </a:xfrm>
+            <a:prstGeom prst="rect">
+              <a:avLst/>
+            </a:prstGeom>
+          </p:spPr>
+          <p:style>
+            <a:lnRef idx="1">
+              <a:schemeClr val="accent3"/>
+            </a:lnRef>
+            <a:fillRef idx="3">
+              <a:schemeClr val="accent3"/>
+            </a:fillRef>
+            <a:effectRef idx="2">
+              <a:schemeClr val="accent3"/>
+            </a:effectRef>
+            <a:fontRef idx="minor">
+              <a:schemeClr val="lt1"/>
+            </a:fontRef>
+          </p:style>
+          <p:txBody>
+            <a:bodyPr rtlCol="0" anchor="ctr"/>
+            <a:lstStyle/>
+            <a:p>
+              <a:pPr algn="ctr"/>
+              <a:r>
+                <a:rPr kumimoji="1" lang="zh-CN" altLang="zh-CN" sz="1200" dirty="0" err="1">
+                  <a:solidFill>
+                    <a:schemeClr val="accent1">
+                      <a:lumMod val="50000"/>
+                    </a:schemeClr>
+                  </a:solidFill>
+                </a:rPr>
+                <a:t>3</a:t>
+              </a:r>
+              <a:endParaRPr kumimoji="1" lang="en-US" altLang="zh-CN" sz="1200" dirty="0" err="1">
+                <a:solidFill>
+                  <a:schemeClr val="accent1">
+                    <a:lumMod val="50000"/>
+                  </a:schemeClr>
+                </a:solidFill>
+              </a:endParaRPr>
+            </a:p>
+            <a:p>
+              <a:pPr algn="ctr"/>
+              <a:r>
+                <a:rPr kumimoji="1" lang="en-US" altLang="zh-CN" sz="1200" dirty="0" err="1">
+                  <a:solidFill>
+                    <a:schemeClr val="accent1">
+                      <a:lumMod val="50000"/>
+                    </a:schemeClr>
+                  </a:solidFill>
+                </a:rPr>
+                <a:t>theme_ibname:String</a:t>
+              </a:r>
+            </a:p>
+            <a:p>
+              <a:pPr algn="ctr"/>
+              <a:r>
+                <a:rPr kumimoji="1" lang="zh-CN" altLang="en-US" sz="1200" dirty="0" err="1" smtClean="0">
+                  <a:solidFill>
+                    <a:schemeClr val="accent1">
+                      <a:lumMod val="50000"/>
+                    </a:schemeClr>
+                  </a:solidFill>
+                </a:rPr>
+                <a:t>主题内部名称</a:t>
+              </a:r>
+              <a:endParaRPr kumimoji="1" lang="en-US" altLang="zh-CN" sz="1200" dirty="0" smtClean="0">
+                <a:solidFill>
+                  <a:schemeClr val="accent1">
+                    <a:lumMod val="50000"/>
+                  </a:schemeClr>
+                </a:solidFill>
+              </a:endParaRPr>
+            </a:p>
+          </p:txBody>
+        </p:sp>
+        <p:sp>
+          <p:nvSpPr>
+            <p:cNvPr id="36" name="矩形 35"/>
+            <p:cNvSpPr/>
+            <p:nvPr/>
+          </p:nvSpPr>
+          <p:spPr>
+            <a:xfrm>
+              <a:off x="476427" y="4413610"/>
+              <a:ext cx="2278808" cy="614992"/>
+            </a:xfrm>
+            <a:prstGeom prst="rect">
+              <a:avLst/>
+            </a:prstGeom>
+          </p:spPr>
+          <p:style>
+            <a:lnRef idx="1">
+              <a:schemeClr val="accent3"/>
+            </a:lnRef>
+            <a:fillRef idx="3">
+              <a:schemeClr val="accent3"/>
+            </a:fillRef>
+            <a:effectRef idx="2">
+              <a:schemeClr val="accent3"/>
+            </a:effectRef>
+            <a:fontRef idx="minor">
+              <a:schemeClr val="lt1"/>
+            </a:fontRef>
+          </p:style>
+          <p:txBody>
+            <a:bodyPr rtlCol="0" anchor="ctr"/>
+            <a:lstStyle/>
+            <a:p>
+              <a:pPr algn="ctr"/>
+              <a:r>
+                <a:rPr kumimoji="1" lang="zh-CN" altLang="zh-CN" sz="1200" dirty="0" err="1">
+                  <a:solidFill>
+                    <a:schemeClr val="accent1">
+                      <a:lumMod val="50000"/>
+                    </a:schemeClr>
+                  </a:solidFill>
+                </a:rPr>
+                <a:t>4</a:t>
+              </a:r>
+              <a:endParaRPr kumimoji="1" lang="en-US" altLang="zh-CN" sz="1200" dirty="0" err="1">
+                <a:solidFill>
+                  <a:schemeClr val="accent1">
+                    <a:lumMod val="50000"/>
+                  </a:schemeClr>
+                </a:solidFill>
+              </a:endParaRPr>
+            </a:p>
+            <a:p>
+              <a:pPr algn="ctr"/>
+              <a:r>
+                <a:rPr kumimoji="1" lang="en-US" altLang="zh-CN" sz="1200" dirty="0" err="1">
+                  <a:solidFill>
+                    <a:schemeClr val="accent1">
+                      <a:lumMod val="50000"/>
+                    </a:schemeClr>
+                  </a:solidFill>
+                </a:rPr>
+                <a:t>theme_author:String</a:t>
+              </a:r>
+            </a:p>
+            <a:p>
+              <a:pPr algn="ctr"/>
+              <a:r>
+                <a:rPr kumimoji="1" lang="zh-CN" altLang="en-US" sz="1200" dirty="0" err="1" smtClean="0">
+                  <a:solidFill>
+                    <a:schemeClr val="accent1">
+                      <a:lumMod val="50000"/>
+                    </a:schemeClr>
+                  </a:solidFill>
+                </a:rPr>
+                <a:t>主题作者名称</a:t>
+              </a:r>
+              <a:endParaRPr kumimoji="1" lang="en-US" altLang="zh-CN" sz="1200" dirty="0" smtClean="0">
+                <a:solidFill>
+                  <a:schemeClr val="accent1">
+                    <a:lumMod val="50000"/>
+                  </a:schemeClr>
+                </a:solidFill>
+              </a:endParaRPr>
+            </a:p>
+          </p:txBody>
+        </p:sp>
+        <p:sp>
+          <p:nvSpPr>
+            <p:cNvPr id="37" name="矩形 36"/>
+            <p:cNvSpPr/>
+            <p:nvPr/>
+          </p:nvSpPr>
+          <p:spPr>
+            <a:xfrm>
+              <a:off x="476427" y="3013556"/>
+              <a:ext cx="2278808" cy="614992"/>
+            </a:xfrm>
+            <a:prstGeom prst="rect">
+              <a:avLst/>
+            </a:prstGeom>
+          </p:spPr>
+          <p:style>
+            <a:lnRef idx="1">
+              <a:schemeClr val="accent3"/>
+            </a:lnRef>
+            <a:fillRef idx="3">
+              <a:schemeClr val="accent3"/>
+            </a:fillRef>
+            <a:effectRef idx="2">
+              <a:schemeClr val="accent3"/>
+            </a:effectRef>
+            <a:fontRef idx="minor">
+              <a:schemeClr val="lt1"/>
+            </a:fontRef>
+          </p:style>
+          <p:txBody>
+            <a:bodyPr rtlCol="0" anchor="ctr"/>
+            <a:lstStyle/>
+            <a:p>
+              <a:pPr algn="ctr"/>
+              <a:r>
+                <a:rPr kumimoji="1" lang="zh-CN" altLang="zh-CN" sz="1200" dirty="0" err="1">
+                  <a:solidFill>
+                    <a:schemeClr val="accent1">
+                      <a:lumMod val="50000"/>
+                    </a:schemeClr>
+                  </a:solidFill>
+                </a:rPr>
+                <a:t>2</a:t>
+              </a:r>
+              <a:endParaRPr kumimoji="1" lang="en-US" altLang="zh-CN" sz="1200" dirty="0" err="1">
+                <a:solidFill>
+                  <a:schemeClr val="accent1">
+                    <a:lumMod val="50000"/>
+                  </a:schemeClr>
+                </a:solidFill>
+              </a:endParaRPr>
+            </a:p>
+            <a:p>
+              <a:pPr algn="ctr"/>
+              <a:r>
+                <a:rPr kumimoji="1" lang="en-US" altLang="zh-CN" sz="1200" dirty="0" err="1">
+                  <a:solidFill>
+                    <a:schemeClr val="accent1">
+                      <a:lumMod val="50000"/>
+                    </a:schemeClr>
+                  </a:solidFill>
+                </a:rPr>
+                <a:t>theme_name:String</a:t>
+              </a:r>
+            </a:p>
+            <a:p>
+              <a:pPr algn="ctr"/>
+              <a:r>
+                <a:rPr kumimoji="1" lang="zh-CN" altLang="en-US" sz="1200" dirty="0" err="1" smtClean="0">
+                  <a:solidFill>
+                    <a:schemeClr val="accent1">
+                      <a:lumMod val="50000"/>
+                    </a:schemeClr>
+                  </a:solidFill>
+                </a:rPr>
+                <a:t>主题显示名称</a:t>
+              </a:r>
+              <a:endParaRPr kumimoji="1" lang="en-US" altLang="zh-CN" sz="1200" dirty="0" smtClean="0">
+                <a:solidFill>
+                  <a:schemeClr val="accent1">
+                    <a:lumMod val="50000"/>
+                  </a:schemeClr>
+                </a:solidFill>
+              </a:endParaRPr>
+            </a:p>
+          </p:txBody>
+        </p:sp>
+        <p:sp>
+          <p:nvSpPr>
+            <p:cNvPr id="38" name="乘 37"/>
+            <p:cNvSpPr/>
+            <p:nvPr/>
+          </p:nvSpPr>
+          <p:spPr>
+            <a:xfrm>
+              <a:off x="2337240" y="1537985"/>
+              <a:ext cx="531577" cy="497387"/>
+            </a:xfrm>
+            <a:prstGeom prst="mathMultiply">
+              <a:avLst/>
+            </a:prstGeom>
+          </p:spPr>
+          <p:style>
+            <a:lnRef idx="1">
+              <a:schemeClr val="accent2"/>
+            </a:lnRef>
+            <a:fillRef idx="3">
+              <a:schemeClr val="accent2"/>
+            </a:fillRef>
+            <a:effectRef idx="2">
+              <a:schemeClr val="accent2"/>
+            </a:effectRef>
+            <a:fontRef idx="minor">
+              <a:schemeClr val="lt1"/>
+            </a:fontRef>
+          </p:style>
+          <p:txBody>
+            <a:bodyPr rtlCol="0" anchor="ctr"/>
+            <a:lstStyle/>
+            <a:p>
+              <a:pPr algn="ctr"/>
+              <a:endParaRPr kumimoji="1" lang="zh-CN" altLang="en-US"/>
+            </a:p>
+          </p:txBody>
+        </p:sp>
+      </p:grpSp>
+      <p:grpSp>
+        <p:nvGrpSpPr>
+          <p:cNvPr id="39" name="组 38"/>
+          <p:cNvGrpSpPr/>
+          <p:nvPr/>
+        </p:nvGrpSpPr>
+        <p:grpSpPr>
+          <a:xfrm>
+            <a:off x="5563762" y="600442"/>
+            <a:ext cx="2476286" cy="4571542"/>
+            <a:chOff x="392531" y="600442"/>
+            <a:chExt cx="2476286" cy="4571542"/>
+          </a:xfrm>
+        </p:grpSpPr>
+        <p:sp>
+          <p:nvSpPr>
+            <p:cNvPr id="40" name="矩形 39"/>
+            <p:cNvSpPr/>
+            <p:nvPr/>
+          </p:nvSpPr>
+          <p:spPr>
+            <a:xfrm>
+              <a:off x="392531" y="600442"/>
+              <a:ext cx="2476286" cy="4571542"/>
+            </a:xfrm>
+            <a:prstGeom prst="rect">
+              <a:avLst/>
+            </a:prstGeom>
+          </p:spPr>
+          <p:style>
+            <a:lnRef idx="1">
+              <a:schemeClr val="accent6"/>
+            </a:lnRef>
+            <a:fillRef idx="3">
+              <a:schemeClr val="accent6"/>
+            </a:fillRef>
+            <a:effectRef idx="2">
+              <a:schemeClr val="accent6"/>
+            </a:effectRef>
+            <a:fontRef idx="minor">
+              <a:schemeClr val="lt1"/>
+            </a:fontRef>
+          </p:style>
+          <p:txBody>
+            <a:bodyPr rtlCol="0" anchor="ctr"/>
+            <a:lstStyle/>
+            <a:p>
+              <a:pPr algn="ctr"/>
+              <a:endParaRPr kumimoji="1" lang="en-US" altLang="zh-CN" dirty="0" smtClean="0"/>
+            </a:p>
+            <a:p>
+              <a:pPr algn="ctr"/>
+              <a:endParaRPr kumimoji="1" lang="en-US" altLang="zh-CN" dirty="0" smtClean="0"/>
+            </a:p>
+            <a:p>
+              <a:pPr algn="ctr"/>
+              <a:endParaRPr kumimoji="1" lang="en-US" altLang="zh-CN" dirty="0" smtClean="0"/>
+            </a:p>
+          </p:txBody>
+        </p:sp>
+        <p:sp>
+          <p:nvSpPr>
+            <p:cNvPr id="41" name="文本框 40"/>
+            <p:cNvSpPr txBox="1"/>
+            <p:nvPr/>
+          </p:nvSpPr>
+          <p:spPr>
+            <a:xfrm>
+              <a:off x="392531" y="600442"/>
+              <a:ext cx="2476286" cy="276999"/>
+            </a:xfrm>
+            <a:prstGeom prst="rect">
+              <a:avLst/>
+            </a:prstGeom>
+            <a:noFill/>
+          </p:spPr>
+          <p:txBody>
+            <a:bodyPr wrap="square" rtlCol="0">
+              <a:spAutoFit/>
+            </a:bodyPr>
+            <a:lstStyle/>
+            <a:p>
+              <a:pPr algn="ctr"/>
+              <a:r>
+                <a:rPr kumimoji="1" lang="en-US" altLang="zh-CN" sz="1200" dirty="0">
+                  <a:solidFill>
+                    <a:schemeClr val="accent6">
+                      <a:lumMod val="50000"/>
+                    </a:schemeClr>
+                  </a:solidFill>
+                </a:rPr>
+                <a:t>2</a:t>
+              </a:r>
+              <a:r>
+                <a:rPr kumimoji="1" lang="zh-CN" altLang="en-US" sz="1200" dirty="0">
+                  <a:solidFill>
+                    <a:schemeClr val="accent6">
+                      <a:lumMod val="50000"/>
+                    </a:schemeClr>
+                  </a:solidFill>
+                </a:rPr>
+                <a:t> 主题简介</a:t>
+              </a:r>
+              <a:r>
+                <a:rPr kumimoji="1" lang="en-US" altLang="zh-CN" sz="1200" dirty="0" smtClean="0">
+                  <a:solidFill>
+                    <a:schemeClr val="accent6">
+                      <a:lumMod val="50000"/>
+                    </a:schemeClr>
+                  </a:solidFill>
+                </a:rPr>
+                <a:t>:NSArray</a:t>
+              </a:r>
+            </a:p>
+          </p:txBody>
+        </p:sp>
+        <p:sp>
+          <p:nvSpPr>
+            <p:cNvPr id="42" name="矩形 41"/>
+            <p:cNvSpPr/>
+            <p:nvPr/>
+          </p:nvSpPr>
+          <p:spPr>
+            <a:xfrm>
+              <a:off x="476427" y="916262"/>
+              <a:ext cx="2278808" cy="614992"/>
+            </a:xfrm>
+            <a:prstGeom prst="rect">
+              <a:avLst/>
+            </a:prstGeom>
+          </p:spPr>
+          <p:style>
+            <a:lnRef idx="1">
+              <a:schemeClr val="accent3"/>
+            </a:lnRef>
+            <a:fillRef idx="3">
+              <a:schemeClr val="accent3"/>
+            </a:fillRef>
+            <a:effectRef idx="2">
+              <a:schemeClr val="accent3"/>
+            </a:effectRef>
+            <a:fontRef idx="minor">
+              <a:schemeClr val="lt1"/>
+            </a:fontRef>
+          </p:style>
+          <p:txBody>
+            <a:bodyPr rtlCol="0" anchor="ctr"/>
+            <a:lstStyle/>
+            <a:p>
+              <a:pPr algn="ctr"/>
+              <a:r>
+                <a:rPr kumimoji="1" lang="en-US" altLang="zh-CN" sz="1200" dirty="0" smtClean="0">
+                  <a:solidFill>
+                    <a:schemeClr val="accent1">
+                      <a:lumMod val="50000"/>
+                    </a:schemeClr>
+                  </a:solidFill>
+                </a:rPr>
+                <a:t>0</a:t>
+              </a:r>
+            </a:p>
+            <a:p>
+              <a:pPr algn="ctr"/>
+              <a:r>
+                <a:rPr kumimoji="1" lang="en-US" altLang="zh-CN" sz="1200" dirty="0" err="1">
+                  <a:solidFill>
+                    <a:schemeClr val="accent1">
+                      <a:lumMod val="50000"/>
+                    </a:schemeClr>
+                  </a:solidFill>
+                </a:rPr>
+                <a:t>theme_name</a:t>
+              </a:r>
+              <a:r>
+                <a:rPr kumimoji="1" lang="en-US" altLang="zh-CN" sz="1200" dirty="0" err="1">
+                  <a:solidFill>
+                    <a:schemeClr val="accent1">
+                      <a:lumMod val="50000"/>
+                    </a:schemeClr>
+                  </a:solidFill>
+                </a:rPr>
+                <a:t>:String</a:t>
+              </a:r>
+            </a:p>
+            <a:p>
+              <a:pPr algn="ctr"/>
+              <a:r>
+                <a:rPr kumimoji="1" lang="zh-CN" altLang="en-US" sz="1200" dirty="0" err="1" smtClean="0">
+                  <a:solidFill>
+                    <a:schemeClr val="accent1">
+                      <a:lumMod val="50000"/>
+                    </a:schemeClr>
+                  </a:solidFill>
+                </a:rPr>
+                <a:t>主题显示名称</a:t>
+              </a:r>
+              <a:endParaRPr kumimoji="1" lang="en-US" altLang="zh-CN" sz="1200" dirty="0" smtClean="0">
+                <a:solidFill>
+                  <a:schemeClr val="accent1">
+                    <a:lumMod val="50000"/>
+                  </a:schemeClr>
+                </a:solidFill>
+              </a:endParaRPr>
+            </a:p>
+          </p:txBody>
+        </p:sp>
+        <p:sp>
+          <p:nvSpPr>
+            <p:cNvPr id="43" name="矩形 42"/>
+            <p:cNvSpPr/>
+            <p:nvPr/>
+          </p:nvSpPr>
+          <p:spPr>
+            <a:xfrm>
+              <a:off x="476427" y="1613217"/>
+              <a:ext cx="2278808" cy="614992"/>
+            </a:xfrm>
+            <a:prstGeom prst="rect">
+              <a:avLst/>
+            </a:prstGeom>
+            <a:ln>
+              <a:noFill/>
+            </a:ln>
+          </p:spPr>
+          <p:style>
+            <a:lnRef idx="1">
+              <a:schemeClr val="dk1"/>
+            </a:lnRef>
+            <a:fillRef idx="2">
+              <a:schemeClr val="dk1"/>
+            </a:fillRef>
+            <a:effectRef idx="1">
+              <a:schemeClr val="dk1"/>
+            </a:effectRef>
+            <a:fontRef idx="minor">
+              <a:schemeClr val="dk1"/>
+            </a:fontRef>
+          </p:style>
+          <p:txBody>
+            <a:bodyPr rtlCol="0" anchor="ctr"/>
+            <a:lstStyle/>
+            <a:p>
+              <a:pPr algn="ctr"/>
+              <a:r>
+                <a:rPr kumimoji="1" lang="en-US" altLang="zh-CN" sz="1200" dirty="0" err="1">
+                  <a:solidFill>
+                    <a:schemeClr val="bg1">
+                      <a:lumMod val="50000"/>
+                    </a:schemeClr>
+                  </a:solidFill>
+                </a:rPr>
+                <a:t>1</a:t>
+              </a:r>
+            </a:p>
+            <a:p>
+              <a:pPr algn="ctr"/>
+              <a:r>
+                <a:rPr kumimoji="1" lang="en-US" altLang="zh-CN" sz="1200" dirty="0" err="1">
+                  <a:solidFill>
+                    <a:schemeClr val="bg1">
+                      <a:lumMod val="50000"/>
+                    </a:schemeClr>
+                  </a:solidFill>
+                </a:rPr>
+                <a:t>theme_softname:String</a:t>
+              </a:r>
+            </a:p>
+            <a:p>
+              <a:pPr algn="ctr"/>
+              <a:r>
+                <a:rPr kumimoji="1" lang="zh-CN" altLang="en-US" sz="1200" dirty="0" err="1">
+                  <a:solidFill>
+                    <a:schemeClr val="bg1">
+                      <a:lumMod val="50000"/>
+                    </a:schemeClr>
+                  </a:solidFill>
+                </a:rPr>
+                <a:t>主题适用软件名称</a:t>
+              </a:r>
+              <a:endParaRPr kumimoji="1" lang="en-US" altLang="zh-CN" sz="1200" dirty="0">
+                <a:solidFill>
+                  <a:schemeClr val="bg1">
+                    <a:lumMod val="50000"/>
+                  </a:schemeClr>
+                </a:solidFill>
+              </a:endParaRPr>
+            </a:p>
+          </p:txBody>
+        </p:sp>
+        <p:sp>
+          <p:nvSpPr>
+            <p:cNvPr id="44" name="矩形 43"/>
+            <p:cNvSpPr/>
+            <p:nvPr/>
+          </p:nvSpPr>
+          <p:spPr>
+            <a:xfrm>
+              <a:off x="476427" y="2313371"/>
+              <a:ext cx="2278808" cy="614992"/>
+            </a:xfrm>
+            <a:prstGeom prst="rect">
+              <a:avLst/>
+            </a:prstGeom>
+          </p:spPr>
+          <p:style>
+            <a:lnRef idx="1">
+              <a:schemeClr val="accent3"/>
+            </a:lnRef>
+            <a:fillRef idx="3">
+              <a:schemeClr val="accent3"/>
+            </a:fillRef>
+            <a:effectRef idx="2">
+              <a:schemeClr val="accent3"/>
+            </a:effectRef>
+            <a:fontRef idx="minor">
+              <a:schemeClr val="lt1"/>
+            </a:fontRef>
+          </p:style>
+          <p:txBody>
+            <a:bodyPr rtlCol="0" anchor="ctr"/>
+            <a:lstStyle/>
+            <a:p>
+              <a:pPr algn="ctr"/>
+              <a:r>
+                <a:rPr kumimoji="1" lang="en-US" altLang="zh-CN" sz="1200" dirty="0" err="1">
+                  <a:solidFill>
+                    <a:schemeClr val="accent1">
+                      <a:lumMod val="50000"/>
+                    </a:schemeClr>
+                  </a:solidFill>
+                </a:rPr>
+                <a:t>1</a:t>
+              </a:r>
+            </a:p>
+            <a:p>
+              <a:pPr algn="ctr"/>
+              <a:r>
+                <a:rPr kumimoji="1" lang="en-US" altLang="zh-CN" sz="1200" dirty="0" err="1">
+                  <a:solidFill>
+                    <a:schemeClr val="accent1">
+                      <a:lumMod val="50000"/>
+                    </a:schemeClr>
+                  </a:solidFill>
+                </a:rPr>
+                <a:t>theme_kit:String</a:t>
+              </a:r>
+            </a:p>
+            <a:p>
+              <a:pPr algn="ctr"/>
+              <a:r>
+                <a:rPr kumimoji="1" lang="zh-CN" altLang="en-US" sz="1200" dirty="0" err="1">
+                  <a:solidFill>
+                    <a:schemeClr val="accent1">
+                      <a:lumMod val="50000"/>
+                    </a:schemeClr>
+                  </a:solidFill>
+                </a:rPr>
+                <a:t>主题对应皮肤模块版本</a:t>
+              </a:r>
+              <a:endParaRPr kumimoji="1" lang="en-US" altLang="zh-CN" sz="1200" dirty="0" err="1">
+                <a:solidFill>
+                  <a:schemeClr val="accent1">
+                    <a:lumMod val="50000"/>
+                  </a:schemeClr>
+                </a:solidFill>
+              </a:endParaRPr>
+            </a:p>
+          </p:txBody>
+        </p:sp>
+        <p:sp>
+          <p:nvSpPr>
+            <p:cNvPr id="45" name="矩形 44"/>
+            <p:cNvSpPr/>
+            <p:nvPr/>
+          </p:nvSpPr>
+          <p:spPr>
+            <a:xfrm>
+              <a:off x="476427" y="3711703"/>
+              <a:ext cx="2278808" cy="614992"/>
+            </a:xfrm>
+            <a:prstGeom prst="rect">
+              <a:avLst/>
+            </a:prstGeom>
+          </p:spPr>
+          <p:style>
+            <a:lnRef idx="1">
+              <a:schemeClr val="accent3"/>
+            </a:lnRef>
+            <a:fillRef idx="3">
+              <a:schemeClr val="accent3"/>
+            </a:fillRef>
+            <a:effectRef idx="2">
+              <a:schemeClr val="accent3"/>
+            </a:effectRef>
+            <a:fontRef idx="minor">
+              <a:schemeClr val="lt1"/>
+            </a:fontRef>
+          </p:style>
+          <p:txBody>
+            <a:bodyPr rtlCol="0" anchor="ctr"/>
+            <a:lstStyle/>
+            <a:p>
+              <a:pPr algn="ctr"/>
+              <a:r>
+                <a:rPr kumimoji="1" lang="zh-CN" altLang="zh-CN" sz="1200" dirty="0" err="1">
+                  <a:solidFill>
+                    <a:schemeClr val="accent1">
+                      <a:lumMod val="50000"/>
+                    </a:schemeClr>
+                  </a:solidFill>
+                </a:rPr>
+                <a:t>3</a:t>
+              </a:r>
+              <a:endParaRPr kumimoji="1" lang="en-US" altLang="zh-CN" sz="1200" dirty="0" err="1">
+                <a:solidFill>
+                  <a:schemeClr val="accent1">
+                    <a:lumMod val="50000"/>
+                  </a:schemeClr>
+                </a:solidFill>
+              </a:endParaRPr>
+            </a:p>
+            <a:p>
+              <a:pPr algn="ctr"/>
+              <a:r>
+                <a:rPr kumimoji="1" lang="en-US" altLang="zh-CN" sz="1200" dirty="0" err="1">
+                  <a:solidFill>
+                    <a:schemeClr val="accent1">
+                      <a:lumMod val="50000"/>
+                    </a:schemeClr>
+                  </a:solidFill>
+                </a:rPr>
+                <a:t>theme_ibname:String</a:t>
+              </a:r>
+            </a:p>
+            <a:p>
+              <a:pPr algn="ctr"/>
+              <a:r>
+                <a:rPr kumimoji="1" lang="zh-CN" altLang="en-US" sz="1200" dirty="0" err="1" smtClean="0">
+                  <a:solidFill>
+                    <a:schemeClr val="accent1">
+                      <a:lumMod val="50000"/>
+                    </a:schemeClr>
+                  </a:solidFill>
+                </a:rPr>
+                <a:t>主题内部名称</a:t>
+              </a:r>
+              <a:endParaRPr kumimoji="1" lang="en-US" altLang="zh-CN" sz="1200" dirty="0" smtClean="0">
+                <a:solidFill>
+                  <a:schemeClr val="accent1">
+                    <a:lumMod val="50000"/>
+                  </a:schemeClr>
+                </a:solidFill>
+              </a:endParaRPr>
+            </a:p>
+          </p:txBody>
+        </p:sp>
+        <p:sp>
+          <p:nvSpPr>
+            <p:cNvPr id="46" name="矩形 45"/>
+            <p:cNvSpPr/>
+            <p:nvPr/>
+          </p:nvSpPr>
+          <p:spPr>
+            <a:xfrm>
+              <a:off x="476427" y="4413610"/>
+              <a:ext cx="2278808" cy="614992"/>
+            </a:xfrm>
+            <a:prstGeom prst="rect">
+              <a:avLst/>
+            </a:prstGeom>
+          </p:spPr>
+          <p:style>
+            <a:lnRef idx="1">
+              <a:schemeClr val="accent3"/>
+            </a:lnRef>
+            <a:fillRef idx="3">
+              <a:schemeClr val="accent3"/>
+            </a:fillRef>
+            <a:effectRef idx="2">
+              <a:schemeClr val="accent3"/>
+            </a:effectRef>
+            <a:fontRef idx="minor">
+              <a:schemeClr val="lt1"/>
+            </a:fontRef>
+          </p:style>
+          <p:txBody>
+            <a:bodyPr rtlCol="0" anchor="ctr"/>
+            <a:lstStyle/>
+            <a:p>
+              <a:pPr algn="ctr"/>
+              <a:r>
+                <a:rPr kumimoji="1" lang="zh-CN" altLang="zh-CN" sz="1200" dirty="0" err="1">
+                  <a:solidFill>
+                    <a:schemeClr val="accent1">
+                      <a:lumMod val="50000"/>
+                    </a:schemeClr>
+                  </a:solidFill>
+                </a:rPr>
+                <a:t>4</a:t>
+              </a:r>
+              <a:endParaRPr kumimoji="1" lang="en-US" altLang="zh-CN" sz="1200" dirty="0" err="1">
+                <a:solidFill>
+                  <a:schemeClr val="accent1">
+                    <a:lumMod val="50000"/>
+                  </a:schemeClr>
+                </a:solidFill>
+              </a:endParaRPr>
+            </a:p>
+            <a:p>
+              <a:pPr algn="ctr"/>
+              <a:r>
+                <a:rPr kumimoji="1" lang="en-US" altLang="zh-CN" sz="1200" dirty="0" err="1">
+                  <a:solidFill>
+                    <a:schemeClr val="accent1">
+                      <a:lumMod val="50000"/>
+                    </a:schemeClr>
+                  </a:solidFill>
+                </a:rPr>
+                <a:t>theme_author:String</a:t>
+              </a:r>
+            </a:p>
+            <a:p>
+              <a:pPr algn="ctr"/>
+              <a:r>
+                <a:rPr kumimoji="1" lang="zh-CN" altLang="en-US" sz="1200" dirty="0" err="1" smtClean="0">
+                  <a:solidFill>
+                    <a:schemeClr val="accent1">
+                      <a:lumMod val="50000"/>
+                    </a:schemeClr>
+                  </a:solidFill>
+                </a:rPr>
+                <a:t>主题作者名称</a:t>
+              </a:r>
+              <a:endParaRPr kumimoji="1" lang="en-US" altLang="zh-CN" sz="1200" dirty="0" smtClean="0">
+                <a:solidFill>
+                  <a:schemeClr val="accent1">
+                    <a:lumMod val="50000"/>
+                  </a:schemeClr>
+                </a:solidFill>
+              </a:endParaRPr>
+            </a:p>
+          </p:txBody>
+        </p:sp>
+        <p:sp>
+          <p:nvSpPr>
+            <p:cNvPr id="47" name="矩形 46"/>
+            <p:cNvSpPr/>
+            <p:nvPr/>
+          </p:nvSpPr>
+          <p:spPr>
+            <a:xfrm>
+              <a:off x="476427" y="3013556"/>
+              <a:ext cx="2278808" cy="614992"/>
+            </a:xfrm>
+            <a:prstGeom prst="rect">
+              <a:avLst/>
+            </a:prstGeom>
+          </p:spPr>
+          <p:style>
+            <a:lnRef idx="1">
+              <a:schemeClr val="accent3"/>
+            </a:lnRef>
+            <a:fillRef idx="3">
+              <a:schemeClr val="accent3"/>
+            </a:fillRef>
+            <a:effectRef idx="2">
+              <a:schemeClr val="accent3"/>
+            </a:effectRef>
+            <a:fontRef idx="minor">
+              <a:schemeClr val="lt1"/>
+            </a:fontRef>
+          </p:style>
+          <p:txBody>
+            <a:bodyPr rtlCol="0" anchor="ctr"/>
+            <a:lstStyle/>
+            <a:p>
+              <a:pPr algn="ctr"/>
+              <a:r>
+                <a:rPr kumimoji="1" lang="zh-CN" altLang="zh-CN" sz="1200" dirty="0" err="1">
+                  <a:solidFill>
+                    <a:schemeClr val="accent1">
+                      <a:lumMod val="50000"/>
+                    </a:schemeClr>
+                  </a:solidFill>
+                </a:rPr>
+                <a:t>2</a:t>
+              </a:r>
+              <a:endParaRPr kumimoji="1" lang="en-US" altLang="zh-CN" sz="1200" dirty="0" err="1">
+                <a:solidFill>
+                  <a:schemeClr val="accent1">
+                    <a:lumMod val="50000"/>
+                  </a:schemeClr>
+                </a:solidFill>
+              </a:endParaRPr>
+            </a:p>
+            <a:p>
+              <a:pPr algn="ctr"/>
+              <a:r>
+                <a:rPr kumimoji="1" lang="en-US" altLang="zh-CN" sz="1200" dirty="0" err="1">
+                  <a:solidFill>
+                    <a:schemeClr val="accent1">
+                      <a:lumMod val="50000"/>
+                    </a:schemeClr>
+                  </a:solidFill>
+                </a:rPr>
+                <a:t>theme_name:String</a:t>
+              </a:r>
+            </a:p>
+            <a:p>
+              <a:pPr algn="ctr"/>
+              <a:r>
+                <a:rPr kumimoji="1" lang="zh-CN" altLang="en-US" sz="1200" dirty="0" err="1" smtClean="0">
+                  <a:solidFill>
+                    <a:schemeClr val="accent1">
+                      <a:lumMod val="50000"/>
+                    </a:schemeClr>
+                  </a:solidFill>
+                </a:rPr>
+                <a:t>主题显示名称</a:t>
+              </a:r>
+              <a:endParaRPr kumimoji="1" lang="en-US" altLang="zh-CN" sz="1200" dirty="0" smtClean="0">
+                <a:solidFill>
+                  <a:schemeClr val="accent1">
+                    <a:lumMod val="50000"/>
+                  </a:schemeClr>
+                </a:solidFill>
+              </a:endParaRPr>
+            </a:p>
+          </p:txBody>
+        </p:sp>
+        <p:sp>
+          <p:nvSpPr>
+            <p:cNvPr id="48" name="乘 47"/>
+            <p:cNvSpPr/>
+            <p:nvPr/>
+          </p:nvSpPr>
+          <p:spPr>
+            <a:xfrm>
+              <a:off x="2337240" y="1537985"/>
+              <a:ext cx="531577" cy="497387"/>
+            </a:xfrm>
+            <a:prstGeom prst="mathMultiply">
+              <a:avLst/>
+            </a:prstGeom>
+          </p:spPr>
+          <p:style>
+            <a:lnRef idx="1">
+              <a:schemeClr val="accent2"/>
+            </a:lnRef>
+            <a:fillRef idx="3">
+              <a:schemeClr val="accent2"/>
+            </a:fillRef>
+            <a:effectRef idx="2">
+              <a:schemeClr val="accent2"/>
+            </a:effectRef>
+            <a:fontRef idx="minor">
+              <a:schemeClr val="lt1"/>
+            </a:fontRef>
+          </p:style>
+          <p:txBody>
+            <a:bodyPr rtlCol="0" anchor="ctr"/>
+            <a:lstStyle/>
+            <a:p>
+              <a:pPr algn="ctr"/>
+              <a:endParaRPr kumimoji="1" lang="zh-CN" altLang="en-US"/>
+            </a:p>
+          </p:txBody>
+        </p:sp>
+      </p:grpSp>
+      <p:sp>
+        <p:nvSpPr>
+          <p:cNvPr id="49" name="文本框 48"/>
+          <p:cNvSpPr txBox="1"/>
+          <p:nvPr/>
+        </p:nvSpPr>
+        <p:spPr>
+          <a:xfrm>
+            <a:off x="8123178" y="2490336"/>
+            <a:ext cx="728535" cy="523220"/>
+          </a:xfrm>
+          <a:prstGeom prst="rect">
+            <a:avLst/>
+          </a:prstGeom>
+          <a:noFill/>
+        </p:spPr>
+        <p:txBody>
+          <a:bodyPr wrap="none" rtlCol="0">
+            <a:spAutoFit/>
+          </a:bodyPr>
+          <a:lstStyle/>
+          <a:p>
+            <a:r>
+              <a:rPr kumimoji="1" lang="en-US" altLang="zh-CN" sz="2800" dirty="0" smtClean="0"/>
+              <a:t>......</a:t>
+            </a:r>
+            <a:endParaRPr kumimoji="1" lang="zh-CN" altLang="en-US" sz="2800" dirty="0"/>
+          </a:p>
+        </p:txBody>
+      </p:sp>
+      <p:sp>
+        <p:nvSpPr>
+          <p:cNvPr id="50" name="下箭头 49"/>
+          <p:cNvSpPr/>
+          <p:nvPr/>
+        </p:nvSpPr>
+        <p:spPr>
+          <a:xfrm>
+            <a:off x="476427" y="4326695"/>
+            <a:ext cx="332731" cy="1500749"/>
+          </a:xfrm>
+          <a:prstGeom prst="downArrow">
+            <a:avLst/>
+          </a:prstGeom>
+          <a:gradFill>
+            <a:gsLst>
+              <a:gs pos="0">
+                <a:schemeClr val="accent1">
+                  <a:tint val="100000"/>
+                  <a:shade val="100000"/>
+                  <a:satMod val="130000"/>
+                  <a:alpha val="50000"/>
+                </a:schemeClr>
+              </a:gs>
+              <a:gs pos="100000">
+                <a:schemeClr val="accent1">
+                  <a:tint val="50000"/>
+                  <a:shade val="100000"/>
+                  <a:satMod val="350000"/>
+                  <a:alpha val="50000"/>
+                </a:schemeClr>
+              </a:gs>
+            </a:gsLst>
+          </a:gradFill>
+        </p:spPr>
+        <p:style>
+          <a:lnRef idx="1">
+            <a:schemeClr val="accent1"/>
+          </a:lnRef>
+          <a:fillRef idx="3">
+            <a:schemeClr val="accent1"/>
+          </a:fillRef>
+          <a:effectRef idx="2">
+            <a:schemeClr val="accent1"/>
+          </a:effectRef>
+          <a:fontRef idx="minor">
+            <a:schemeClr val="lt1"/>
+          </a:fontRef>
+        </p:style>
+        <p:txBody>
+          <a:bodyPr rtlCol="0" anchor="ctr"/>
+          <a:lstStyle/>
+          <a:p>
+            <a:pPr algn="ctr"/>
+            <a:endParaRPr kumimoji="1" lang="zh-CN" altLang="en-US"/>
+          </a:p>
+        </p:txBody>
+      </p:sp>
+      <p:sp>
+        <p:nvSpPr>
+          <p:cNvPr id="51" name="矩形 50"/>
+          <p:cNvSpPr/>
+          <p:nvPr/>
+        </p:nvSpPr>
+        <p:spPr>
+          <a:xfrm>
+            <a:off x="679322" y="5827444"/>
+            <a:ext cx="5211708" cy="646331"/>
+          </a:xfrm>
+          <a:prstGeom prst="rect">
+            <a:avLst/>
+          </a:prstGeom>
+        </p:spPr>
+        <p:txBody>
+          <a:bodyPr wrap="none">
+            <a:spAutoFit/>
+          </a:bodyPr>
+          <a:lstStyle/>
+          <a:p>
+            <a:pPr algn="ctr"/>
+            <a:r>
+              <a:rPr kumimoji="1" lang="en-US" altLang="zh-CN" sz="1200" dirty="0" err="1">
+                <a:solidFill>
+                  <a:srgbClr val="4F81BD">
+                    <a:lumMod val="50000"/>
+                  </a:srgbClr>
+                </a:solidFill>
+              </a:rPr>
+              <a:t>…/Documents/</a:t>
+            </a:r>
+            <a:endParaRPr kumimoji="1" lang="en-US" altLang="zh-CN" sz="1200" dirty="0" err="1">
+              <a:solidFill>
+                <a:srgbClr val="4F81BD">
+                  <a:lumMod val="50000"/>
+                </a:srgbClr>
+              </a:solidFill>
+            </a:endParaRPr>
+          </a:p>
+          <a:p>
+            <a:pPr lvl="0"/>
+            <a:endParaRPr kumimoji="1" lang="en-US" altLang="zh-CN" sz="1200" dirty="0" err="1">
+              <a:solidFill>
+                <a:srgbClr val="4F81BD">
+                  <a:lumMod val="50000"/>
+                </a:srgbClr>
+              </a:solidFill>
+            </a:endParaRPr>
+          </a:p>
+          <a:p>
+            <a:pPr lvl="0"/>
+            <a:r>
+              <a:rPr kumimoji="1" lang="zh-CN" altLang="en-US" sz="1200" dirty="0" err="1">
+                <a:solidFill>
+                  <a:srgbClr val="4F81BD">
+                    <a:lumMod val="50000"/>
+                  </a:srgbClr>
+                </a:solidFill>
+              </a:rPr>
+              <a:t>主题内部名称</a:t>
+            </a:r>
+            <a:r>
+              <a:rPr kumimoji="1" lang="zh-CN" altLang="en-US" sz="1200" dirty="0" err="1">
+                <a:solidFill>
+                  <a:srgbClr val="4F81BD">
+                    <a:lumMod val="50000"/>
+                  </a:srgbClr>
+                </a:solidFill>
+              </a:rPr>
+              <a:t>在 本地文档文件夹 中对应 </a:t>
+            </a:r>
+            <a:r>
+              <a:rPr kumimoji="1" lang="zh-CN" altLang="en-US" sz="1200" b="1" i="1" dirty="0" err="1">
+                <a:solidFill>
+                  <a:srgbClr val="4F81BD">
+                    <a:lumMod val="50000"/>
+                  </a:srgbClr>
+                </a:solidFill>
+              </a:rPr>
+              <a:t>存放文件夹名称 </a:t>
+            </a:r>
+            <a:r>
+              <a:rPr kumimoji="1" lang="zh-CN" altLang="en-US" sz="1200" dirty="0" err="1">
+                <a:solidFill>
+                  <a:srgbClr val="4F81BD">
+                    <a:lumMod val="50000"/>
+                  </a:srgbClr>
+                </a:solidFill>
+              </a:rPr>
+              <a:t>和 </a:t>
+            </a:r>
+            <a:r>
+              <a:rPr kumimoji="1" lang="zh-CN" altLang="en-US" sz="1200" b="1" i="1" dirty="0" err="1">
+                <a:solidFill>
+                  <a:srgbClr val="4F81BD">
+                    <a:lumMod val="50000"/>
+                  </a:srgbClr>
+                </a:solidFill>
+              </a:rPr>
+              <a:t>图片文件名</a:t>
+            </a:r>
+            <a:endParaRPr kumimoji="1" lang="en-US" altLang="zh-CN" sz="1200" b="1" i="1" dirty="0">
+              <a:solidFill>
+                <a:srgbClr val="4F81BD">
+                  <a:lumMod val="50000"/>
+                </a:srgbClr>
+              </a:solidFill>
+            </a:endParaRPr>
+          </a:p>
+        </p:txBody>
+      </p:sp>
+      <p:sp>
+        <p:nvSpPr>
+          <p:cNvPr id="52" name="下箭头 51"/>
+          <p:cNvSpPr/>
+          <p:nvPr/>
+        </p:nvSpPr>
+        <p:spPr>
+          <a:xfrm>
+            <a:off x="3064853" y="4326695"/>
+            <a:ext cx="332731" cy="1500749"/>
+          </a:xfrm>
+          <a:prstGeom prst="downArrow">
+            <a:avLst/>
+          </a:prstGeom>
+          <a:gradFill>
+            <a:gsLst>
+              <a:gs pos="0">
+                <a:schemeClr val="accent1">
+                  <a:tint val="100000"/>
+                  <a:shade val="100000"/>
+                  <a:satMod val="130000"/>
+                  <a:alpha val="50000"/>
+                </a:schemeClr>
+              </a:gs>
+              <a:gs pos="100000">
+                <a:schemeClr val="accent1">
+                  <a:tint val="50000"/>
+                  <a:shade val="100000"/>
+                  <a:satMod val="350000"/>
+                  <a:alpha val="50000"/>
+                </a:schemeClr>
+              </a:gs>
+            </a:gsLst>
+          </a:gradFill>
+        </p:spPr>
+        <p:style>
+          <a:lnRef idx="1">
+            <a:schemeClr val="accent1"/>
+          </a:lnRef>
+          <a:fillRef idx="3">
+            <a:schemeClr val="accent1"/>
+          </a:fillRef>
+          <a:effectRef idx="2">
+            <a:schemeClr val="accent1"/>
+          </a:effectRef>
+          <a:fontRef idx="minor">
+            <a:schemeClr val="lt1"/>
+          </a:fontRef>
+        </p:style>
+        <p:txBody>
+          <a:bodyPr rtlCol="0" anchor="ctr"/>
+          <a:lstStyle/>
+          <a:p>
+            <a:pPr algn="ctr"/>
+            <a:endParaRPr kumimoji="1" lang="zh-CN" altLang="en-US"/>
+          </a:p>
+        </p:txBody>
+      </p:sp>
+      <p:sp>
+        <p:nvSpPr>
+          <p:cNvPr id="53" name="下箭头 52"/>
+          <p:cNvSpPr/>
+          <p:nvPr/>
+        </p:nvSpPr>
+        <p:spPr>
+          <a:xfrm>
+            <a:off x="5647658" y="4326695"/>
+            <a:ext cx="332731" cy="1500749"/>
+          </a:xfrm>
+          <a:prstGeom prst="downArrow">
+            <a:avLst/>
+          </a:prstGeom>
+          <a:gradFill>
+            <a:gsLst>
+              <a:gs pos="0">
+                <a:schemeClr val="accent1">
+                  <a:tint val="100000"/>
+                  <a:shade val="100000"/>
+                  <a:satMod val="130000"/>
+                  <a:alpha val="50000"/>
+                </a:schemeClr>
+              </a:gs>
+              <a:gs pos="100000">
+                <a:schemeClr val="accent1">
+                  <a:tint val="50000"/>
+                  <a:shade val="100000"/>
+                  <a:satMod val="350000"/>
+                  <a:alpha val="50000"/>
+                </a:schemeClr>
+              </a:gs>
+            </a:gsLst>
+          </a:gradFill>
+        </p:spPr>
+        <p:style>
+          <a:lnRef idx="1">
+            <a:schemeClr val="accent1"/>
+          </a:lnRef>
+          <a:fillRef idx="3">
+            <a:schemeClr val="accent1"/>
+          </a:fillRef>
+          <a:effectRef idx="2">
+            <a:schemeClr val="accent1"/>
+          </a:effectRef>
+          <a:fontRef idx="minor">
+            <a:schemeClr val="lt1"/>
+          </a:fontRef>
+        </p:style>
+        <p:txBody>
+          <a:bodyPr rtlCol="0" anchor="ctr"/>
+          <a:lstStyle/>
+          <a:p>
+            <a:pPr algn="ctr"/>
+            <a:endParaRPr kumimoji="1" lang="zh-CN" altLang="en-US"/>
+          </a:p>
+        </p:txBody>
+      </p:sp>
+    </p:spTree>
+    <p:extLst>
+      <p:ext uri="{BB962C8B-B14F-4D97-AF65-F5344CB8AC3E}">
+        <p14:creationId xmlns:p14="http://schemas.microsoft.com/office/powerpoint/2010/main" val="3807023209"/>
       </p:ext>
     </p:extLst>
   </p:cSld>

--- a/设计/云颜文字iOS2数据结构设计.pptx
+++ b/设计/云颜文字iOS2数据结构设计.pptx
@@ -5,12 +5,13 @@
     <p:sldMasterId id="2147483648" r:id="rId1"/>
   </p:sldMasterIdLst>
   <p:notesMasterIdLst>
-    <p:notesMasterId r:id="rId5"/>
+    <p:notesMasterId r:id="rId6"/>
   </p:notesMasterIdLst>
   <p:sldIdLst>
     <p:sldId id="256" r:id="rId2"/>
     <p:sldId id="257" r:id="rId3"/>
     <p:sldId id="258" r:id="rId4"/>
+    <p:sldId id="259" r:id="rId5"/>
   </p:sldIdLst>
   <p:sldSz cx="9144000" cy="6858000" type="screen4x3"/>
   <p:notesSz cx="6858000" cy="9144000"/>
@@ -194,7 +195,7 @@
           <a:p>
             <a:fld id="{BC3570B9-F0B5-104B-96A0-E2F100586D79}" type="datetimeFigureOut">
               <a:rPr kumimoji="1" lang="zh-CN" altLang="en-US" smtClean="0"/>
-              <a:t>15/4/24</a:t>
+              <a:t>15/5/23</a:t>
             </a:fld>
             <a:endParaRPr kumimoji="1" lang="zh-CN" altLang="en-US"/>
           </a:p>
@@ -3683,29 +3684,7 @@
                 <a:ea typeface="+mn-ea"/>
                 <a:cs typeface="+mn-cs"/>
               </a:rPr>
-              <a:t>"%@-</a:t>
-            </a:r>
-            <a:r>
-              <a:rPr lang="en-US" altLang="zh-CN" sz="1200" kern="1200" smtClean="0">
-                <a:solidFill>
-                  <a:schemeClr val="tx1"/>
-                </a:solidFill>
-                <a:latin typeface="+mn-lt"/>
-                <a:ea typeface="+mn-ea"/>
-                <a:cs typeface="+mn-cs"/>
-              </a:rPr>
-              <a:t>skin</a:t>
-            </a:r>
-            <a:r>
-              <a:rPr lang="en-US" altLang="zh-CN" sz="1200" kern="1200" smtClean="0">
-                <a:solidFill>
-                  <a:schemeClr val="tx1"/>
-                </a:solidFill>
-                <a:latin typeface="+mn-lt"/>
-                <a:ea typeface="+mn-ea"/>
-                <a:cs typeface="+mn-cs"/>
-              </a:rPr>
-              <a:t>.plist",p_nowUserName</a:t>
+              <a:t>"%@-skin.plist",p_nowUserName</a:t>
             </a:r>
             <a:endParaRPr kumimoji="1" lang="zh-CN" altLang="en-US"/>
           </a:p>
@@ -3928,7 +3907,7 @@
           <a:p>
             <a:fld id="{16227CF1-EB98-6141-A160-F48BACBCDEB3}" type="datetimeFigureOut">
               <a:rPr kumimoji="1" lang="zh-CN" altLang="en-US" smtClean="0"/>
-              <a:t>15/4/24</a:t>
+              <a:t>15/5/23</a:t>
             </a:fld>
             <a:endParaRPr kumimoji="1" lang="zh-CN" altLang="en-US"/>
           </a:p>
@@ -4098,7 +4077,7 @@
           <a:p>
             <a:fld id="{16227CF1-EB98-6141-A160-F48BACBCDEB3}" type="datetimeFigureOut">
               <a:rPr kumimoji="1" lang="zh-CN" altLang="en-US" smtClean="0"/>
-              <a:t>15/4/24</a:t>
+              <a:t>15/5/23</a:t>
             </a:fld>
             <a:endParaRPr kumimoji="1" lang="zh-CN" altLang="en-US"/>
           </a:p>
@@ -4278,7 +4257,7 @@
           <a:p>
             <a:fld id="{16227CF1-EB98-6141-A160-F48BACBCDEB3}" type="datetimeFigureOut">
               <a:rPr kumimoji="1" lang="zh-CN" altLang="en-US" smtClean="0"/>
-              <a:t>15/4/24</a:t>
+              <a:t>15/5/23</a:t>
             </a:fld>
             <a:endParaRPr kumimoji="1" lang="zh-CN" altLang="en-US"/>
           </a:p>
@@ -4448,7 +4427,7 @@
           <a:p>
             <a:fld id="{16227CF1-EB98-6141-A160-F48BACBCDEB3}" type="datetimeFigureOut">
               <a:rPr kumimoji="1" lang="zh-CN" altLang="en-US" smtClean="0"/>
-              <a:t>15/4/24</a:t>
+              <a:t>15/5/23</a:t>
             </a:fld>
             <a:endParaRPr kumimoji="1" lang="zh-CN" altLang="en-US"/>
           </a:p>
@@ -4694,7 +4673,7 @@
           <a:p>
             <a:fld id="{16227CF1-EB98-6141-A160-F48BACBCDEB3}" type="datetimeFigureOut">
               <a:rPr kumimoji="1" lang="zh-CN" altLang="en-US" smtClean="0"/>
-              <a:t>15/4/24</a:t>
+              <a:t>15/5/23</a:t>
             </a:fld>
             <a:endParaRPr kumimoji="1" lang="zh-CN" altLang="en-US"/>
           </a:p>
@@ -4982,7 +4961,7 @@
           <a:p>
             <a:fld id="{16227CF1-EB98-6141-A160-F48BACBCDEB3}" type="datetimeFigureOut">
               <a:rPr kumimoji="1" lang="zh-CN" altLang="en-US" smtClean="0"/>
-              <a:t>15/4/24</a:t>
+              <a:t>15/5/23</a:t>
             </a:fld>
             <a:endParaRPr kumimoji="1" lang="zh-CN" altLang="en-US"/>
           </a:p>
@@ -5404,7 +5383,7 @@
           <a:p>
             <a:fld id="{16227CF1-EB98-6141-A160-F48BACBCDEB3}" type="datetimeFigureOut">
               <a:rPr kumimoji="1" lang="zh-CN" altLang="en-US" smtClean="0"/>
-              <a:t>15/4/24</a:t>
+              <a:t>15/5/23</a:t>
             </a:fld>
             <a:endParaRPr kumimoji="1" lang="zh-CN" altLang="en-US"/>
           </a:p>
@@ -5522,7 +5501,7 @@
           <a:p>
             <a:fld id="{16227CF1-EB98-6141-A160-F48BACBCDEB3}" type="datetimeFigureOut">
               <a:rPr kumimoji="1" lang="zh-CN" altLang="en-US" smtClean="0"/>
-              <a:t>15/4/24</a:t>
+              <a:t>15/5/23</a:t>
             </a:fld>
             <a:endParaRPr kumimoji="1" lang="zh-CN" altLang="en-US"/>
           </a:p>
@@ -5617,7 +5596,7 @@
           <a:p>
             <a:fld id="{16227CF1-EB98-6141-A160-F48BACBCDEB3}" type="datetimeFigureOut">
               <a:rPr kumimoji="1" lang="zh-CN" altLang="en-US" smtClean="0"/>
-              <a:t>15/4/24</a:t>
+              <a:t>15/5/23</a:t>
             </a:fld>
             <a:endParaRPr kumimoji="1" lang="zh-CN" altLang="en-US"/>
           </a:p>
@@ -5894,7 +5873,7 @@
           <a:p>
             <a:fld id="{16227CF1-EB98-6141-A160-F48BACBCDEB3}" type="datetimeFigureOut">
               <a:rPr kumimoji="1" lang="zh-CN" altLang="en-US" smtClean="0"/>
-              <a:t>15/4/24</a:t>
+              <a:t>15/5/23</a:t>
             </a:fld>
             <a:endParaRPr kumimoji="1" lang="zh-CN" altLang="en-US"/>
           </a:p>
@@ -6147,7 +6126,7 @@
           <a:p>
             <a:fld id="{16227CF1-EB98-6141-A160-F48BACBCDEB3}" type="datetimeFigureOut">
               <a:rPr kumimoji="1" lang="zh-CN" altLang="en-US" smtClean="0"/>
-              <a:t>15/4/24</a:t>
+              <a:t>15/5/23</a:t>
             </a:fld>
             <a:endParaRPr kumimoji="1" lang="zh-CN" altLang="en-US"/>
           </a:p>
@@ -6360,7 +6339,7 @@
           <a:p>
             <a:fld id="{16227CF1-EB98-6141-A160-F48BACBCDEB3}" type="datetimeFigureOut">
               <a:rPr kumimoji="1" lang="zh-CN" altLang="en-US" smtClean="0"/>
-              <a:t>15/4/24</a:t>
+              <a:t>15/5/23</a:t>
             </a:fld>
             <a:endParaRPr kumimoji="1" lang="zh-CN" altLang="en-US"/>
           </a:p>
@@ -13067,15 +13046,7 @@
             </a:r>
             <a:r>
               <a:rPr kumimoji="1" lang="en-US" altLang="zh-CN" sz="1200" dirty="0"/>
-              <a:t>&gt;-</a:t>
-            </a:r>
-            <a:r>
-              <a:rPr kumimoji="1" lang="en-US" altLang="zh-CN" sz="1200" dirty="0"/>
-              <a:t>skin</a:t>
-            </a:r>
-            <a:r>
-              <a:rPr kumimoji="1" lang="en-US" altLang="zh-CN" sz="1200" dirty="0"/>
-              <a:t>.plist</a:t>
+              <a:t>&gt;-skin.plist</a:t>
             </a:r>
             <a:endParaRPr kumimoji="1" lang="zh-CN" altLang="en-US" sz="1200" dirty="0"/>
           </a:p>
@@ -13252,17 +13223,7 @@
                     </a:schemeClr>
                   </a:solidFill>
                 </a:rPr>
-                <a:t>theme_name</a:t>
-              </a:r>
-              <a:r>
-                <a:rPr kumimoji="1" lang="en-US" altLang="zh-CN" sz="1200" dirty="0" err="1">
-                  <a:solidFill>
-                    <a:schemeClr val="accent1">
-                      <a:lumMod val="50000"/>
-                    </a:schemeClr>
-                  </a:solidFill>
-                </a:rPr>
-                <a:t>:String</a:t>
+                <a:t>theme_name:String</a:t>
               </a:r>
             </a:p>
             <a:p>
@@ -13921,17 +13882,7 @@
                     </a:schemeClr>
                   </a:solidFill>
                 </a:rPr>
-                <a:t>theme_name</a:t>
-              </a:r>
-              <a:r>
-                <a:rPr kumimoji="1" lang="en-US" altLang="zh-CN" sz="1200" dirty="0" err="1">
-                  <a:solidFill>
-                    <a:schemeClr val="accent1">
-                      <a:lumMod val="50000"/>
-                    </a:schemeClr>
-                  </a:solidFill>
-                </a:rPr>
-                <a:t>:String</a:t>
+                <a:t>theme_name:String</a:t>
               </a:r>
             </a:p>
             <a:p>
@@ -14590,17 +14541,7 @@
                     </a:schemeClr>
                   </a:solidFill>
                 </a:rPr>
-                <a:t>theme_name</a:t>
-              </a:r>
-              <a:r>
-                <a:rPr kumimoji="1" lang="en-US" altLang="zh-CN" sz="1200" dirty="0" err="1">
-                  <a:solidFill>
-                    <a:schemeClr val="accent1">
-                      <a:lumMod val="50000"/>
-                    </a:schemeClr>
-                  </a:solidFill>
-                </a:rPr>
-                <a:t>:String</a:t>
+                <a:t>theme_name:String</a:t>
               </a:r>
             </a:p>
             <a:p>
@@ -15208,13 +15149,6 @@
               </a:rPr>
               <a:t>…/Documents/</a:t>
             </a:r>
-            <a:endParaRPr kumimoji="1" lang="en-US" altLang="zh-CN" sz="1200" dirty="0" err="1">
-              <a:solidFill>
-                <a:srgbClr val="4F81BD">
-                  <a:lumMod val="50000"/>
-                </a:srgbClr>
-              </a:solidFill>
-            </a:endParaRPr>
           </a:p>
           <a:p>
             <a:pPr lvl="0"/>
@@ -15236,17 +15170,7 @@
                   </a:srgbClr>
                 </a:solidFill>
               </a:rPr>
-              <a:t>主题内部名称</a:t>
-            </a:r>
-            <a:r>
-              <a:rPr kumimoji="1" lang="zh-CN" altLang="en-US" sz="1200" dirty="0" err="1">
-                <a:solidFill>
-                  <a:srgbClr val="4F81BD">
-                    <a:lumMod val="50000"/>
-                  </a:srgbClr>
-                </a:solidFill>
-              </a:rPr>
-              <a:t>在 本地文档文件夹 中对应 </a:t>
+              <a:t>主题内部名称在 本地文档文件夹 中对应 </a:t>
             </a:r>
             <a:r>
               <a:rPr kumimoji="1" lang="zh-CN" altLang="en-US" sz="1200" b="1" i="1" dirty="0" err="1">
@@ -15408,6 +15332,1265 @@
     <p:extLst>
       <p:ext uri="{BB962C8B-B14F-4D97-AF65-F5344CB8AC3E}">
         <p14:creationId xmlns:p14="http://schemas.microsoft.com/office/powerpoint/2010/main" val="3807023209"/>
+      </p:ext>
+    </p:extLst>
+  </p:cSld>
+  <p:clrMapOvr>
+    <a:masterClrMapping/>
+  </p:clrMapOvr>
+</p:sld>
+</file>
+
+<file path=ppt/slides/slide4.xml><?xml version="1.0" encoding="utf-8"?>
+<p:sld xmlns:a="http://schemas.openxmlformats.org/drawingml/2006/main" xmlns:r="http://schemas.openxmlformats.org/officeDocument/2006/relationships" xmlns:p="http://schemas.openxmlformats.org/presentationml/2006/main">
+  <p:cSld>
+    <p:spTree>
+      <p:nvGrpSpPr>
+        <p:cNvPr id="1" name=""/>
+        <p:cNvGrpSpPr/>
+        <p:nvPr/>
+      </p:nvGrpSpPr>
+      <p:grpSpPr>
+        <a:xfrm>
+          <a:off x="0" y="0"/>
+          <a:ext cx="0" cy="0"/>
+          <a:chOff x="0" y="0"/>
+          <a:chExt cx="0" cy="0"/>
+        </a:xfrm>
+      </p:grpSpPr>
+      <p:sp>
+        <p:nvSpPr>
+          <p:cNvPr id="4" name="矩形 3"/>
+          <p:cNvSpPr/>
+          <p:nvPr/>
+        </p:nvSpPr>
+        <p:spPr>
+          <a:xfrm>
+            <a:off x="250486" y="666577"/>
+            <a:ext cx="8695510" cy="3416472"/>
+          </a:xfrm>
+          <a:prstGeom prst="rect">
+            <a:avLst/>
+          </a:prstGeom>
+        </p:spPr>
+        <p:style>
+          <a:lnRef idx="1">
+            <a:schemeClr val="accent5"/>
+          </a:lnRef>
+          <a:fillRef idx="2">
+            <a:schemeClr val="accent5"/>
+          </a:fillRef>
+          <a:effectRef idx="1">
+            <a:schemeClr val="accent5"/>
+          </a:effectRef>
+          <a:fontRef idx="minor">
+            <a:schemeClr val="dk1"/>
+          </a:fontRef>
+        </p:style>
+        <p:txBody>
+          <a:bodyPr rtlCol="0" anchor="ctr"/>
+          <a:lstStyle/>
+          <a:p>
+            <a:pPr algn="ctr"/>
+            <a:endParaRPr kumimoji="1" lang="zh-CN" altLang="en-US" dirty="0"/>
+          </a:p>
+        </p:txBody>
+      </p:sp>
+      <p:sp>
+        <p:nvSpPr>
+          <p:cNvPr id="5" name="文本框 4"/>
+          <p:cNvSpPr txBox="1"/>
+          <p:nvPr/>
+        </p:nvSpPr>
+        <p:spPr>
+          <a:xfrm>
+            <a:off x="392531" y="666576"/>
+            <a:ext cx="8430652" cy="276999"/>
+          </a:xfrm>
+          <a:prstGeom prst="rect">
+            <a:avLst/>
+          </a:prstGeom>
+          <a:noFill/>
+        </p:spPr>
+        <p:txBody>
+          <a:bodyPr wrap="square" rtlCol="0">
+            <a:spAutoFit/>
+          </a:bodyPr>
+          <a:lstStyle/>
+          <a:p>
+            <a:pPr algn="ctr"/>
+            <a:r>
+              <a:rPr kumimoji="1" lang="zh-CN" altLang="en-US" sz="1200" dirty="0"/>
+              <a:t>程序文件夹</a:t>
+            </a:r>
+            <a:endParaRPr kumimoji="1" lang="zh-CN" altLang="en-US" sz="1200" dirty="0"/>
+          </a:p>
+        </p:txBody>
+      </p:sp>
+      <p:sp>
+        <p:nvSpPr>
+          <p:cNvPr id="6" name="文本框 5"/>
+          <p:cNvSpPr txBox="1"/>
+          <p:nvPr/>
+        </p:nvSpPr>
+        <p:spPr>
+          <a:xfrm>
+            <a:off x="392531" y="168207"/>
+            <a:ext cx="8430652" cy="276999"/>
+          </a:xfrm>
+          <a:prstGeom prst="rect">
+            <a:avLst/>
+          </a:prstGeom>
+          <a:noFill/>
+        </p:spPr>
+        <p:txBody>
+          <a:bodyPr wrap="square" rtlCol="0">
+            <a:spAutoFit/>
+          </a:bodyPr>
+          <a:lstStyle/>
+          <a:p>
+            <a:pPr algn="ctr"/>
+            <a:r>
+              <a:rPr kumimoji="1" lang="zh-CN" altLang="en-US" sz="1200" dirty="0" smtClean="0"/>
+              <a:t>皮肤文件存储模型</a:t>
+            </a:r>
+            <a:endParaRPr kumimoji="1" lang="zh-CN" altLang="en-US" sz="1200" dirty="0"/>
+          </a:p>
+        </p:txBody>
+      </p:sp>
+      <p:sp>
+        <p:nvSpPr>
+          <p:cNvPr id="7" name="矩形 6"/>
+          <p:cNvSpPr/>
+          <p:nvPr/>
+        </p:nvSpPr>
+        <p:spPr>
+          <a:xfrm>
+            <a:off x="351986" y="959954"/>
+            <a:ext cx="8430652" cy="2988462"/>
+          </a:xfrm>
+          <a:prstGeom prst="rect">
+            <a:avLst/>
+          </a:prstGeom>
+        </p:spPr>
+        <p:style>
+          <a:lnRef idx="1">
+            <a:schemeClr val="accent1"/>
+          </a:lnRef>
+          <a:fillRef idx="3">
+            <a:schemeClr val="accent1"/>
+          </a:fillRef>
+          <a:effectRef idx="2">
+            <a:schemeClr val="accent1"/>
+          </a:effectRef>
+          <a:fontRef idx="minor">
+            <a:schemeClr val="lt1"/>
+          </a:fontRef>
+        </p:style>
+        <p:txBody>
+          <a:bodyPr rtlCol="0" anchor="ctr"/>
+          <a:lstStyle/>
+          <a:p>
+            <a:pPr algn="ctr"/>
+            <a:endParaRPr kumimoji="1" lang="zh-CN" altLang="en-US" dirty="0"/>
+          </a:p>
+        </p:txBody>
+      </p:sp>
+      <p:sp>
+        <p:nvSpPr>
+          <p:cNvPr id="8" name="文本框 7"/>
+          <p:cNvSpPr txBox="1"/>
+          <p:nvPr/>
+        </p:nvSpPr>
+        <p:spPr>
+          <a:xfrm>
+            <a:off x="351988" y="943575"/>
+            <a:ext cx="8430651" cy="276999"/>
+          </a:xfrm>
+          <a:prstGeom prst="rect">
+            <a:avLst/>
+          </a:prstGeom>
+          <a:noFill/>
+        </p:spPr>
+        <p:txBody>
+          <a:bodyPr wrap="square" rtlCol="0">
+            <a:spAutoFit/>
+          </a:bodyPr>
+          <a:lstStyle/>
+          <a:p>
+            <a:pPr algn="ctr"/>
+            <a:r>
+              <a:rPr lang="en-US" altLang="zh-CN" sz="1200" dirty="0" err="1"/>
+              <a:t>Documents</a:t>
+            </a:r>
+            <a:r>
+              <a:rPr lang="zh-CN" altLang="en-US" sz="1200" dirty="0" err="1"/>
+              <a:t>文件夹</a:t>
+            </a:r>
+            <a:endParaRPr kumimoji="1" lang="zh-CN" altLang="en-US" sz="1200" dirty="0"/>
+          </a:p>
+        </p:txBody>
+      </p:sp>
+      <p:sp>
+        <p:nvSpPr>
+          <p:cNvPr id="9" name="矩形 8"/>
+          <p:cNvSpPr/>
+          <p:nvPr/>
+        </p:nvSpPr>
+        <p:spPr>
+          <a:xfrm>
+            <a:off x="476491" y="1220574"/>
+            <a:ext cx="8171371" cy="2621061"/>
+          </a:xfrm>
+          <a:prstGeom prst="rect">
+            <a:avLst/>
+          </a:prstGeom>
+        </p:spPr>
+        <p:style>
+          <a:lnRef idx="1">
+            <a:schemeClr val="accent4"/>
+          </a:lnRef>
+          <a:fillRef idx="3">
+            <a:schemeClr val="accent4"/>
+          </a:fillRef>
+          <a:effectRef idx="2">
+            <a:schemeClr val="accent4"/>
+          </a:effectRef>
+          <a:fontRef idx="minor">
+            <a:schemeClr val="lt1"/>
+          </a:fontRef>
+        </p:style>
+        <p:txBody>
+          <a:bodyPr rtlCol="0" anchor="ctr"/>
+          <a:lstStyle/>
+          <a:p>
+            <a:pPr algn="ctr"/>
+            <a:endParaRPr kumimoji="1" lang="en-US" altLang="zh-TW" sz="1200" dirty="0">
+              <a:solidFill>
+                <a:schemeClr val="bg1"/>
+              </a:solidFill>
+            </a:endParaRPr>
+          </a:p>
+        </p:txBody>
+      </p:sp>
+      <p:sp>
+        <p:nvSpPr>
+          <p:cNvPr id="10" name="文本框 9"/>
+          <p:cNvSpPr txBox="1"/>
+          <p:nvPr/>
+        </p:nvSpPr>
+        <p:spPr>
+          <a:xfrm>
+            <a:off x="606670" y="1230054"/>
+            <a:ext cx="7941164" cy="276999"/>
+          </a:xfrm>
+          <a:prstGeom prst="rect">
+            <a:avLst/>
+          </a:prstGeom>
+          <a:noFill/>
+        </p:spPr>
+        <p:txBody>
+          <a:bodyPr wrap="square" rtlCol="0">
+            <a:spAutoFit/>
+          </a:bodyPr>
+          <a:lstStyle/>
+          <a:p>
+            <a:pPr algn="ctr"/>
+            <a:r>
+              <a:rPr kumimoji="1" lang="en-US" altLang="zh-CN" sz="1200" dirty="0"/>
+              <a:t>Skin</a:t>
+            </a:r>
+            <a:r>
+              <a:rPr kumimoji="1" lang="zh-CN" altLang="en-US" sz="1200" dirty="0"/>
+              <a:t>文件夹</a:t>
+            </a:r>
+            <a:endParaRPr kumimoji="1" lang="en-US" altLang="zh-CN" sz="1200" dirty="0"/>
+          </a:p>
+        </p:txBody>
+      </p:sp>
+      <p:sp>
+        <p:nvSpPr>
+          <p:cNvPr id="17" name="文本框 16"/>
+          <p:cNvSpPr txBox="1"/>
+          <p:nvPr/>
+        </p:nvSpPr>
+        <p:spPr>
+          <a:xfrm>
+            <a:off x="8204787" y="2353884"/>
+            <a:ext cx="432580" cy="523220"/>
+          </a:xfrm>
+          <a:prstGeom prst="rect">
+            <a:avLst/>
+          </a:prstGeom>
+          <a:noFill/>
+        </p:spPr>
+        <p:txBody>
+          <a:bodyPr wrap="none" rtlCol="0">
+            <a:spAutoFit/>
+          </a:bodyPr>
+          <a:lstStyle/>
+          <a:p>
+            <a:r>
+              <a:rPr kumimoji="1" lang="en-US" altLang="zh-CN" sz="2800" dirty="0" smtClean="0"/>
+              <a:t>…</a:t>
+            </a:r>
+            <a:endParaRPr kumimoji="1" lang="zh-CN" altLang="en-US" sz="2800" dirty="0"/>
+          </a:p>
+        </p:txBody>
+      </p:sp>
+      <p:grpSp>
+        <p:nvGrpSpPr>
+          <p:cNvPr id="21" name="组 20"/>
+          <p:cNvGrpSpPr/>
+          <p:nvPr/>
+        </p:nvGrpSpPr>
+        <p:grpSpPr>
+          <a:xfrm>
+            <a:off x="606670" y="1507053"/>
+            <a:ext cx="2476286" cy="2208626"/>
+            <a:chOff x="606670" y="1507053"/>
+            <a:chExt cx="2476286" cy="2208626"/>
+          </a:xfrm>
+        </p:grpSpPr>
+        <p:sp>
+          <p:nvSpPr>
+            <p:cNvPr id="11" name="矩形 10"/>
+            <p:cNvSpPr/>
+            <p:nvPr/>
+          </p:nvSpPr>
+          <p:spPr>
+            <a:xfrm>
+              <a:off x="606670" y="1507053"/>
+              <a:ext cx="2476286" cy="2208626"/>
+            </a:xfrm>
+            <a:prstGeom prst="rect">
+              <a:avLst/>
+            </a:prstGeom>
+          </p:spPr>
+          <p:style>
+            <a:lnRef idx="1">
+              <a:schemeClr val="accent6"/>
+            </a:lnRef>
+            <a:fillRef idx="3">
+              <a:schemeClr val="accent6"/>
+            </a:fillRef>
+            <a:effectRef idx="2">
+              <a:schemeClr val="accent6"/>
+            </a:effectRef>
+            <a:fontRef idx="minor">
+              <a:schemeClr val="lt1"/>
+            </a:fontRef>
+          </p:style>
+          <p:txBody>
+            <a:bodyPr rtlCol="0" anchor="ctr"/>
+            <a:lstStyle/>
+            <a:p>
+              <a:pPr algn="ctr"/>
+              <a:endParaRPr kumimoji="1" lang="en-US" altLang="zh-CN" dirty="0" smtClean="0"/>
+            </a:p>
+            <a:p>
+              <a:pPr algn="ctr"/>
+              <a:endParaRPr kumimoji="1" lang="en-US" altLang="zh-CN" dirty="0" smtClean="0"/>
+            </a:p>
+            <a:p>
+              <a:pPr algn="ctr"/>
+              <a:endParaRPr kumimoji="1" lang="en-US" altLang="zh-CN" dirty="0" smtClean="0"/>
+            </a:p>
+          </p:txBody>
+        </p:sp>
+        <p:sp>
+          <p:nvSpPr>
+            <p:cNvPr id="12" name="文本框 11"/>
+            <p:cNvSpPr txBox="1"/>
+            <p:nvPr/>
+          </p:nvSpPr>
+          <p:spPr>
+            <a:xfrm>
+              <a:off x="606670" y="1507053"/>
+              <a:ext cx="2476286" cy="276999"/>
+            </a:xfrm>
+            <a:prstGeom prst="rect">
+              <a:avLst/>
+            </a:prstGeom>
+            <a:noFill/>
+          </p:spPr>
+          <p:txBody>
+            <a:bodyPr wrap="square" rtlCol="0">
+              <a:spAutoFit/>
+            </a:bodyPr>
+            <a:lstStyle/>
+            <a:p>
+              <a:pPr algn="ctr"/>
+              <a:r>
+                <a:rPr kumimoji="1" lang="en-US" altLang="zh-CN" sz="1200" dirty="0" smtClean="0">
+                  <a:solidFill>
+                    <a:schemeClr val="accent6">
+                      <a:lumMod val="50000"/>
+                    </a:schemeClr>
+                  </a:solidFill>
+                </a:rPr>
+                <a:t>&lt;URL-MD5&gt;</a:t>
+              </a:r>
+              <a:r>
+                <a:rPr kumimoji="1" lang="zh-CN" altLang="en-US" sz="1200" dirty="0" smtClean="0">
+                  <a:solidFill>
+                    <a:schemeClr val="accent6">
+                      <a:lumMod val="50000"/>
+                    </a:schemeClr>
+                  </a:solidFill>
+                </a:rPr>
+                <a:t>文件夹（皮肤文件夹）</a:t>
+              </a:r>
+              <a:endParaRPr kumimoji="1" lang="en-US" altLang="zh-CN" sz="1200" dirty="0" smtClean="0">
+                <a:solidFill>
+                  <a:schemeClr val="accent6">
+                    <a:lumMod val="50000"/>
+                  </a:schemeClr>
+                </a:solidFill>
+              </a:endParaRPr>
+            </a:p>
+          </p:txBody>
+        </p:sp>
+        <p:sp>
+          <p:nvSpPr>
+            <p:cNvPr id="18" name="矩形 17"/>
+            <p:cNvSpPr/>
+            <p:nvPr/>
+          </p:nvSpPr>
+          <p:spPr>
+            <a:xfrm>
+              <a:off x="696827" y="1815540"/>
+              <a:ext cx="2278808" cy="614992"/>
+            </a:xfrm>
+            <a:prstGeom prst="rect">
+              <a:avLst/>
+            </a:prstGeom>
+          </p:spPr>
+          <p:style>
+            <a:lnRef idx="1">
+              <a:schemeClr val="accent3"/>
+            </a:lnRef>
+            <a:fillRef idx="3">
+              <a:schemeClr val="accent3"/>
+            </a:fillRef>
+            <a:effectRef idx="2">
+              <a:schemeClr val="accent3"/>
+            </a:effectRef>
+            <a:fontRef idx="minor">
+              <a:schemeClr val="lt1"/>
+            </a:fontRef>
+          </p:style>
+          <p:txBody>
+            <a:bodyPr rtlCol="0" anchor="ctr"/>
+            <a:lstStyle/>
+            <a:p>
+              <a:pPr algn="ctr"/>
+              <a:r>
+                <a:rPr kumimoji="1" lang="en-US" altLang="zh-CN" sz="1200" dirty="0">
+                  <a:solidFill>
+                    <a:schemeClr val="accent1">
+                      <a:lumMod val="50000"/>
+                    </a:schemeClr>
+                  </a:solidFill>
+                </a:rPr>
+                <a:t>index.ini</a:t>
+              </a:r>
+            </a:p>
+            <a:p>
+              <a:pPr algn="ctr"/>
+              <a:r>
+                <a:rPr kumimoji="1" lang="zh-CN" altLang="zh-CN" sz="1200" dirty="0">
+                  <a:solidFill>
+                    <a:schemeClr val="accent1">
+                      <a:lumMod val="50000"/>
+                    </a:schemeClr>
+                  </a:solidFill>
+                </a:rPr>
+                <a:t>（</a:t>
+              </a:r>
+              <a:r>
+                <a:rPr kumimoji="1" lang="zh-CN" altLang="en-US" sz="1200" dirty="0">
+                  <a:solidFill>
+                    <a:schemeClr val="accent1">
+                      <a:lumMod val="50000"/>
+                    </a:schemeClr>
+                  </a:solidFill>
+                </a:rPr>
+                <a:t>皮肤信息文件）</a:t>
+              </a:r>
+              <a:endParaRPr kumimoji="1" lang="en-US" altLang="zh-CN" sz="1200" dirty="0">
+                <a:solidFill>
+                  <a:schemeClr val="accent1">
+                    <a:lumMod val="50000"/>
+                  </a:schemeClr>
+                </a:solidFill>
+              </a:endParaRPr>
+            </a:p>
+          </p:txBody>
+        </p:sp>
+        <p:sp>
+          <p:nvSpPr>
+            <p:cNvPr id="19" name="矩形 18"/>
+            <p:cNvSpPr/>
+            <p:nvPr/>
+          </p:nvSpPr>
+          <p:spPr>
+            <a:xfrm>
+              <a:off x="696827" y="2569608"/>
+              <a:ext cx="2278808" cy="1020116"/>
+            </a:xfrm>
+            <a:prstGeom prst="rect">
+              <a:avLst/>
+            </a:prstGeom>
+          </p:spPr>
+          <p:style>
+            <a:lnRef idx="1">
+              <a:schemeClr val="accent3"/>
+            </a:lnRef>
+            <a:fillRef idx="3">
+              <a:schemeClr val="accent3"/>
+            </a:fillRef>
+            <a:effectRef idx="2">
+              <a:schemeClr val="accent3"/>
+            </a:effectRef>
+            <a:fontRef idx="minor">
+              <a:schemeClr val="lt1"/>
+            </a:fontRef>
+          </p:style>
+          <p:txBody>
+            <a:bodyPr rtlCol="0" anchor="ctr"/>
+            <a:lstStyle/>
+            <a:p>
+              <a:pPr algn="ctr"/>
+              <a:r>
+                <a:rPr kumimoji="1" lang="zh-CN" altLang="en-US" sz="1200" dirty="0">
+                  <a:solidFill>
+                    <a:schemeClr val="accent1">
+                      <a:lumMod val="50000"/>
+                    </a:schemeClr>
+                  </a:solidFill>
+                </a:rPr>
+                <a:t>其它素材文件</a:t>
+              </a:r>
+              <a:endParaRPr kumimoji="1" lang="en-US" altLang="zh-CN" sz="1200" dirty="0">
+                <a:solidFill>
+                  <a:schemeClr val="accent1">
+                    <a:lumMod val="50000"/>
+                  </a:schemeClr>
+                </a:solidFill>
+              </a:endParaRPr>
+            </a:p>
+            <a:p>
+              <a:pPr algn="ctr"/>
+              <a:r>
+                <a:rPr kumimoji="1" lang="zh-CN" altLang="zh-CN" sz="1200" dirty="0">
+                  <a:solidFill>
+                    <a:schemeClr val="accent1">
+                      <a:lumMod val="50000"/>
+                    </a:schemeClr>
+                  </a:solidFill>
+                </a:rPr>
+                <a:t>（</a:t>
+              </a:r>
+              <a:r>
+                <a:rPr kumimoji="1" lang="zh-CN" altLang="en-US" sz="1200" dirty="0">
+                  <a:solidFill>
+                    <a:schemeClr val="accent1">
+                      <a:lumMod val="50000"/>
+                    </a:schemeClr>
+                  </a:solidFill>
+                </a:rPr>
+                <a:t>在</a:t>
+              </a:r>
+              <a:r>
+                <a:rPr kumimoji="1" lang="en-US" altLang="zh-CN" sz="1200" dirty="0">
+                  <a:solidFill>
+                    <a:schemeClr val="accent1">
+                      <a:lumMod val="50000"/>
+                    </a:schemeClr>
+                  </a:solidFill>
+                </a:rPr>
+                <a:t>index.ini</a:t>
+              </a:r>
+              <a:r>
+                <a:rPr kumimoji="1" lang="zh-CN" altLang="en-US" sz="1200" dirty="0">
+                  <a:solidFill>
+                    <a:schemeClr val="accent1">
+                      <a:lumMod val="50000"/>
+                    </a:schemeClr>
+                  </a:solidFill>
+                </a:rPr>
+                <a:t>中关联</a:t>
+              </a:r>
+              <a:r>
+                <a:rPr kumimoji="1" lang="zh-CN" altLang="en-US" sz="1200" dirty="0">
+                  <a:solidFill>
+                    <a:schemeClr val="accent1">
+                      <a:lumMod val="50000"/>
+                    </a:schemeClr>
+                  </a:solidFill>
+                </a:rPr>
+                <a:t>）</a:t>
+              </a:r>
+              <a:endParaRPr kumimoji="1" lang="en-US" altLang="zh-CN" sz="1200" dirty="0">
+                <a:solidFill>
+                  <a:schemeClr val="accent1">
+                    <a:lumMod val="50000"/>
+                  </a:schemeClr>
+                </a:solidFill>
+              </a:endParaRPr>
+            </a:p>
+          </p:txBody>
+        </p:sp>
+      </p:grpSp>
+      <p:sp>
+        <p:nvSpPr>
+          <p:cNvPr id="20" name="文本框 19"/>
+          <p:cNvSpPr txBox="1"/>
+          <p:nvPr/>
+        </p:nvSpPr>
+        <p:spPr>
+          <a:xfrm>
+            <a:off x="827070" y="4318234"/>
+            <a:ext cx="2008257" cy="276999"/>
+          </a:xfrm>
+          <a:prstGeom prst="rect">
+            <a:avLst/>
+          </a:prstGeom>
+          <a:noFill/>
+        </p:spPr>
+        <p:txBody>
+          <a:bodyPr wrap="none" rtlCol="0">
+            <a:spAutoFit/>
+          </a:bodyPr>
+          <a:lstStyle/>
+          <a:p>
+            <a:r>
+              <a:rPr kumimoji="1" lang="zh-CN" altLang="en-US" sz="1200"/>
+              <a:t>预览图建议尺寸：</a:t>
+            </a:r>
+            <a:r>
+              <a:rPr kumimoji="1" lang="en-US" altLang="zh-CN" sz="1200"/>
+              <a:t>128x192</a:t>
+            </a:r>
+            <a:endParaRPr kumimoji="1" lang="zh-CN" altLang="en-US" sz="1200"/>
+          </a:p>
+        </p:txBody>
+      </p:sp>
+      <p:grpSp>
+        <p:nvGrpSpPr>
+          <p:cNvPr id="22" name="组 21"/>
+          <p:cNvGrpSpPr/>
+          <p:nvPr/>
+        </p:nvGrpSpPr>
+        <p:grpSpPr>
+          <a:xfrm>
+            <a:off x="3170015" y="1507053"/>
+            <a:ext cx="2476286" cy="2208626"/>
+            <a:chOff x="606670" y="1507053"/>
+            <a:chExt cx="2476286" cy="2208626"/>
+          </a:xfrm>
+        </p:grpSpPr>
+        <p:sp>
+          <p:nvSpPr>
+            <p:cNvPr id="23" name="矩形 22"/>
+            <p:cNvSpPr/>
+            <p:nvPr/>
+          </p:nvSpPr>
+          <p:spPr>
+            <a:xfrm>
+              <a:off x="606670" y="1507053"/>
+              <a:ext cx="2476286" cy="2208626"/>
+            </a:xfrm>
+            <a:prstGeom prst="rect">
+              <a:avLst/>
+            </a:prstGeom>
+          </p:spPr>
+          <p:style>
+            <a:lnRef idx="1">
+              <a:schemeClr val="accent6"/>
+            </a:lnRef>
+            <a:fillRef idx="3">
+              <a:schemeClr val="accent6"/>
+            </a:fillRef>
+            <a:effectRef idx="2">
+              <a:schemeClr val="accent6"/>
+            </a:effectRef>
+            <a:fontRef idx="minor">
+              <a:schemeClr val="lt1"/>
+            </a:fontRef>
+          </p:style>
+          <p:txBody>
+            <a:bodyPr rtlCol="0" anchor="ctr"/>
+            <a:lstStyle/>
+            <a:p>
+              <a:pPr algn="ctr"/>
+              <a:endParaRPr kumimoji="1" lang="en-US" altLang="zh-CN" dirty="0" smtClean="0"/>
+            </a:p>
+            <a:p>
+              <a:pPr algn="ctr"/>
+              <a:endParaRPr kumimoji="1" lang="en-US" altLang="zh-CN" dirty="0" smtClean="0"/>
+            </a:p>
+            <a:p>
+              <a:pPr algn="ctr"/>
+              <a:endParaRPr kumimoji="1" lang="en-US" altLang="zh-CN" dirty="0" smtClean="0"/>
+            </a:p>
+          </p:txBody>
+        </p:sp>
+        <p:sp>
+          <p:nvSpPr>
+            <p:cNvPr id="24" name="文本框 23"/>
+            <p:cNvSpPr txBox="1"/>
+            <p:nvPr/>
+          </p:nvSpPr>
+          <p:spPr>
+            <a:xfrm>
+              <a:off x="606670" y="1507053"/>
+              <a:ext cx="2476286" cy="276999"/>
+            </a:xfrm>
+            <a:prstGeom prst="rect">
+              <a:avLst/>
+            </a:prstGeom>
+            <a:noFill/>
+          </p:spPr>
+          <p:txBody>
+            <a:bodyPr wrap="square" rtlCol="0">
+              <a:spAutoFit/>
+            </a:bodyPr>
+            <a:lstStyle/>
+            <a:p>
+              <a:pPr algn="ctr"/>
+              <a:r>
+                <a:rPr kumimoji="1" lang="en-US" altLang="zh-CN" sz="1200" dirty="0" smtClean="0">
+                  <a:solidFill>
+                    <a:schemeClr val="accent6">
+                      <a:lumMod val="50000"/>
+                    </a:schemeClr>
+                  </a:solidFill>
+                </a:rPr>
+                <a:t>&lt;URL-MD5&gt;</a:t>
+              </a:r>
+              <a:r>
+                <a:rPr kumimoji="1" lang="zh-CN" altLang="en-US" sz="1200" dirty="0" smtClean="0">
+                  <a:solidFill>
+                    <a:schemeClr val="accent6">
+                      <a:lumMod val="50000"/>
+                    </a:schemeClr>
+                  </a:solidFill>
+                </a:rPr>
+                <a:t>文件夹（皮肤文件夹）</a:t>
+              </a:r>
+              <a:endParaRPr kumimoji="1" lang="en-US" altLang="zh-CN" sz="1200" dirty="0" smtClean="0">
+                <a:solidFill>
+                  <a:schemeClr val="accent6">
+                    <a:lumMod val="50000"/>
+                  </a:schemeClr>
+                </a:solidFill>
+              </a:endParaRPr>
+            </a:p>
+          </p:txBody>
+        </p:sp>
+        <p:sp>
+          <p:nvSpPr>
+            <p:cNvPr id="25" name="矩形 24"/>
+            <p:cNvSpPr/>
+            <p:nvPr/>
+          </p:nvSpPr>
+          <p:spPr>
+            <a:xfrm>
+              <a:off x="696827" y="1815540"/>
+              <a:ext cx="2278808" cy="614992"/>
+            </a:xfrm>
+            <a:prstGeom prst="rect">
+              <a:avLst/>
+            </a:prstGeom>
+          </p:spPr>
+          <p:style>
+            <a:lnRef idx="1">
+              <a:schemeClr val="accent3"/>
+            </a:lnRef>
+            <a:fillRef idx="3">
+              <a:schemeClr val="accent3"/>
+            </a:fillRef>
+            <a:effectRef idx="2">
+              <a:schemeClr val="accent3"/>
+            </a:effectRef>
+            <a:fontRef idx="minor">
+              <a:schemeClr val="lt1"/>
+            </a:fontRef>
+          </p:style>
+          <p:txBody>
+            <a:bodyPr rtlCol="0" anchor="ctr"/>
+            <a:lstStyle/>
+            <a:p>
+              <a:pPr algn="ctr"/>
+              <a:r>
+                <a:rPr kumimoji="1" lang="en-US" altLang="zh-CN" sz="1200" dirty="0">
+                  <a:solidFill>
+                    <a:schemeClr val="accent1">
+                      <a:lumMod val="50000"/>
+                    </a:schemeClr>
+                  </a:solidFill>
+                </a:rPr>
+                <a:t>index.ini</a:t>
+              </a:r>
+            </a:p>
+            <a:p>
+              <a:pPr algn="ctr"/>
+              <a:r>
+                <a:rPr kumimoji="1" lang="zh-CN" altLang="zh-CN" sz="1200" dirty="0">
+                  <a:solidFill>
+                    <a:schemeClr val="accent1">
+                      <a:lumMod val="50000"/>
+                    </a:schemeClr>
+                  </a:solidFill>
+                </a:rPr>
+                <a:t>（</a:t>
+              </a:r>
+              <a:r>
+                <a:rPr kumimoji="1" lang="zh-CN" altLang="en-US" sz="1200" dirty="0">
+                  <a:solidFill>
+                    <a:schemeClr val="accent1">
+                      <a:lumMod val="50000"/>
+                    </a:schemeClr>
+                  </a:solidFill>
+                </a:rPr>
+                <a:t>皮肤信息文件）</a:t>
+              </a:r>
+              <a:endParaRPr kumimoji="1" lang="en-US" altLang="zh-CN" sz="1200" dirty="0">
+                <a:solidFill>
+                  <a:schemeClr val="accent1">
+                    <a:lumMod val="50000"/>
+                  </a:schemeClr>
+                </a:solidFill>
+              </a:endParaRPr>
+            </a:p>
+          </p:txBody>
+        </p:sp>
+        <p:sp>
+          <p:nvSpPr>
+            <p:cNvPr id="26" name="矩形 25"/>
+            <p:cNvSpPr/>
+            <p:nvPr/>
+          </p:nvSpPr>
+          <p:spPr>
+            <a:xfrm>
+              <a:off x="696827" y="2569608"/>
+              <a:ext cx="2278808" cy="1020116"/>
+            </a:xfrm>
+            <a:prstGeom prst="rect">
+              <a:avLst/>
+            </a:prstGeom>
+          </p:spPr>
+          <p:style>
+            <a:lnRef idx="1">
+              <a:schemeClr val="accent3"/>
+            </a:lnRef>
+            <a:fillRef idx="3">
+              <a:schemeClr val="accent3"/>
+            </a:fillRef>
+            <a:effectRef idx="2">
+              <a:schemeClr val="accent3"/>
+            </a:effectRef>
+            <a:fontRef idx="minor">
+              <a:schemeClr val="lt1"/>
+            </a:fontRef>
+          </p:style>
+          <p:txBody>
+            <a:bodyPr rtlCol="0" anchor="ctr"/>
+            <a:lstStyle/>
+            <a:p>
+              <a:pPr algn="ctr"/>
+              <a:r>
+                <a:rPr kumimoji="1" lang="zh-CN" altLang="en-US" sz="1200" dirty="0">
+                  <a:solidFill>
+                    <a:schemeClr val="accent1">
+                      <a:lumMod val="50000"/>
+                    </a:schemeClr>
+                  </a:solidFill>
+                </a:rPr>
+                <a:t>其它素材文件</a:t>
+              </a:r>
+              <a:endParaRPr kumimoji="1" lang="en-US" altLang="zh-CN" sz="1200" dirty="0">
+                <a:solidFill>
+                  <a:schemeClr val="accent1">
+                    <a:lumMod val="50000"/>
+                  </a:schemeClr>
+                </a:solidFill>
+              </a:endParaRPr>
+            </a:p>
+            <a:p>
+              <a:pPr algn="ctr"/>
+              <a:r>
+                <a:rPr kumimoji="1" lang="zh-CN" altLang="zh-CN" sz="1200" dirty="0">
+                  <a:solidFill>
+                    <a:schemeClr val="accent1">
+                      <a:lumMod val="50000"/>
+                    </a:schemeClr>
+                  </a:solidFill>
+                </a:rPr>
+                <a:t>（</a:t>
+              </a:r>
+              <a:r>
+                <a:rPr kumimoji="1" lang="zh-CN" altLang="en-US" sz="1200" dirty="0">
+                  <a:solidFill>
+                    <a:schemeClr val="accent1">
+                      <a:lumMod val="50000"/>
+                    </a:schemeClr>
+                  </a:solidFill>
+                </a:rPr>
+                <a:t>在</a:t>
+              </a:r>
+              <a:r>
+                <a:rPr kumimoji="1" lang="en-US" altLang="zh-CN" sz="1200" dirty="0">
+                  <a:solidFill>
+                    <a:schemeClr val="accent1">
+                      <a:lumMod val="50000"/>
+                    </a:schemeClr>
+                  </a:solidFill>
+                </a:rPr>
+                <a:t>index.ini</a:t>
+              </a:r>
+              <a:r>
+                <a:rPr kumimoji="1" lang="zh-CN" altLang="en-US" sz="1200" dirty="0">
+                  <a:solidFill>
+                    <a:schemeClr val="accent1">
+                      <a:lumMod val="50000"/>
+                    </a:schemeClr>
+                  </a:solidFill>
+                </a:rPr>
+                <a:t>中关联</a:t>
+              </a:r>
+              <a:r>
+                <a:rPr kumimoji="1" lang="zh-CN" altLang="en-US" sz="1200" dirty="0">
+                  <a:solidFill>
+                    <a:schemeClr val="accent1">
+                      <a:lumMod val="50000"/>
+                    </a:schemeClr>
+                  </a:solidFill>
+                </a:rPr>
+                <a:t>）</a:t>
+              </a:r>
+              <a:endParaRPr kumimoji="1" lang="en-US" altLang="zh-CN" sz="1200" dirty="0">
+                <a:solidFill>
+                  <a:schemeClr val="accent1">
+                    <a:lumMod val="50000"/>
+                  </a:schemeClr>
+                </a:solidFill>
+              </a:endParaRPr>
+            </a:p>
+          </p:txBody>
+        </p:sp>
+      </p:grpSp>
+      <p:grpSp>
+        <p:nvGrpSpPr>
+          <p:cNvPr id="27" name="组 26"/>
+          <p:cNvGrpSpPr/>
+          <p:nvPr/>
+        </p:nvGrpSpPr>
+        <p:grpSpPr>
+          <a:xfrm>
+            <a:off x="5738996" y="1507053"/>
+            <a:ext cx="2476286" cy="2208626"/>
+            <a:chOff x="606670" y="1507053"/>
+            <a:chExt cx="2476286" cy="2208626"/>
+          </a:xfrm>
+        </p:grpSpPr>
+        <p:sp>
+          <p:nvSpPr>
+            <p:cNvPr id="28" name="矩形 27"/>
+            <p:cNvSpPr/>
+            <p:nvPr/>
+          </p:nvSpPr>
+          <p:spPr>
+            <a:xfrm>
+              <a:off x="606670" y="1507053"/>
+              <a:ext cx="2476286" cy="2208626"/>
+            </a:xfrm>
+            <a:prstGeom prst="rect">
+              <a:avLst/>
+            </a:prstGeom>
+          </p:spPr>
+          <p:style>
+            <a:lnRef idx="1">
+              <a:schemeClr val="accent6"/>
+            </a:lnRef>
+            <a:fillRef idx="3">
+              <a:schemeClr val="accent6"/>
+            </a:fillRef>
+            <a:effectRef idx="2">
+              <a:schemeClr val="accent6"/>
+            </a:effectRef>
+            <a:fontRef idx="minor">
+              <a:schemeClr val="lt1"/>
+            </a:fontRef>
+          </p:style>
+          <p:txBody>
+            <a:bodyPr rtlCol="0" anchor="ctr"/>
+            <a:lstStyle/>
+            <a:p>
+              <a:pPr algn="ctr"/>
+              <a:endParaRPr kumimoji="1" lang="en-US" altLang="zh-CN" dirty="0" smtClean="0"/>
+            </a:p>
+            <a:p>
+              <a:pPr algn="ctr"/>
+              <a:endParaRPr kumimoji="1" lang="en-US" altLang="zh-CN" dirty="0" smtClean="0"/>
+            </a:p>
+            <a:p>
+              <a:pPr algn="ctr"/>
+              <a:endParaRPr kumimoji="1" lang="en-US" altLang="zh-CN" dirty="0" smtClean="0"/>
+            </a:p>
+          </p:txBody>
+        </p:sp>
+        <p:sp>
+          <p:nvSpPr>
+            <p:cNvPr id="29" name="文本框 28"/>
+            <p:cNvSpPr txBox="1"/>
+            <p:nvPr/>
+          </p:nvSpPr>
+          <p:spPr>
+            <a:xfrm>
+              <a:off x="606670" y="1507053"/>
+              <a:ext cx="2476286" cy="276999"/>
+            </a:xfrm>
+            <a:prstGeom prst="rect">
+              <a:avLst/>
+            </a:prstGeom>
+            <a:noFill/>
+          </p:spPr>
+          <p:txBody>
+            <a:bodyPr wrap="square" rtlCol="0">
+              <a:spAutoFit/>
+            </a:bodyPr>
+            <a:lstStyle/>
+            <a:p>
+              <a:pPr algn="ctr"/>
+              <a:r>
+                <a:rPr kumimoji="1" lang="en-US" altLang="zh-CN" sz="1200" dirty="0" smtClean="0">
+                  <a:solidFill>
+                    <a:schemeClr val="accent6">
+                      <a:lumMod val="50000"/>
+                    </a:schemeClr>
+                  </a:solidFill>
+                </a:rPr>
+                <a:t>&lt;URL-MD5&gt;</a:t>
+              </a:r>
+              <a:r>
+                <a:rPr kumimoji="1" lang="zh-CN" altLang="en-US" sz="1200" dirty="0" smtClean="0">
+                  <a:solidFill>
+                    <a:schemeClr val="accent6">
+                      <a:lumMod val="50000"/>
+                    </a:schemeClr>
+                  </a:solidFill>
+                </a:rPr>
+                <a:t>文件夹（皮肤文件夹）</a:t>
+              </a:r>
+              <a:endParaRPr kumimoji="1" lang="en-US" altLang="zh-CN" sz="1200" dirty="0" smtClean="0">
+                <a:solidFill>
+                  <a:schemeClr val="accent6">
+                    <a:lumMod val="50000"/>
+                  </a:schemeClr>
+                </a:solidFill>
+              </a:endParaRPr>
+            </a:p>
+          </p:txBody>
+        </p:sp>
+        <p:sp>
+          <p:nvSpPr>
+            <p:cNvPr id="30" name="矩形 29"/>
+            <p:cNvSpPr/>
+            <p:nvPr/>
+          </p:nvSpPr>
+          <p:spPr>
+            <a:xfrm>
+              <a:off x="696827" y="1815540"/>
+              <a:ext cx="2278808" cy="614992"/>
+            </a:xfrm>
+            <a:prstGeom prst="rect">
+              <a:avLst/>
+            </a:prstGeom>
+          </p:spPr>
+          <p:style>
+            <a:lnRef idx="1">
+              <a:schemeClr val="accent3"/>
+            </a:lnRef>
+            <a:fillRef idx="3">
+              <a:schemeClr val="accent3"/>
+            </a:fillRef>
+            <a:effectRef idx="2">
+              <a:schemeClr val="accent3"/>
+            </a:effectRef>
+            <a:fontRef idx="minor">
+              <a:schemeClr val="lt1"/>
+            </a:fontRef>
+          </p:style>
+          <p:txBody>
+            <a:bodyPr rtlCol="0" anchor="ctr"/>
+            <a:lstStyle/>
+            <a:p>
+              <a:pPr algn="ctr"/>
+              <a:r>
+                <a:rPr kumimoji="1" lang="en-US" altLang="zh-CN" sz="1200" dirty="0">
+                  <a:solidFill>
+                    <a:schemeClr val="accent1">
+                      <a:lumMod val="50000"/>
+                    </a:schemeClr>
+                  </a:solidFill>
+                </a:rPr>
+                <a:t>index.ini</a:t>
+              </a:r>
+            </a:p>
+            <a:p>
+              <a:pPr algn="ctr"/>
+              <a:r>
+                <a:rPr kumimoji="1" lang="zh-CN" altLang="zh-CN" sz="1200" dirty="0">
+                  <a:solidFill>
+                    <a:schemeClr val="accent1">
+                      <a:lumMod val="50000"/>
+                    </a:schemeClr>
+                  </a:solidFill>
+                </a:rPr>
+                <a:t>（</a:t>
+              </a:r>
+              <a:r>
+                <a:rPr kumimoji="1" lang="zh-CN" altLang="en-US" sz="1200" dirty="0">
+                  <a:solidFill>
+                    <a:schemeClr val="accent1">
+                      <a:lumMod val="50000"/>
+                    </a:schemeClr>
+                  </a:solidFill>
+                </a:rPr>
+                <a:t>皮肤信息文件）</a:t>
+              </a:r>
+              <a:endParaRPr kumimoji="1" lang="en-US" altLang="zh-CN" sz="1200" dirty="0">
+                <a:solidFill>
+                  <a:schemeClr val="accent1">
+                    <a:lumMod val="50000"/>
+                  </a:schemeClr>
+                </a:solidFill>
+              </a:endParaRPr>
+            </a:p>
+          </p:txBody>
+        </p:sp>
+        <p:sp>
+          <p:nvSpPr>
+            <p:cNvPr id="31" name="矩形 30"/>
+            <p:cNvSpPr/>
+            <p:nvPr/>
+          </p:nvSpPr>
+          <p:spPr>
+            <a:xfrm>
+              <a:off x="696827" y="2569608"/>
+              <a:ext cx="2278808" cy="1020116"/>
+            </a:xfrm>
+            <a:prstGeom prst="rect">
+              <a:avLst/>
+            </a:prstGeom>
+          </p:spPr>
+          <p:style>
+            <a:lnRef idx="1">
+              <a:schemeClr val="accent3"/>
+            </a:lnRef>
+            <a:fillRef idx="3">
+              <a:schemeClr val="accent3"/>
+            </a:fillRef>
+            <a:effectRef idx="2">
+              <a:schemeClr val="accent3"/>
+            </a:effectRef>
+            <a:fontRef idx="minor">
+              <a:schemeClr val="lt1"/>
+            </a:fontRef>
+          </p:style>
+          <p:txBody>
+            <a:bodyPr rtlCol="0" anchor="ctr"/>
+            <a:lstStyle/>
+            <a:p>
+              <a:pPr algn="ctr"/>
+              <a:r>
+                <a:rPr kumimoji="1" lang="zh-CN" altLang="en-US" sz="1200" dirty="0">
+                  <a:solidFill>
+                    <a:schemeClr val="accent1">
+                      <a:lumMod val="50000"/>
+                    </a:schemeClr>
+                  </a:solidFill>
+                </a:rPr>
+                <a:t>其它素材文件</a:t>
+              </a:r>
+              <a:endParaRPr kumimoji="1" lang="en-US" altLang="zh-CN" sz="1200" dirty="0">
+                <a:solidFill>
+                  <a:schemeClr val="accent1">
+                    <a:lumMod val="50000"/>
+                  </a:schemeClr>
+                </a:solidFill>
+              </a:endParaRPr>
+            </a:p>
+            <a:p>
+              <a:pPr algn="ctr"/>
+              <a:r>
+                <a:rPr kumimoji="1" lang="zh-CN" altLang="zh-CN" sz="1200" dirty="0">
+                  <a:solidFill>
+                    <a:schemeClr val="accent1">
+                      <a:lumMod val="50000"/>
+                    </a:schemeClr>
+                  </a:solidFill>
+                </a:rPr>
+                <a:t>（</a:t>
+              </a:r>
+              <a:r>
+                <a:rPr kumimoji="1" lang="zh-CN" altLang="en-US" sz="1200" dirty="0">
+                  <a:solidFill>
+                    <a:schemeClr val="accent1">
+                      <a:lumMod val="50000"/>
+                    </a:schemeClr>
+                  </a:solidFill>
+                </a:rPr>
+                <a:t>在</a:t>
+              </a:r>
+              <a:r>
+                <a:rPr kumimoji="1" lang="en-US" altLang="zh-CN" sz="1200" dirty="0">
+                  <a:solidFill>
+                    <a:schemeClr val="accent1">
+                      <a:lumMod val="50000"/>
+                    </a:schemeClr>
+                  </a:solidFill>
+                </a:rPr>
+                <a:t>index.ini</a:t>
+              </a:r>
+              <a:r>
+                <a:rPr kumimoji="1" lang="zh-CN" altLang="en-US" sz="1200" dirty="0">
+                  <a:solidFill>
+                    <a:schemeClr val="accent1">
+                      <a:lumMod val="50000"/>
+                    </a:schemeClr>
+                  </a:solidFill>
+                </a:rPr>
+                <a:t>中关联</a:t>
+              </a:r>
+              <a:r>
+                <a:rPr kumimoji="1" lang="zh-CN" altLang="en-US" sz="1200" dirty="0">
+                  <a:solidFill>
+                    <a:schemeClr val="accent1">
+                      <a:lumMod val="50000"/>
+                    </a:schemeClr>
+                  </a:solidFill>
+                </a:rPr>
+                <a:t>）</a:t>
+              </a:r>
+              <a:endParaRPr kumimoji="1" lang="en-US" altLang="zh-CN" sz="1200" dirty="0">
+                <a:solidFill>
+                  <a:schemeClr val="accent1">
+                    <a:lumMod val="50000"/>
+                  </a:schemeClr>
+                </a:solidFill>
+              </a:endParaRPr>
+            </a:p>
+          </p:txBody>
+        </p:sp>
+      </p:grpSp>
+    </p:spTree>
+    <p:extLst>
+      <p:ext uri="{BB962C8B-B14F-4D97-AF65-F5344CB8AC3E}">
+        <p14:creationId xmlns:p14="http://schemas.microsoft.com/office/powerpoint/2010/main" val="1865562947"/>
       </p:ext>
     </p:extLst>
   </p:cSld>
